--- a/Project1_IMDB_data analysis.pptx
+++ b/Project1_IMDB_data analysis.pptx
@@ -1,39 +1,39 @@
 
 <file path=ppt/presentation.xml><?xml version="1.0" encoding="utf-8"?>
-<p:presentation xmlns:a="http://schemas.openxmlformats.org/drawingml/2006/main" xmlns:r="http://schemas.openxmlformats.org/officeDocument/2006/relationships" xmlns:mc="http://schemas.openxmlformats.org/markup-compatibility/2006" xmlns:mv="urn:schemas-microsoft-com:mac:vml" xmlns:p="http://schemas.openxmlformats.org/presentationml/2006/main" xmlns:c="http://schemas.openxmlformats.org/drawingml/2006/chart" xmlns:dgm="http://schemas.openxmlformats.org/drawingml/2006/diagram" xmlns:o="urn:schemas-microsoft-com:office:office" xmlns:v="urn:schemas-microsoft-com:vml" xmlns:pvml="urn:schemas-microsoft-com:office:powerpoint" xmlns:com="http://schemas.openxmlformats.org/drawingml/2006/compatibility" xmlns:p14="http://schemas.microsoft.com/office/powerpoint/2010/main" xmlns:p15="http://schemas.microsoft.com/office/powerpoint/2012/main" autoCompressPictures="0" strictFirstAndLastChars="0" saveSubsetFonts="1">
+<p:presentation xmlns:a="http://schemas.openxmlformats.org/drawingml/2006/main" xmlns:r="http://schemas.openxmlformats.org/officeDocument/2006/relationships" xmlns:p="http://schemas.openxmlformats.org/presentationml/2006/main" strictFirstAndLastChars="0" saveSubsetFonts="1" autoCompressPictures="0">
   <p:sldMasterIdLst>
-    <p:sldMasterId id="2147483659" r:id="rId4"/>
+    <p:sldMasterId id="2147483659" r:id="rId1"/>
   </p:sldMasterIdLst>
   <p:notesMasterIdLst>
-    <p:notesMasterId r:id="rId5"/>
+    <p:notesMasterId r:id="rId23"/>
   </p:notesMasterIdLst>
   <p:sldIdLst>
-    <p:sldId id="256" r:id="rId6"/>
-    <p:sldId id="257" r:id="rId7"/>
-    <p:sldId id="258" r:id="rId8"/>
-    <p:sldId id="259" r:id="rId9"/>
-    <p:sldId id="260" r:id="rId10"/>
-    <p:sldId id="261" r:id="rId11"/>
-    <p:sldId id="262" r:id="rId12"/>
-    <p:sldId id="263" r:id="rId13"/>
-    <p:sldId id="264" r:id="rId14"/>
-    <p:sldId id="265" r:id="rId15"/>
-    <p:sldId id="266" r:id="rId16"/>
-    <p:sldId id="267" r:id="rId17"/>
-    <p:sldId id="268" r:id="rId18"/>
-    <p:sldId id="269" r:id="rId19"/>
-    <p:sldId id="270" r:id="rId20"/>
-    <p:sldId id="271" r:id="rId21"/>
-    <p:sldId id="272" r:id="rId22"/>
-    <p:sldId id="273" r:id="rId23"/>
-    <p:sldId id="274" r:id="rId24"/>
-    <p:sldId id="275" r:id="rId25"/>
-    <p:sldId id="276" r:id="rId26"/>
+    <p:sldId id="256" r:id="rId2"/>
+    <p:sldId id="257" r:id="rId3"/>
+    <p:sldId id="258" r:id="rId4"/>
+    <p:sldId id="259" r:id="rId5"/>
+    <p:sldId id="260" r:id="rId6"/>
+    <p:sldId id="261" r:id="rId7"/>
+    <p:sldId id="262" r:id="rId8"/>
+    <p:sldId id="263" r:id="rId9"/>
+    <p:sldId id="264" r:id="rId10"/>
+    <p:sldId id="265" r:id="rId11"/>
+    <p:sldId id="266" r:id="rId12"/>
+    <p:sldId id="267" r:id="rId13"/>
+    <p:sldId id="268" r:id="rId14"/>
+    <p:sldId id="269" r:id="rId15"/>
+    <p:sldId id="270" r:id="rId16"/>
+    <p:sldId id="271" r:id="rId17"/>
+    <p:sldId id="272" r:id="rId18"/>
+    <p:sldId id="273" r:id="rId19"/>
+    <p:sldId id="274" r:id="rId20"/>
+    <p:sldId id="275" r:id="rId21"/>
+    <p:sldId id="276" r:id="rId22"/>
   </p:sldIdLst>
-  <p:sldSz cy="5143500" cx="9144000"/>
+  <p:sldSz cx="9144000" cy="5143500" type="screen16x9"/>
   <p:notesSz cx="6858000" cy="9144000"/>
   <p:defaultTextStyle>
-    <a:defPPr lvl="0" marR="0" rtl="0" algn="l">
+    <a:defPPr marR="0" lvl="0" algn="l" rtl="0">
       <a:lnSpc>
         <a:spcPct val="100000"/>
       </a:lnSpc>
@@ -44,7 +44,7 @@
         <a:spcPts val="0"/>
       </a:spcAft>
     </a:defPPr>
-    <a:lvl1pPr lvl="0" marR="0" rtl="0" algn="l">
+    <a:lvl1pPr marR="0" lvl="0" algn="l" rtl="0">
       <a:lnSpc>
         <a:spcPct val="100000"/>
       </a:lnSpc>
@@ -58,7 +58,7 @@
         <a:srgbClr val="000000"/>
       </a:buClr>
       <a:buFont typeface="Arial"/>
-      <a:defRPr b="0" i="0" sz="1400" u="none" cap="none" strike="noStrike">
+      <a:defRPr sz="1400" b="0" i="0" u="none" strike="noStrike" cap="none">
         <a:solidFill>
           <a:srgbClr val="000000"/>
         </a:solidFill>
@@ -68,7 +68,7 @@
         <a:sym typeface="Arial"/>
       </a:defRPr>
     </a:lvl1pPr>
-    <a:lvl2pPr lvl="1" marR="0" rtl="0" algn="l">
+    <a:lvl2pPr marR="0" lvl="1" algn="l" rtl="0">
       <a:lnSpc>
         <a:spcPct val="100000"/>
       </a:lnSpc>
@@ -82,7 +82,7 @@
         <a:srgbClr val="000000"/>
       </a:buClr>
       <a:buFont typeface="Arial"/>
-      <a:defRPr b="0" i="0" sz="1400" u="none" cap="none" strike="noStrike">
+      <a:defRPr sz="1400" b="0" i="0" u="none" strike="noStrike" cap="none">
         <a:solidFill>
           <a:srgbClr val="000000"/>
         </a:solidFill>
@@ -92,7 +92,7 @@
         <a:sym typeface="Arial"/>
       </a:defRPr>
     </a:lvl2pPr>
-    <a:lvl3pPr lvl="2" marR="0" rtl="0" algn="l">
+    <a:lvl3pPr marR="0" lvl="2" algn="l" rtl="0">
       <a:lnSpc>
         <a:spcPct val="100000"/>
       </a:lnSpc>
@@ -106,7 +106,7 @@
         <a:srgbClr val="000000"/>
       </a:buClr>
       <a:buFont typeface="Arial"/>
-      <a:defRPr b="0" i="0" sz="1400" u="none" cap="none" strike="noStrike">
+      <a:defRPr sz="1400" b="0" i="0" u="none" strike="noStrike" cap="none">
         <a:solidFill>
           <a:srgbClr val="000000"/>
         </a:solidFill>
@@ -116,7 +116,7 @@
         <a:sym typeface="Arial"/>
       </a:defRPr>
     </a:lvl3pPr>
-    <a:lvl4pPr lvl="3" marR="0" rtl="0" algn="l">
+    <a:lvl4pPr marR="0" lvl="3" algn="l" rtl="0">
       <a:lnSpc>
         <a:spcPct val="100000"/>
       </a:lnSpc>
@@ -130,7 +130,7 @@
         <a:srgbClr val="000000"/>
       </a:buClr>
       <a:buFont typeface="Arial"/>
-      <a:defRPr b="0" i="0" sz="1400" u="none" cap="none" strike="noStrike">
+      <a:defRPr sz="1400" b="0" i="0" u="none" strike="noStrike" cap="none">
         <a:solidFill>
           <a:srgbClr val="000000"/>
         </a:solidFill>
@@ -140,7 +140,7 @@
         <a:sym typeface="Arial"/>
       </a:defRPr>
     </a:lvl4pPr>
-    <a:lvl5pPr lvl="4" marR="0" rtl="0" algn="l">
+    <a:lvl5pPr marR="0" lvl="4" algn="l" rtl="0">
       <a:lnSpc>
         <a:spcPct val="100000"/>
       </a:lnSpc>
@@ -154,7 +154,7 @@
         <a:srgbClr val="000000"/>
       </a:buClr>
       <a:buFont typeface="Arial"/>
-      <a:defRPr b="0" i="0" sz="1400" u="none" cap="none" strike="noStrike">
+      <a:defRPr sz="1400" b="0" i="0" u="none" strike="noStrike" cap="none">
         <a:solidFill>
           <a:srgbClr val="000000"/>
         </a:solidFill>
@@ -164,7 +164,7 @@
         <a:sym typeface="Arial"/>
       </a:defRPr>
     </a:lvl5pPr>
-    <a:lvl6pPr lvl="5" marR="0" rtl="0" algn="l">
+    <a:lvl6pPr marR="0" lvl="5" algn="l" rtl="0">
       <a:lnSpc>
         <a:spcPct val="100000"/>
       </a:lnSpc>
@@ -178,7 +178,7 @@
         <a:srgbClr val="000000"/>
       </a:buClr>
       <a:buFont typeface="Arial"/>
-      <a:defRPr b="0" i="0" sz="1400" u="none" cap="none" strike="noStrike">
+      <a:defRPr sz="1400" b="0" i="0" u="none" strike="noStrike" cap="none">
         <a:solidFill>
           <a:srgbClr val="000000"/>
         </a:solidFill>
@@ -188,7 +188,7 @@
         <a:sym typeface="Arial"/>
       </a:defRPr>
     </a:lvl6pPr>
-    <a:lvl7pPr lvl="6" marR="0" rtl="0" algn="l">
+    <a:lvl7pPr marR="0" lvl="6" algn="l" rtl="0">
       <a:lnSpc>
         <a:spcPct val="100000"/>
       </a:lnSpc>
@@ -202,7 +202,7 @@
         <a:srgbClr val="000000"/>
       </a:buClr>
       <a:buFont typeface="Arial"/>
-      <a:defRPr b="0" i="0" sz="1400" u="none" cap="none" strike="noStrike">
+      <a:defRPr sz="1400" b="0" i="0" u="none" strike="noStrike" cap="none">
         <a:solidFill>
           <a:srgbClr val="000000"/>
         </a:solidFill>
@@ -212,7 +212,7 @@
         <a:sym typeface="Arial"/>
       </a:defRPr>
     </a:lvl7pPr>
-    <a:lvl8pPr lvl="7" marR="0" rtl="0" algn="l">
+    <a:lvl8pPr marR="0" lvl="7" algn="l" rtl="0">
       <a:lnSpc>
         <a:spcPct val="100000"/>
       </a:lnSpc>
@@ -226,7 +226,7 @@
         <a:srgbClr val="000000"/>
       </a:buClr>
       <a:buFont typeface="Arial"/>
-      <a:defRPr b="0" i="0" sz="1400" u="none" cap="none" strike="noStrike">
+      <a:defRPr sz="1400" b="0" i="0" u="none" strike="noStrike" cap="none">
         <a:solidFill>
           <a:srgbClr val="000000"/>
         </a:solidFill>
@@ -236,7 +236,7 @@
         <a:sym typeface="Arial"/>
       </a:defRPr>
     </a:lvl8pPr>
-    <a:lvl9pPr lvl="8" marR="0" rtl="0" algn="l">
+    <a:lvl9pPr marR="0" lvl="8" algn="l" rtl="0">
       <a:lnSpc>
         <a:spcPct val="100000"/>
       </a:lnSpc>
@@ -250,7 +250,7 @@
         <a:srgbClr val="000000"/>
       </a:buClr>
       <a:buFont typeface="Arial"/>
-      <a:defRPr b="0" i="0" sz="1400" u="none" cap="none" strike="noStrike">
+      <a:defRPr sz="1400" b="0" i="0" u="none" strike="noStrike" cap="none">
         <a:solidFill>
           <a:srgbClr val="000000"/>
         </a:solidFill>
@@ -263,7 +263,7 @@
   </p:defaultTextStyle>
   <p:extLst>
     <p:ext uri="{EFAFB233-063F-42B5-8137-9DF3F51BA10A}">
-      <p15:sldGuideLst>
+      <p15:sldGuideLst xmlns:p15="http://schemas.microsoft.com/office/powerpoint/2012/main">
         <p15:guide id="1" orient="horz" pos="1620">
           <p15:clr>
             <a:srgbClr val="A4A3A4"/>
@@ -281,11 +281,16 @@
 </file>
 
 <file path=ppt/notesMasters/notesMaster1.xml><?xml version="1.0" encoding="utf-8"?>
-<p:notesMaster xmlns:a="http://schemas.openxmlformats.org/drawingml/2006/main" xmlns:r="http://schemas.openxmlformats.org/officeDocument/2006/relationships" xmlns:mc="http://schemas.openxmlformats.org/markup-compatibility/2006" xmlns:mv="urn:schemas-microsoft-com:mac:vml" xmlns:p="http://schemas.openxmlformats.org/presentationml/2006/main" xmlns:c="http://schemas.openxmlformats.org/drawingml/2006/chart" xmlns:dgm="http://schemas.openxmlformats.org/drawingml/2006/diagram" xmlns:o="urn:schemas-microsoft-com:office:office" xmlns:v="urn:schemas-microsoft-com:vml" xmlns:pvml="urn:schemas-microsoft-com:office:powerpoint" xmlns:com="http://schemas.openxmlformats.org/drawingml/2006/compatibility" xmlns:p14="http://schemas.microsoft.com/office/powerpoint/2010/main" xmlns:p15="http://schemas.microsoft.com/office/powerpoint/2012/main">
+<p:notesMaster xmlns:a="http://schemas.openxmlformats.org/drawingml/2006/main" xmlns:r="http://schemas.openxmlformats.org/officeDocument/2006/relationships" xmlns:p="http://schemas.openxmlformats.org/presentationml/2006/main">
   <p:cSld>
+    <p:bg>
+      <p:bgRef idx="1001">
+        <a:schemeClr val="bg1"/>
+      </p:bgRef>
+    </p:bg>
     <p:spTree>
       <p:nvGrpSpPr>
-        <p:cNvPr id="2" name="Shape 2"/>
+        <p:cNvPr id="1" name="Shape 2"/>
         <p:cNvGrpSpPr/>
         <p:nvPr/>
       </p:nvGrpSpPr>
@@ -300,9 +305,11 @@
       <p:sp>
         <p:nvSpPr>
           <p:cNvPr id="3" name="Google Shape;3;n"/>
-          <p:cNvSpPr/>
+          <p:cNvSpPr>
+            <a:spLocks noGrp="1" noRot="1" noChangeAspect="1"/>
+          </p:cNvSpPr>
           <p:nvPr>
-            <p:ph idx="2" type="sldImg"/>
+            <p:ph type="sldImg" idx="2"/>
           </p:nvPr>
         </p:nvSpPr>
         <p:spPr>
@@ -311,9 +318,13 @@
             <a:ext cx="6096075" cy="3429000"/>
           </a:xfrm>
           <a:custGeom>
-            <a:rect b="b" l="l" r="r" t="t"/>
+            <a:avLst/>
+            <a:gdLst/>
+            <a:ahLst/>
+            <a:cxnLst/>
+            <a:rect l="l" t="t" r="r" b="b"/>
             <a:pathLst>
-              <a:path extrusionOk="0" h="120000" w="120000">
+              <a:path w="120000" h="120000" extrusionOk="0">
                 <a:moveTo>
                   <a:pt x="0" y="0"/>
                 </a:moveTo>
@@ -331,23 +342,25 @@
             </a:pathLst>
           </a:custGeom>
           <a:noFill/>
-          <a:ln cap="flat" cmpd="sng" w="9525">
+          <a:ln w="9525" cap="flat" cmpd="sng">
             <a:solidFill>
               <a:srgbClr val="000000"/>
             </a:solidFill>
             <a:prstDash val="solid"/>
             <a:round/>
-            <a:headEnd len="sm" w="sm" type="none"/>
-            <a:tailEnd len="sm" w="sm" type="none"/>
+            <a:headEnd type="none" w="sm" len="sm"/>
+            <a:tailEnd type="none" w="sm" len="sm"/>
           </a:ln>
         </p:spPr>
       </p:sp>
       <p:sp>
         <p:nvSpPr>
           <p:cNvPr id="4" name="Google Shape;4;n"/>
-          <p:cNvSpPr txBox="1"/>
+          <p:cNvSpPr txBox="1">
+            <a:spLocks noGrp="1"/>
+          </p:cNvSpPr>
           <p:nvPr>
-            <p:ph idx="1" type="body"/>
+            <p:ph type="body" idx="1"/>
           </p:nvPr>
         </p:nvSpPr>
         <p:spPr>
@@ -364,11 +377,11 @@
           </a:ln>
         </p:spPr>
         <p:txBody>
-          <a:bodyPr anchorCtr="0" anchor="t" bIns="91425" lIns="91425" spcFirstLastPara="1" rIns="91425" wrap="square" tIns="91425">
+          <a:bodyPr spcFirstLastPara="1" wrap="square" lIns="91425" tIns="91425" rIns="91425" bIns="91425" anchor="t" anchorCtr="0">
             <a:noAutofit/>
           </a:bodyPr>
           <a:lstStyle>
-            <a:lvl1pPr indent="-298450" lvl="0" marL="457200">
+            <a:lvl1pPr marL="457200" lvl="0" indent="-298450">
               <a:spcBef>
                 <a:spcPts val="0"/>
               </a:spcBef>
@@ -379,7 +392,7 @@
               <a:buChar char="●"/>
               <a:defRPr sz="1100"/>
             </a:lvl1pPr>
-            <a:lvl2pPr indent="-298450" lvl="1" marL="914400">
+            <a:lvl2pPr marL="914400" lvl="1" indent="-298450">
               <a:spcBef>
                 <a:spcPts val="0"/>
               </a:spcBef>
@@ -390,7 +403,7 @@
               <a:buChar char="○"/>
               <a:defRPr sz="1100"/>
             </a:lvl2pPr>
-            <a:lvl3pPr indent="-298450" lvl="2" marL="1371600">
+            <a:lvl3pPr marL="1371600" lvl="2" indent="-298450">
               <a:spcBef>
                 <a:spcPts val="0"/>
               </a:spcBef>
@@ -401,7 +414,7 @@
               <a:buChar char="■"/>
               <a:defRPr sz="1100"/>
             </a:lvl3pPr>
-            <a:lvl4pPr indent="-298450" lvl="3" marL="1828800">
+            <a:lvl4pPr marL="1828800" lvl="3" indent="-298450">
               <a:spcBef>
                 <a:spcPts val="0"/>
               </a:spcBef>
@@ -412,7 +425,7 @@
               <a:buChar char="●"/>
               <a:defRPr sz="1100"/>
             </a:lvl4pPr>
-            <a:lvl5pPr indent="-298450" lvl="4" marL="2286000">
+            <a:lvl5pPr marL="2286000" lvl="4" indent="-298450">
               <a:spcBef>
                 <a:spcPts val="0"/>
               </a:spcBef>
@@ -423,7 +436,7 @@
               <a:buChar char="○"/>
               <a:defRPr sz="1100"/>
             </a:lvl5pPr>
-            <a:lvl6pPr indent="-298450" lvl="5" marL="2743200">
+            <a:lvl6pPr marL="2743200" lvl="5" indent="-298450">
               <a:spcBef>
                 <a:spcPts val="0"/>
               </a:spcBef>
@@ -434,7 +447,7 @@
               <a:buChar char="■"/>
               <a:defRPr sz="1100"/>
             </a:lvl6pPr>
-            <a:lvl7pPr indent="-298450" lvl="6" marL="3200400">
+            <a:lvl7pPr marL="3200400" lvl="6" indent="-298450">
               <a:spcBef>
                 <a:spcPts val="0"/>
               </a:spcBef>
@@ -445,7 +458,7 @@
               <a:buChar char="●"/>
               <a:defRPr sz="1100"/>
             </a:lvl7pPr>
-            <a:lvl8pPr indent="-298450" lvl="7" marL="3657600">
+            <a:lvl8pPr marL="3657600" lvl="7" indent="-298450">
               <a:spcBef>
                 <a:spcPts val="0"/>
               </a:spcBef>
@@ -456,7 +469,7 @@
               <a:buChar char="○"/>
               <a:defRPr sz="1100"/>
             </a:lvl8pPr>
-            <a:lvl9pPr indent="-298450" lvl="8" marL="4114800">
+            <a:lvl9pPr marL="4114800" lvl="8" indent="-298450">
               <a:spcBef>
                 <a:spcPts val="0"/>
               </a:spcBef>
@@ -468,14 +481,21 @@
               <a:defRPr sz="1100"/>
             </a:lvl9pPr>
           </a:lstStyle>
-          <a:p/>
+          <a:p>
+            <a:endParaRPr/>
+          </a:p>
         </p:txBody>
       </p:sp>
     </p:spTree>
+    <p:extLst>
+      <p:ext uri="{BB962C8B-B14F-4D97-AF65-F5344CB8AC3E}">
+        <p14:creationId xmlns:p14="http://schemas.microsoft.com/office/powerpoint/2010/main" val="3031145732"/>
+      </p:ext>
+    </p:extLst>
   </p:cSld>
-  <p:clrMap accent1="accent1" accent2="accent2" accent3="accent3" accent4="accent4" accent5="accent5" accent6="accent6" bg1="lt1" bg2="dk2" tx1="dk1" tx2="lt2" folHlink="folHlink" hlink="hlink"/>
+  <p:clrMap bg1="lt1" tx1="dk1" bg2="dk2" tx2="lt2" accent1="accent1" accent2="accent2" accent3="accent3" accent4="accent4" accent5="accent5" accent6="accent6" hlink="hlink" folHlink="folHlink"/>
   <p:notesStyle>
-    <a:defPPr lvl="0" marR="0" rtl="0" algn="l">
+    <a:defPPr marR="0" lvl="0" algn="l" rtl="0">
       <a:lnSpc>
         <a:spcPct val="100000"/>
       </a:lnSpc>
@@ -486,7 +506,7 @@
         <a:spcPts val="0"/>
       </a:spcAft>
     </a:defPPr>
-    <a:lvl1pPr lvl="0" marR="0" rtl="0" algn="l">
+    <a:lvl1pPr marR="0" lvl="0" algn="l" rtl="0">
       <a:lnSpc>
         <a:spcPct val="100000"/>
       </a:lnSpc>
@@ -500,7 +520,7 @@
         <a:srgbClr val="000000"/>
       </a:buClr>
       <a:buFont typeface="Arial"/>
-      <a:defRPr b="0" i="0" sz="1400" u="none" cap="none" strike="noStrike">
+      <a:defRPr sz="1400" b="0" i="0" u="none" strike="noStrike" cap="none">
         <a:solidFill>
           <a:srgbClr val="000000"/>
         </a:solidFill>
@@ -510,7 +530,7 @@
         <a:sym typeface="Arial"/>
       </a:defRPr>
     </a:lvl1pPr>
-    <a:lvl2pPr lvl="1" marR="0" rtl="0" algn="l">
+    <a:lvl2pPr marR="0" lvl="1" algn="l" rtl="0">
       <a:lnSpc>
         <a:spcPct val="100000"/>
       </a:lnSpc>
@@ -524,7 +544,7 @@
         <a:srgbClr val="000000"/>
       </a:buClr>
       <a:buFont typeface="Arial"/>
-      <a:defRPr b="0" i="0" sz="1400" u="none" cap="none" strike="noStrike">
+      <a:defRPr sz="1400" b="0" i="0" u="none" strike="noStrike" cap="none">
         <a:solidFill>
           <a:srgbClr val="000000"/>
         </a:solidFill>
@@ -534,7 +554,7 @@
         <a:sym typeface="Arial"/>
       </a:defRPr>
     </a:lvl2pPr>
-    <a:lvl3pPr lvl="2" marR="0" rtl="0" algn="l">
+    <a:lvl3pPr marR="0" lvl="2" algn="l" rtl="0">
       <a:lnSpc>
         <a:spcPct val="100000"/>
       </a:lnSpc>
@@ -548,7 +568,7 @@
         <a:srgbClr val="000000"/>
       </a:buClr>
       <a:buFont typeface="Arial"/>
-      <a:defRPr b="0" i="0" sz="1400" u="none" cap="none" strike="noStrike">
+      <a:defRPr sz="1400" b="0" i="0" u="none" strike="noStrike" cap="none">
         <a:solidFill>
           <a:srgbClr val="000000"/>
         </a:solidFill>
@@ -558,7 +578,7 @@
         <a:sym typeface="Arial"/>
       </a:defRPr>
     </a:lvl3pPr>
-    <a:lvl4pPr lvl="3" marR="0" rtl="0" algn="l">
+    <a:lvl4pPr marR="0" lvl="3" algn="l" rtl="0">
       <a:lnSpc>
         <a:spcPct val="100000"/>
       </a:lnSpc>
@@ -572,7 +592,7 @@
         <a:srgbClr val="000000"/>
       </a:buClr>
       <a:buFont typeface="Arial"/>
-      <a:defRPr b="0" i="0" sz="1400" u="none" cap="none" strike="noStrike">
+      <a:defRPr sz="1400" b="0" i="0" u="none" strike="noStrike" cap="none">
         <a:solidFill>
           <a:srgbClr val="000000"/>
         </a:solidFill>
@@ -582,7 +602,7 @@
         <a:sym typeface="Arial"/>
       </a:defRPr>
     </a:lvl4pPr>
-    <a:lvl5pPr lvl="4" marR="0" rtl="0" algn="l">
+    <a:lvl5pPr marR="0" lvl="4" algn="l" rtl="0">
       <a:lnSpc>
         <a:spcPct val="100000"/>
       </a:lnSpc>
@@ -596,7 +616,7 @@
         <a:srgbClr val="000000"/>
       </a:buClr>
       <a:buFont typeface="Arial"/>
-      <a:defRPr b="0" i="0" sz="1400" u="none" cap="none" strike="noStrike">
+      <a:defRPr sz="1400" b="0" i="0" u="none" strike="noStrike" cap="none">
         <a:solidFill>
           <a:srgbClr val="000000"/>
         </a:solidFill>
@@ -606,7 +626,7 @@
         <a:sym typeface="Arial"/>
       </a:defRPr>
     </a:lvl5pPr>
-    <a:lvl6pPr lvl="5" marR="0" rtl="0" algn="l">
+    <a:lvl6pPr marR="0" lvl="5" algn="l" rtl="0">
       <a:lnSpc>
         <a:spcPct val="100000"/>
       </a:lnSpc>
@@ -620,7 +640,7 @@
         <a:srgbClr val="000000"/>
       </a:buClr>
       <a:buFont typeface="Arial"/>
-      <a:defRPr b="0" i="0" sz="1400" u="none" cap="none" strike="noStrike">
+      <a:defRPr sz="1400" b="0" i="0" u="none" strike="noStrike" cap="none">
         <a:solidFill>
           <a:srgbClr val="000000"/>
         </a:solidFill>
@@ -630,7 +650,7 @@
         <a:sym typeface="Arial"/>
       </a:defRPr>
     </a:lvl6pPr>
-    <a:lvl7pPr lvl="6" marR="0" rtl="0" algn="l">
+    <a:lvl7pPr marR="0" lvl="6" algn="l" rtl="0">
       <a:lnSpc>
         <a:spcPct val="100000"/>
       </a:lnSpc>
@@ -644,7 +664,7 @@
         <a:srgbClr val="000000"/>
       </a:buClr>
       <a:buFont typeface="Arial"/>
-      <a:defRPr b="0" i="0" sz="1400" u="none" cap="none" strike="noStrike">
+      <a:defRPr sz="1400" b="0" i="0" u="none" strike="noStrike" cap="none">
         <a:solidFill>
           <a:srgbClr val="000000"/>
         </a:solidFill>
@@ -654,7 +674,7 @@
         <a:sym typeface="Arial"/>
       </a:defRPr>
     </a:lvl7pPr>
-    <a:lvl8pPr lvl="7" marR="0" rtl="0" algn="l">
+    <a:lvl8pPr marR="0" lvl="7" algn="l" rtl="0">
       <a:lnSpc>
         <a:spcPct val="100000"/>
       </a:lnSpc>
@@ -668,7 +688,7 @@
         <a:srgbClr val="000000"/>
       </a:buClr>
       <a:buFont typeface="Arial"/>
-      <a:defRPr b="0" i="0" sz="1400" u="none" cap="none" strike="noStrike">
+      <a:defRPr sz="1400" b="0" i="0" u="none" strike="noStrike" cap="none">
         <a:solidFill>
           <a:srgbClr val="000000"/>
         </a:solidFill>
@@ -678,7 +698,7 @@
         <a:sym typeface="Arial"/>
       </a:defRPr>
     </a:lvl8pPr>
-    <a:lvl9pPr lvl="8" marR="0" rtl="0" algn="l">
+    <a:lvl9pPr marR="0" lvl="8" algn="l" rtl="0">
       <a:lnSpc>
         <a:spcPct val="100000"/>
       </a:lnSpc>
@@ -692,7 +712,7 @@
         <a:srgbClr val="000000"/>
       </a:buClr>
       <a:buFont typeface="Arial"/>
-      <a:defRPr b="0" i="0" sz="1400" u="none" cap="none" strike="noStrike">
+      <a:defRPr sz="1400" b="0" i="0" u="none" strike="noStrike" cap="none">
         <a:solidFill>
           <a:srgbClr val="000000"/>
         </a:solidFill>
@@ -707,11 +727,11 @@
 </file>
 
 <file path=ppt/notesSlides/notesSlide1.xml><?xml version="1.0" encoding="utf-8"?>
-<p:notes xmlns:a="http://schemas.openxmlformats.org/drawingml/2006/main" xmlns:r="http://schemas.openxmlformats.org/officeDocument/2006/relationships" xmlns:mc="http://schemas.openxmlformats.org/markup-compatibility/2006" xmlns:mv="urn:schemas-microsoft-com:mac:vml" xmlns:p="http://schemas.openxmlformats.org/presentationml/2006/main" xmlns:c="http://schemas.openxmlformats.org/drawingml/2006/chart" xmlns:dgm="http://schemas.openxmlformats.org/drawingml/2006/diagram" xmlns:o="urn:schemas-microsoft-com:office:office" xmlns:v="urn:schemas-microsoft-com:vml" xmlns:pvml="urn:schemas-microsoft-com:office:powerpoint" xmlns:com="http://schemas.openxmlformats.org/drawingml/2006/compatibility" xmlns:p14="http://schemas.microsoft.com/office/powerpoint/2010/main" xmlns:p15="http://schemas.microsoft.com/office/powerpoint/2012/main" showMasterPhAnim="0" showMasterSp="0">
+<p:notes xmlns:a="http://schemas.openxmlformats.org/drawingml/2006/main" xmlns:r="http://schemas.openxmlformats.org/officeDocument/2006/relationships" xmlns:p="http://schemas.openxmlformats.org/presentationml/2006/main" showMasterSp="0" showMasterPhAnim="0">
   <p:cSld>
     <p:spTree>
       <p:nvGrpSpPr>
-        <p:cNvPr id="50" name="Shape 50"/>
+        <p:cNvPr id="1" name="Shape 50"/>
         <p:cNvGrpSpPr/>
         <p:nvPr/>
       </p:nvGrpSpPr>
@@ -726,9 +746,11 @@
       <p:sp>
         <p:nvSpPr>
           <p:cNvPr id="51" name="Google Shape;51;p:notes"/>
-          <p:cNvSpPr/>
+          <p:cNvSpPr>
+            <a:spLocks noGrp="1" noRot="1" noChangeAspect="1"/>
+          </p:cNvSpPr>
           <p:nvPr>
-            <p:ph idx="2" type="sldImg"/>
+            <p:ph type="sldImg" idx="2"/>
           </p:nvPr>
         </p:nvSpPr>
         <p:spPr>
@@ -737,9 +759,13 @@
             <a:ext cx="6096075" cy="3429000"/>
           </a:xfrm>
           <a:custGeom>
-            <a:rect b="b" l="l" r="r" t="t"/>
+            <a:avLst/>
+            <a:gdLst/>
+            <a:ahLst/>
+            <a:cxnLst/>
+            <a:rect l="l" t="t" r="r" b="b"/>
             <a:pathLst>
-              <a:path extrusionOk="0" h="120000" w="120000">
+              <a:path w="120000" h="120000" extrusionOk="0">
                 <a:moveTo>
                   <a:pt x="0" y="0"/>
                 </a:moveTo>
@@ -761,9 +787,11 @@
       <p:sp>
         <p:nvSpPr>
           <p:cNvPr id="52" name="Google Shape;52;p:notes"/>
-          <p:cNvSpPr txBox="1"/>
+          <p:cNvSpPr txBox="1">
+            <a:spLocks noGrp="1"/>
+          </p:cNvSpPr>
           <p:nvPr>
-            <p:ph idx="1" type="body"/>
+            <p:ph type="body" idx="1"/>
           </p:nvPr>
         </p:nvSpPr>
         <p:spPr>
@@ -776,28 +804,30 @@
           </a:prstGeom>
         </p:spPr>
         <p:txBody>
-          <a:bodyPr anchorCtr="0" anchor="t" bIns="91425" lIns="91425" spcFirstLastPara="1" rIns="91425" wrap="square" tIns="91425">
+          <a:bodyPr spcFirstLastPara="1" wrap="square" lIns="91425" tIns="91425" rIns="91425" bIns="91425" anchor="t" anchorCtr="0">
             <a:noAutofit/>
           </a:bodyPr>
           <a:lstStyle/>
           <a:p>
-            <a:pPr indent="0" lvl="0" marL="0" rtl="0" algn="l">
-              <a:spcBef>
-                <a:spcPts val="0"/>
-              </a:spcBef>
-              <a:spcAft>
-                <a:spcPts val="0"/>
-              </a:spcAft>
-              <a:buNone/>
-            </a:pPr>
-            <a:r>
-              <a:t/>
-            </a:r>
+            <a:pPr marL="0" lvl="0" indent="0" algn="l" rtl="0">
+              <a:spcBef>
+                <a:spcPts val="0"/>
+              </a:spcBef>
+              <a:spcAft>
+                <a:spcPts val="0"/>
+              </a:spcAft>
+              <a:buNone/>
+            </a:pPr>
             <a:endParaRPr/>
           </a:p>
         </p:txBody>
       </p:sp>
     </p:spTree>
+    <p:extLst>
+      <p:ext uri="{BB962C8B-B14F-4D97-AF65-F5344CB8AC3E}">
+        <p14:creationId xmlns:p14="http://schemas.microsoft.com/office/powerpoint/2010/main" val="2047105241"/>
+      </p:ext>
+    </p:extLst>
   </p:cSld>
   <p:clrMapOvr>
     <a:masterClrMapping/>
@@ -806,11 +836,11 @@
 </file>
 
 <file path=ppt/notesSlides/notesSlide10.xml><?xml version="1.0" encoding="utf-8"?>
-<p:notes xmlns:a="http://schemas.openxmlformats.org/drawingml/2006/main" xmlns:r="http://schemas.openxmlformats.org/officeDocument/2006/relationships" xmlns:mc="http://schemas.openxmlformats.org/markup-compatibility/2006" xmlns:mv="urn:schemas-microsoft-com:mac:vml" xmlns:p="http://schemas.openxmlformats.org/presentationml/2006/main" xmlns:c="http://schemas.openxmlformats.org/drawingml/2006/chart" xmlns:dgm="http://schemas.openxmlformats.org/drawingml/2006/diagram" xmlns:o="urn:schemas-microsoft-com:office:office" xmlns:v="urn:schemas-microsoft-com:vml" xmlns:pvml="urn:schemas-microsoft-com:office:powerpoint" xmlns:com="http://schemas.openxmlformats.org/drawingml/2006/compatibility" xmlns:p14="http://schemas.microsoft.com/office/powerpoint/2010/main" xmlns:p15="http://schemas.microsoft.com/office/powerpoint/2012/main" showMasterPhAnim="0" showMasterSp="0">
+<p:notes xmlns:a="http://schemas.openxmlformats.org/drawingml/2006/main" xmlns:r="http://schemas.openxmlformats.org/officeDocument/2006/relationships" xmlns:p="http://schemas.openxmlformats.org/presentationml/2006/main" showMasterSp="0" showMasterPhAnim="0">
   <p:cSld>
     <p:spTree>
       <p:nvGrpSpPr>
-        <p:cNvPr id="107" name="Shape 107"/>
+        <p:cNvPr id="1" name="Shape 107"/>
         <p:cNvGrpSpPr/>
         <p:nvPr/>
       </p:nvGrpSpPr>
@@ -825,9 +855,11 @@
       <p:sp>
         <p:nvSpPr>
           <p:cNvPr id="108" name="Google Shape;108;g7a9050a846_0_6:notes"/>
-          <p:cNvSpPr/>
+          <p:cNvSpPr>
+            <a:spLocks noGrp="1" noRot="1" noChangeAspect="1"/>
+          </p:cNvSpPr>
           <p:nvPr>
-            <p:ph idx="2" type="sldImg"/>
+            <p:ph type="sldImg" idx="2"/>
           </p:nvPr>
         </p:nvSpPr>
         <p:spPr>
@@ -836,9 +868,13 @@
             <a:ext cx="6096000" cy="3429000"/>
           </a:xfrm>
           <a:custGeom>
-            <a:rect b="b" l="l" r="r" t="t"/>
+            <a:avLst/>
+            <a:gdLst/>
+            <a:ahLst/>
+            <a:cxnLst/>
+            <a:rect l="l" t="t" r="r" b="b"/>
             <a:pathLst>
-              <a:path extrusionOk="0" h="120000" w="120000">
+              <a:path w="120000" h="120000" extrusionOk="0">
                 <a:moveTo>
                   <a:pt x="0" y="0"/>
                 </a:moveTo>
@@ -860,9 +896,11 @@
       <p:sp>
         <p:nvSpPr>
           <p:cNvPr id="109" name="Google Shape;109;g7a9050a846_0_6:notes"/>
-          <p:cNvSpPr txBox="1"/>
+          <p:cNvSpPr txBox="1">
+            <a:spLocks noGrp="1"/>
+          </p:cNvSpPr>
           <p:nvPr>
-            <p:ph idx="1" type="body"/>
+            <p:ph type="body" idx="1"/>
           </p:nvPr>
         </p:nvSpPr>
         <p:spPr>
@@ -875,28 +913,30 @@
           </a:prstGeom>
         </p:spPr>
         <p:txBody>
-          <a:bodyPr anchorCtr="0" anchor="t" bIns="91425" lIns="91425" spcFirstLastPara="1" rIns="91425" wrap="square" tIns="91425">
+          <a:bodyPr spcFirstLastPara="1" wrap="square" lIns="91425" tIns="91425" rIns="91425" bIns="91425" anchor="t" anchorCtr="0">
             <a:noAutofit/>
           </a:bodyPr>
           <a:lstStyle/>
           <a:p>
-            <a:pPr indent="0" lvl="0" marL="0" rtl="0" algn="l">
-              <a:spcBef>
-                <a:spcPts val="0"/>
-              </a:spcBef>
-              <a:spcAft>
-                <a:spcPts val="0"/>
-              </a:spcAft>
-              <a:buNone/>
-            </a:pPr>
-            <a:r>
-              <a:t/>
-            </a:r>
+            <a:pPr marL="0" lvl="0" indent="0" algn="l" rtl="0">
+              <a:spcBef>
+                <a:spcPts val="0"/>
+              </a:spcBef>
+              <a:spcAft>
+                <a:spcPts val="0"/>
+              </a:spcAft>
+              <a:buNone/>
+            </a:pPr>
             <a:endParaRPr/>
           </a:p>
         </p:txBody>
       </p:sp>
     </p:spTree>
+    <p:extLst>
+      <p:ext uri="{BB962C8B-B14F-4D97-AF65-F5344CB8AC3E}">
+        <p14:creationId xmlns:p14="http://schemas.microsoft.com/office/powerpoint/2010/main" val="2529301584"/>
+      </p:ext>
+    </p:extLst>
   </p:cSld>
   <p:clrMapOvr>
     <a:masterClrMapping/>
@@ -905,11 +945,11 @@
 </file>
 
 <file path=ppt/notesSlides/notesSlide11.xml><?xml version="1.0" encoding="utf-8"?>
-<p:notes xmlns:a="http://schemas.openxmlformats.org/drawingml/2006/main" xmlns:r="http://schemas.openxmlformats.org/officeDocument/2006/relationships" xmlns:mc="http://schemas.openxmlformats.org/markup-compatibility/2006" xmlns:mv="urn:schemas-microsoft-com:mac:vml" xmlns:p="http://schemas.openxmlformats.org/presentationml/2006/main" xmlns:c="http://schemas.openxmlformats.org/drawingml/2006/chart" xmlns:dgm="http://schemas.openxmlformats.org/drawingml/2006/diagram" xmlns:o="urn:schemas-microsoft-com:office:office" xmlns:v="urn:schemas-microsoft-com:vml" xmlns:pvml="urn:schemas-microsoft-com:office:powerpoint" xmlns:com="http://schemas.openxmlformats.org/drawingml/2006/compatibility" xmlns:p14="http://schemas.microsoft.com/office/powerpoint/2010/main" xmlns:p15="http://schemas.microsoft.com/office/powerpoint/2012/main" showMasterPhAnim="0" showMasterSp="0">
+<p:notes xmlns:a="http://schemas.openxmlformats.org/drawingml/2006/main" xmlns:r="http://schemas.openxmlformats.org/officeDocument/2006/relationships" xmlns:p="http://schemas.openxmlformats.org/presentationml/2006/main" showMasterSp="0" showMasterPhAnim="0">
   <p:cSld>
     <p:spTree>
       <p:nvGrpSpPr>
-        <p:cNvPr id="114" name="Shape 114"/>
+        <p:cNvPr id="1" name="Shape 114"/>
         <p:cNvGrpSpPr/>
         <p:nvPr/>
       </p:nvGrpSpPr>
@@ -924,9 +964,11 @@
       <p:sp>
         <p:nvSpPr>
           <p:cNvPr id="115" name="Google Shape;115;g6bd51c8259_0_37:notes"/>
-          <p:cNvSpPr/>
+          <p:cNvSpPr>
+            <a:spLocks noGrp="1" noRot="1" noChangeAspect="1"/>
+          </p:cNvSpPr>
           <p:nvPr>
-            <p:ph idx="2" type="sldImg"/>
+            <p:ph type="sldImg" idx="2"/>
           </p:nvPr>
         </p:nvSpPr>
         <p:spPr>
@@ -935,9 +977,13 @@
             <a:ext cx="6096000" cy="3429000"/>
           </a:xfrm>
           <a:custGeom>
-            <a:rect b="b" l="l" r="r" t="t"/>
+            <a:avLst/>
+            <a:gdLst/>
+            <a:ahLst/>
+            <a:cxnLst/>
+            <a:rect l="l" t="t" r="r" b="b"/>
             <a:pathLst>
-              <a:path extrusionOk="0" h="120000" w="120000">
+              <a:path w="120000" h="120000" extrusionOk="0">
                 <a:moveTo>
                   <a:pt x="0" y="0"/>
                 </a:moveTo>
@@ -959,9 +1005,11 @@
       <p:sp>
         <p:nvSpPr>
           <p:cNvPr id="116" name="Google Shape;116;g6bd51c8259_0_37:notes"/>
-          <p:cNvSpPr txBox="1"/>
+          <p:cNvSpPr txBox="1">
+            <a:spLocks noGrp="1"/>
+          </p:cNvSpPr>
           <p:nvPr>
-            <p:ph idx="1" type="body"/>
+            <p:ph type="body" idx="1"/>
           </p:nvPr>
         </p:nvSpPr>
         <p:spPr>
@@ -974,28 +1022,30 @@
           </a:prstGeom>
         </p:spPr>
         <p:txBody>
-          <a:bodyPr anchorCtr="0" anchor="t" bIns="91425" lIns="91425" spcFirstLastPara="1" rIns="91425" wrap="square" tIns="91425">
+          <a:bodyPr spcFirstLastPara="1" wrap="square" lIns="91425" tIns="91425" rIns="91425" bIns="91425" anchor="t" anchorCtr="0">
             <a:noAutofit/>
           </a:bodyPr>
           <a:lstStyle/>
           <a:p>
-            <a:pPr indent="0" lvl="0" marL="0" rtl="0" algn="l">
-              <a:spcBef>
-                <a:spcPts val="0"/>
-              </a:spcBef>
-              <a:spcAft>
-                <a:spcPts val="0"/>
-              </a:spcAft>
-              <a:buNone/>
-            </a:pPr>
-            <a:r>
-              <a:t/>
-            </a:r>
+            <a:pPr marL="0" lvl="0" indent="0" algn="l" rtl="0">
+              <a:spcBef>
+                <a:spcPts val="0"/>
+              </a:spcBef>
+              <a:spcAft>
+                <a:spcPts val="0"/>
+              </a:spcAft>
+              <a:buNone/>
+            </a:pPr>
             <a:endParaRPr/>
           </a:p>
         </p:txBody>
       </p:sp>
     </p:spTree>
+    <p:extLst>
+      <p:ext uri="{BB962C8B-B14F-4D97-AF65-F5344CB8AC3E}">
+        <p14:creationId xmlns:p14="http://schemas.microsoft.com/office/powerpoint/2010/main" val="2373756240"/>
+      </p:ext>
+    </p:extLst>
   </p:cSld>
   <p:clrMapOvr>
     <a:masterClrMapping/>
@@ -1004,11 +1054,11 @@
 </file>
 
 <file path=ppt/notesSlides/notesSlide12.xml><?xml version="1.0" encoding="utf-8"?>
-<p:notes xmlns:a="http://schemas.openxmlformats.org/drawingml/2006/main" xmlns:r="http://schemas.openxmlformats.org/officeDocument/2006/relationships" xmlns:mc="http://schemas.openxmlformats.org/markup-compatibility/2006" xmlns:mv="urn:schemas-microsoft-com:mac:vml" xmlns:p="http://schemas.openxmlformats.org/presentationml/2006/main" xmlns:c="http://schemas.openxmlformats.org/drawingml/2006/chart" xmlns:dgm="http://schemas.openxmlformats.org/drawingml/2006/diagram" xmlns:o="urn:schemas-microsoft-com:office:office" xmlns:v="urn:schemas-microsoft-com:vml" xmlns:pvml="urn:schemas-microsoft-com:office:powerpoint" xmlns:com="http://schemas.openxmlformats.org/drawingml/2006/compatibility" xmlns:p14="http://schemas.microsoft.com/office/powerpoint/2010/main" xmlns:p15="http://schemas.microsoft.com/office/powerpoint/2012/main" showMasterPhAnim="0" showMasterSp="0">
+<p:notes xmlns:a="http://schemas.openxmlformats.org/drawingml/2006/main" xmlns:r="http://schemas.openxmlformats.org/officeDocument/2006/relationships" xmlns:p="http://schemas.openxmlformats.org/presentationml/2006/main" showMasterSp="0" showMasterPhAnim="0">
   <p:cSld>
     <p:spTree>
       <p:nvGrpSpPr>
-        <p:cNvPr id="119" name="Shape 119"/>
+        <p:cNvPr id="1" name="Shape 119"/>
         <p:cNvGrpSpPr/>
         <p:nvPr/>
       </p:nvGrpSpPr>
@@ -1023,9 +1073,11 @@
       <p:sp>
         <p:nvSpPr>
           <p:cNvPr id="120" name="Google Shape;120;g7a813cc363_0_0:notes"/>
-          <p:cNvSpPr/>
+          <p:cNvSpPr>
+            <a:spLocks noGrp="1" noRot="1" noChangeAspect="1"/>
+          </p:cNvSpPr>
           <p:nvPr>
-            <p:ph idx="2" type="sldImg"/>
+            <p:ph type="sldImg" idx="2"/>
           </p:nvPr>
         </p:nvSpPr>
         <p:spPr>
@@ -1034,9 +1086,13 @@
             <a:ext cx="6096000" cy="3429000"/>
           </a:xfrm>
           <a:custGeom>
-            <a:rect b="b" l="l" r="r" t="t"/>
+            <a:avLst/>
+            <a:gdLst/>
+            <a:ahLst/>
+            <a:cxnLst/>
+            <a:rect l="l" t="t" r="r" b="b"/>
             <a:pathLst>
-              <a:path extrusionOk="0" h="120000" w="120000">
+              <a:path w="120000" h="120000" extrusionOk="0">
                 <a:moveTo>
                   <a:pt x="0" y="0"/>
                 </a:moveTo>
@@ -1058,9 +1114,11 @@
       <p:sp>
         <p:nvSpPr>
           <p:cNvPr id="121" name="Google Shape;121;g7a813cc363_0_0:notes"/>
-          <p:cNvSpPr txBox="1"/>
+          <p:cNvSpPr txBox="1">
+            <a:spLocks noGrp="1"/>
+          </p:cNvSpPr>
           <p:nvPr>
-            <p:ph idx="1" type="body"/>
+            <p:ph type="body" idx="1"/>
           </p:nvPr>
         </p:nvSpPr>
         <p:spPr>
@@ -1073,28 +1131,30 @@
           </a:prstGeom>
         </p:spPr>
         <p:txBody>
-          <a:bodyPr anchorCtr="0" anchor="t" bIns="91425" lIns="91425" spcFirstLastPara="1" rIns="91425" wrap="square" tIns="91425">
+          <a:bodyPr spcFirstLastPara="1" wrap="square" lIns="91425" tIns="91425" rIns="91425" bIns="91425" anchor="t" anchorCtr="0">
             <a:noAutofit/>
           </a:bodyPr>
           <a:lstStyle/>
           <a:p>
-            <a:pPr indent="0" lvl="0" marL="0" rtl="0" algn="l">
-              <a:spcBef>
-                <a:spcPts val="0"/>
-              </a:spcBef>
-              <a:spcAft>
-                <a:spcPts val="0"/>
-              </a:spcAft>
-              <a:buNone/>
-            </a:pPr>
-            <a:r>
-              <a:t/>
-            </a:r>
+            <a:pPr marL="0" lvl="0" indent="0" algn="l" rtl="0">
+              <a:spcBef>
+                <a:spcPts val="0"/>
+              </a:spcBef>
+              <a:spcAft>
+                <a:spcPts val="0"/>
+              </a:spcAft>
+              <a:buNone/>
+            </a:pPr>
             <a:endParaRPr/>
           </a:p>
         </p:txBody>
       </p:sp>
     </p:spTree>
+    <p:extLst>
+      <p:ext uri="{BB962C8B-B14F-4D97-AF65-F5344CB8AC3E}">
+        <p14:creationId xmlns:p14="http://schemas.microsoft.com/office/powerpoint/2010/main" val="233081041"/>
+      </p:ext>
+    </p:extLst>
   </p:cSld>
   <p:clrMapOvr>
     <a:masterClrMapping/>
@@ -1103,11 +1163,11 @@
 </file>
 
 <file path=ppt/notesSlides/notesSlide13.xml><?xml version="1.0" encoding="utf-8"?>
-<p:notes xmlns:a="http://schemas.openxmlformats.org/drawingml/2006/main" xmlns:r="http://schemas.openxmlformats.org/officeDocument/2006/relationships" xmlns:mc="http://schemas.openxmlformats.org/markup-compatibility/2006" xmlns:mv="urn:schemas-microsoft-com:mac:vml" xmlns:p="http://schemas.openxmlformats.org/presentationml/2006/main" xmlns:c="http://schemas.openxmlformats.org/drawingml/2006/chart" xmlns:dgm="http://schemas.openxmlformats.org/drawingml/2006/diagram" xmlns:o="urn:schemas-microsoft-com:office:office" xmlns:v="urn:schemas-microsoft-com:vml" xmlns:pvml="urn:schemas-microsoft-com:office:powerpoint" xmlns:com="http://schemas.openxmlformats.org/drawingml/2006/compatibility" xmlns:p14="http://schemas.microsoft.com/office/powerpoint/2010/main" xmlns:p15="http://schemas.microsoft.com/office/powerpoint/2012/main" showMasterPhAnim="0" showMasterSp="0">
+<p:notes xmlns:a="http://schemas.openxmlformats.org/drawingml/2006/main" xmlns:r="http://schemas.openxmlformats.org/officeDocument/2006/relationships" xmlns:p="http://schemas.openxmlformats.org/presentationml/2006/main" showMasterSp="0" showMasterPhAnim="0">
   <p:cSld>
     <p:spTree>
       <p:nvGrpSpPr>
-        <p:cNvPr id="128" name="Shape 128"/>
+        <p:cNvPr id="1" name="Shape 128"/>
         <p:cNvGrpSpPr/>
         <p:nvPr/>
       </p:nvGrpSpPr>
@@ -1122,9 +1182,11 @@
       <p:sp>
         <p:nvSpPr>
           <p:cNvPr id="129" name="Google Shape;129;g7a813cc363_0_7:notes"/>
-          <p:cNvSpPr/>
+          <p:cNvSpPr>
+            <a:spLocks noGrp="1" noRot="1" noChangeAspect="1"/>
+          </p:cNvSpPr>
           <p:nvPr>
-            <p:ph idx="2" type="sldImg"/>
+            <p:ph type="sldImg" idx="2"/>
           </p:nvPr>
         </p:nvSpPr>
         <p:spPr>
@@ -1133,9 +1195,13 @@
             <a:ext cx="6096000" cy="3429000"/>
           </a:xfrm>
           <a:custGeom>
-            <a:rect b="b" l="l" r="r" t="t"/>
+            <a:avLst/>
+            <a:gdLst/>
+            <a:ahLst/>
+            <a:cxnLst/>
+            <a:rect l="l" t="t" r="r" b="b"/>
             <a:pathLst>
-              <a:path extrusionOk="0" h="120000" w="120000">
+              <a:path w="120000" h="120000" extrusionOk="0">
                 <a:moveTo>
                   <a:pt x="0" y="0"/>
                 </a:moveTo>
@@ -1157,9 +1223,11 @@
       <p:sp>
         <p:nvSpPr>
           <p:cNvPr id="130" name="Google Shape;130;g7a813cc363_0_7:notes"/>
-          <p:cNvSpPr txBox="1"/>
+          <p:cNvSpPr txBox="1">
+            <a:spLocks noGrp="1"/>
+          </p:cNvSpPr>
           <p:nvPr>
-            <p:ph idx="1" type="body"/>
+            <p:ph type="body" idx="1"/>
           </p:nvPr>
         </p:nvSpPr>
         <p:spPr>
@@ -1172,28 +1240,30 @@
           </a:prstGeom>
         </p:spPr>
         <p:txBody>
-          <a:bodyPr anchorCtr="0" anchor="t" bIns="91425" lIns="91425" spcFirstLastPara="1" rIns="91425" wrap="square" tIns="91425">
+          <a:bodyPr spcFirstLastPara="1" wrap="square" lIns="91425" tIns="91425" rIns="91425" bIns="91425" anchor="t" anchorCtr="0">
             <a:noAutofit/>
           </a:bodyPr>
           <a:lstStyle/>
           <a:p>
-            <a:pPr indent="0" lvl="0" marL="0" rtl="0" algn="l">
-              <a:spcBef>
-                <a:spcPts val="0"/>
-              </a:spcBef>
-              <a:spcAft>
-                <a:spcPts val="0"/>
-              </a:spcAft>
-              <a:buNone/>
-            </a:pPr>
-            <a:r>
-              <a:t/>
-            </a:r>
+            <a:pPr marL="0" lvl="0" indent="0" algn="l" rtl="0">
+              <a:spcBef>
+                <a:spcPts val="0"/>
+              </a:spcBef>
+              <a:spcAft>
+                <a:spcPts val="0"/>
+              </a:spcAft>
+              <a:buNone/>
+            </a:pPr>
             <a:endParaRPr/>
           </a:p>
         </p:txBody>
       </p:sp>
     </p:spTree>
+    <p:extLst>
+      <p:ext uri="{BB962C8B-B14F-4D97-AF65-F5344CB8AC3E}">
+        <p14:creationId xmlns:p14="http://schemas.microsoft.com/office/powerpoint/2010/main" val="3319442323"/>
+      </p:ext>
+    </p:extLst>
   </p:cSld>
   <p:clrMapOvr>
     <a:masterClrMapping/>
@@ -1202,11 +1272,11 @@
 </file>
 
 <file path=ppt/notesSlides/notesSlide14.xml><?xml version="1.0" encoding="utf-8"?>
-<p:notes xmlns:a="http://schemas.openxmlformats.org/drawingml/2006/main" xmlns:r="http://schemas.openxmlformats.org/officeDocument/2006/relationships" xmlns:mc="http://schemas.openxmlformats.org/markup-compatibility/2006" xmlns:mv="urn:schemas-microsoft-com:mac:vml" xmlns:p="http://schemas.openxmlformats.org/presentationml/2006/main" xmlns:c="http://schemas.openxmlformats.org/drawingml/2006/chart" xmlns:dgm="http://schemas.openxmlformats.org/drawingml/2006/diagram" xmlns:o="urn:schemas-microsoft-com:office:office" xmlns:v="urn:schemas-microsoft-com:vml" xmlns:pvml="urn:schemas-microsoft-com:office:powerpoint" xmlns:com="http://schemas.openxmlformats.org/drawingml/2006/compatibility" xmlns:p14="http://schemas.microsoft.com/office/powerpoint/2010/main" xmlns:p15="http://schemas.microsoft.com/office/powerpoint/2012/main" showMasterPhAnim="0" showMasterSp="0">
+<p:notes xmlns:a="http://schemas.openxmlformats.org/drawingml/2006/main" xmlns:r="http://schemas.openxmlformats.org/officeDocument/2006/relationships" xmlns:p="http://schemas.openxmlformats.org/presentationml/2006/main" showMasterSp="0" showMasterPhAnim="0">
   <p:cSld>
     <p:spTree>
       <p:nvGrpSpPr>
-        <p:cNvPr id="137" name="Shape 137"/>
+        <p:cNvPr id="1" name="Shape 137"/>
         <p:cNvGrpSpPr/>
         <p:nvPr/>
       </p:nvGrpSpPr>
@@ -1221,9 +1291,11 @@
       <p:sp>
         <p:nvSpPr>
           <p:cNvPr id="138" name="Google Shape;138;g7a9050a846_0_0:notes"/>
-          <p:cNvSpPr/>
+          <p:cNvSpPr>
+            <a:spLocks noGrp="1" noRot="1" noChangeAspect="1"/>
+          </p:cNvSpPr>
           <p:nvPr>
-            <p:ph idx="2" type="sldImg"/>
+            <p:ph type="sldImg" idx="2"/>
           </p:nvPr>
         </p:nvSpPr>
         <p:spPr>
@@ -1232,9 +1304,13 @@
             <a:ext cx="6096000" cy="3429000"/>
           </a:xfrm>
           <a:custGeom>
-            <a:rect b="b" l="l" r="r" t="t"/>
+            <a:avLst/>
+            <a:gdLst/>
+            <a:ahLst/>
+            <a:cxnLst/>
+            <a:rect l="l" t="t" r="r" b="b"/>
             <a:pathLst>
-              <a:path extrusionOk="0" h="120000" w="120000">
+              <a:path w="120000" h="120000" extrusionOk="0">
                 <a:moveTo>
                   <a:pt x="0" y="0"/>
                 </a:moveTo>
@@ -1256,9 +1332,11 @@
       <p:sp>
         <p:nvSpPr>
           <p:cNvPr id="139" name="Google Shape;139;g7a9050a846_0_0:notes"/>
-          <p:cNvSpPr txBox="1"/>
+          <p:cNvSpPr txBox="1">
+            <a:spLocks noGrp="1"/>
+          </p:cNvSpPr>
           <p:nvPr>
-            <p:ph idx="1" type="body"/>
+            <p:ph type="body" idx="1"/>
           </p:nvPr>
         </p:nvSpPr>
         <p:spPr>
@@ -1271,28 +1349,30 @@
           </a:prstGeom>
         </p:spPr>
         <p:txBody>
-          <a:bodyPr anchorCtr="0" anchor="t" bIns="91425" lIns="91425" spcFirstLastPara="1" rIns="91425" wrap="square" tIns="91425">
+          <a:bodyPr spcFirstLastPara="1" wrap="square" lIns="91425" tIns="91425" rIns="91425" bIns="91425" anchor="t" anchorCtr="0">
             <a:noAutofit/>
           </a:bodyPr>
           <a:lstStyle/>
           <a:p>
-            <a:pPr indent="0" lvl="0" marL="0" rtl="0" algn="l">
-              <a:spcBef>
-                <a:spcPts val="0"/>
-              </a:spcBef>
-              <a:spcAft>
-                <a:spcPts val="0"/>
-              </a:spcAft>
-              <a:buNone/>
-            </a:pPr>
-            <a:r>
-              <a:t/>
-            </a:r>
+            <a:pPr marL="0" lvl="0" indent="0" algn="l" rtl="0">
+              <a:spcBef>
+                <a:spcPts val="0"/>
+              </a:spcBef>
+              <a:spcAft>
+                <a:spcPts val="0"/>
+              </a:spcAft>
+              <a:buNone/>
+            </a:pPr>
             <a:endParaRPr/>
           </a:p>
         </p:txBody>
       </p:sp>
     </p:spTree>
+    <p:extLst>
+      <p:ext uri="{BB962C8B-B14F-4D97-AF65-F5344CB8AC3E}">
+        <p14:creationId xmlns:p14="http://schemas.microsoft.com/office/powerpoint/2010/main" val="4096137109"/>
+      </p:ext>
+    </p:extLst>
   </p:cSld>
   <p:clrMapOvr>
     <a:masterClrMapping/>
@@ -1301,11 +1381,11 @@
 </file>
 
 <file path=ppt/notesSlides/notesSlide15.xml><?xml version="1.0" encoding="utf-8"?>
-<p:notes xmlns:a="http://schemas.openxmlformats.org/drawingml/2006/main" xmlns:r="http://schemas.openxmlformats.org/officeDocument/2006/relationships" xmlns:mc="http://schemas.openxmlformats.org/markup-compatibility/2006" xmlns:mv="urn:schemas-microsoft-com:mac:vml" xmlns:p="http://schemas.openxmlformats.org/presentationml/2006/main" xmlns:c="http://schemas.openxmlformats.org/drawingml/2006/chart" xmlns:dgm="http://schemas.openxmlformats.org/drawingml/2006/diagram" xmlns:o="urn:schemas-microsoft-com:office:office" xmlns:v="urn:schemas-microsoft-com:vml" xmlns:pvml="urn:schemas-microsoft-com:office:powerpoint" xmlns:com="http://schemas.openxmlformats.org/drawingml/2006/compatibility" xmlns:p14="http://schemas.microsoft.com/office/powerpoint/2010/main" xmlns:p15="http://schemas.microsoft.com/office/powerpoint/2012/main" showMasterPhAnim="0" showMasterSp="0">
+<p:notes xmlns:a="http://schemas.openxmlformats.org/drawingml/2006/main" xmlns:r="http://schemas.openxmlformats.org/officeDocument/2006/relationships" xmlns:p="http://schemas.openxmlformats.org/presentationml/2006/main" showMasterSp="0" showMasterPhAnim="0">
   <p:cSld>
     <p:spTree>
       <p:nvGrpSpPr>
-        <p:cNvPr id="144" name="Shape 144"/>
+        <p:cNvPr id="1" name="Shape 144"/>
         <p:cNvGrpSpPr/>
         <p:nvPr/>
       </p:nvGrpSpPr>
@@ -1320,9 +1400,11 @@
       <p:sp>
         <p:nvSpPr>
           <p:cNvPr id="145" name="Google Shape;145;g6bd51c8259_0_5:notes"/>
-          <p:cNvSpPr/>
+          <p:cNvSpPr>
+            <a:spLocks noGrp="1" noRot="1" noChangeAspect="1"/>
+          </p:cNvSpPr>
           <p:nvPr>
-            <p:ph idx="2" type="sldImg"/>
+            <p:ph type="sldImg" idx="2"/>
           </p:nvPr>
         </p:nvSpPr>
         <p:spPr>
@@ -1331,9 +1413,13 @@
             <a:ext cx="6096000" cy="3429000"/>
           </a:xfrm>
           <a:custGeom>
-            <a:rect b="b" l="l" r="r" t="t"/>
+            <a:avLst/>
+            <a:gdLst/>
+            <a:ahLst/>
+            <a:cxnLst/>
+            <a:rect l="l" t="t" r="r" b="b"/>
             <a:pathLst>
-              <a:path extrusionOk="0" h="120000" w="120000">
+              <a:path w="120000" h="120000" extrusionOk="0">
                 <a:moveTo>
                   <a:pt x="0" y="0"/>
                 </a:moveTo>
@@ -1355,9 +1441,11 @@
       <p:sp>
         <p:nvSpPr>
           <p:cNvPr id="146" name="Google Shape;146;g6bd51c8259_0_5:notes"/>
-          <p:cNvSpPr txBox="1"/>
+          <p:cNvSpPr txBox="1">
+            <a:spLocks noGrp="1"/>
+          </p:cNvSpPr>
           <p:nvPr>
-            <p:ph idx="1" type="body"/>
+            <p:ph type="body" idx="1"/>
           </p:nvPr>
         </p:nvSpPr>
         <p:spPr>
@@ -1370,28 +1458,30 @@
           </a:prstGeom>
         </p:spPr>
         <p:txBody>
-          <a:bodyPr anchorCtr="0" anchor="t" bIns="91425" lIns="91425" spcFirstLastPara="1" rIns="91425" wrap="square" tIns="91425">
+          <a:bodyPr spcFirstLastPara="1" wrap="square" lIns="91425" tIns="91425" rIns="91425" bIns="91425" anchor="t" anchorCtr="0">
             <a:noAutofit/>
           </a:bodyPr>
           <a:lstStyle/>
           <a:p>
-            <a:pPr indent="0" lvl="0" marL="0" rtl="0" algn="l">
-              <a:spcBef>
-                <a:spcPts val="0"/>
-              </a:spcBef>
-              <a:spcAft>
-                <a:spcPts val="0"/>
-              </a:spcAft>
-              <a:buNone/>
-            </a:pPr>
-            <a:r>
-              <a:t/>
-            </a:r>
+            <a:pPr marL="0" lvl="0" indent="0" algn="l" rtl="0">
+              <a:spcBef>
+                <a:spcPts val="0"/>
+              </a:spcBef>
+              <a:spcAft>
+                <a:spcPts val="0"/>
+              </a:spcAft>
+              <a:buNone/>
+            </a:pPr>
             <a:endParaRPr/>
           </a:p>
         </p:txBody>
       </p:sp>
     </p:spTree>
+    <p:extLst>
+      <p:ext uri="{BB962C8B-B14F-4D97-AF65-F5344CB8AC3E}">
+        <p14:creationId xmlns:p14="http://schemas.microsoft.com/office/powerpoint/2010/main" val="3464253636"/>
+      </p:ext>
+    </p:extLst>
   </p:cSld>
   <p:clrMapOvr>
     <a:masterClrMapping/>
@@ -1400,11 +1490,11 @@
 </file>
 
 <file path=ppt/notesSlides/notesSlide16.xml><?xml version="1.0" encoding="utf-8"?>
-<p:notes xmlns:a="http://schemas.openxmlformats.org/drawingml/2006/main" xmlns:r="http://schemas.openxmlformats.org/officeDocument/2006/relationships" xmlns:mc="http://schemas.openxmlformats.org/markup-compatibility/2006" xmlns:mv="urn:schemas-microsoft-com:mac:vml" xmlns:p="http://schemas.openxmlformats.org/presentationml/2006/main" xmlns:c="http://schemas.openxmlformats.org/drawingml/2006/chart" xmlns:dgm="http://schemas.openxmlformats.org/drawingml/2006/diagram" xmlns:o="urn:schemas-microsoft-com:office:office" xmlns:v="urn:schemas-microsoft-com:vml" xmlns:pvml="urn:schemas-microsoft-com:office:powerpoint" xmlns:com="http://schemas.openxmlformats.org/drawingml/2006/compatibility" xmlns:p14="http://schemas.microsoft.com/office/powerpoint/2010/main" xmlns:p15="http://schemas.microsoft.com/office/powerpoint/2012/main" showMasterPhAnim="0" showMasterSp="0">
+<p:notes xmlns:a="http://schemas.openxmlformats.org/drawingml/2006/main" xmlns:r="http://schemas.openxmlformats.org/officeDocument/2006/relationships" xmlns:p="http://schemas.openxmlformats.org/presentationml/2006/main" showMasterSp="0" showMasterPhAnim="0">
   <p:cSld>
     <p:spTree>
       <p:nvGrpSpPr>
-        <p:cNvPr id="152" name="Shape 152"/>
+        <p:cNvPr id="1" name="Shape 152"/>
         <p:cNvGrpSpPr/>
         <p:nvPr/>
       </p:nvGrpSpPr>
@@ -1419,9 +1509,11 @@
       <p:sp>
         <p:nvSpPr>
           <p:cNvPr id="153" name="Google Shape;153;g6bd51c8259_0_88:notes"/>
-          <p:cNvSpPr/>
+          <p:cNvSpPr>
+            <a:spLocks noGrp="1" noRot="1" noChangeAspect="1"/>
+          </p:cNvSpPr>
           <p:nvPr>
-            <p:ph idx="2" type="sldImg"/>
+            <p:ph type="sldImg" idx="2"/>
           </p:nvPr>
         </p:nvSpPr>
         <p:spPr>
@@ -1430,9 +1522,13 @@
             <a:ext cx="6096000" cy="3429000"/>
           </a:xfrm>
           <a:custGeom>
-            <a:rect b="b" l="l" r="r" t="t"/>
+            <a:avLst/>
+            <a:gdLst/>
+            <a:ahLst/>
+            <a:cxnLst/>
+            <a:rect l="l" t="t" r="r" b="b"/>
             <a:pathLst>
-              <a:path extrusionOk="0" h="120000" w="120000">
+              <a:path w="120000" h="120000" extrusionOk="0">
                 <a:moveTo>
                   <a:pt x="0" y="0"/>
                 </a:moveTo>
@@ -1454,9 +1550,11 @@
       <p:sp>
         <p:nvSpPr>
           <p:cNvPr id="154" name="Google Shape;154;g6bd51c8259_0_88:notes"/>
-          <p:cNvSpPr txBox="1"/>
+          <p:cNvSpPr txBox="1">
+            <a:spLocks noGrp="1"/>
+          </p:cNvSpPr>
           <p:nvPr>
-            <p:ph idx="1" type="body"/>
+            <p:ph type="body" idx="1"/>
           </p:nvPr>
         </p:nvSpPr>
         <p:spPr>
@@ -1469,28 +1567,30 @@
           </a:prstGeom>
         </p:spPr>
         <p:txBody>
-          <a:bodyPr anchorCtr="0" anchor="t" bIns="91425" lIns="91425" spcFirstLastPara="1" rIns="91425" wrap="square" tIns="91425">
+          <a:bodyPr spcFirstLastPara="1" wrap="square" lIns="91425" tIns="91425" rIns="91425" bIns="91425" anchor="t" anchorCtr="0">
             <a:noAutofit/>
           </a:bodyPr>
           <a:lstStyle/>
           <a:p>
-            <a:pPr indent="0" lvl="0" marL="0" rtl="0" algn="l">
-              <a:spcBef>
-                <a:spcPts val="0"/>
-              </a:spcBef>
-              <a:spcAft>
-                <a:spcPts val="0"/>
-              </a:spcAft>
-              <a:buNone/>
-            </a:pPr>
-            <a:r>
-              <a:t/>
-            </a:r>
+            <a:pPr marL="0" lvl="0" indent="0" algn="l" rtl="0">
+              <a:spcBef>
+                <a:spcPts val="0"/>
+              </a:spcBef>
+              <a:spcAft>
+                <a:spcPts val="0"/>
+              </a:spcAft>
+              <a:buNone/>
+            </a:pPr>
             <a:endParaRPr/>
           </a:p>
         </p:txBody>
       </p:sp>
     </p:spTree>
+    <p:extLst>
+      <p:ext uri="{BB962C8B-B14F-4D97-AF65-F5344CB8AC3E}">
+        <p14:creationId xmlns:p14="http://schemas.microsoft.com/office/powerpoint/2010/main" val="346203628"/>
+      </p:ext>
+    </p:extLst>
   </p:cSld>
   <p:clrMapOvr>
     <a:masterClrMapping/>
@@ -1499,11 +1599,11 @@
 </file>
 
 <file path=ppt/notesSlides/notesSlide17.xml><?xml version="1.0" encoding="utf-8"?>
-<p:notes xmlns:a="http://schemas.openxmlformats.org/drawingml/2006/main" xmlns:r="http://schemas.openxmlformats.org/officeDocument/2006/relationships" xmlns:mc="http://schemas.openxmlformats.org/markup-compatibility/2006" xmlns:mv="urn:schemas-microsoft-com:mac:vml" xmlns:p="http://schemas.openxmlformats.org/presentationml/2006/main" xmlns:c="http://schemas.openxmlformats.org/drawingml/2006/chart" xmlns:dgm="http://schemas.openxmlformats.org/drawingml/2006/diagram" xmlns:o="urn:schemas-microsoft-com:office:office" xmlns:v="urn:schemas-microsoft-com:vml" xmlns:pvml="urn:schemas-microsoft-com:office:powerpoint" xmlns:com="http://schemas.openxmlformats.org/drawingml/2006/compatibility" xmlns:p14="http://schemas.microsoft.com/office/powerpoint/2010/main" xmlns:p15="http://schemas.microsoft.com/office/powerpoint/2012/main" showMasterPhAnim="0" showMasterSp="0">
+<p:notes xmlns:a="http://schemas.openxmlformats.org/drawingml/2006/main" xmlns:r="http://schemas.openxmlformats.org/officeDocument/2006/relationships" xmlns:p="http://schemas.openxmlformats.org/presentationml/2006/main" showMasterSp="0" showMasterPhAnim="0">
   <p:cSld>
     <p:spTree>
       <p:nvGrpSpPr>
-        <p:cNvPr id="159" name="Shape 159"/>
+        <p:cNvPr id="1" name="Shape 159"/>
         <p:cNvGrpSpPr/>
         <p:nvPr/>
       </p:nvGrpSpPr>
@@ -1518,9 +1618,11 @@
       <p:sp>
         <p:nvSpPr>
           <p:cNvPr id="160" name="Google Shape;160;g6bd51c8259_0_59:notes"/>
-          <p:cNvSpPr/>
+          <p:cNvSpPr>
+            <a:spLocks noGrp="1" noRot="1" noChangeAspect="1"/>
+          </p:cNvSpPr>
           <p:nvPr>
-            <p:ph idx="2" type="sldImg"/>
+            <p:ph type="sldImg" idx="2"/>
           </p:nvPr>
         </p:nvSpPr>
         <p:spPr>
@@ -1529,9 +1631,13 @@
             <a:ext cx="6096000" cy="3429000"/>
           </a:xfrm>
           <a:custGeom>
-            <a:rect b="b" l="l" r="r" t="t"/>
+            <a:avLst/>
+            <a:gdLst/>
+            <a:ahLst/>
+            <a:cxnLst/>
+            <a:rect l="l" t="t" r="r" b="b"/>
             <a:pathLst>
-              <a:path extrusionOk="0" h="120000" w="120000">
+              <a:path w="120000" h="120000" extrusionOk="0">
                 <a:moveTo>
                   <a:pt x="0" y="0"/>
                 </a:moveTo>
@@ -1553,9 +1659,11 @@
       <p:sp>
         <p:nvSpPr>
           <p:cNvPr id="161" name="Google Shape;161;g6bd51c8259_0_59:notes"/>
-          <p:cNvSpPr txBox="1"/>
+          <p:cNvSpPr txBox="1">
+            <a:spLocks noGrp="1"/>
+          </p:cNvSpPr>
           <p:nvPr>
-            <p:ph idx="1" type="body"/>
+            <p:ph type="body" idx="1"/>
           </p:nvPr>
         </p:nvSpPr>
         <p:spPr>
@@ -1568,12 +1676,12 @@
           </a:prstGeom>
         </p:spPr>
         <p:txBody>
-          <a:bodyPr anchorCtr="0" anchor="t" bIns="91425" lIns="91425" spcFirstLastPara="1" rIns="91425" wrap="square" tIns="91425">
+          <a:bodyPr spcFirstLastPara="1" wrap="square" lIns="91425" tIns="91425" rIns="91425" bIns="91425" anchor="t" anchorCtr="0">
             <a:noAutofit/>
           </a:bodyPr>
           <a:lstStyle/>
           <a:p>
-            <a:pPr indent="0" lvl="0" marL="0" rtl="0" algn="l">
+            <a:pPr marL="0" lvl="0" indent="0" algn="l" rtl="0">
               <a:spcBef>
                 <a:spcPts val="0"/>
               </a:spcBef>
@@ -1589,7 +1697,7 @@
             <a:endParaRPr/>
           </a:p>
           <a:p>
-            <a:pPr indent="0" lvl="0" marL="0" rtl="0" algn="l">
+            <a:pPr marL="0" lvl="0" indent="0" algn="l" rtl="0">
               <a:spcBef>
                 <a:spcPts val="0"/>
               </a:spcBef>
@@ -1607,6 +1715,11 @@
         </p:txBody>
       </p:sp>
     </p:spTree>
+    <p:extLst>
+      <p:ext uri="{BB962C8B-B14F-4D97-AF65-F5344CB8AC3E}">
+        <p14:creationId xmlns:p14="http://schemas.microsoft.com/office/powerpoint/2010/main" val="2321747493"/>
+      </p:ext>
+    </p:extLst>
   </p:cSld>
   <p:clrMapOvr>
     <a:masterClrMapping/>
@@ -1615,11 +1728,11 @@
 </file>
 
 <file path=ppt/notesSlides/notesSlide18.xml><?xml version="1.0" encoding="utf-8"?>
-<p:notes xmlns:a="http://schemas.openxmlformats.org/drawingml/2006/main" xmlns:r="http://schemas.openxmlformats.org/officeDocument/2006/relationships" xmlns:mc="http://schemas.openxmlformats.org/markup-compatibility/2006" xmlns:mv="urn:schemas-microsoft-com:mac:vml" xmlns:p="http://schemas.openxmlformats.org/presentationml/2006/main" xmlns:c="http://schemas.openxmlformats.org/drawingml/2006/chart" xmlns:dgm="http://schemas.openxmlformats.org/drawingml/2006/diagram" xmlns:o="urn:schemas-microsoft-com:office:office" xmlns:v="urn:schemas-microsoft-com:vml" xmlns:pvml="urn:schemas-microsoft-com:office:powerpoint" xmlns:com="http://schemas.openxmlformats.org/drawingml/2006/compatibility" xmlns:p14="http://schemas.microsoft.com/office/powerpoint/2010/main" xmlns:p15="http://schemas.microsoft.com/office/powerpoint/2012/main" showMasterPhAnim="0" showMasterSp="0">
+<p:notes xmlns:a="http://schemas.openxmlformats.org/drawingml/2006/main" xmlns:r="http://schemas.openxmlformats.org/officeDocument/2006/relationships" xmlns:p="http://schemas.openxmlformats.org/presentationml/2006/main" showMasterSp="0" showMasterPhAnim="0">
   <p:cSld>
     <p:spTree>
       <p:nvGrpSpPr>
-        <p:cNvPr id="168" name="Shape 168"/>
+        <p:cNvPr id="1" name="Shape 168"/>
         <p:cNvGrpSpPr/>
         <p:nvPr/>
       </p:nvGrpSpPr>
@@ -1634,9 +1747,11 @@
       <p:sp>
         <p:nvSpPr>
           <p:cNvPr id="169" name="Google Shape;169;g6bd51c8259_0_78:notes"/>
-          <p:cNvSpPr/>
+          <p:cNvSpPr>
+            <a:spLocks noGrp="1" noRot="1" noChangeAspect="1"/>
+          </p:cNvSpPr>
           <p:nvPr>
-            <p:ph idx="2" type="sldImg"/>
+            <p:ph type="sldImg" idx="2"/>
           </p:nvPr>
         </p:nvSpPr>
         <p:spPr>
@@ -1645,9 +1760,13 @@
             <a:ext cx="6096000" cy="3429000"/>
           </a:xfrm>
           <a:custGeom>
-            <a:rect b="b" l="l" r="r" t="t"/>
+            <a:avLst/>
+            <a:gdLst/>
+            <a:ahLst/>
+            <a:cxnLst/>
+            <a:rect l="l" t="t" r="r" b="b"/>
             <a:pathLst>
-              <a:path extrusionOk="0" h="120000" w="120000">
+              <a:path w="120000" h="120000" extrusionOk="0">
                 <a:moveTo>
                   <a:pt x="0" y="0"/>
                 </a:moveTo>
@@ -1669,9 +1788,11 @@
       <p:sp>
         <p:nvSpPr>
           <p:cNvPr id="170" name="Google Shape;170;g6bd51c8259_0_78:notes"/>
-          <p:cNvSpPr txBox="1"/>
+          <p:cNvSpPr txBox="1">
+            <a:spLocks noGrp="1"/>
+          </p:cNvSpPr>
           <p:nvPr>
-            <p:ph idx="1" type="body"/>
+            <p:ph type="body" idx="1"/>
           </p:nvPr>
         </p:nvSpPr>
         <p:spPr>
@@ -1684,28 +1805,30 @@
           </a:prstGeom>
         </p:spPr>
         <p:txBody>
-          <a:bodyPr anchorCtr="0" anchor="t" bIns="91425" lIns="91425" spcFirstLastPara="1" rIns="91425" wrap="square" tIns="91425">
+          <a:bodyPr spcFirstLastPara="1" wrap="square" lIns="91425" tIns="91425" rIns="91425" bIns="91425" anchor="t" anchorCtr="0">
             <a:noAutofit/>
           </a:bodyPr>
           <a:lstStyle/>
           <a:p>
-            <a:pPr indent="0" lvl="0" marL="0" rtl="0" algn="l">
-              <a:spcBef>
-                <a:spcPts val="0"/>
-              </a:spcBef>
-              <a:spcAft>
-                <a:spcPts val="0"/>
-              </a:spcAft>
-              <a:buNone/>
-            </a:pPr>
-            <a:r>
-              <a:t/>
-            </a:r>
+            <a:pPr marL="0" lvl="0" indent="0" algn="l" rtl="0">
+              <a:spcBef>
+                <a:spcPts val="0"/>
+              </a:spcBef>
+              <a:spcAft>
+                <a:spcPts val="0"/>
+              </a:spcAft>
+              <a:buNone/>
+            </a:pPr>
             <a:endParaRPr/>
           </a:p>
         </p:txBody>
       </p:sp>
     </p:spTree>
+    <p:extLst>
+      <p:ext uri="{BB962C8B-B14F-4D97-AF65-F5344CB8AC3E}">
+        <p14:creationId xmlns:p14="http://schemas.microsoft.com/office/powerpoint/2010/main" val="3230543413"/>
+      </p:ext>
+    </p:extLst>
   </p:cSld>
   <p:clrMapOvr>
     <a:masterClrMapping/>
@@ -1714,11 +1837,11 @@
 </file>
 
 <file path=ppt/notesSlides/notesSlide19.xml><?xml version="1.0" encoding="utf-8"?>
-<p:notes xmlns:a="http://schemas.openxmlformats.org/drawingml/2006/main" xmlns:r="http://schemas.openxmlformats.org/officeDocument/2006/relationships" xmlns:mc="http://schemas.openxmlformats.org/markup-compatibility/2006" xmlns:mv="urn:schemas-microsoft-com:mac:vml" xmlns:p="http://schemas.openxmlformats.org/presentationml/2006/main" xmlns:c="http://schemas.openxmlformats.org/drawingml/2006/chart" xmlns:dgm="http://schemas.openxmlformats.org/drawingml/2006/diagram" xmlns:o="urn:schemas-microsoft-com:office:office" xmlns:v="urn:schemas-microsoft-com:vml" xmlns:pvml="urn:schemas-microsoft-com:office:powerpoint" xmlns:com="http://schemas.openxmlformats.org/drawingml/2006/compatibility" xmlns:p14="http://schemas.microsoft.com/office/powerpoint/2010/main" xmlns:p15="http://schemas.microsoft.com/office/powerpoint/2012/main" showMasterPhAnim="0" showMasterSp="0">
+<p:notes xmlns:a="http://schemas.openxmlformats.org/drawingml/2006/main" xmlns:r="http://schemas.openxmlformats.org/officeDocument/2006/relationships" xmlns:p="http://schemas.openxmlformats.org/presentationml/2006/main" showMasterSp="0" showMasterPhAnim="0">
   <p:cSld>
     <p:spTree>
       <p:nvGrpSpPr>
-        <p:cNvPr id="177" name="Shape 177"/>
+        <p:cNvPr id="1" name="Shape 177"/>
         <p:cNvGrpSpPr/>
         <p:nvPr/>
       </p:nvGrpSpPr>
@@ -1733,9 +1856,11 @@
       <p:sp>
         <p:nvSpPr>
           <p:cNvPr id="178" name="Google Shape;178;g6bd51c8259_0_43:notes"/>
-          <p:cNvSpPr/>
+          <p:cNvSpPr>
+            <a:spLocks noGrp="1" noRot="1" noChangeAspect="1"/>
+          </p:cNvSpPr>
           <p:nvPr>
-            <p:ph idx="2" type="sldImg"/>
+            <p:ph type="sldImg" idx="2"/>
           </p:nvPr>
         </p:nvSpPr>
         <p:spPr>
@@ -1744,9 +1869,13 @@
             <a:ext cx="6096000" cy="3429000"/>
           </a:xfrm>
           <a:custGeom>
-            <a:rect b="b" l="l" r="r" t="t"/>
+            <a:avLst/>
+            <a:gdLst/>
+            <a:ahLst/>
+            <a:cxnLst/>
+            <a:rect l="l" t="t" r="r" b="b"/>
             <a:pathLst>
-              <a:path extrusionOk="0" h="120000" w="120000">
+              <a:path w="120000" h="120000" extrusionOk="0">
                 <a:moveTo>
                   <a:pt x="0" y="0"/>
                 </a:moveTo>
@@ -1768,9 +1897,11 @@
       <p:sp>
         <p:nvSpPr>
           <p:cNvPr id="179" name="Google Shape;179;g6bd51c8259_0_43:notes"/>
-          <p:cNvSpPr txBox="1"/>
+          <p:cNvSpPr txBox="1">
+            <a:spLocks noGrp="1"/>
+          </p:cNvSpPr>
           <p:nvPr>
-            <p:ph idx="1" type="body"/>
+            <p:ph type="body" idx="1"/>
           </p:nvPr>
         </p:nvSpPr>
         <p:spPr>
@@ -1783,28 +1914,30 @@
           </a:prstGeom>
         </p:spPr>
         <p:txBody>
-          <a:bodyPr anchorCtr="0" anchor="t" bIns="91425" lIns="91425" spcFirstLastPara="1" rIns="91425" wrap="square" tIns="91425">
+          <a:bodyPr spcFirstLastPara="1" wrap="square" lIns="91425" tIns="91425" rIns="91425" bIns="91425" anchor="t" anchorCtr="0">
             <a:noAutofit/>
           </a:bodyPr>
           <a:lstStyle/>
           <a:p>
-            <a:pPr indent="0" lvl="0" marL="0" rtl="0" algn="l">
-              <a:spcBef>
-                <a:spcPts val="0"/>
-              </a:spcBef>
-              <a:spcAft>
-                <a:spcPts val="0"/>
-              </a:spcAft>
-              <a:buNone/>
-            </a:pPr>
-            <a:r>
-              <a:t/>
-            </a:r>
+            <a:pPr marL="0" lvl="0" indent="0" algn="l" rtl="0">
+              <a:spcBef>
+                <a:spcPts val="0"/>
+              </a:spcBef>
+              <a:spcAft>
+                <a:spcPts val="0"/>
+              </a:spcAft>
+              <a:buNone/>
+            </a:pPr>
             <a:endParaRPr/>
           </a:p>
         </p:txBody>
       </p:sp>
     </p:spTree>
+    <p:extLst>
+      <p:ext uri="{BB962C8B-B14F-4D97-AF65-F5344CB8AC3E}">
+        <p14:creationId xmlns:p14="http://schemas.microsoft.com/office/powerpoint/2010/main" val="1641410085"/>
+      </p:ext>
+    </p:extLst>
   </p:cSld>
   <p:clrMapOvr>
     <a:masterClrMapping/>
@@ -1813,11 +1946,11 @@
 </file>
 
 <file path=ppt/notesSlides/notesSlide2.xml><?xml version="1.0" encoding="utf-8"?>
-<p:notes xmlns:a="http://schemas.openxmlformats.org/drawingml/2006/main" xmlns:r="http://schemas.openxmlformats.org/officeDocument/2006/relationships" xmlns:mc="http://schemas.openxmlformats.org/markup-compatibility/2006" xmlns:mv="urn:schemas-microsoft-com:mac:vml" xmlns:p="http://schemas.openxmlformats.org/presentationml/2006/main" xmlns:c="http://schemas.openxmlformats.org/drawingml/2006/chart" xmlns:dgm="http://schemas.openxmlformats.org/drawingml/2006/diagram" xmlns:o="urn:schemas-microsoft-com:office:office" xmlns:v="urn:schemas-microsoft-com:vml" xmlns:pvml="urn:schemas-microsoft-com:office:powerpoint" xmlns:com="http://schemas.openxmlformats.org/drawingml/2006/compatibility" xmlns:p14="http://schemas.microsoft.com/office/powerpoint/2010/main" xmlns:p15="http://schemas.microsoft.com/office/powerpoint/2012/main" showMasterPhAnim="0" showMasterSp="0">
+<p:notes xmlns:a="http://schemas.openxmlformats.org/drawingml/2006/main" xmlns:r="http://schemas.openxmlformats.org/officeDocument/2006/relationships" xmlns:p="http://schemas.openxmlformats.org/presentationml/2006/main" showMasterSp="0" showMasterPhAnim="0">
   <p:cSld>
     <p:spTree>
       <p:nvGrpSpPr>
-        <p:cNvPr id="56" name="Shape 56"/>
+        <p:cNvPr id="1" name="Shape 56"/>
         <p:cNvGrpSpPr/>
         <p:nvPr/>
       </p:nvGrpSpPr>
@@ -1832,9 +1965,11 @@
       <p:sp>
         <p:nvSpPr>
           <p:cNvPr id="57" name="Google Shape;57;g6bd51c8259_0_22:notes"/>
-          <p:cNvSpPr/>
+          <p:cNvSpPr>
+            <a:spLocks noGrp="1" noRot="1" noChangeAspect="1"/>
+          </p:cNvSpPr>
           <p:nvPr>
-            <p:ph idx="2" type="sldImg"/>
+            <p:ph type="sldImg" idx="2"/>
           </p:nvPr>
         </p:nvSpPr>
         <p:spPr>
@@ -1843,9 +1978,13 @@
             <a:ext cx="6096000" cy="3429000"/>
           </a:xfrm>
           <a:custGeom>
-            <a:rect b="b" l="l" r="r" t="t"/>
+            <a:avLst/>
+            <a:gdLst/>
+            <a:ahLst/>
+            <a:cxnLst/>
+            <a:rect l="l" t="t" r="r" b="b"/>
             <a:pathLst>
-              <a:path extrusionOk="0" h="120000" w="120000">
+              <a:path w="120000" h="120000" extrusionOk="0">
                 <a:moveTo>
                   <a:pt x="0" y="0"/>
                 </a:moveTo>
@@ -1867,9 +2006,11 @@
       <p:sp>
         <p:nvSpPr>
           <p:cNvPr id="58" name="Google Shape;58;g6bd51c8259_0_22:notes"/>
-          <p:cNvSpPr txBox="1"/>
+          <p:cNvSpPr txBox="1">
+            <a:spLocks noGrp="1"/>
+          </p:cNvSpPr>
           <p:nvPr>
-            <p:ph idx="1" type="body"/>
+            <p:ph type="body" idx="1"/>
           </p:nvPr>
         </p:nvSpPr>
         <p:spPr>
@@ -1882,28 +2023,30 @@
           </a:prstGeom>
         </p:spPr>
         <p:txBody>
-          <a:bodyPr anchorCtr="0" anchor="t" bIns="91425" lIns="91425" spcFirstLastPara="1" rIns="91425" wrap="square" tIns="91425">
+          <a:bodyPr spcFirstLastPara="1" wrap="square" lIns="91425" tIns="91425" rIns="91425" bIns="91425" anchor="t" anchorCtr="0">
             <a:noAutofit/>
           </a:bodyPr>
           <a:lstStyle/>
           <a:p>
-            <a:pPr indent="0" lvl="0" marL="0" rtl="0" algn="l">
-              <a:spcBef>
-                <a:spcPts val="0"/>
-              </a:spcBef>
-              <a:spcAft>
-                <a:spcPts val="0"/>
-              </a:spcAft>
-              <a:buNone/>
-            </a:pPr>
-            <a:r>
-              <a:t/>
-            </a:r>
+            <a:pPr marL="0" lvl="0" indent="0" algn="l" rtl="0">
+              <a:spcBef>
+                <a:spcPts val="0"/>
+              </a:spcBef>
+              <a:spcAft>
+                <a:spcPts val="0"/>
+              </a:spcAft>
+              <a:buNone/>
+            </a:pPr>
             <a:endParaRPr/>
           </a:p>
         </p:txBody>
       </p:sp>
     </p:spTree>
+    <p:extLst>
+      <p:ext uri="{BB962C8B-B14F-4D97-AF65-F5344CB8AC3E}">
+        <p14:creationId xmlns:p14="http://schemas.microsoft.com/office/powerpoint/2010/main" val="1721688641"/>
+      </p:ext>
+    </p:extLst>
   </p:cSld>
   <p:clrMapOvr>
     <a:masterClrMapping/>
@@ -1912,11 +2055,11 @@
 </file>
 
 <file path=ppt/notesSlides/notesSlide20.xml><?xml version="1.0" encoding="utf-8"?>
-<p:notes xmlns:a="http://schemas.openxmlformats.org/drawingml/2006/main" xmlns:r="http://schemas.openxmlformats.org/officeDocument/2006/relationships" xmlns:mc="http://schemas.openxmlformats.org/markup-compatibility/2006" xmlns:mv="urn:schemas-microsoft-com:mac:vml" xmlns:p="http://schemas.openxmlformats.org/presentationml/2006/main" xmlns:c="http://schemas.openxmlformats.org/drawingml/2006/chart" xmlns:dgm="http://schemas.openxmlformats.org/drawingml/2006/diagram" xmlns:o="urn:schemas-microsoft-com:office:office" xmlns:v="urn:schemas-microsoft-com:vml" xmlns:pvml="urn:schemas-microsoft-com:office:powerpoint" xmlns:com="http://schemas.openxmlformats.org/drawingml/2006/compatibility" xmlns:p14="http://schemas.microsoft.com/office/powerpoint/2010/main" xmlns:p15="http://schemas.microsoft.com/office/powerpoint/2012/main" showMasterPhAnim="0" showMasterSp="0">
+<p:notes xmlns:a="http://schemas.openxmlformats.org/drawingml/2006/main" xmlns:r="http://schemas.openxmlformats.org/officeDocument/2006/relationships" xmlns:p="http://schemas.openxmlformats.org/presentationml/2006/main" showMasterSp="0" showMasterPhAnim="0">
   <p:cSld>
     <p:spTree>
       <p:nvGrpSpPr>
-        <p:cNvPr id="183" name="Shape 183"/>
+        <p:cNvPr id="1" name="Shape 183"/>
         <p:cNvGrpSpPr/>
         <p:nvPr/>
       </p:nvGrpSpPr>
@@ -1931,9 +2074,11 @@
       <p:sp>
         <p:nvSpPr>
           <p:cNvPr id="184" name="Google Shape;184;g7a9050acf5_5_5:notes"/>
-          <p:cNvSpPr/>
+          <p:cNvSpPr>
+            <a:spLocks noGrp="1" noRot="1" noChangeAspect="1"/>
+          </p:cNvSpPr>
           <p:nvPr>
-            <p:ph idx="2" type="sldImg"/>
+            <p:ph type="sldImg" idx="2"/>
           </p:nvPr>
         </p:nvSpPr>
         <p:spPr>
@@ -1942,9 +2087,13 @@
             <a:ext cx="6096000" cy="3429000"/>
           </a:xfrm>
           <a:custGeom>
-            <a:rect b="b" l="l" r="r" t="t"/>
+            <a:avLst/>
+            <a:gdLst/>
+            <a:ahLst/>
+            <a:cxnLst/>
+            <a:rect l="l" t="t" r="r" b="b"/>
             <a:pathLst>
-              <a:path extrusionOk="0" h="120000" w="120000">
+              <a:path w="120000" h="120000" extrusionOk="0">
                 <a:moveTo>
                   <a:pt x="0" y="0"/>
                 </a:moveTo>
@@ -1966,9 +2115,11 @@
       <p:sp>
         <p:nvSpPr>
           <p:cNvPr id="185" name="Google Shape;185;g7a9050acf5_5_5:notes"/>
-          <p:cNvSpPr txBox="1"/>
+          <p:cNvSpPr txBox="1">
+            <a:spLocks noGrp="1"/>
+          </p:cNvSpPr>
           <p:nvPr>
-            <p:ph idx="1" type="body"/>
+            <p:ph type="body" idx="1"/>
           </p:nvPr>
         </p:nvSpPr>
         <p:spPr>
@@ -1981,28 +2132,30 @@
           </a:prstGeom>
         </p:spPr>
         <p:txBody>
-          <a:bodyPr anchorCtr="0" anchor="t" bIns="91425" lIns="91425" spcFirstLastPara="1" rIns="91425" wrap="square" tIns="91425">
+          <a:bodyPr spcFirstLastPara="1" wrap="square" lIns="91425" tIns="91425" rIns="91425" bIns="91425" anchor="t" anchorCtr="0">
             <a:noAutofit/>
           </a:bodyPr>
           <a:lstStyle/>
           <a:p>
-            <a:pPr indent="0" lvl="0" marL="0" rtl="0" algn="l">
-              <a:spcBef>
-                <a:spcPts val="0"/>
-              </a:spcBef>
-              <a:spcAft>
-                <a:spcPts val="0"/>
-              </a:spcAft>
-              <a:buNone/>
-            </a:pPr>
-            <a:r>
-              <a:t/>
-            </a:r>
+            <a:pPr marL="0" lvl="0" indent="0" algn="l" rtl="0">
+              <a:spcBef>
+                <a:spcPts val="0"/>
+              </a:spcBef>
+              <a:spcAft>
+                <a:spcPts val="0"/>
+              </a:spcAft>
+              <a:buNone/>
+            </a:pPr>
             <a:endParaRPr/>
           </a:p>
         </p:txBody>
       </p:sp>
     </p:spTree>
+    <p:extLst>
+      <p:ext uri="{BB962C8B-B14F-4D97-AF65-F5344CB8AC3E}">
+        <p14:creationId xmlns:p14="http://schemas.microsoft.com/office/powerpoint/2010/main" val="4162358955"/>
+      </p:ext>
+    </p:extLst>
   </p:cSld>
   <p:clrMapOvr>
     <a:masterClrMapping/>
@@ -2011,11 +2164,11 @@
 </file>
 
 <file path=ppt/notesSlides/notesSlide21.xml><?xml version="1.0" encoding="utf-8"?>
-<p:notes xmlns:a="http://schemas.openxmlformats.org/drawingml/2006/main" xmlns:r="http://schemas.openxmlformats.org/officeDocument/2006/relationships" xmlns:mc="http://schemas.openxmlformats.org/markup-compatibility/2006" xmlns:mv="urn:schemas-microsoft-com:mac:vml" xmlns:p="http://schemas.openxmlformats.org/presentationml/2006/main" xmlns:c="http://schemas.openxmlformats.org/drawingml/2006/chart" xmlns:dgm="http://schemas.openxmlformats.org/drawingml/2006/diagram" xmlns:o="urn:schemas-microsoft-com:office:office" xmlns:v="urn:schemas-microsoft-com:vml" xmlns:pvml="urn:schemas-microsoft-com:office:powerpoint" xmlns:com="http://schemas.openxmlformats.org/drawingml/2006/compatibility" xmlns:p14="http://schemas.microsoft.com/office/powerpoint/2010/main" xmlns:p15="http://schemas.microsoft.com/office/powerpoint/2012/main" showMasterPhAnim="0" showMasterSp="0">
+<p:notes xmlns:a="http://schemas.openxmlformats.org/drawingml/2006/main" xmlns:r="http://schemas.openxmlformats.org/officeDocument/2006/relationships" xmlns:p="http://schemas.openxmlformats.org/presentationml/2006/main" showMasterSp="0" showMasterPhAnim="0">
   <p:cSld>
     <p:spTree>
       <p:nvGrpSpPr>
-        <p:cNvPr id="189" name="Shape 189"/>
+        <p:cNvPr id="1" name="Shape 189"/>
         <p:cNvGrpSpPr/>
         <p:nvPr/>
       </p:nvGrpSpPr>
@@ -2030,9 +2183,11 @@
       <p:sp>
         <p:nvSpPr>
           <p:cNvPr id="190" name="Google Shape;190;g6bd51c8259_0_48:notes"/>
-          <p:cNvSpPr/>
+          <p:cNvSpPr>
+            <a:spLocks noGrp="1" noRot="1" noChangeAspect="1"/>
+          </p:cNvSpPr>
           <p:nvPr>
-            <p:ph idx="2" type="sldImg"/>
+            <p:ph type="sldImg" idx="2"/>
           </p:nvPr>
         </p:nvSpPr>
         <p:spPr>
@@ -2041,9 +2196,13 @@
             <a:ext cx="6096000" cy="3429000"/>
           </a:xfrm>
           <a:custGeom>
-            <a:rect b="b" l="l" r="r" t="t"/>
+            <a:avLst/>
+            <a:gdLst/>
+            <a:ahLst/>
+            <a:cxnLst/>
+            <a:rect l="l" t="t" r="r" b="b"/>
             <a:pathLst>
-              <a:path extrusionOk="0" h="120000" w="120000">
+              <a:path w="120000" h="120000" extrusionOk="0">
                 <a:moveTo>
                   <a:pt x="0" y="0"/>
                 </a:moveTo>
@@ -2065,9 +2224,11 @@
       <p:sp>
         <p:nvSpPr>
           <p:cNvPr id="191" name="Google Shape;191;g6bd51c8259_0_48:notes"/>
-          <p:cNvSpPr txBox="1"/>
+          <p:cNvSpPr txBox="1">
+            <a:spLocks noGrp="1"/>
+          </p:cNvSpPr>
           <p:nvPr>
-            <p:ph idx="1" type="body"/>
+            <p:ph type="body" idx="1"/>
           </p:nvPr>
         </p:nvSpPr>
         <p:spPr>
@@ -2080,28 +2241,30 @@
           </a:prstGeom>
         </p:spPr>
         <p:txBody>
-          <a:bodyPr anchorCtr="0" anchor="t" bIns="91425" lIns="91425" spcFirstLastPara="1" rIns="91425" wrap="square" tIns="91425">
+          <a:bodyPr spcFirstLastPara="1" wrap="square" lIns="91425" tIns="91425" rIns="91425" bIns="91425" anchor="t" anchorCtr="0">
             <a:noAutofit/>
           </a:bodyPr>
           <a:lstStyle/>
           <a:p>
-            <a:pPr indent="0" lvl="0" marL="0" rtl="0" algn="l">
-              <a:spcBef>
-                <a:spcPts val="0"/>
-              </a:spcBef>
-              <a:spcAft>
-                <a:spcPts val="0"/>
-              </a:spcAft>
-              <a:buNone/>
-            </a:pPr>
-            <a:r>
-              <a:t/>
-            </a:r>
+            <a:pPr marL="0" lvl="0" indent="0" algn="l" rtl="0">
+              <a:spcBef>
+                <a:spcPts val="0"/>
+              </a:spcBef>
+              <a:spcAft>
+                <a:spcPts val="0"/>
+              </a:spcAft>
+              <a:buNone/>
+            </a:pPr>
             <a:endParaRPr/>
           </a:p>
         </p:txBody>
       </p:sp>
     </p:spTree>
+    <p:extLst>
+      <p:ext uri="{BB962C8B-B14F-4D97-AF65-F5344CB8AC3E}">
+        <p14:creationId xmlns:p14="http://schemas.microsoft.com/office/powerpoint/2010/main" val="801043265"/>
+      </p:ext>
+    </p:extLst>
   </p:cSld>
   <p:clrMapOvr>
     <a:masterClrMapping/>
@@ -2110,11 +2273,11 @@
 </file>
 
 <file path=ppt/notesSlides/notesSlide3.xml><?xml version="1.0" encoding="utf-8"?>
-<p:notes xmlns:a="http://schemas.openxmlformats.org/drawingml/2006/main" xmlns:r="http://schemas.openxmlformats.org/officeDocument/2006/relationships" xmlns:mc="http://schemas.openxmlformats.org/markup-compatibility/2006" xmlns:mv="urn:schemas-microsoft-com:mac:vml" xmlns:p="http://schemas.openxmlformats.org/presentationml/2006/main" xmlns:c="http://schemas.openxmlformats.org/drawingml/2006/chart" xmlns:dgm="http://schemas.openxmlformats.org/drawingml/2006/diagram" xmlns:o="urn:schemas-microsoft-com:office:office" xmlns:v="urn:schemas-microsoft-com:vml" xmlns:pvml="urn:schemas-microsoft-com:office:powerpoint" xmlns:com="http://schemas.openxmlformats.org/drawingml/2006/compatibility" xmlns:p14="http://schemas.microsoft.com/office/powerpoint/2010/main" xmlns:p15="http://schemas.microsoft.com/office/powerpoint/2012/main" showMasterPhAnim="0" showMasterSp="0">
+<p:notes xmlns:a="http://schemas.openxmlformats.org/drawingml/2006/main" xmlns:r="http://schemas.openxmlformats.org/officeDocument/2006/relationships" xmlns:p="http://schemas.openxmlformats.org/presentationml/2006/main" showMasterSp="0" showMasterPhAnim="0">
   <p:cSld>
     <p:spTree>
       <p:nvGrpSpPr>
-        <p:cNvPr id="62" name="Shape 62"/>
+        <p:cNvPr id="1" name="Shape 62"/>
         <p:cNvGrpSpPr/>
         <p:nvPr/>
       </p:nvGrpSpPr>
@@ -2129,9 +2292,11 @@
       <p:sp>
         <p:nvSpPr>
           <p:cNvPr id="63" name="Google Shape;63;g6bd51c8259_0_27:notes"/>
-          <p:cNvSpPr/>
+          <p:cNvSpPr>
+            <a:spLocks noGrp="1" noRot="1" noChangeAspect="1"/>
+          </p:cNvSpPr>
           <p:nvPr>
-            <p:ph idx="2" type="sldImg"/>
+            <p:ph type="sldImg" idx="2"/>
           </p:nvPr>
         </p:nvSpPr>
         <p:spPr>
@@ -2140,9 +2305,13 @@
             <a:ext cx="6096000" cy="3429000"/>
           </a:xfrm>
           <a:custGeom>
-            <a:rect b="b" l="l" r="r" t="t"/>
+            <a:avLst/>
+            <a:gdLst/>
+            <a:ahLst/>
+            <a:cxnLst/>
+            <a:rect l="l" t="t" r="r" b="b"/>
             <a:pathLst>
-              <a:path extrusionOk="0" h="120000" w="120000">
+              <a:path w="120000" h="120000" extrusionOk="0">
                 <a:moveTo>
                   <a:pt x="0" y="0"/>
                 </a:moveTo>
@@ -2164,9 +2333,11 @@
       <p:sp>
         <p:nvSpPr>
           <p:cNvPr id="64" name="Google Shape;64;g6bd51c8259_0_27:notes"/>
-          <p:cNvSpPr txBox="1"/>
+          <p:cNvSpPr txBox="1">
+            <a:spLocks noGrp="1"/>
+          </p:cNvSpPr>
           <p:nvPr>
-            <p:ph idx="1" type="body"/>
+            <p:ph type="body" idx="1"/>
           </p:nvPr>
         </p:nvSpPr>
         <p:spPr>
@@ -2179,28 +2350,30 @@
           </a:prstGeom>
         </p:spPr>
         <p:txBody>
-          <a:bodyPr anchorCtr="0" anchor="t" bIns="91425" lIns="91425" spcFirstLastPara="1" rIns="91425" wrap="square" tIns="91425">
+          <a:bodyPr spcFirstLastPara="1" wrap="square" lIns="91425" tIns="91425" rIns="91425" bIns="91425" anchor="t" anchorCtr="0">
             <a:noAutofit/>
           </a:bodyPr>
           <a:lstStyle/>
           <a:p>
-            <a:pPr indent="0" lvl="0" marL="0" rtl="0" algn="l">
-              <a:spcBef>
-                <a:spcPts val="0"/>
-              </a:spcBef>
-              <a:spcAft>
-                <a:spcPts val="0"/>
-              </a:spcAft>
-              <a:buNone/>
-            </a:pPr>
-            <a:r>
-              <a:t/>
-            </a:r>
+            <a:pPr marL="0" lvl="0" indent="0" algn="l" rtl="0">
+              <a:spcBef>
+                <a:spcPts val="0"/>
+              </a:spcBef>
+              <a:spcAft>
+                <a:spcPts val="0"/>
+              </a:spcAft>
+              <a:buNone/>
+            </a:pPr>
             <a:endParaRPr/>
           </a:p>
         </p:txBody>
       </p:sp>
     </p:spTree>
+    <p:extLst>
+      <p:ext uri="{BB962C8B-B14F-4D97-AF65-F5344CB8AC3E}">
+        <p14:creationId xmlns:p14="http://schemas.microsoft.com/office/powerpoint/2010/main" val="49423476"/>
+      </p:ext>
+    </p:extLst>
   </p:cSld>
   <p:clrMapOvr>
     <a:masterClrMapping/>
@@ -2209,11 +2382,11 @@
 </file>
 
 <file path=ppt/notesSlides/notesSlide4.xml><?xml version="1.0" encoding="utf-8"?>
-<p:notes xmlns:a="http://schemas.openxmlformats.org/drawingml/2006/main" xmlns:r="http://schemas.openxmlformats.org/officeDocument/2006/relationships" xmlns:mc="http://schemas.openxmlformats.org/markup-compatibility/2006" xmlns:mv="urn:schemas-microsoft-com:mac:vml" xmlns:p="http://schemas.openxmlformats.org/presentationml/2006/main" xmlns:c="http://schemas.openxmlformats.org/drawingml/2006/chart" xmlns:dgm="http://schemas.openxmlformats.org/drawingml/2006/diagram" xmlns:o="urn:schemas-microsoft-com:office:office" xmlns:v="urn:schemas-microsoft-com:vml" xmlns:pvml="urn:schemas-microsoft-com:office:powerpoint" xmlns:com="http://schemas.openxmlformats.org/drawingml/2006/compatibility" xmlns:p14="http://schemas.microsoft.com/office/powerpoint/2010/main" xmlns:p15="http://schemas.microsoft.com/office/powerpoint/2012/main" showMasterPhAnim="0" showMasterSp="0">
+<p:notes xmlns:a="http://schemas.openxmlformats.org/drawingml/2006/main" xmlns:r="http://schemas.openxmlformats.org/officeDocument/2006/relationships" xmlns:p="http://schemas.openxmlformats.org/presentationml/2006/main" showMasterSp="0" showMasterPhAnim="0">
   <p:cSld>
     <p:spTree>
       <p:nvGrpSpPr>
-        <p:cNvPr id="68" name="Shape 68"/>
+        <p:cNvPr id="1" name="Shape 68"/>
         <p:cNvGrpSpPr/>
         <p:nvPr/>
       </p:nvGrpSpPr>
@@ -2228,9 +2401,11 @@
       <p:sp>
         <p:nvSpPr>
           <p:cNvPr id="69" name="Google Shape;69;g6bd51c8259_0_54:notes"/>
-          <p:cNvSpPr/>
+          <p:cNvSpPr>
+            <a:spLocks noGrp="1" noRot="1" noChangeAspect="1"/>
+          </p:cNvSpPr>
           <p:nvPr>
-            <p:ph idx="2" type="sldImg"/>
+            <p:ph type="sldImg" idx="2"/>
           </p:nvPr>
         </p:nvSpPr>
         <p:spPr>
@@ -2239,9 +2414,13 @@
             <a:ext cx="6096000" cy="3429000"/>
           </a:xfrm>
           <a:custGeom>
-            <a:rect b="b" l="l" r="r" t="t"/>
+            <a:avLst/>
+            <a:gdLst/>
+            <a:ahLst/>
+            <a:cxnLst/>
+            <a:rect l="l" t="t" r="r" b="b"/>
             <a:pathLst>
-              <a:path extrusionOk="0" h="120000" w="120000">
+              <a:path w="120000" h="120000" extrusionOk="0">
                 <a:moveTo>
                   <a:pt x="0" y="0"/>
                 </a:moveTo>
@@ -2263,9 +2442,11 @@
       <p:sp>
         <p:nvSpPr>
           <p:cNvPr id="70" name="Google Shape;70;g6bd51c8259_0_54:notes"/>
-          <p:cNvSpPr txBox="1"/>
+          <p:cNvSpPr txBox="1">
+            <a:spLocks noGrp="1"/>
+          </p:cNvSpPr>
           <p:nvPr>
-            <p:ph idx="1" type="body"/>
+            <p:ph type="body" idx="1"/>
           </p:nvPr>
         </p:nvSpPr>
         <p:spPr>
@@ -2278,28 +2459,30 @@
           </a:prstGeom>
         </p:spPr>
         <p:txBody>
-          <a:bodyPr anchorCtr="0" anchor="t" bIns="91425" lIns="91425" spcFirstLastPara="1" rIns="91425" wrap="square" tIns="91425">
+          <a:bodyPr spcFirstLastPara="1" wrap="square" lIns="91425" tIns="91425" rIns="91425" bIns="91425" anchor="t" anchorCtr="0">
             <a:noAutofit/>
           </a:bodyPr>
           <a:lstStyle/>
           <a:p>
-            <a:pPr indent="0" lvl="0" marL="0" rtl="0" algn="l">
-              <a:spcBef>
-                <a:spcPts val="0"/>
-              </a:spcBef>
-              <a:spcAft>
-                <a:spcPts val="0"/>
-              </a:spcAft>
-              <a:buNone/>
-            </a:pPr>
-            <a:r>
-              <a:t/>
-            </a:r>
+            <a:pPr marL="0" lvl="0" indent="0" algn="l" rtl="0">
+              <a:spcBef>
+                <a:spcPts val="0"/>
+              </a:spcBef>
+              <a:spcAft>
+                <a:spcPts val="0"/>
+              </a:spcAft>
+              <a:buNone/>
+            </a:pPr>
             <a:endParaRPr/>
           </a:p>
         </p:txBody>
       </p:sp>
     </p:spTree>
+    <p:extLst>
+      <p:ext uri="{BB962C8B-B14F-4D97-AF65-F5344CB8AC3E}">
+        <p14:creationId xmlns:p14="http://schemas.microsoft.com/office/powerpoint/2010/main" val="2894104890"/>
+      </p:ext>
+    </p:extLst>
   </p:cSld>
   <p:clrMapOvr>
     <a:masterClrMapping/>
@@ -2308,11 +2491,11 @@
 </file>
 
 <file path=ppt/notesSlides/notesSlide5.xml><?xml version="1.0" encoding="utf-8"?>
-<p:notes xmlns:a="http://schemas.openxmlformats.org/drawingml/2006/main" xmlns:r="http://schemas.openxmlformats.org/officeDocument/2006/relationships" xmlns:mc="http://schemas.openxmlformats.org/markup-compatibility/2006" xmlns:mv="urn:schemas-microsoft-com:mac:vml" xmlns:p="http://schemas.openxmlformats.org/presentationml/2006/main" xmlns:c="http://schemas.openxmlformats.org/drawingml/2006/chart" xmlns:dgm="http://schemas.openxmlformats.org/drawingml/2006/diagram" xmlns:o="urn:schemas-microsoft-com:office:office" xmlns:v="urn:schemas-microsoft-com:vml" xmlns:pvml="urn:schemas-microsoft-com:office:powerpoint" xmlns:com="http://schemas.openxmlformats.org/drawingml/2006/compatibility" xmlns:p14="http://schemas.microsoft.com/office/powerpoint/2010/main" xmlns:p15="http://schemas.microsoft.com/office/powerpoint/2012/main" showMasterPhAnim="0" showMasterSp="0">
+<p:notes xmlns:a="http://schemas.openxmlformats.org/drawingml/2006/main" xmlns:r="http://schemas.openxmlformats.org/officeDocument/2006/relationships" xmlns:p="http://schemas.openxmlformats.org/presentationml/2006/main" showMasterSp="0" showMasterPhAnim="0">
   <p:cSld>
     <p:spTree>
       <p:nvGrpSpPr>
-        <p:cNvPr id="75" name="Shape 75"/>
+        <p:cNvPr id="1" name="Shape 75"/>
         <p:cNvGrpSpPr/>
         <p:nvPr/>
       </p:nvGrpSpPr>
@@ -2327,9 +2510,11 @@
       <p:sp>
         <p:nvSpPr>
           <p:cNvPr id="76" name="Google Shape;76;g7a9050acf5_4_0:notes"/>
-          <p:cNvSpPr/>
+          <p:cNvSpPr>
+            <a:spLocks noGrp="1" noRot="1" noChangeAspect="1"/>
+          </p:cNvSpPr>
           <p:nvPr>
-            <p:ph idx="2" type="sldImg"/>
+            <p:ph type="sldImg" idx="2"/>
           </p:nvPr>
         </p:nvSpPr>
         <p:spPr>
@@ -2338,9 +2523,13 @@
             <a:ext cx="6096000" cy="3429000"/>
           </a:xfrm>
           <a:custGeom>
-            <a:rect b="b" l="l" r="r" t="t"/>
+            <a:avLst/>
+            <a:gdLst/>
+            <a:ahLst/>
+            <a:cxnLst/>
+            <a:rect l="l" t="t" r="r" b="b"/>
             <a:pathLst>
-              <a:path extrusionOk="0" h="120000" w="120000">
+              <a:path w="120000" h="120000" extrusionOk="0">
                 <a:moveTo>
                   <a:pt x="0" y="0"/>
                 </a:moveTo>
@@ -2362,9 +2551,11 @@
       <p:sp>
         <p:nvSpPr>
           <p:cNvPr id="77" name="Google Shape;77;g7a9050acf5_4_0:notes"/>
-          <p:cNvSpPr txBox="1"/>
+          <p:cNvSpPr txBox="1">
+            <a:spLocks noGrp="1"/>
+          </p:cNvSpPr>
           <p:nvPr>
-            <p:ph idx="1" type="body"/>
+            <p:ph type="body" idx="1"/>
           </p:nvPr>
         </p:nvSpPr>
         <p:spPr>
@@ -2377,12 +2568,12 @@
           </a:prstGeom>
         </p:spPr>
         <p:txBody>
-          <a:bodyPr anchorCtr="0" anchor="t" bIns="91425" lIns="91425" spcFirstLastPara="1" rIns="91425" wrap="square" tIns="91425">
+          <a:bodyPr spcFirstLastPara="1" wrap="square" lIns="91425" tIns="91425" rIns="91425" bIns="91425" anchor="t" anchorCtr="0">
             <a:noAutofit/>
           </a:bodyPr>
           <a:lstStyle/>
           <a:p>
-            <a:pPr indent="0" lvl="0" marL="0" rtl="0" algn="l">
+            <a:pPr marL="0" lvl="0" indent="0" algn="l" rtl="0">
               <a:spcBef>
                 <a:spcPts val="0"/>
               </a:spcBef>
@@ -2398,7 +2589,7 @@
             <a:endParaRPr/>
           </a:p>
           <a:p>
-            <a:pPr indent="0" lvl="0" marL="0" rtl="0" algn="l">
+            <a:pPr marL="0" lvl="0" indent="0" algn="l" rtl="0">
               <a:spcBef>
                 <a:spcPts val="0"/>
               </a:spcBef>
@@ -2414,7 +2605,7 @@
             <a:endParaRPr/>
           </a:p>
           <a:p>
-            <a:pPr indent="0" lvl="0" marL="0" rtl="0" algn="l">
+            <a:pPr marL="0" lvl="0" indent="0" algn="l" rtl="0">
               <a:spcBef>
                 <a:spcPts val="0"/>
               </a:spcBef>
@@ -2430,7 +2621,7 @@
             <a:endParaRPr/>
           </a:p>
           <a:p>
-            <a:pPr indent="0" lvl="0" marL="0" rtl="0" algn="l">
+            <a:pPr marL="0" lvl="0" indent="0" algn="l" rtl="0">
               <a:spcBef>
                 <a:spcPts val="0"/>
               </a:spcBef>
@@ -2446,7 +2637,7 @@
             <a:endParaRPr/>
           </a:p>
           <a:p>
-            <a:pPr indent="0" lvl="0" marL="0" rtl="0" algn="l">
+            <a:pPr marL="0" lvl="0" indent="0" algn="l" rtl="0">
               <a:spcBef>
                 <a:spcPts val="0"/>
               </a:spcBef>
@@ -2462,7 +2653,7 @@
             <a:endParaRPr/>
           </a:p>
           <a:p>
-            <a:pPr indent="0" lvl="0" marL="0" rtl="0" algn="l">
+            <a:pPr marL="0" lvl="0" indent="0" algn="l" rtl="0">
               <a:spcBef>
                 <a:spcPts val="0"/>
               </a:spcBef>
@@ -2478,23 +2669,25 @@
             <a:endParaRPr/>
           </a:p>
           <a:p>
-            <a:pPr indent="0" lvl="0" marL="0" rtl="0" algn="l">
-              <a:spcBef>
-                <a:spcPts val="0"/>
-              </a:spcBef>
-              <a:spcAft>
-                <a:spcPts val="0"/>
-              </a:spcAft>
-              <a:buNone/>
-            </a:pPr>
-            <a:r>
-              <a:t/>
-            </a:r>
+            <a:pPr marL="0" lvl="0" indent="0" algn="l" rtl="0">
+              <a:spcBef>
+                <a:spcPts val="0"/>
+              </a:spcBef>
+              <a:spcAft>
+                <a:spcPts val="0"/>
+              </a:spcAft>
+              <a:buNone/>
+            </a:pPr>
             <a:endParaRPr/>
           </a:p>
         </p:txBody>
       </p:sp>
     </p:spTree>
+    <p:extLst>
+      <p:ext uri="{BB962C8B-B14F-4D97-AF65-F5344CB8AC3E}">
+        <p14:creationId xmlns:p14="http://schemas.microsoft.com/office/powerpoint/2010/main" val="2300029356"/>
+      </p:ext>
+    </p:extLst>
   </p:cSld>
   <p:clrMapOvr>
     <a:masterClrMapping/>
@@ -2503,11 +2696,11 @@
 </file>
 
 <file path=ppt/notesSlides/notesSlide6.xml><?xml version="1.0" encoding="utf-8"?>
-<p:notes xmlns:a="http://schemas.openxmlformats.org/drawingml/2006/main" xmlns:r="http://schemas.openxmlformats.org/officeDocument/2006/relationships" xmlns:mc="http://schemas.openxmlformats.org/markup-compatibility/2006" xmlns:mv="urn:schemas-microsoft-com:mac:vml" xmlns:p="http://schemas.openxmlformats.org/presentationml/2006/main" xmlns:c="http://schemas.openxmlformats.org/drawingml/2006/chart" xmlns:dgm="http://schemas.openxmlformats.org/drawingml/2006/diagram" xmlns:o="urn:schemas-microsoft-com:office:office" xmlns:v="urn:schemas-microsoft-com:vml" xmlns:pvml="urn:schemas-microsoft-com:office:powerpoint" xmlns:com="http://schemas.openxmlformats.org/drawingml/2006/compatibility" xmlns:p14="http://schemas.microsoft.com/office/powerpoint/2010/main" xmlns:p15="http://schemas.microsoft.com/office/powerpoint/2012/main" showMasterPhAnim="0" showMasterSp="0">
+<p:notes xmlns:a="http://schemas.openxmlformats.org/drawingml/2006/main" xmlns:r="http://schemas.openxmlformats.org/officeDocument/2006/relationships" xmlns:p="http://schemas.openxmlformats.org/presentationml/2006/main" showMasterSp="0" showMasterPhAnim="0">
   <p:cSld>
     <p:spTree>
       <p:nvGrpSpPr>
-        <p:cNvPr id="81" name="Shape 81"/>
+        <p:cNvPr id="1" name="Shape 81"/>
         <p:cNvGrpSpPr/>
         <p:nvPr/>
       </p:nvGrpSpPr>
@@ -2522,20 +2715,26 @@
       <p:sp>
         <p:nvSpPr>
           <p:cNvPr id="82" name="Google Shape;82;g7a9050acf5_5_0:notes"/>
-          <p:cNvSpPr/>
+          <p:cNvSpPr>
+            <a:spLocks noGrp="1" noRot="1" noChangeAspect="1"/>
+          </p:cNvSpPr>
           <p:nvPr>
-            <p:ph idx="2" type="sldImg"/>
+            <p:ph type="sldImg" idx="2"/>
           </p:nvPr>
         </p:nvSpPr>
         <p:spPr>
           <a:xfrm>
-            <a:off x="381300" y="685800"/>
+            <a:off x="381000" y="685800"/>
             <a:ext cx="6096000" cy="3429000"/>
           </a:xfrm>
           <a:custGeom>
-            <a:rect b="b" l="l" r="r" t="t"/>
+            <a:avLst/>
+            <a:gdLst/>
+            <a:ahLst/>
+            <a:cxnLst/>
+            <a:rect l="l" t="t" r="r" b="b"/>
             <a:pathLst>
-              <a:path extrusionOk="0" h="120000" w="120000">
+              <a:path w="120000" h="120000" extrusionOk="0">
                 <a:moveTo>
                   <a:pt x="0" y="0"/>
                 </a:moveTo>
@@ -2557,9 +2756,11 @@
       <p:sp>
         <p:nvSpPr>
           <p:cNvPr id="83" name="Google Shape;83;g7a9050acf5_5_0:notes"/>
-          <p:cNvSpPr txBox="1"/>
+          <p:cNvSpPr txBox="1">
+            <a:spLocks noGrp="1"/>
+          </p:cNvSpPr>
           <p:nvPr>
-            <p:ph idx="1" type="body"/>
+            <p:ph type="body" idx="1"/>
           </p:nvPr>
         </p:nvSpPr>
         <p:spPr>
@@ -2572,12 +2773,12 @@
           </a:prstGeom>
         </p:spPr>
         <p:txBody>
-          <a:bodyPr anchorCtr="0" anchor="t" bIns="91425" lIns="91425" spcFirstLastPara="1" rIns="91425" wrap="square" tIns="91425">
+          <a:bodyPr spcFirstLastPara="1" wrap="square" lIns="91425" tIns="91425" rIns="91425" bIns="91425" anchor="t" anchorCtr="0">
             <a:noAutofit/>
           </a:bodyPr>
           <a:lstStyle/>
           <a:p>
-            <a:pPr indent="0" lvl="0" marL="0" rtl="0" algn="l">
+            <a:pPr marL="0" lvl="0" indent="0" algn="l" rtl="0">
               <a:spcBef>
                 <a:spcPts val="0"/>
               </a:spcBef>
@@ -2593,7 +2794,7 @@
             <a:endParaRPr/>
           </a:p>
           <a:p>
-            <a:pPr indent="0" lvl="0" marL="0" rtl="0" algn="l">
+            <a:pPr marL="0" lvl="0" indent="0" algn="l" rtl="0">
               <a:spcBef>
                 <a:spcPts val="0"/>
               </a:spcBef>
@@ -2609,7 +2810,7 @@
             <a:endParaRPr/>
           </a:p>
           <a:p>
-            <a:pPr indent="0" lvl="0" marL="0" rtl="0" algn="l">
+            <a:pPr marL="0" lvl="0" indent="0" algn="l" rtl="0">
               <a:spcBef>
                 <a:spcPts val="0"/>
               </a:spcBef>
@@ -2625,7 +2826,7 @@
             <a:endParaRPr/>
           </a:p>
           <a:p>
-            <a:pPr indent="0" lvl="0" marL="0" rtl="0" algn="l">
+            <a:pPr marL="0" lvl="0" indent="0" algn="l" rtl="0">
               <a:spcBef>
                 <a:spcPts val="0"/>
               </a:spcBef>
@@ -2641,7 +2842,7 @@
             <a:endParaRPr/>
           </a:p>
           <a:p>
-            <a:pPr indent="0" lvl="0" marL="0" rtl="0" algn="l">
+            <a:pPr marL="0" lvl="0" indent="0" algn="l" rtl="0">
               <a:spcBef>
                 <a:spcPts val="0"/>
               </a:spcBef>
@@ -2657,7 +2858,7 @@
             <a:endParaRPr/>
           </a:p>
           <a:p>
-            <a:pPr indent="0" lvl="0" marL="0" rtl="0" algn="l">
+            <a:pPr marL="0" lvl="0" indent="0" algn="l" rtl="0">
               <a:spcBef>
                 <a:spcPts val="0"/>
               </a:spcBef>
@@ -2673,23 +2874,25 @@
             <a:endParaRPr/>
           </a:p>
           <a:p>
-            <a:pPr indent="0" lvl="0" marL="0" rtl="0" algn="l">
-              <a:spcBef>
-                <a:spcPts val="0"/>
-              </a:spcBef>
-              <a:spcAft>
-                <a:spcPts val="0"/>
-              </a:spcAft>
-              <a:buNone/>
-            </a:pPr>
-            <a:r>
-              <a:t/>
-            </a:r>
+            <a:pPr marL="0" lvl="0" indent="0" algn="l" rtl="0">
+              <a:spcBef>
+                <a:spcPts val="0"/>
+              </a:spcBef>
+              <a:spcAft>
+                <a:spcPts val="0"/>
+              </a:spcAft>
+              <a:buNone/>
+            </a:pPr>
             <a:endParaRPr/>
           </a:p>
         </p:txBody>
       </p:sp>
     </p:spTree>
+    <p:extLst>
+      <p:ext uri="{BB962C8B-B14F-4D97-AF65-F5344CB8AC3E}">
+        <p14:creationId xmlns:p14="http://schemas.microsoft.com/office/powerpoint/2010/main" val="3356078972"/>
+      </p:ext>
+    </p:extLst>
   </p:cSld>
   <p:clrMapOvr>
     <a:masterClrMapping/>
@@ -2698,11 +2901,11 @@
 </file>
 
 <file path=ppt/notesSlides/notesSlide7.xml><?xml version="1.0" encoding="utf-8"?>
-<p:notes xmlns:a="http://schemas.openxmlformats.org/drawingml/2006/main" xmlns:r="http://schemas.openxmlformats.org/officeDocument/2006/relationships" xmlns:mc="http://schemas.openxmlformats.org/markup-compatibility/2006" xmlns:mv="urn:schemas-microsoft-com:mac:vml" xmlns:p="http://schemas.openxmlformats.org/presentationml/2006/main" xmlns:c="http://schemas.openxmlformats.org/drawingml/2006/chart" xmlns:dgm="http://schemas.openxmlformats.org/drawingml/2006/diagram" xmlns:o="urn:schemas-microsoft-com:office:office" xmlns:v="urn:schemas-microsoft-com:vml" xmlns:pvml="urn:schemas-microsoft-com:office:powerpoint" xmlns:com="http://schemas.openxmlformats.org/drawingml/2006/compatibility" xmlns:p14="http://schemas.microsoft.com/office/powerpoint/2010/main" xmlns:p15="http://schemas.microsoft.com/office/powerpoint/2012/main" showMasterPhAnim="0" showMasterSp="0">
+<p:notes xmlns:a="http://schemas.openxmlformats.org/drawingml/2006/main" xmlns:r="http://schemas.openxmlformats.org/officeDocument/2006/relationships" xmlns:p="http://schemas.openxmlformats.org/presentationml/2006/main" showMasterSp="0" showMasterPhAnim="0">
   <p:cSld>
     <p:spTree>
       <p:nvGrpSpPr>
-        <p:cNvPr id="87" name="Shape 87"/>
+        <p:cNvPr id="1" name="Shape 87"/>
         <p:cNvGrpSpPr/>
         <p:nvPr/>
       </p:nvGrpSpPr>
@@ -2717,9 +2920,11 @@
       <p:sp>
         <p:nvSpPr>
           <p:cNvPr id="88" name="Google Shape;88;g6bd51c8259_0_32:notes"/>
-          <p:cNvSpPr/>
+          <p:cNvSpPr>
+            <a:spLocks noGrp="1" noRot="1" noChangeAspect="1"/>
+          </p:cNvSpPr>
           <p:nvPr>
-            <p:ph idx="2" type="sldImg"/>
+            <p:ph type="sldImg" idx="2"/>
           </p:nvPr>
         </p:nvSpPr>
         <p:spPr>
@@ -2728,9 +2933,13 @@
             <a:ext cx="6096000" cy="3429000"/>
           </a:xfrm>
           <a:custGeom>
-            <a:rect b="b" l="l" r="r" t="t"/>
+            <a:avLst/>
+            <a:gdLst/>
+            <a:ahLst/>
+            <a:cxnLst/>
+            <a:rect l="l" t="t" r="r" b="b"/>
             <a:pathLst>
-              <a:path extrusionOk="0" h="120000" w="120000">
+              <a:path w="120000" h="120000" extrusionOk="0">
                 <a:moveTo>
                   <a:pt x="0" y="0"/>
                 </a:moveTo>
@@ -2752,9 +2961,11 @@
       <p:sp>
         <p:nvSpPr>
           <p:cNvPr id="89" name="Google Shape;89;g6bd51c8259_0_32:notes"/>
-          <p:cNvSpPr txBox="1"/>
+          <p:cNvSpPr txBox="1">
+            <a:spLocks noGrp="1"/>
+          </p:cNvSpPr>
           <p:nvPr>
-            <p:ph idx="1" type="body"/>
+            <p:ph type="body" idx="1"/>
           </p:nvPr>
         </p:nvSpPr>
         <p:spPr>
@@ -2767,28 +2978,30 @@
           </a:prstGeom>
         </p:spPr>
         <p:txBody>
-          <a:bodyPr anchorCtr="0" anchor="t" bIns="91425" lIns="91425" spcFirstLastPara="1" rIns="91425" wrap="square" tIns="91425">
+          <a:bodyPr spcFirstLastPara="1" wrap="square" lIns="91425" tIns="91425" rIns="91425" bIns="91425" anchor="t" anchorCtr="0">
             <a:noAutofit/>
           </a:bodyPr>
           <a:lstStyle/>
           <a:p>
-            <a:pPr indent="0" lvl="0" marL="0" rtl="0" algn="l">
-              <a:spcBef>
-                <a:spcPts val="0"/>
-              </a:spcBef>
-              <a:spcAft>
-                <a:spcPts val="0"/>
-              </a:spcAft>
-              <a:buNone/>
-            </a:pPr>
-            <a:r>
-              <a:t/>
-            </a:r>
+            <a:pPr marL="0" lvl="0" indent="0" algn="l" rtl="0">
+              <a:spcBef>
+                <a:spcPts val="0"/>
+              </a:spcBef>
+              <a:spcAft>
+                <a:spcPts val="0"/>
+              </a:spcAft>
+              <a:buNone/>
+            </a:pPr>
             <a:endParaRPr/>
           </a:p>
         </p:txBody>
       </p:sp>
     </p:spTree>
+    <p:extLst>
+      <p:ext uri="{BB962C8B-B14F-4D97-AF65-F5344CB8AC3E}">
+        <p14:creationId xmlns:p14="http://schemas.microsoft.com/office/powerpoint/2010/main" val="207254817"/>
+      </p:ext>
+    </p:extLst>
   </p:cSld>
   <p:clrMapOvr>
     <a:masterClrMapping/>
@@ -2797,11 +3010,11 @@
 </file>
 
 <file path=ppt/notesSlides/notesSlide8.xml><?xml version="1.0" encoding="utf-8"?>
-<p:notes xmlns:a="http://schemas.openxmlformats.org/drawingml/2006/main" xmlns:r="http://schemas.openxmlformats.org/officeDocument/2006/relationships" xmlns:mc="http://schemas.openxmlformats.org/markup-compatibility/2006" xmlns:mv="urn:schemas-microsoft-com:mac:vml" xmlns:p="http://schemas.openxmlformats.org/presentationml/2006/main" xmlns:c="http://schemas.openxmlformats.org/drawingml/2006/chart" xmlns:dgm="http://schemas.openxmlformats.org/drawingml/2006/diagram" xmlns:o="urn:schemas-microsoft-com:office:office" xmlns:v="urn:schemas-microsoft-com:vml" xmlns:pvml="urn:schemas-microsoft-com:office:powerpoint" xmlns:com="http://schemas.openxmlformats.org/drawingml/2006/compatibility" xmlns:p14="http://schemas.microsoft.com/office/powerpoint/2010/main" xmlns:p15="http://schemas.microsoft.com/office/powerpoint/2012/main" showMasterPhAnim="0" showMasterSp="0">
+<p:notes xmlns:a="http://schemas.openxmlformats.org/drawingml/2006/main" xmlns:r="http://schemas.openxmlformats.org/officeDocument/2006/relationships" xmlns:p="http://schemas.openxmlformats.org/presentationml/2006/main" showMasterSp="0" showMasterPhAnim="0">
   <p:cSld>
     <p:spTree>
       <p:nvGrpSpPr>
-        <p:cNvPr id="92" name="Shape 92"/>
+        <p:cNvPr id="1" name="Shape 92"/>
         <p:cNvGrpSpPr/>
         <p:nvPr/>
       </p:nvGrpSpPr>
@@ -2816,9 +3029,11 @@
       <p:sp>
         <p:nvSpPr>
           <p:cNvPr id="93" name="Google Shape;93;g6bd51c8259_0_0:notes"/>
-          <p:cNvSpPr/>
+          <p:cNvSpPr>
+            <a:spLocks noGrp="1" noRot="1" noChangeAspect="1"/>
+          </p:cNvSpPr>
           <p:nvPr>
-            <p:ph idx="2" type="sldImg"/>
+            <p:ph type="sldImg" idx="2"/>
           </p:nvPr>
         </p:nvSpPr>
         <p:spPr>
@@ -2827,9 +3042,13 @@
             <a:ext cx="6096000" cy="3429000"/>
           </a:xfrm>
           <a:custGeom>
-            <a:rect b="b" l="l" r="r" t="t"/>
+            <a:avLst/>
+            <a:gdLst/>
+            <a:ahLst/>
+            <a:cxnLst/>
+            <a:rect l="l" t="t" r="r" b="b"/>
             <a:pathLst>
-              <a:path extrusionOk="0" h="120000" w="120000">
+              <a:path w="120000" h="120000" extrusionOk="0">
                 <a:moveTo>
                   <a:pt x="0" y="0"/>
                 </a:moveTo>
@@ -2851,9 +3070,11 @@
       <p:sp>
         <p:nvSpPr>
           <p:cNvPr id="94" name="Google Shape;94;g6bd51c8259_0_0:notes"/>
-          <p:cNvSpPr txBox="1"/>
+          <p:cNvSpPr txBox="1">
+            <a:spLocks noGrp="1"/>
+          </p:cNvSpPr>
           <p:nvPr>
-            <p:ph idx="1" type="body"/>
+            <p:ph type="body" idx="1"/>
           </p:nvPr>
         </p:nvSpPr>
         <p:spPr>
@@ -2866,28 +3087,30 @@
           </a:prstGeom>
         </p:spPr>
         <p:txBody>
-          <a:bodyPr anchorCtr="0" anchor="t" bIns="91425" lIns="91425" spcFirstLastPara="1" rIns="91425" wrap="square" tIns="91425">
+          <a:bodyPr spcFirstLastPara="1" wrap="square" lIns="91425" tIns="91425" rIns="91425" bIns="91425" anchor="t" anchorCtr="0">
             <a:noAutofit/>
           </a:bodyPr>
           <a:lstStyle/>
           <a:p>
-            <a:pPr indent="0" lvl="0" marL="0" rtl="0" algn="l">
-              <a:spcBef>
-                <a:spcPts val="0"/>
-              </a:spcBef>
-              <a:spcAft>
-                <a:spcPts val="0"/>
-              </a:spcAft>
-              <a:buNone/>
-            </a:pPr>
-            <a:r>
-              <a:t/>
-            </a:r>
+            <a:pPr marL="0" lvl="0" indent="0" algn="l" rtl="0">
+              <a:spcBef>
+                <a:spcPts val="0"/>
+              </a:spcBef>
+              <a:spcAft>
+                <a:spcPts val="0"/>
+              </a:spcAft>
+              <a:buNone/>
+            </a:pPr>
             <a:endParaRPr/>
           </a:p>
         </p:txBody>
       </p:sp>
     </p:spTree>
+    <p:extLst>
+      <p:ext uri="{BB962C8B-B14F-4D97-AF65-F5344CB8AC3E}">
+        <p14:creationId xmlns:p14="http://schemas.microsoft.com/office/powerpoint/2010/main" val="1817150431"/>
+      </p:ext>
+    </p:extLst>
   </p:cSld>
   <p:clrMapOvr>
     <a:masterClrMapping/>
@@ -2896,11 +3119,11 @@
 </file>
 
 <file path=ppt/notesSlides/notesSlide9.xml><?xml version="1.0" encoding="utf-8"?>
-<p:notes xmlns:a="http://schemas.openxmlformats.org/drawingml/2006/main" xmlns:r="http://schemas.openxmlformats.org/officeDocument/2006/relationships" xmlns:mc="http://schemas.openxmlformats.org/markup-compatibility/2006" xmlns:mv="urn:schemas-microsoft-com:mac:vml" xmlns:p="http://schemas.openxmlformats.org/presentationml/2006/main" xmlns:c="http://schemas.openxmlformats.org/drawingml/2006/chart" xmlns:dgm="http://schemas.openxmlformats.org/drawingml/2006/diagram" xmlns:o="urn:schemas-microsoft-com:office:office" xmlns:v="urn:schemas-microsoft-com:vml" xmlns:pvml="urn:schemas-microsoft-com:office:powerpoint" xmlns:com="http://schemas.openxmlformats.org/drawingml/2006/compatibility" xmlns:p14="http://schemas.microsoft.com/office/powerpoint/2010/main" xmlns:p15="http://schemas.microsoft.com/office/powerpoint/2012/main" showMasterPhAnim="0" showMasterSp="0">
+<p:notes xmlns:a="http://schemas.openxmlformats.org/drawingml/2006/main" xmlns:r="http://schemas.openxmlformats.org/officeDocument/2006/relationships" xmlns:p="http://schemas.openxmlformats.org/presentationml/2006/main" showMasterSp="0" showMasterPhAnim="0">
   <p:cSld>
     <p:spTree>
       <p:nvGrpSpPr>
-        <p:cNvPr id="100" name="Shape 100"/>
+        <p:cNvPr id="1" name="Shape 100"/>
         <p:cNvGrpSpPr/>
         <p:nvPr/>
       </p:nvGrpSpPr>
@@ -2915,9 +3138,11 @@
       <p:sp>
         <p:nvSpPr>
           <p:cNvPr id="101" name="Google Shape;101;g7a9050acf5_1_8:notes"/>
-          <p:cNvSpPr/>
+          <p:cNvSpPr>
+            <a:spLocks noGrp="1" noRot="1" noChangeAspect="1"/>
+          </p:cNvSpPr>
           <p:nvPr>
-            <p:ph idx="2" type="sldImg"/>
+            <p:ph type="sldImg" idx="2"/>
           </p:nvPr>
         </p:nvSpPr>
         <p:spPr>
@@ -2926,9 +3151,13 @@
             <a:ext cx="6096000" cy="3429000"/>
           </a:xfrm>
           <a:custGeom>
-            <a:rect b="b" l="l" r="r" t="t"/>
+            <a:avLst/>
+            <a:gdLst/>
+            <a:ahLst/>
+            <a:cxnLst/>
+            <a:rect l="l" t="t" r="r" b="b"/>
             <a:pathLst>
-              <a:path extrusionOk="0" h="120000" w="120000">
+              <a:path w="120000" h="120000" extrusionOk="0">
                 <a:moveTo>
                   <a:pt x="0" y="0"/>
                 </a:moveTo>
@@ -2950,9 +3179,11 @@
       <p:sp>
         <p:nvSpPr>
           <p:cNvPr id="102" name="Google Shape;102;g7a9050acf5_1_8:notes"/>
-          <p:cNvSpPr txBox="1"/>
+          <p:cNvSpPr txBox="1">
+            <a:spLocks noGrp="1"/>
+          </p:cNvSpPr>
           <p:nvPr>
-            <p:ph idx="1" type="body"/>
+            <p:ph type="body" idx="1"/>
           </p:nvPr>
         </p:nvSpPr>
         <p:spPr>
@@ -2965,28 +3196,30 @@
           </a:prstGeom>
         </p:spPr>
         <p:txBody>
-          <a:bodyPr anchorCtr="0" anchor="t" bIns="91425" lIns="91425" spcFirstLastPara="1" rIns="91425" wrap="square" tIns="91425">
+          <a:bodyPr spcFirstLastPara="1" wrap="square" lIns="91425" tIns="91425" rIns="91425" bIns="91425" anchor="t" anchorCtr="0">
             <a:noAutofit/>
           </a:bodyPr>
           <a:lstStyle/>
           <a:p>
-            <a:pPr indent="0" lvl="0" marL="0" rtl="0" algn="l">
-              <a:spcBef>
-                <a:spcPts val="0"/>
-              </a:spcBef>
-              <a:spcAft>
-                <a:spcPts val="0"/>
-              </a:spcAft>
-              <a:buNone/>
-            </a:pPr>
-            <a:r>
-              <a:t/>
-            </a:r>
+            <a:pPr marL="0" lvl="0" indent="0" algn="l" rtl="0">
+              <a:spcBef>
+                <a:spcPts val="0"/>
+              </a:spcBef>
+              <a:spcAft>
+                <a:spcPts val="0"/>
+              </a:spcAft>
+              <a:buNone/>
+            </a:pPr>
             <a:endParaRPr/>
           </a:p>
         </p:txBody>
       </p:sp>
     </p:spTree>
+    <p:extLst>
+      <p:ext uri="{BB962C8B-B14F-4D97-AF65-F5344CB8AC3E}">
+        <p14:creationId xmlns:p14="http://schemas.microsoft.com/office/powerpoint/2010/main" val="2318087089"/>
+      </p:ext>
+    </p:extLst>
   </p:cSld>
   <p:clrMapOvr>
     <a:masterClrMapping/>
@@ -2995,11 +3228,11 @@
 </file>
 
 <file path=ppt/slideLayouts/slideLayout1.xml><?xml version="1.0" encoding="utf-8"?>
-<p:sldLayout xmlns:a="http://schemas.openxmlformats.org/drawingml/2006/main" xmlns:r="http://schemas.openxmlformats.org/officeDocument/2006/relationships" xmlns:mc="http://schemas.openxmlformats.org/markup-compatibility/2006" xmlns:mv="urn:schemas-microsoft-com:mac:vml" xmlns:p="http://schemas.openxmlformats.org/presentationml/2006/main" xmlns:c="http://schemas.openxmlformats.org/drawingml/2006/chart" xmlns:dgm="http://schemas.openxmlformats.org/drawingml/2006/diagram" xmlns:o="urn:schemas-microsoft-com:office:office" xmlns:v="urn:schemas-microsoft-com:vml" xmlns:pvml="urn:schemas-microsoft-com:office:powerpoint" xmlns:com="http://schemas.openxmlformats.org/drawingml/2006/compatibility" xmlns:p14="http://schemas.microsoft.com/office/powerpoint/2010/main" xmlns:p15="http://schemas.microsoft.com/office/powerpoint/2012/main" matchingName="Title slide" type="title">
+<p:sldLayout xmlns:a="http://schemas.openxmlformats.org/drawingml/2006/main" xmlns:r="http://schemas.openxmlformats.org/officeDocument/2006/relationships" xmlns:p="http://schemas.openxmlformats.org/presentationml/2006/main" matchingName="Title slide" type="title">
   <p:cSld name="TITLE">
     <p:spTree>
       <p:nvGrpSpPr>
-        <p:cNvPr id="9" name="Shape 9"/>
+        <p:cNvPr id="1" name="Shape 9"/>
         <p:cNvGrpSpPr/>
         <p:nvPr/>
       </p:nvGrpSpPr>
@@ -3014,7 +3247,9 @@
       <p:sp>
         <p:nvSpPr>
           <p:cNvPr id="10" name="Google Shape;10;p2"/>
-          <p:cNvSpPr txBox="1"/>
+          <p:cNvSpPr txBox="1">
+            <a:spLocks noGrp="1"/>
+          </p:cNvSpPr>
           <p:nvPr>
             <p:ph type="ctrTitle"/>
           </p:nvPr>
@@ -3029,7 +3264,7 @@
           </a:prstGeom>
         </p:spPr>
         <p:txBody>
-          <a:bodyPr anchorCtr="0" anchor="b" bIns="91425" lIns="91425" spcFirstLastPara="1" rIns="91425" wrap="square" tIns="91425">
+          <a:bodyPr spcFirstLastPara="1" wrap="square" lIns="91425" tIns="91425" rIns="91425" bIns="91425" anchor="b" anchorCtr="0">
             <a:noAutofit/>
           </a:bodyPr>
           <a:lstStyle>
@@ -3133,15 +3368,19 @@
               <a:defRPr sz="5200"/>
             </a:lvl9pPr>
           </a:lstStyle>
-          <a:p/>
+          <a:p>
+            <a:endParaRPr/>
+          </a:p>
         </p:txBody>
       </p:sp>
       <p:sp>
         <p:nvSpPr>
           <p:cNvPr id="11" name="Google Shape;11;p2"/>
-          <p:cNvSpPr txBox="1"/>
+          <p:cNvSpPr txBox="1">
+            <a:spLocks noGrp="1"/>
+          </p:cNvSpPr>
           <p:nvPr>
-            <p:ph idx="1" type="subTitle"/>
+            <p:ph type="subTitle" idx="1"/>
           </p:nvPr>
         </p:nvSpPr>
         <p:spPr>
@@ -3154,7 +3393,7 @@
           </a:prstGeom>
         </p:spPr>
         <p:txBody>
-          <a:bodyPr anchorCtr="0" anchor="t" bIns="91425" lIns="91425" spcFirstLastPara="1" rIns="91425" wrap="square" tIns="91425">
+          <a:bodyPr spcFirstLastPara="1" wrap="square" lIns="91425" tIns="91425" rIns="91425" bIns="91425" anchor="t" anchorCtr="0">
             <a:noAutofit/>
           </a:bodyPr>
           <a:lstStyle>
@@ -3285,15 +3524,19 @@
               <a:defRPr sz="2800"/>
             </a:lvl9pPr>
           </a:lstStyle>
-          <a:p/>
+          <a:p>
+            <a:endParaRPr/>
+          </a:p>
         </p:txBody>
       </p:sp>
       <p:sp>
         <p:nvSpPr>
           <p:cNvPr id="12" name="Google Shape;12;p2"/>
-          <p:cNvSpPr txBox="1"/>
+          <p:cNvSpPr txBox="1">
+            <a:spLocks noGrp="1"/>
+          </p:cNvSpPr>
           <p:nvPr>
-            <p:ph idx="12" type="sldNum"/>
+            <p:ph type="sldNum" idx="12"/>
           </p:nvPr>
         </p:nvSpPr>
         <p:spPr>
@@ -3306,7 +3549,7 @@
           </a:prstGeom>
         </p:spPr>
         <p:txBody>
-          <a:bodyPr anchorCtr="0" anchor="ctr" bIns="91425" lIns="91425" spcFirstLastPara="1" rIns="91425" wrap="square" tIns="91425">
+          <a:bodyPr spcFirstLastPara="1" wrap="square" lIns="91425" tIns="91425" rIns="91425" bIns="91425" anchor="ctr" anchorCtr="0">
             <a:noAutofit/>
           </a:bodyPr>
           <a:lstStyle>
@@ -3348,7 +3591,7 @@
             </a:lvl9pPr>
           </a:lstStyle>
           <a:p>
-            <a:pPr indent="0" lvl="0" marL="0" rtl="0" algn="r">
+            <a:pPr marL="0" lvl="0" indent="0" algn="r" rtl="0">
               <a:spcBef>
                 <a:spcPts val="0"/>
               </a:spcBef>
@@ -3374,11 +3617,11 @@
 </file>
 
 <file path=ppt/slideLayouts/slideLayout10.xml><?xml version="1.0" encoding="utf-8"?>
-<p:sldLayout xmlns:a="http://schemas.openxmlformats.org/drawingml/2006/main" xmlns:r="http://schemas.openxmlformats.org/officeDocument/2006/relationships" xmlns:mc="http://schemas.openxmlformats.org/markup-compatibility/2006" xmlns:mv="urn:schemas-microsoft-com:mac:vml" xmlns:p="http://schemas.openxmlformats.org/presentationml/2006/main" xmlns:c="http://schemas.openxmlformats.org/drawingml/2006/chart" xmlns:dgm="http://schemas.openxmlformats.org/drawingml/2006/diagram" xmlns:o="urn:schemas-microsoft-com:office:office" xmlns:v="urn:schemas-microsoft-com:vml" xmlns:pvml="urn:schemas-microsoft-com:office:powerpoint" xmlns:com="http://schemas.openxmlformats.org/drawingml/2006/compatibility" xmlns:p14="http://schemas.microsoft.com/office/powerpoint/2010/main" xmlns:p15="http://schemas.microsoft.com/office/powerpoint/2012/main" matchingName="Big number">
+<p:sldLayout xmlns:a="http://schemas.openxmlformats.org/drawingml/2006/main" xmlns:r="http://schemas.openxmlformats.org/officeDocument/2006/relationships" xmlns:p="http://schemas.openxmlformats.org/presentationml/2006/main" matchingName="Big number">
   <p:cSld name="BIG_NUMBER">
     <p:spTree>
       <p:nvGrpSpPr>
-        <p:cNvPr id="44" name="Shape 44"/>
+        <p:cNvPr id="1" name="Shape 44"/>
         <p:cNvGrpSpPr/>
         <p:nvPr/>
       </p:nvGrpSpPr>
@@ -3393,9 +3636,11 @@
       <p:sp>
         <p:nvSpPr>
           <p:cNvPr id="45" name="Google Shape;45;p11"/>
-          <p:cNvSpPr txBox="1"/>
+          <p:cNvSpPr txBox="1">
+            <a:spLocks noGrp="1"/>
+          </p:cNvSpPr>
           <p:nvPr>
-            <p:ph hasCustomPrompt="1" type="title"/>
+            <p:ph type="title" hasCustomPrompt="1"/>
           </p:nvPr>
         </p:nvSpPr>
         <p:spPr>
@@ -3408,7 +3653,7 @@
           </a:prstGeom>
         </p:spPr>
         <p:txBody>
-          <a:bodyPr anchorCtr="0" anchor="b" bIns="91425" lIns="91425" spcFirstLastPara="1" rIns="91425" wrap="square" tIns="91425">
+          <a:bodyPr spcFirstLastPara="1" wrap="square" lIns="91425" tIns="91425" rIns="91425" bIns="91425" anchor="b" anchorCtr="0">
             <a:noAutofit/>
           </a:bodyPr>
           <a:lstStyle>
@@ -3522,9 +3767,11 @@
       <p:sp>
         <p:nvSpPr>
           <p:cNvPr id="46" name="Google Shape;46;p11"/>
-          <p:cNvSpPr txBox="1"/>
+          <p:cNvSpPr txBox="1">
+            <a:spLocks noGrp="1"/>
+          </p:cNvSpPr>
           <p:nvPr>
-            <p:ph idx="1" type="body"/>
+            <p:ph type="body" idx="1"/>
           </p:nvPr>
         </p:nvSpPr>
         <p:spPr>
@@ -3537,11 +3784,11 @@
           </a:prstGeom>
         </p:spPr>
         <p:txBody>
-          <a:bodyPr anchorCtr="0" anchor="t" bIns="91425" lIns="91425" spcFirstLastPara="1" rIns="91425" wrap="square" tIns="91425">
+          <a:bodyPr spcFirstLastPara="1" wrap="square" lIns="91425" tIns="91425" rIns="91425" bIns="91425" anchor="t" anchorCtr="0">
             <a:noAutofit/>
           </a:bodyPr>
           <a:lstStyle>
-            <a:lvl1pPr indent="-342900" lvl="0" marL="457200" algn="ctr">
+            <a:lvl1pPr marL="457200" lvl="0" indent="-342900" algn="ctr">
               <a:spcBef>
                 <a:spcPts val="0"/>
               </a:spcBef>
@@ -3552,7 +3799,7 @@
               <a:buChar char="●"/>
               <a:defRPr/>
             </a:lvl1pPr>
-            <a:lvl2pPr indent="-317500" lvl="1" marL="914400" algn="ctr">
+            <a:lvl2pPr marL="914400" lvl="1" indent="-317500" algn="ctr">
               <a:spcBef>
                 <a:spcPts val="1600"/>
               </a:spcBef>
@@ -3563,7 +3810,7 @@
               <a:buChar char="○"/>
               <a:defRPr/>
             </a:lvl2pPr>
-            <a:lvl3pPr indent="-317500" lvl="2" marL="1371600" algn="ctr">
+            <a:lvl3pPr marL="1371600" lvl="2" indent="-317500" algn="ctr">
               <a:spcBef>
                 <a:spcPts val="1600"/>
               </a:spcBef>
@@ -3574,7 +3821,7 @@
               <a:buChar char="■"/>
               <a:defRPr/>
             </a:lvl3pPr>
-            <a:lvl4pPr indent="-317500" lvl="3" marL="1828800" algn="ctr">
+            <a:lvl4pPr marL="1828800" lvl="3" indent="-317500" algn="ctr">
               <a:spcBef>
                 <a:spcPts val="1600"/>
               </a:spcBef>
@@ -3585,7 +3832,7 @@
               <a:buChar char="●"/>
               <a:defRPr/>
             </a:lvl4pPr>
-            <a:lvl5pPr indent="-317500" lvl="4" marL="2286000" algn="ctr">
+            <a:lvl5pPr marL="2286000" lvl="4" indent="-317500" algn="ctr">
               <a:spcBef>
                 <a:spcPts val="1600"/>
               </a:spcBef>
@@ -3596,7 +3843,7 @@
               <a:buChar char="○"/>
               <a:defRPr/>
             </a:lvl5pPr>
-            <a:lvl6pPr indent="-317500" lvl="5" marL="2743200" algn="ctr">
+            <a:lvl6pPr marL="2743200" lvl="5" indent="-317500" algn="ctr">
               <a:spcBef>
                 <a:spcPts val="1600"/>
               </a:spcBef>
@@ -3607,7 +3854,7 @@
               <a:buChar char="■"/>
               <a:defRPr/>
             </a:lvl6pPr>
-            <a:lvl7pPr indent="-317500" lvl="6" marL="3200400" algn="ctr">
+            <a:lvl7pPr marL="3200400" lvl="6" indent="-317500" algn="ctr">
               <a:spcBef>
                 <a:spcPts val="1600"/>
               </a:spcBef>
@@ -3618,7 +3865,7 @@
               <a:buChar char="●"/>
               <a:defRPr/>
             </a:lvl7pPr>
-            <a:lvl8pPr indent="-317500" lvl="7" marL="3657600" algn="ctr">
+            <a:lvl8pPr marL="3657600" lvl="7" indent="-317500" algn="ctr">
               <a:spcBef>
                 <a:spcPts val="1600"/>
               </a:spcBef>
@@ -3629,7 +3876,7 @@
               <a:buChar char="○"/>
               <a:defRPr/>
             </a:lvl8pPr>
-            <a:lvl9pPr indent="-317500" lvl="8" marL="4114800" algn="ctr">
+            <a:lvl9pPr marL="4114800" lvl="8" indent="-317500" algn="ctr">
               <a:spcBef>
                 <a:spcPts val="1600"/>
               </a:spcBef>
@@ -3641,15 +3888,19 @@
               <a:defRPr/>
             </a:lvl9pPr>
           </a:lstStyle>
-          <a:p/>
+          <a:p>
+            <a:endParaRPr/>
+          </a:p>
         </p:txBody>
       </p:sp>
       <p:sp>
         <p:nvSpPr>
           <p:cNvPr id="47" name="Google Shape;47;p11"/>
-          <p:cNvSpPr txBox="1"/>
+          <p:cNvSpPr txBox="1">
+            <a:spLocks noGrp="1"/>
+          </p:cNvSpPr>
           <p:nvPr>
-            <p:ph idx="12" type="sldNum"/>
+            <p:ph type="sldNum" idx="12"/>
           </p:nvPr>
         </p:nvSpPr>
         <p:spPr>
@@ -3662,7 +3913,7 @@
           </a:prstGeom>
         </p:spPr>
         <p:txBody>
-          <a:bodyPr anchorCtr="0" anchor="ctr" bIns="91425" lIns="91425" spcFirstLastPara="1" rIns="91425" wrap="square" tIns="91425">
+          <a:bodyPr spcFirstLastPara="1" wrap="square" lIns="91425" tIns="91425" rIns="91425" bIns="91425" anchor="ctr" anchorCtr="0">
             <a:noAutofit/>
           </a:bodyPr>
           <a:lstStyle>
@@ -3704,7 +3955,7 @@
             </a:lvl9pPr>
           </a:lstStyle>
           <a:p>
-            <a:pPr indent="0" lvl="0" marL="0" rtl="0" algn="r">
+            <a:pPr marL="0" lvl="0" indent="0" algn="r" rtl="0">
               <a:spcBef>
                 <a:spcPts val="0"/>
               </a:spcBef>
@@ -3730,11 +3981,11 @@
 </file>
 
 <file path=ppt/slideLayouts/slideLayout11.xml><?xml version="1.0" encoding="utf-8"?>
-<p:sldLayout xmlns:a="http://schemas.openxmlformats.org/drawingml/2006/main" xmlns:r="http://schemas.openxmlformats.org/officeDocument/2006/relationships" xmlns:mc="http://schemas.openxmlformats.org/markup-compatibility/2006" xmlns:mv="urn:schemas-microsoft-com:mac:vml" xmlns:p="http://schemas.openxmlformats.org/presentationml/2006/main" xmlns:c="http://schemas.openxmlformats.org/drawingml/2006/chart" xmlns:dgm="http://schemas.openxmlformats.org/drawingml/2006/diagram" xmlns:o="urn:schemas-microsoft-com:office:office" xmlns:v="urn:schemas-microsoft-com:vml" xmlns:pvml="urn:schemas-microsoft-com:office:powerpoint" xmlns:com="http://schemas.openxmlformats.org/drawingml/2006/compatibility" xmlns:p14="http://schemas.microsoft.com/office/powerpoint/2010/main" xmlns:p15="http://schemas.microsoft.com/office/powerpoint/2012/main" matchingName="Blank" type="blank">
+<p:sldLayout xmlns:a="http://schemas.openxmlformats.org/drawingml/2006/main" xmlns:r="http://schemas.openxmlformats.org/officeDocument/2006/relationships" xmlns:p="http://schemas.openxmlformats.org/presentationml/2006/main" matchingName="Blank" type="blank">
   <p:cSld name="BLANK">
     <p:spTree>
       <p:nvGrpSpPr>
-        <p:cNvPr id="48" name="Shape 48"/>
+        <p:cNvPr id="1" name="Shape 48"/>
         <p:cNvGrpSpPr/>
         <p:nvPr/>
       </p:nvGrpSpPr>
@@ -3749,9 +4000,11 @@
       <p:sp>
         <p:nvSpPr>
           <p:cNvPr id="49" name="Google Shape;49;p12"/>
-          <p:cNvSpPr txBox="1"/>
+          <p:cNvSpPr txBox="1">
+            <a:spLocks noGrp="1"/>
+          </p:cNvSpPr>
           <p:nvPr>
-            <p:ph idx="12" type="sldNum"/>
+            <p:ph type="sldNum" idx="12"/>
           </p:nvPr>
         </p:nvSpPr>
         <p:spPr>
@@ -3764,7 +4017,7 @@
           </a:prstGeom>
         </p:spPr>
         <p:txBody>
-          <a:bodyPr anchorCtr="0" anchor="ctr" bIns="91425" lIns="91425" spcFirstLastPara="1" rIns="91425" wrap="square" tIns="91425">
+          <a:bodyPr spcFirstLastPara="1" wrap="square" lIns="91425" tIns="91425" rIns="91425" bIns="91425" anchor="ctr" anchorCtr="0">
             <a:noAutofit/>
           </a:bodyPr>
           <a:lstStyle>
@@ -3806,7 +4059,7 @@
             </a:lvl9pPr>
           </a:lstStyle>
           <a:p>
-            <a:pPr indent="0" lvl="0" marL="0" rtl="0" algn="r">
+            <a:pPr marL="0" lvl="0" indent="0" algn="r" rtl="0">
               <a:spcBef>
                 <a:spcPts val="0"/>
               </a:spcBef>
@@ -3832,11 +4085,11 @@
 </file>
 
 <file path=ppt/slideLayouts/slideLayout2.xml><?xml version="1.0" encoding="utf-8"?>
-<p:sldLayout xmlns:a="http://schemas.openxmlformats.org/drawingml/2006/main" xmlns:r="http://schemas.openxmlformats.org/officeDocument/2006/relationships" xmlns:mc="http://schemas.openxmlformats.org/markup-compatibility/2006" xmlns:mv="urn:schemas-microsoft-com:mac:vml" xmlns:p="http://schemas.openxmlformats.org/presentationml/2006/main" xmlns:c="http://schemas.openxmlformats.org/drawingml/2006/chart" xmlns:dgm="http://schemas.openxmlformats.org/drawingml/2006/diagram" xmlns:o="urn:schemas-microsoft-com:office:office" xmlns:v="urn:schemas-microsoft-com:vml" xmlns:pvml="urn:schemas-microsoft-com:office:powerpoint" xmlns:com="http://schemas.openxmlformats.org/drawingml/2006/compatibility" xmlns:p14="http://schemas.microsoft.com/office/powerpoint/2010/main" xmlns:p15="http://schemas.microsoft.com/office/powerpoint/2012/main" matchingName="Section header" type="secHead">
+<p:sldLayout xmlns:a="http://schemas.openxmlformats.org/drawingml/2006/main" xmlns:r="http://schemas.openxmlformats.org/officeDocument/2006/relationships" xmlns:p="http://schemas.openxmlformats.org/presentationml/2006/main" matchingName="Section header" type="secHead">
   <p:cSld name="SECTION_HEADER">
     <p:spTree>
       <p:nvGrpSpPr>
-        <p:cNvPr id="13" name="Shape 13"/>
+        <p:cNvPr id="1" name="Shape 13"/>
         <p:cNvGrpSpPr/>
         <p:nvPr/>
       </p:nvGrpSpPr>
@@ -3851,7 +4104,9 @@
       <p:sp>
         <p:nvSpPr>
           <p:cNvPr id="14" name="Google Shape;14;p3"/>
-          <p:cNvSpPr txBox="1"/>
+          <p:cNvSpPr txBox="1">
+            <a:spLocks noGrp="1"/>
+          </p:cNvSpPr>
           <p:nvPr>
             <p:ph type="title"/>
           </p:nvPr>
@@ -3866,7 +4121,7 @@
           </a:prstGeom>
         </p:spPr>
         <p:txBody>
-          <a:bodyPr anchorCtr="0" anchor="ctr" bIns="91425" lIns="91425" spcFirstLastPara="1" rIns="91425" wrap="square" tIns="91425">
+          <a:bodyPr spcFirstLastPara="1" wrap="square" lIns="91425" tIns="91425" rIns="91425" bIns="91425" anchor="ctr" anchorCtr="0">
             <a:noAutofit/>
           </a:bodyPr>
           <a:lstStyle>
@@ -3970,15 +4225,19 @@
               <a:defRPr sz="3600"/>
             </a:lvl9pPr>
           </a:lstStyle>
-          <a:p/>
+          <a:p>
+            <a:endParaRPr/>
+          </a:p>
         </p:txBody>
       </p:sp>
       <p:sp>
         <p:nvSpPr>
           <p:cNvPr id="15" name="Google Shape;15;p3"/>
-          <p:cNvSpPr txBox="1"/>
+          <p:cNvSpPr txBox="1">
+            <a:spLocks noGrp="1"/>
+          </p:cNvSpPr>
           <p:nvPr>
-            <p:ph idx="12" type="sldNum"/>
+            <p:ph type="sldNum" idx="12"/>
           </p:nvPr>
         </p:nvSpPr>
         <p:spPr>
@@ -3991,7 +4250,7 @@
           </a:prstGeom>
         </p:spPr>
         <p:txBody>
-          <a:bodyPr anchorCtr="0" anchor="ctr" bIns="91425" lIns="91425" spcFirstLastPara="1" rIns="91425" wrap="square" tIns="91425">
+          <a:bodyPr spcFirstLastPara="1" wrap="square" lIns="91425" tIns="91425" rIns="91425" bIns="91425" anchor="ctr" anchorCtr="0">
             <a:noAutofit/>
           </a:bodyPr>
           <a:lstStyle>
@@ -4033,7 +4292,7 @@
             </a:lvl9pPr>
           </a:lstStyle>
           <a:p>
-            <a:pPr indent="0" lvl="0" marL="0" rtl="0" algn="r">
+            <a:pPr marL="0" lvl="0" indent="0" algn="r" rtl="0">
               <a:spcBef>
                 <a:spcPts val="0"/>
               </a:spcBef>
@@ -4059,11 +4318,11 @@
 </file>
 
 <file path=ppt/slideLayouts/slideLayout3.xml><?xml version="1.0" encoding="utf-8"?>
-<p:sldLayout xmlns:a="http://schemas.openxmlformats.org/drawingml/2006/main" xmlns:r="http://schemas.openxmlformats.org/officeDocument/2006/relationships" xmlns:mc="http://schemas.openxmlformats.org/markup-compatibility/2006" xmlns:mv="urn:schemas-microsoft-com:mac:vml" xmlns:p="http://schemas.openxmlformats.org/presentationml/2006/main" xmlns:c="http://schemas.openxmlformats.org/drawingml/2006/chart" xmlns:dgm="http://schemas.openxmlformats.org/drawingml/2006/diagram" xmlns:o="urn:schemas-microsoft-com:office:office" xmlns:v="urn:schemas-microsoft-com:vml" xmlns:pvml="urn:schemas-microsoft-com:office:powerpoint" xmlns:com="http://schemas.openxmlformats.org/drawingml/2006/compatibility" xmlns:p14="http://schemas.microsoft.com/office/powerpoint/2010/main" xmlns:p15="http://schemas.microsoft.com/office/powerpoint/2012/main" matchingName="Title and body" type="tx">
+<p:sldLayout xmlns:a="http://schemas.openxmlformats.org/drawingml/2006/main" xmlns:r="http://schemas.openxmlformats.org/officeDocument/2006/relationships" xmlns:p="http://schemas.openxmlformats.org/presentationml/2006/main" matchingName="Title and body" type="tx">
   <p:cSld name="TITLE_AND_BODY">
     <p:spTree>
       <p:nvGrpSpPr>
-        <p:cNvPr id="16" name="Shape 16"/>
+        <p:cNvPr id="1" name="Shape 16"/>
         <p:cNvGrpSpPr/>
         <p:nvPr/>
       </p:nvGrpSpPr>
@@ -4078,7 +4337,9 @@
       <p:sp>
         <p:nvSpPr>
           <p:cNvPr id="17" name="Google Shape;17;p4"/>
-          <p:cNvSpPr txBox="1"/>
+          <p:cNvSpPr txBox="1">
+            <a:spLocks noGrp="1"/>
+          </p:cNvSpPr>
           <p:nvPr>
             <p:ph type="title"/>
           </p:nvPr>
@@ -4093,7 +4354,7 @@
           </a:prstGeom>
         </p:spPr>
         <p:txBody>
-          <a:bodyPr anchorCtr="0" anchor="t" bIns="91425" lIns="91425" spcFirstLastPara="1" rIns="91425" wrap="square" tIns="91425">
+          <a:bodyPr spcFirstLastPara="1" wrap="square" lIns="91425" tIns="91425" rIns="91425" bIns="91425" anchor="t" anchorCtr="0">
             <a:noAutofit/>
           </a:bodyPr>
           <a:lstStyle>
@@ -4197,15 +4458,19 @@
               <a:defRPr/>
             </a:lvl9pPr>
           </a:lstStyle>
-          <a:p/>
+          <a:p>
+            <a:endParaRPr/>
+          </a:p>
         </p:txBody>
       </p:sp>
       <p:sp>
         <p:nvSpPr>
           <p:cNvPr id="18" name="Google Shape;18;p4"/>
-          <p:cNvSpPr txBox="1"/>
+          <p:cNvSpPr txBox="1">
+            <a:spLocks noGrp="1"/>
+          </p:cNvSpPr>
           <p:nvPr>
-            <p:ph idx="1" type="body"/>
+            <p:ph type="body" idx="1"/>
           </p:nvPr>
         </p:nvSpPr>
         <p:spPr>
@@ -4218,11 +4483,11 @@
           </a:prstGeom>
         </p:spPr>
         <p:txBody>
-          <a:bodyPr anchorCtr="0" anchor="t" bIns="91425" lIns="91425" spcFirstLastPara="1" rIns="91425" wrap="square" tIns="91425">
+          <a:bodyPr spcFirstLastPara="1" wrap="square" lIns="91425" tIns="91425" rIns="91425" bIns="91425" anchor="t" anchorCtr="0">
             <a:noAutofit/>
           </a:bodyPr>
           <a:lstStyle>
-            <a:lvl1pPr indent="-342900" lvl="0" marL="457200">
+            <a:lvl1pPr marL="457200" lvl="0" indent="-342900">
               <a:spcBef>
                 <a:spcPts val="0"/>
               </a:spcBef>
@@ -4233,7 +4498,7 @@
               <a:buChar char="●"/>
               <a:defRPr/>
             </a:lvl1pPr>
-            <a:lvl2pPr indent="-317500" lvl="1" marL="914400">
+            <a:lvl2pPr marL="914400" lvl="1" indent="-317500">
               <a:spcBef>
                 <a:spcPts val="1600"/>
               </a:spcBef>
@@ -4244,7 +4509,7 @@
               <a:buChar char="○"/>
               <a:defRPr/>
             </a:lvl2pPr>
-            <a:lvl3pPr indent="-317500" lvl="2" marL="1371600">
+            <a:lvl3pPr marL="1371600" lvl="2" indent="-317500">
               <a:spcBef>
                 <a:spcPts val="1600"/>
               </a:spcBef>
@@ -4255,7 +4520,7 @@
               <a:buChar char="■"/>
               <a:defRPr/>
             </a:lvl3pPr>
-            <a:lvl4pPr indent="-317500" lvl="3" marL="1828800">
+            <a:lvl4pPr marL="1828800" lvl="3" indent="-317500">
               <a:spcBef>
                 <a:spcPts val="1600"/>
               </a:spcBef>
@@ -4266,7 +4531,7 @@
               <a:buChar char="●"/>
               <a:defRPr/>
             </a:lvl4pPr>
-            <a:lvl5pPr indent="-317500" lvl="4" marL="2286000">
+            <a:lvl5pPr marL="2286000" lvl="4" indent="-317500">
               <a:spcBef>
                 <a:spcPts val="1600"/>
               </a:spcBef>
@@ -4277,7 +4542,7 @@
               <a:buChar char="○"/>
               <a:defRPr/>
             </a:lvl5pPr>
-            <a:lvl6pPr indent="-317500" lvl="5" marL="2743200">
+            <a:lvl6pPr marL="2743200" lvl="5" indent="-317500">
               <a:spcBef>
                 <a:spcPts val="1600"/>
               </a:spcBef>
@@ -4288,7 +4553,7 @@
               <a:buChar char="■"/>
               <a:defRPr/>
             </a:lvl6pPr>
-            <a:lvl7pPr indent="-317500" lvl="6" marL="3200400">
+            <a:lvl7pPr marL="3200400" lvl="6" indent="-317500">
               <a:spcBef>
                 <a:spcPts val="1600"/>
               </a:spcBef>
@@ -4299,7 +4564,7 @@
               <a:buChar char="●"/>
               <a:defRPr/>
             </a:lvl7pPr>
-            <a:lvl8pPr indent="-317500" lvl="7" marL="3657600">
+            <a:lvl8pPr marL="3657600" lvl="7" indent="-317500">
               <a:spcBef>
                 <a:spcPts val="1600"/>
               </a:spcBef>
@@ -4310,7 +4575,7 @@
               <a:buChar char="○"/>
               <a:defRPr/>
             </a:lvl8pPr>
-            <a:lvl9pPr indent="-317500" lvl="8" marL="4114800">
+            <a:lvl9pPr marL="4114800" lvl="8" indent="-317500">
               <a:spcBef>
                 <a:spcPts val="1600"/>
               </a:spcBef>
@@ -4322,15 +4587,19 @@
               <a:defRPr/>
             </a:lvl9pPr>
           </a:lstStyle>
-          <a:p/>
+          <a:p>
+            <a:endParaRPr/>
+          </a:p>
         </p:txBody>
       </p:sp>
       <p:sp>
         <p:nvSpPr>
           <p:cNvPr id="19" name="Google Shape;19;p4"/>
-          <p:cNvSpPr txBox="1"/>
+          <p:cNvSpPr txBox="1">
+            <a:spLocks noGrp="1"/>
+          </p:cNvSpPr>
           <p:nvPr>
-            <p:ph idx="12" type="sldNum"/>
+            <p:ph type="sldNum" idx="12"/>
           </p:nvPr>
         </p:nvSpPr>
         <p:spPr>
@@ -4343,7 +4612,7 @@
           </a:prstGeom>
         </p:spPr>
         <p:txBody>
-          <a:bodyPr anchorCtr="0" anchor="ctr" bIns="91425" lIns="91425" spcFirstLastPara="1" rIns="91425" wrap="square" tIns="91425">
+          <a:bodyPr spcFirstLastPara="1" wrap="square" lIns="91425" tIns="91425" rIns="91425" bIns="91425" anchor="ctr" anchorCtr="0">
             <a:noAutofit/>
           </a:bodyPr>
           <a:lstStyle>
@@ -4385,7 +4654,7 @@
             </a:lvl9pPr>
           </a:lstStyle>
           <a:p>
-            <a:pPr indent="0" lvl="0" marL="0" rtl="0" algn="r">
+            <a:pPr marL="0" lvl="0" indent="0" algn="r" rtl="0">
               <a:spcBef>
                 <a:spcPts val="0"/>
               </a:spcBef>
@@ -4411,11 +4680,11 @@
 </file>
 
 <file path=ppt/slideLayouts/slideLayout4.xml><?xml version="1.0" encoding="utf-8"?>
-<p:sldLayout xmlns:a="http://schemas.openxmlformats.org/drawingml/2006/main" xmlns:r="http://schemas.openxmlformats.org/officeDocument/2006/relationships" xmlns:mc="http://schemas.openxmlformats.org/markup-compatibility/2006" xmlns:mv="urn:schemas-microsoft-com:mac:vml" xmlns:p="http://schemas.openxmlformats.org/presentationml/2006/main" xmlns:c="http://schemas.openxmlformats.org/drawingml/2006/chart" xmlns:dgm="http://schemas.openxmlformats.org/drawingml/2006/diagram" xmlns:o="urn:schemas-microsoft-com:office:office" xmlns:v="urn:schemas-microsoft-com:vml" xmlns:pvml="urn:schemas-microsoft-com:office:powerpoint" xmlns:com="http://schemas.openxmlformats.org/drawingml/2006/compatibility" xmlns:p14="http://schemas.microsoft.com/office/powerpoint/2010/main" xmlns:p15="http://schemas.microsoft.com/office/powerpoint/2012/main" matchingName="Title and two columns" type="twoColTx">
+<p:sldLayout xmlns:a="http://schemas.openxmlformats.org/drawingml/2006/main" xmlns:r="http://schemas.openxmlformats.org/officeDocument/2006/relationships" xmlns:p="http://schemas.openxmlformats.org/presentationml/2006/main" matchingName="Title and two columns" type="twoColTx">
   <p:cSld name="TITLE_AND_TWO_COLUMNS">
     <p:spTree>
       <p:nvGrpSpPr>
-        <p:cNvPr id="20" name="Shape 20"/>
+        <p:cNvPr id="1" name="Shape 20"/>
         <p:cNvGrpSpPr/>
         <p:nvPr/>
       </p:nvGrpSpPr>
@@ -4430,7 +4699,9 @@
       <p:sp>
         <p:nvSpPr>
           <p:cNvPr id="21" name="Google Shape;21;p5"/>
-          <p:cNvSpPr txBox="1"/>
+          <p:cNvSpPr txBox="1">
+            <a:spLocks noGrp="1"/>
+          </p:cNvSpPr>
           <p:nvPr>
             <p:ph type="title"/>
           </p:nvPr>
@@ -4445,7 +4716,7 @@
           </a:prstGeom>
         </p:spPr>
         <p:txBody>
-          <a:bodyPr anchorCtr="0" anchor="t" bIns="91425" lIns="91425" spcFirstLastPara="1" rIns="91425" wrap="square" tIns="91425">
+          <a:bodyPr spcFirstLastPara="1" wrap="square" lIns="91425" tIns="91425" rIns="91425" bIns="91425" anchor="t" anchorCtr="0">
             <a:noAutofit/>
           </a:bodyPr>
           <a:lstStyle>
@@ -4549,15 +4820,19 @@
               <a:defRPr/>
             </a:lvl9pPr>
           </a:lstStyle>
-          <a:p/>
+          <a:p>
+            <a:endParaRPr/>
+          </a:p>
         </p:txBody>
       </p:sp>
       <p:sp>
         <p:nvSpPr>
           <p:cNvPr id="22" name="Google Shape;22;p5"/>
-          <p:cNvSpPr txBox="1"/>
+          <p:cNvSpPr txBox="1">
+            <a:spLocks noGrp="1"/>
+          </p:cNvSpPr>
           <p:nvPr>
-            <p:ph idx="1" type="body"/>
+            <p:ph type="body" idx="1"/>
           </p:nvPr>
         </p:nvSpPr>
         <p:spPr>
@@ -4570,11 +4845,11 @@
           </a:prstGeom>
         </p:spPr>
         <p:txBody>
-          <a:bodyPr anchorCtr="0" anchor="t" bIns="91425" lIns="91425" spcFirstLastPara="1" rIns="91425" wrap="square" tIns="91425">
+          <a:bodyPr spcFirstLastPara="1" wrap="square" lIns="91425" tIns="91425" rIns="91425" bIns="91425" anchor="t" anchorCtr="0">
             <a:noAutofit/>
           </a:bodyPr>
           <a:lstStyle>
-            <a:lvl1pPr indent="-317500" lvl="0" marL="457200">
+            <a:lvl1pPr marL="457200" lvl="0" indent="-317500">
               <a:spcBef>
                 <a:spcPts val="0"/>
               </a:spcBef>
@@ -4585,7 +4860,7 @@
               <a:buChar char="●"/>
               <a:defRPr sz="1400"/>
             </a:lvl1pPr>
-            <a:lvl2pPr indent="-304800" lvl="1" marL="914400">
+            <a:lvl2pPr marL="914400" lvl="1" indent="-304800">
               <a:spcBef>
                 <a:spcPts val="1600"/>
               </a:spcBef>
@@ -4596,7 +4871,7 @@
               <a:buChar char="○"/>
               <a:defRPr sz="1200"/>
             </a:lvl2pPr>
-            <a:lvl3pPr indent="-304800" lvl="2" marL="1371600">
+            <a:lvl3pPr marL="1371600" lvl="2" indent="-304800">
               <a:spcBef>
                 <a:spcPts val="1600"/>
               </a:spcBef>
@@ -4607,7 +4882,7 @@
               <a:buChar char="■"/>
               <a:defRPr sz="1200"/>
             </a:lvl3pPr>
-            <a:lvl4pPr indent="-304800" lvl="3" marL="1828800">
+            <a:lvl4pPr marL="1828800" lvl="3" indent="-304800">
               <a:spcBef>
                 <a:spcPts val="1600"/>
               </a:spcBef>
@@ -4618,7 +4893,7 @@
               <a:buChar char="●"/>
               <a:defRPr sz="1200"/>
             </a:lvl4pPr>
-            <a:lvl5pPr indent="-304800" lvl="4" marL="2286000">
+            <a:lvl5pPr marL="2286000" lvl="4" indent="-304800">
               <a:spcBef>
                 <a:spcPts val="1600"/>
               </a:spcBef>
@@ -4629,7 +4904,7 @@
               <a:buChar char="○"/>
               <a:defRPr sz="1200"/>
             </a:lvl5pPr>
-            <a:lvl6pPr indent="-304800" lvl="5" marL="2743200">
+            <a:lvl6pPr marL="2743200" lvl="5" indent="-304800">
               <a:spcBef>
                 <a:spcPts val="1600"/>
               </a:spcBef>
@@ -4640,7 +4915,7 @@
               <a:buChar char="■"/>
               <a:defRPr sz="1200"/>
             </a:lvl6pPr>
-            <a:lvl7pPr indent="-304800" lvl="6" marL="3200400">
+            <a:lvl7pPr marL="3200400" lvl="6" indent="-304800">
               <a:spcBef>
                 <a:spcPts val="1600"/>
               </a:spcBef>
@@ -4651,7 +4926,7 @@
               <a:buChar char="●"/>
               <a:defRPr sz="1200"/>
             </a:lvl7pPr>
-            <a:lvl8pPr indent="-304800" lvl="7" marL="3657600">
+            <a:lvl8pPr marL="3657600" lvl="7" indent="-304800">
               <a:spcBef>
                 <a:spcPts val="1600"/>
               </a:spcBef>
@@ -4662,7 +4937,7 @@
               <a:buChar char="○"/>
               <a:defRPr sz="1200"/>
             </a:lvl8pPr>
-            <a:lvl9pPr indent="-304800" lvl="8" marL="4114800">
+            <a:lvl9pPr marL="4114800" lvl="8" indent="-304800">
               <a:spcBef>
                 <a:spcPts val="1600"/>
               </a:spcBef>
@@ -4674,15 +4949,19 @@
               <a:defRPr sz="1200"/>
             </a:lvl9pPr>
           </a:lstStyle>
-          <a:p/>
+          <a:p>
+            <a:endParaRPr/>
+          </a:p>
         </p:txBody>
       </p:sp>
       <p:sp>
         <p:nvSpPr>
           <p:cNvPr id="23" name="Google Shape;23;p5"/>
-          <p:cNvSpPr txBox="1"/>
+          <p:cNvSpPr txBox="1">
+            <a:spLocks noGrp="1"/>
+          </p:cNvSpPr>
           <p:nvPr>
-            <p:ph idx="2" type="body"/>
+            <p:ph type="body" idx="2"/>
           </p:nvPr>
         </p:nvSpPr>
         <p:spPr>
@@ -4695,11 +4974,11 @@
           </a:prstGeom>
         </p:spPr>
         <p:txBody>
-          <a:bodyPr anchorCtr="0" anchor="t" bIns="91425" lIns="91425" spcFirstLastPara="1" rIns="91425" wrap="square" tIns="91425">
+          <a:bodyPr spcFirstLastPara="1" wrap="square" lIns="91425" tIns="91425" rIns="91425" bIns="91425" anchor="t" anchorCtr="0">
             <a:noAutofit/>
           </a:bodyPr>
           <a:lstStyle>
-            <a:lvl1pPr indent="-317500" lvl="0" marL="457200">
+            <a:lvl1pPr marL="457200" lvl="0" indent="-317500">
               <a:spcBef>
                 <a:spcPts val="0"/>
               </a:spcBef>
@@ -4710,7 +4989,7 @@
               <a:buChar char="●"/>
               <a:defRPr sz="1400"/>
             </a:lvl1pPr>
-            <a:lvl2pPr indent="-304800" lvl="1" marL="914400">
+            <a:lvl2pPr marL="914400" lvl="1" indent="-304800">
               <a:spcBef>
                 <a:spcPts val="1600"/>
               </a:spcBef>
@@ -4721,7 +5000,7 @@
               <a:buChar char="○"/>
               <a:defRPr sz="1200"/>
             </a:lvl2pPr>
-            <a:lvl3pPr indent="-304800" lvl="2" marL="1371600">
+            <a:lvl3pPr marL="1371600" lvl="2" indent="-304800">
               <a:spcBef>
                 <a:spcPts val="1600"/>
               </a:spcBef>
@@ -4732,7 +5011,7 @@
               <a:buChar char="■"/>
               <a:defRPr sz="1200"/>
             </a:lvl3pPr>
-            <a:lvl4pPr indent="-304800" lvl="3" marL="1828800">
+            <a:lvl4pPr marL="1828800" lvl="3" indent="-304800">
               <a:spcBef>
                 <a:spcPts val="1600"/>
               </a:spcBef>
@@ -4743,7 +5022,7 @@
               <a:buChar char="●"/>
               <a:defRPr sz="1200"/>
             </a:lvl4pPr>
-            <a:lvl5pPr indent="-304800" lvl="4" marL="2286000">
+            <a:lvl5pPr marL="2286000" lvl="4" indent="-304800">
               <a:spcBef>
                 <a:spcPts val="1600"/>
               </a:spcBef>
@@ -4754,7 +5033,7 @@
               <a:buChar char="○"/>
               <a:defRPr sz="1200"/>
             </a:lvl5pPr>
-            <a:lvl6pPr indent="-304800" lvl="5" marL="2743200">
+            <a:lvl6pPr marL="2743200" lvl="5" indent="-304800">
               <a:spcBef>
                 <a:spcPts val="1600"/>
               </a:spcBef>
@@ -4765,7 +5044,7 @@
               <a:buChar char="■"/>
               <a:defRPr sz="1200"/>
             </a:lvl6pPr>
-            <a:lvl7pPr indent="-304800" lvl="6" marL="3200400">
+            <a:lvl7pPr marL="3200400" lvl="6" indent="-304800">
               <a:spcBef>
                 <a:spcPts val="1600"/>
               </a:spcBef>
@@ -4776,7 +5055,7 @@
               <a:buChar char="●"/>
               <a:defRPr sz="1200"/>
             </a:lvl7pPr>
-            <a:lvl8pPr indent="-304800" lvl="7" marL="3657600">
+            <a:lvl8pPr marL="3657600" lvl="7" indent="-304800">
               <a:spcBef>
                 <a:spcPts val="1600"/>
               </a:spcBef>
@@ -4787,7 +5066,7 @@
               <a:buChar char="○"/>
               <a:defRPr sz="1200"/>
             </a:lvl8pPr>
-            <a:lvl9pPr indent="-304800" lvl="8" marL="4114800">
+            <a:lvl9pPr marL="4114800" lvl="8" indent="-304800">
               <a:spcBef>
                 <a:spcPts val="1600"/>
               </a:spcBef>
@@ -4799,15 +5078,19 @@
               <a:defRPr sz="1200"/>
             </a:lvl9pPr>
           </a:lstStyle>
-          <a:p/>
+          <a:p>
+            <a:endParaRPr/>
+          </a:p>
         </p:txBody>
       </p:sp>
       <p:sp>
         <p:nvSpPr>
           <p:cNvPr id="24" name="Google Shape;24;p5"/>
-          <p:cNvSpPr txBox="1"/>
+          <p:cNvSpPr txBox="1">
+            <a:spLocks noGrp="1"/>
+          </p:cNvSpPr>
           <p:nvPr>
-            <p:ph idx="12" type="sldNum"/>
+            <p:ph type="sldNum" idx="12"/>
           </p:nvPr>
         </p:nvSpPr>
         <p:spPr>
@@ -4820,7 +5103,7 @@
           </a:prstGeom>
         </p:spPr>
         <p:txBody>
-          <a:bodyPr anchorCtr="0" anchor="ctr" bIns="91425" lIns="91425" spcFirstLastPara="1" rIns="91425" wrap="square" tIns="91425">
+          <a:bodyPr spcFirstLastPara="1" wrap="square" lIns="91425" tIns="91425" rIns="91425" bIns="91425" anchor="ctr" anchorCtr="0">
             <a:noAutofit/>
           </a:bodyPr>
           <a:lstStyle>
@@ -4862,7 +5145,7 @@
             </a:lvl9pPr>
           </a:lstStyle>
           <a:p>
-            <a:pPr indent="0" lvl="0" marL="0" rtl="0" algn="r">
+            <a:pPr marL="0" lvl="0" indent="0" algn="r" rtl="0">
               <a:spcBef>
                 <a:spcPts val="0"/>
               </a:spcBef>
@@ -4888,11 +5171,11 @@
 </file>
 
 <file path=ppt/slideLayouts/slideLayout5.xml><?xml version="1.0" encoding="utf-8"?>
-<p:sldLayout xmlns:a="http://schemas.openxmlformats.org/drawingml/2006/main" xmlns:r="http://schemas.openxmlformats.org/officeDocument/2006/relationships" xmlns:mc="http://schemas.openxmlformats.org/markup-compatibility/2006" xmlns:mv="urn:schemas-microsoft-com:mac:vml" xmlns:p="http://schemas.openxmlformats.org/presentationml/2006/main" xmlns:c="http://schemas.openxmlformats.org/drawingml/2006/chart" xmlns:dgm="http://schemas.openxmlformats.org/drawingml/2006/diagram" xmlns:o="urn:schemas-microsoft-com:office:office" xmlns:v="urn:schemas-microsoft-com:vml" xmlns:pvml="urn:schemas-microsoft-com:office:powerpoint" xmlns:com="http://schemas.openxmlformats.org/drawingml/2006/compatibility" xmlns:p14="http://schemas.microsoft.com/office/powerpoint/2010/main" xmlns:p15="http://schemas.microsoft.com/office/powerpoint/2012/main" matchingName="Title only" type="titleOnly">
+<p:sldLayout xmlns:a="http://schemas.openxmlformats.org/drawingml/2006/main" xmlns:r="http://schemas.openxmlformats.org/officeDocument/2006/relationships" xmlns:p="http://schemas.openxmlformats.org/presentationml/2006/main" matchingName="Title only" type="titleOnly">
   <p:cSld name="TITLE_ONLY">
     <p:spTree>
       <p:nvGrpSpPr>
-        <p:cNvPr id="25" name="Shape 25"/>
+        <p:cNvPr id="1" name="Shape 25"/>
         <p:cNvGrpSpPr/>
         <p:nvPr/>
       </p:nvGrpSpPr>
@@ -4907,7 +5190,9 @@
       <p:sp>
         <p:nvSpPr>
           <p:cNvPr id="26" name="Google Shape;26;p6"/>
-          <p:cNvSpPr txBox="1"/>
+          <p:cNvSpPr txBox="1">
+            <a:spLocks noGrp="1"/>
+          </p:cNvSpPr>
           <p:nvPr>
             <p:ph type="title"/>
           </p:nvPr>
@@ -4922,7 +5207,7 @@
           </a:prstGeom>
         </p:spPr>
         <p:txBody>
-          <a:bodyPr anchorCtr="0" anchor="t" bIns="91425" lIns="91425" spcFirstLastPara="1" rIns="91425" wrap="square" tIns="91425">
+          <a:bodyPr spcFirstLastPara="1" wrap="square" lIns="91425" tIns="91425" rIns="91425" bIns="91425" anchor="t" anchorCtr="0">
             <a:noAutofit/>
           </a:bodyPr>
           <a:lstStyle>
@@ -5026,15 +5311,19 @@
               <a:defRPr/>
             </a:lvl9pPr>
           </a:lstStyle>
-          <a:p/>
+          <a:p>
+            <a:endParaRPr/>
+          </a:p>
         </p:txBody>
       </p:sp>
       <p:sp>
         <p:nvSpPr>
           <p:cNvPr id="27" name="Google Shape;27;p6"/>
-          <p:cNvSpPr txBox="1"/>
+          <p:cNvSpPr txBox="1">
+            <a:spLocks noGrp="1"/>
+          </p:cNvSpPr>
           <p:nvPr>
-            <p:ph idx="12" type="sldNum"/>
+            <p:ph type="sldNum" idx="12"/>
           </p:nvPr>
         </p:nvSpPr>
         <p:spPr>
@@ -5047,7 +5336,7 @@
           </a:prstGeom>
         </p:spPr>
         <p:txBody>
-          <a:bodyPr anchorCtr="0" anchor="ctr" bIns="91425" lIns="91425" spcFirstLastPara="1" rIns="91425" wrap="square" tIns="91425">
+          <a:bodyPr spcFirstLastPara="1" wrap="square" lIns="91425" tIns="91425" rIns="91425" bIns="91425" anchor="ctr" anchorCtr="0">
             <a:noAutofit/>
           </a:bodyPr>
           <a:lstStyle>
@@ -5089,7 +5378,7 @@
             </a:lvl9pPr>
           </a:lstStyle>
           <a:p>
-            <a:pPr indent="0" lvl="0" marL="0" rtl="0" algn="r">
+            <a:pPr marL="0" lvl="0" indent="0" algn="r" rtl="0">
               <a:spcBef>
                 <a:spcPts val="0"/>
               </a:spcBef>
@@ -5115,11 +5404,11 @@
 </file>
 
 <file path=ppt/slideLayouts/slideLayout6.xml><?xml version="1.0" encoding="utf-8"?>
-<p:sldLayout xmlns:a="http://schemas.openxmlformats.org/drawingml/2006/main" xmlns:r="http://schemas.openxmlformats.org/officeDocument/2006/relationships" xmlns:mc="http://schemas.openxmlformats.org/markup-compatibility/2006" xmlns:mv="urn:schemas-microsoft-com:mac:vml" xmlns:p="http://schemas.openxmlformats.org/presentationml/2006/main" xmlns:c="http://schemas.openxmlformats.org/drawingml/2006/chart" xmlns:dgm="http://schemas.openxmlformats.org/drawingml/2006/diagram" xmlns:o="urn:schemas-microsoft-com:office:office" xmlns:v="urn:schemas-microsoft-com:vml" xmlns:pvml="urn:schemas-microsoft-com:office:powerpoint" xmlns:com="http://schemas.openxmlformats.org/drawingml/2006/compatibility" xmlns:p14="http://schemas.microsoft.com/office/powerpoint/2010/main" xmlns:p15="http://schemas.microsoft.com/office/powerpoint/2012/main" matchingName="One column text">
+<p:sldLayout xmlns:a="http://schemas.openxmlformats.org/drawingml/2006/main" xmlns:r="http://schemas.openxmlformats.org/officeDocument/2006/relationships" xmlns:p="http://schemas.openxmlformats.org/presentationml/2006/main" matchingName="One column text">
   <p:cSld name="ONE_COLUMN_TEXT">
     <p:spTree>
       <p:nvGrpSpPr>
-        <p:cNvPr id="28" name="Shape 28"/>
+        <p:cNvPr id="1" name="Shape 28"/>
         <p:cNvGrpSpPr/>
         <p:nvPr/>
       </p:nvGrpSpPr>
@@ -5134,7 +5423,9 @@
       <p:sp>
         <p:nvSpPr>
           <p:cNvPr id="29" name="Google Shape;29;p7"/>
-          <p:cNvSpPr txBox="1"/>
+          <p:cNvSpPr txBox="1">
+            <a:spLocks noGrp="1"/>
+          </p:cNvSpPr>
           <p:nvPr>
             <p:ph type="title"/>
           </p:nvPr>
@@ -5149,7 +5440,7 @@
           </a:prstGeom>
         </p:spPr>
         <p:txBody>
-          <a:bodyPr anchorCtr="0" anchor="b" bIns="91425" lIns="91425" spcFirstLastPara="1" rIns="91425" wrap="square" tIns="91425">
+          <a:bodyPr spcFirstLastPara="1" wrap="square" lIns="91425" tIns="91425" rIns="91425" bIns="91425" anchor="b" anchorCtr="0">
             <a:noAutofit/>
           </a:bodyPr>
           <a:lstStyle>
@@ -5253,15 +5544,19 @@
               <a:defRPr sz="2400"/>
             </a:lvl9pPr>
           </a:lstStyle>
-          <a:p/>
+          <a:p>
+            <a:endParaRPr/>
+          </a:p>
         </p:txBody>
       </p:sp>
       <p:sp>
         <p:nvSpPr>
           <p:cNvPr id="30" name="Google Shape;30;p7"/>
-          <p:cNvSpPr txBox="1"/>
+          <p:cNvSpPr txBox="1">
+            <a:spLocks noGrp="1"/>
+          </p:cNvSpPr>
           <p:nvPr>
-            <p:ph idx="1" type="body"/>
+            <p:ph type="body" idx="1"/>
           </p:nvPr>
         </p:nvSpPr>
         <p:spPr>
@@ -5274,11 +5569,11 @@
           </a:prstGeom>
         </p:spPr>
         <p:txBody>
-          <a:bodyPr anchorCtr="0" anchor="t" bIns="91425" lIns="91425" spcFirstLastPara="1" rIns="91425" wrap="square" tIns="91425">
+          <a:bodyPr spcFirstLastPara="1" wrap="square" lIns="91425" tIns="91425" rIns="91425" bIns="91425" anchor="t" anchorCtr="0">
             <a:noAutofit/>
           </a:bodyPr>
           <a:lstStyle>
-            <a:lvl1pPr indent="-304800" lvl="0" marL="457200">
+            <a:lvl1pPr marL="457200" lvl="0" indent="-304800">
               <a:spcBef>
                 <a:spcPts val="0"/>
               </a:spcBef>
@@ -5289,7 +5584,7 @@
               <a:buChar char="●"/>
               <a:defRPr sz="1200"/>
             </a:lvl1pPr>
-            <a:lvl2pPr indent="-304800" lvl="1" marL="914400">
+            <a:lvl2pPr marL="914400" lvl="1" indent="-304800">
               <a:spcBef>
                 <a:spcPts val="1600"/>
               </a:spcBef>
@@ -5300,7 +5595,7 @@
               <a:buChar char="○"/>
               <a:defRPr sz="1200"/>
             </a:lvl2pPr>
-            <a:lvl3pPr indent="-304800" lvl="2" marL="1371600">
+            <a:lvl3pPr marL="1371600" lvl="2" indent="-304800">
               <a:spcBef>
                 <a:spcPts val="1600"/>
               </a:spcBef>
@@ -5311,7 +5606,7 @@
               <a:buChar char="■"/>
               <a:defRPr sz="1200"/>
             </a:lvl3pPr>
-            <a:lvl4pPr indent="-304800" lvl="3" marL="1828800">
+            <a:lvl4pPr marL="1828800" lvl="3" indent="-304800">
               <a:spcBef>
                 <a:spcPts val="1600"/>
               </a:spcBef>
@@ -5322,7 +5617,7 @@
               <a:buChar char="●"/>
               <a:defRPr sz="1200"/>
             </a:lvl4pPr>
-            <a:lvl5pPr indent="-304800" lvl="4" marL="2286000">
+            <a:lvl5pPr marL="2286000" lvl="4" indent="-304800">
               <a:spcBef>
                 <a:spcPts val="1600"/>
               </a:spcBef>
@@ -5333,7 +5628,7 @@
               <a:buChar char="○"/>
               <a:defRPr sz="1200"/>
             </a:lvl5pPr>
-            <a:lvl6pPr indent="-304800" lvl="5" marL="2743200">
+            <a:lvl6pPr marL="2743200" lvl="5" indent="-304800">
               <a:spcBef>
                 <a:spcPts val="1600"/>
               </a:spcBef>
@@ -5344,7 +5639,7 @@
               <a:buChar char="■"/>
               <a:defRPr sz="1200"/>
             </a:lvl6pPr>
-            <a:lvl7pPr indent="-304800" lvl="6" marL="3200400">
+            <a:lvl7pPr marL="3200400" lvl="6" indent="-304800">
               <a:spcBef>
                 <a:spcPts val="1600"/>
               </a:spcBef>
@@ -5355,7 +5650,7 @@
               <a:buChar char="●"/>
               <a:defRPr sz="1200"/>
             </a:lvl7pPr>
-            <a:lvl8pPr indent="-304800" lvl="7" marL="3657600">
+            <a:lvl8pPr marL="3657600" lvl="7" indent="-304800">
               <a:spcBef>
                 <a:spcPts val="1600"/>
               </a:spcBef>
@@ -5366,7 +5661,7 @@
               <a:buChar char="○"/>
               <a:defRPr sz="1200"/>
             </a:lvl8pPr>
-            <a:lvl9pPr indent="-304800" lvl="8" marL="4114800">
+            <a:lvl9pPr marL="4114800" lvl="8" indent="-304800">
               <a:spcBef>
                 <a:spcPts val="1600"/>
               </a:spcBef>
@@ -5378,15 +5673,19 @@
               <a:defRPr sz="1200"/>
             </a:lvl9pPr>
           </a:lstStyle>
-          <a:p/>
+          <a:p>
+            <a:endParaRPr/>
+          </a:p>
         </p:txBody>
       </p:sp>
       <p:sp>
         <p:nvSpPr>
           <p:cNvPr id="31" name="Google Shape;31;p7"/>
-          <p:cNvSpPr txBox="1"/>
+          <p:cNvSpPr txBox="1">
+            <a:spLocks noGrp="1"/>
+          </p:cNvSpPr>
           <p:nvPr>
-            <p:ph idx="12" type="sldNum"/>
+            <p:ph type="sldNum" idx="12"/>
           </p:nvPr>
         </p:nvSpPr>
         <p:spPr>
@@ -5399,7 +5698,7 @@
           </a:prstGeom>
         </p:spPr>
         <p:txBody>
-          <a:bodyPr anchorCtr="0" anchor="ctr" bIns="91425" lIns="91425" spcFirstLastPara="1" rIns="91425" wrap="square" tIns="91425">
+          <a:bodyPr spcFirstLastPara="1" wrap="square" lIns="91425" tIns="91425" rIns="91425" bIns="91425" anchor="ctr" anchorCtr="0">
             <a:noAutofit/>
           </a:bodyPr>
           <a:lstStyle>
@@ -5441,7 +5740,7 @@
             </a:lvl9pPr>
           </a:lstStyle>
           <a:p>
-            <a:pPr indent="0" lvl="0" marL="0" rtl="0" algn="r">
+            <a:pPr marL="0" lvl="0" indent="0" algn="r" rtl="0">
               <a:spcBef>
                 <a:spcPts val="0"/>
               </a:spcBef>
@@ -5467,11 +5766,11 @@
 </file>
 
 <file path=ppt/slideLayouts/slideLayout7.xml><?xml version="1.0" encoding="utf-8"?>
-<p:sldLayout xmlns:a="http://schemas.openxmlformats.org/drawingml/2006/main" xmlns:r="http://schemas.openxmlformats.org/officeDocument/2006/relationships" xmlns:mc="http://schemas.openxmlformats.org/markup-compatibility/2006" xmlns:mv="urn:schemas-microsoft-com:mac:vml" xmlns:p="http://schemas.openxmlformats.org/presentationml/2006/main" xmlns:c="http://schemas.openxmlformats.org/drawingml/2006/chart" xmlns:dgm="http://schemas.openxmlformats.org/drawingml/2006/diagram" xmlns:o="urn:schemas-microsoft-com:office:office" xmlns:v="urn:schemas-microsoft-com:vml" xmlns:pvml="urn:schemas-microsoft-com:office:powerpoint" xmlns:com="http://schemas.openxmlformats.org/drawingml/2006/compatibility" xmlns:p14="http://schemas.microsoft.com/office/powerpoint/2010/main" xmlns:p15="http://schemas.microsoft.com/office/powerpoint/2012/main" matchingName="Main point">
+<p:sldLayout xmlns:a="http://schemas.openxmlformats.org/drawingml/2006/main" xmlns:r="http://schemas.openxmlformats.org/officeDocument/2006/relationships" xmlns:p="http://schemas.openxmlformats.org/presentationml/2006/main" matchingName="Main point">
   <p:cSld name="MAIN_POINT">
     <p:spTree>
       <p:nvGrpSpPr>
-        <p:cNvPr id="32" name="Shape 32"/>
+        <p:cNvPr id="1" name="Shape 32"/>
         <p:cNvGrpSpPr/>
         <p:nvPr/>
       </p:nvGrpSpPr>
@@ -5486,7 +5785,9 @@
       <p:sp>
         <p:nvSpPr>
           <p:cNvPr id="33" name="Google Shape;33;p8"/>
-          <p:cNvSpPr txBox="1"/>
+          <p:cNvSpPr txBox="1">
+            <a:spLocks noGrp="1"/>
+          </p:cNvSpPr>
           <p:nvPr>
             <p:ph type="title"/>
           </p:nvPr>
@@ -5501,7 +5802,7 @@
           </a:prstGeom>
         </p:spPr>
         <p:txBody>
-          <a:bodyPr anchorCtr="0" anchor="ctr" bIns="91425" lIns="91425" spcFirstLastPara="1" rIns="91425" wrap="square" tIns="91425">
+          <a:bodyPr spcFirstLastPara="1" wrap="square" lIns="91425" tIns="91425" rIns="91425" bIns="91425" anchor="ctr" anchorCtr="0">
             <a:noAutofit/>
           </a:bodyPr>
           <a:lstStyle>
@@ -5605,15 +5906,19 @@
               <a:defRPr sz="4800"/>
             </a:lvl9pPr>
           </a:lstStyle>
-          <a:p/>
+          <a:p>
+            <a:endParaRPr/>
+          </a:p>
         </p:txBody>
       </p:sp>
       <p:sp>
         <p:nvSpPr>
           <p:cNvPr id="34" name="Google Shape;34;p8"/>
-          <p:cNvSpPr txBox="1"/>
+          <p:cNvSpPr txBox="1">
+            <a:spLocks noGrp="1"/>
+          </p:cNvSpPr>
           <p:nvPr>
-            <p:ph idx="12" type="sldNum"/>
+            <p:ph type="sldNum" idx="12"/>
           </p:nvPr>
         </p:nvSpPr>
         <p:spPr>
@@ -5626,7 +5931,7 @@
           </a:prstGeom>
         </p:spPr>
         <p:txBody>
-          <a:bodyPr anchorCtr="0" anchor="ctr" bIns="91425" lIns="91425" spcFirstLastPara="1" rIns="91425" wrap="square" tIns="91425">
+          <a:bodyPr spcFirstLastPara="1" wrap="square" lIns="91425" tIns="91425" rIns="91425" bIns="91425" anchor="ctr" anchorCtr="0">
             <a:noAutofit/>
           </a:bodyPr>
           <a:lstStyle>
@@ -5668,7 +5973,7 @@
             </a:lvl9pPr>
           </a:lstStyle>
           <a:p>
-            <a:pPr indent="0" lvl="0" marL="0" rtl="0" algn="r">
+            <a:pPr marL="0" lvl="0" indent="0" algn="r" rtl="0">
               <a:spcBef>
                 <a:spcPts val="0"/>
               </a:spcBef>
@@ -5694,11 +5999,11 @@
 </file>
 
 <file path=ppt/slideLayouts/slideLayout8.xml><?xml version="1.0" encoding="utf-8"?>
-<p:sldLayout xmlns:a="http://schemas.openxmlformats.org/drawingml/2006/main" xmlns:r="http://schemas.openxmlformats.org/officeDocument/2006/relationships" xmlns:mc="http://schemas.openxmlformats.org/markup-compatibility/2006" xmlns:mv="urn:schemas-microsoft-com:mac:vml" xmlns:p="http://schemas.openxmlformats.org/presentationml/2006/main" xmlns:c="http://schemas.openxmlformats.org/drawingml/2006/chart" xmlns:dgm="http://schemas.openxmlformats.org/drawingml/2006/diagram" xmlns:o="urn:schemas-microsoft-com:office:office" xmlns:v="urn:schemas-microsoft-com:vml" xmlns:pvml="urn:schemas-microsoft-com:office:powerpoint" xmlns:com="http://schemas.openxmlformats.org/drawingml/2006/compatibility" xmlns:p14="http://schemas.microsoft.com/office/powerpoint/2010/main" xmlns:p15="http://schemas.microsoft.com/office/powerpoint/2012/main" matchingName="Section title and description">
+<p:sldLayout xmlns:a="http://schemas.openxmlformats.org/drawingml/2006/main" xmlns:r="http://schemas.openxmlformats.org/officeDocument/2006/relationships" xmlns:p="http://schemas.openxmlformats.org/presentationml/2006/main" matchingName="Section title and description">
   <p:cSld name="SECTION_TITLE_AND_DESCRIPTION">
     <p:spTree>
       <p:nvGrpSpPr>
-        <p:cNvPr id="35" name="Shape 35"/>
+        <p:cNvPr id="1" name="Shape 35"/>
         <p:cNvGrpSpPr/>
         <p:nvPr/>
       </p:nvGrpSpPr>
@@ -5732,23 +6037,20 @@
           </a:ln>
         </p:spPr>
         <p:txBody>
-          <a:bodyPr anchorCtr="0" anchor="ctr" bIns="91425" lIns="91425" spcFirstLastPara="1" rIns="91425" wrap="square" tIns="91425">
+          <a:bodyPr spcFirstLastPara="1" wrap="square" lIns="91425" tIns="91425" rIns="91425" bIns="91425" anchor="ctr" anchorCtr="0">
             <a:noAutofit/>
           </a:bodyPr>
           <a:lstStyle/>
           <a:p>
-            <a:pPr indent="0" lvl="0" marL="0" rtl="0" algn="l">
-              <a:spcBef>
-                <a:spcPts val="0"/>
-              </a:spcBef>
-              <a:spcAft>
-                <a:spcPts val="0"/>
-              </a:spcAft>
-              <a:buNone/>
-            </a:pPr>
-            <a:r>
-              <a:t/>
-            </a:r>
+            <a:pPr marL="0" lvl="0" indent="0" algn="l" rtl="0">
+              <a:spcBef>
+                <a:spcPts val="0"/>
+              </a:spcBef>
+              <a:spcAft>
+                <a:spcPts val="0"/>
+              </a:spcAft>
+              <a:buNone/>
+            </a:pPr>
             <a:endParaRPr/>
           </a:p>
         </p:txBody>
@@ -5756,7 +6058,9 @@
       <p:sp>
         <p:nvSpPr>
           <p:cNvPr id="37" name="Google Shape;37;p9"/>
-          <p:cNvSpPr txBox="1"/>
+          <p:cNvSpPr txBox="1">
+            <a:spLocks noGrp="1"/>
+          </p:cNvSpPr>
           <p:nvPr>
             <p:ph type="title"/>
           </p:nvPr>
@@ -5771,7 +6075,7 @@
           </a:prstGeom>
         </p:spPr>
         <p:txBody>
-          <a:bodyPr anchorCtr="0" anchor="b" bIns="91425" lIns="91425" spcFirstLastPara="1" rIns="91425" wrap="square" tIns="91425">
+          <a:bodyPr spcFirstLastPara="1" wrap="square" lIns="91425" tIns="91425" rIns="91425" bIns="91425" anchor="b" anchorCtr="0">
             <a:noAutofit/>
           </a:bodyPr>
           <a:lstStyle>
@@ -5875,15 +6179,19 @@
               <a:defRPr sz="4200"/>
             </a:lvl9pPr>
           </a:lstStyle>
-          <a:p/>
+          <a:p>
+            <a:endParaRPr/>
+          </a:p>
         </p:txBody>
       </p:sp>
       <p:sp>
         <p:nvSpPr>
           <p:cNvPr id="38" name="Google Shape;38;p9"/>
-          <p:cNvSpPr txBox="1"/>
+          <p:cNvSpPr txBox="1">
+            <a:spLocks noGrp="1"/>
+          </p:cNvSpPr>
           <p:nvPr>
-            <p:ph idx="1" type="subTitle"/>
+            <p:ph type="subTitle" idx="1"/>
           </p:nvPr>
         </p:nvSpPr>
         <p:spPr>
@@ -5896,7 +6204,7 @@
           </a:prstGeom>
         </p:spPr>
         <p:txBody>
-          <a:bodyPr anchorCtr="0" anchor="t" bIns="91425" lIns="91425" spcFirstLastPara="1" rIns="91425" wrap="square" tIns="91425">
+          <a:bodyPr spcFirstLastPara="1" wrap="square" lIns="91425" tIns="91425" rIns="91425" bIns="91425" anchor="t" anchorCtr="0">
             <a:noAutofit/>
           </a:bodyPr>
           <a:lstStyle>
@@ -6027,15 +6335,19 @@
               <a:defRPr sz="2100"/>
             </a:lvl9pPr>
           </a:lstStyle>
-          <a:p/>
+          <a:p>
+            <a:endParaRPr/>
+          </a:p>
         </p:txBody>
       </p:sp>
       <p:sp>
         <p:nvSpPr>
           <p:cNvPr id="39" name="Google Shape;39;p9"/>
-          <p:cNvSpPr txBox="1"/>
+          <p:cNvSpPr txBox="1">
+            <a:spLocks noGrp="1"/>
+          </p:cNvSpPr>
           <p:nvPr>
-            <p:ph idx="2" type="body"/>
+            <p:ph type="body" idx="2"/>
           </p:nvPr>
         </p:nvSpPr>
         <p:spPr>
@@ -6048,11 +6360,11 @@
           </a:prstGeom>
         </p:spPr>
         <p:txBody>
-          <a:bodyPr anchorCtr="0" anchor="ctr" bIns="91425" lIns="91425" spcFirstLastPara="1" rIns="91425" wrap="square" tIns="91425">
+          <a:bodyPr spcFirstLastPara="1" wrap="square" lIns="91425" tIns="91425" rIns="91425" bIns="91425" anchor="ctr" anchorCtr="0">
             <a:noAutofit/>
           </a:bodyPr>
           <a:lstStyle>
-            <a:lvl1pPr indent="-342900" lvl="0" marL="457200">
+            <a:lvl1pPr marL="457200" lvl="0" indent="-342900">
               <a:spcBef>
                 <a:spcPts val="0"/>
               </a:spcBef>
@@ -6063,7 +6375,7 @@
               <a:buChar char="●"/>
               <a:defRPr/>
             </a:lvl1pPr>
-            <a:lvl2pPr indent="-317500" lvl="1" marL="914400">
+            <a:lvl2pPr marL="914400" lvl="1" indent="-317500">
               <a:spcBef>
                 <a:spcPts val="1600"/>
               </a:spcBef>
@@ -6074,7 +6386,7 @@
               <a:buChar char="○"/>
               <a:defRPr/>
             </a:lvl2pPr>
-            <a:lvl3pPr indent="-317500" lvl="2" marL="1371600">
+            <a:lvl3pPr marL="1371600" lvl="2" indent="-317500">
               <a:spcBef>
                 <a:spcPts val="1600"/>
               </a:spcBef>
@@ -6085,7 +6397,7 @@
               <a:buChar char="■"/>
               <a:defRPr/>
             </a:lvl3pPr>
-            <a:lvl4pPr indent="-317500" lvl="3" marL="1828800">
+            <a:lvl4pPr marL="1828800" lvl="3" indent="-317500">
               <a:spcBef>
                 <a:spcPts val="1600"/>
               </a:spcBef>
@@ -6096,7 +6408,7 @@
               <a:buChar char="●"/>
               <a:defRPr/>
             </a:lvl4pPr>
-            <a:lvl5pPr indent="-317500" lvl="4" marL="2286000">
+            <a:lvl5pPr marL="2286000" lvl="4" indent="-317500">
               <a:spcBef>
                 <a:spcPts val="1600"/>
               </a:spcBef>
@@ -6107,7 +6419,7 @@
               <a:buChar char="○"/>
               <a:defRPr/>
             </a:lvl5pPr>
-            <a:lvl6pPr indent="-317500" lvl="5" marL="2743200">
+            <a:lvl6pPr marL="2743200" lvl="5" indent="-317500">
               <a:spcBef>
                 <a:spcPts val="1600"/>
               </a:spcBef>
@@ -6118,7 +6430,7 @@
               <a:buChar char="■"/>
               <a:defRPr/>
             </a:lvl6pPr>
-            <a:lvl7pPr indent="-317500" lvl="6" marL="3200400">
+            <a:lvl7pPr marL="3200400" lvl="6" indent="-317500">
               <a:spcBef>
                 <a:spcPts val="1600"/>
               </a:spcBef>
@@ -6129,7 +6441,7 @@
               <a:buChar char="●"/>
               <a:defRPr/>
             </a:lvl7pPr>
-            <a:lvl8pPr indent="-317500" lvl="7" marL="3657600">
+            <a:lvl8pPr marL="3657600" lvl="7" indent="-317500">
               <a:spcBef>
                 <a:spcPts val="1600"/>
               </a:spcBef>
@@ -6140,7 +6452,7 @@
               <a:buChar char="○"/>
               <a:defRPr/>
             </a:lvl8pPr>
-            <a:lvl9pPr indent="-317500" lvl="8" marL="4114800">
+            <a:lvl9pPr marL="4114800" lvl="8" indent="-317500">
               <a:spcBef>
                 <a:spcPts val="1600"/>
               </a:spcBef>
@@ -6152,15 +6464,19 @@
               <a:defRPr/>
             </a:lvl9pPr>
           </a:lstStyle>
-          <a:p/>
+          <a:p>
+            <a:endParaRPr/>
+          </a:p>
         </p:txBody>
       </p:sp>
       <p:sp>
         <p:nvSpPr>
           <p:cNvPr id="40" name="Google Shape;40;p9"/>
-          <p:cNvSpPr txBox="1"/>
+          <p:cNvSpPr txBox="1">
+            <a:spLocks noGrp="1"/>
+          </p:cNvSpPr>
           <p:nvPr>
-            <p:ph idx="12" type="sldNum"/>
+            <p:ph type="sldNum" idx="12"/>
           </p:nvPr>
         </p:nvSpPr>
         <p:spPr>
@@ -6173,7 +6489,7 @@
           </a:prstGeom>
         </p:spPr>
         <p:txBody>
-          <a:bodyPr anchorCtr="0" anchor="ctr" bIns="91425" lIns="91425" spcFirstLastPara="1" rIns="91425" wrap="square" tIns="91425">
+          <a:bodyPr spcFirstLastPara="1" wrap="square" lIns="91425" tIns="91425" rIns="91425" bIns="91425" anchor="ctr" anchorCtr="0">
             <a:noAutofit/>
           </a:bodyPr>
           <a:lstStyle>
@@ -6215,7 +6531,7 @@
             </a:lvl9pPr>
           </a:lstStyle>
           <a:p>
-            <a:pPr indent="0" lvl="0" marL="0" rtl="0" algn="r">
+            <a:pPr marL="0" lvl="0" indent="0" algn="r" rtl="0">
               <a:spcBef>
                 <a:spcPts val="0"/>
               </a:spcBef>
@@ -6241,11 +6557,11 @@
 </file>
 
 <file path=ppt/slideLayouts/slideLayout9.xml><?xml version="1.0" encoding="utf-8"?>
-<p:sldLayout xmlns:a="http://schemas.openxmlformats.org/drawingml/2006/main" xmlns:r="http://schemas.openxmlformats.org/officeDocument/2006/relationships" xmlns:mc="http://schemas.openxmlformats.org/markup-compatibility/2006" xmlns:mv="urn:schemas-microsoft-com:mac:vml" xmlns:p="http://schemas.openxmlformats.org/presentationml/2006/main" xmlns:c="http://schemas.openxmlformats.org/drawingml/2006/chart" xmlns:dgm="http://schemas.openxmlformats.org/drawingml/2006/diagram" xmlns:o="urn:schemas-microsoft-com:office:office" xmlns:v="urn:schemas-microsoft-com:vml" xmlns:pvml="urn:schemas-microsoft-com:office:powerpoint" xmlns:com="http://schemas.openxmlformats.org/drawingml/2006/compatibility" xmlns:p14="http://schemas.microsoft.com/office/powerpoint/2010/main" xmlns:p15="http://schemas.microsoft.com/office/powerpoint/2012/main" matchingName="Caption">
+<p:sldLayout xmlns:a="http://schemas.openxmlformats.org/drawingml/2006/main" xmlns:r="http://schemas.openxmlformats.org/officeDocument/2006/relationships" xmlns:p="http://schemas.openxmlformats.org/presentationml/2006/main" matchingName="Caption">
   <p:cSld name="CAPTION_ONLY">
     <p:spTree>
       <p:nvGrpSpPr>
-        <p:cNvPr id="41" name="Shape 41"/>
+        <p:cNvPr id="1" name="Shape 41"/>
         <p:cNvGrpSpPr/>
         <p:nvPr/>
       </p:nvGrpSpPr>
@@ -6260,9 +6576,11 @@
       <p:sp>
         <p:nvSpPr>
           <p:cNvPr id="42" name="Google Shape;42;p10"/>
-          <p:cNvSpPr txBox="1"/>
+          <p:cNvSpPr txBox="1">
+            <a:spLocks noGrp="1"/>
+          </p:cNvSpPr>
           <p:nvPr>
-            <p:ph idx="1" type="body"/>
+            <p:ph type="body" idx="1"/>
           </p:nvPr>
         </p:nvSpPr>
         <p:spPr>
@@ -6275,11 +6593,11 @@
           </a:prstGeom>
         </p:spPr>
         <p:txBody>
-          <a:bodyPr anchorCtr="0" anchor="ctr" bIns="91425" lIns="91425" spcFirstLastPara="1" rIns="91425" wrap="square" tIns="91425">
+          <a:bodyPr spcFirstLastPara="1" wrap="square" lIns="91425" tIns="91425" rIns="91425" bIns="91425" anchor="ctr" anchorCtr="0">
             <a:noAutofit/>
           </a:bodyPr>
           <a:lstStyle>
-            <a:lvl1pPr indent="-228600" lvl="0" marL="457200">
+            <a:lvl1pPr marL="457200" lvl="0" indent="-228600">
               <a:lnSpc>
                 <a:spcPct val="100000"/>
               </a:lnSpc>
@@ -6294,15 +6612,19 @@
               <a:defRPr/>
             </a:lvl1pPr>
           </a:lstStyle>
-          <a:p/>
+          <a:p>
+            <a:endParaRPr/>
+          </a:p>
         </p:txBody>
       </p:sp>
       <p:sp>
         <p:nvSpPr>
           <p:cNvPr id="43" name="Google Shape;43;p10"/>
-          <p:cNvSpPr txBox="1"/>
+          <p:cNvSpPr txBox="1">
+            <a:spLocks noGrp="1"/>
+          </p:cNvSpPr>
           <p:nvPr>
-            <p:ph idx="12" type="sldNum"/>
+            <p:ph type="sldNum" idx="12"/>
           </p:nvPr>
         </p:nvSpPr>
         <p:spPr>
@@ -6315,7 +6637,7 @@
           </a:prstGeom>
         </p:spPr>
         <p:txBody>
-          <a:bodyPr anchorCtr="0" anchor="ctr" bIns="91425" lIns="91425" spcFirstLastPara="1" rIns="91425" wrap="square" tIns="91425">
+          <a:bodyPr spcFirstLastPara="1" wrap="square" lIns="91425" tIns="91425" rIns="91425" bIns="91425" anchor="ctr" anchorCtr="0">
             <a:noAutofit/>
           </a:bodyPr>
           <a:lstStyle>
@@ -6357,7 +6679,7 @@
             </a:lvl9pPr>
           </a:lstStyle>
           <a:p>
-            <a:pPr indent="0" lvl="0" marL="0" rtl="0" algn="r">
+            <a:pPr marL="0" lvl="0" indent="0" algn="r" rtl="0">
               <a:spcBef>
                 <a:spcPts val="0"/>
               </a:spcBef>
@@ -6383,18 +6705,19 @@
 </file>
 
 <file path=ppt/slideMasters/slideMaster1.xml><?xml version="1.0" encoding="utf-8"?>
-<p:sldMaster xmlns:a="http://schemas.openxmlformats.org/drawingml/2006/main" xmlns:r="http://schemas.openxmlformats.org/officeDocument/2006/relationships" xmlns:mc="http://schemas.openxmlformats.org/markup-compatibility/2006" xmlns:mv="urn:schemas-microsoft-com:mac:vml" xmlns:p="http://schemas.openxmlformats.org/presentationml/2006/main" xmlns:c="http://schemas.openxmlformats.org/drawingml/2006/chart" xmlns:dgm="http://schemas.openxmlformats.org/drawingml/2006/diagram" xmlns:o="urn:schemas-microsoft-com:office:office" xmlns:v="urn:schemas-microsoft-com:vml" xmlns:pvml="urn:schemas-microsoft-com:office:powerpoint" xmlns:com="http://schemas.openxmlformats.org/drawingml/2006/compatibility" xmlns:p14="http://schemas.microsoft.com/office/powerpoint/2010/main" xmlns:p15="http://schemas.microsoft.com/office/powerpoint/2012/main">
+<p:sldMaster xmlns:a="http://schemas.openxmlformats.org/drawingml/2006/main" xmlns:r="http://schemas.openxmlformats.org/officeDocument/2006/relationships" xmlns:p="http://schemas.openxmlformats.org/presentationml/2006/main">
   <p:cSld name="simple-light-2">
     <p:bg>
       <p:bgPr>
         <a:solidFill>
           <a:schemeClr val="lt1"/>
         </a:solidFill>
+        <a:effectLst/>
       </p:bgPr>
     </p:bg>
     <p:spTree>
       <p:nvGrpSpPr>
-        <p:cNvPr id="5" name="Shape 5"/>
+        <p:cNvPr id="1" name="Shape 5"/>
         <p:cNvGrpSpPr/>
         <p:nvPr/>
       </p:nvGrpSpPr>
@@ -6409,7 +6732,9 @@
       <p:sp>
         <p:nvSpPr>
           <p:cNvPr id="6" name="Google Shape;6;p1"/>
-          <p:cNvSpPr txBox="1"/>
+          <p:cNvSpPr txBox="1">
+            <a:spLocks noGrp="1"/>
+          </p:cNvSpPr>
           <p:nvPr>
             <p:ph type="title"/>
           </p:nvPr>
@@ -6428,7 +6753,7 @@
           </a:ln>
         </p:spPr>
         <p:txBody>
-          <a:bodyPr anchorCtr="0" anchor="t" bIns="91425" lIns="91425" spcFirstLastPara="1" rIns="91425" wrap="square" tIns="91425">
+          <a:bodyPr spcFirstLastPara="1" wrap="square" lIns="91425" tIns="91425" rIns="91425" bIns="91425" anchor="t" anchorCtr="0">
             <a:noAutofit/>
           </a:bodyPr>
           <a:lstStyle>
@@ -6595,15 +6920,19 @@
               </a:defRPr>
             </a:lvl9pPr>
           </a:lstStyle>
-          <a:p/>
+          <a:p>
+            <a:endParaRPr/>
+          </a:p>
         </p:txBody>
       </p:sp>
       <p:sp>
         <p:nvSpPr>
           <p:cNvPr id="7" name="Google Shape;7;p1"/>
-          <p:cNvSpPr txBox="1"/>
+          <p:cNvSpPr txBox="1">
+            <a:spLocks noGrp="1"/>
+          </p:cNvSpPr>
           <p:nvPr>
-            <p:ph idx="1" type="body"/>
+            <p:ph type="body" idx="1"/>
           </p:nvPr>
         </p:nvSpPr>
         <p:spPr>
@@ -6620,11 +6949,11 @@
           </a:ln>
         </p:spPr>
         <p:txBody>
-          <a:bodyPr anchorCtr="0" anchor="t" bIns="91425" lIns="91425" spcFirstLastPara="1" rIns="91425" wrap="square" tIns="91425">
+          <a:bodyPr spcFirstLastPara="1" wrap="square" lIns="91425" tIns="91425" rIns="91425" bIns="91425" anchor="t" anchorCtr="0">
             <a:noAutofit/>
           </a:bodyPr>
           <a:lstStyle>
-            <a:lvl1pPr indent="-342900" lvl="0" marL="457200">
+            <a:lvl1pPr marL="457200" lvl="0" indent="-342900">
               <a:lnSpc>
                 <a:spcPct val="115000"/>
               </a:lnSpc>
@@ -6645,7 +6974,7 @@
                 </a:solidFill>
               </a:defRPr>
             </a:lvl1pPr>
-            <a:lvl2pPr indent="-317500" lvl="1" marL="914400">
+            <a:lvl2pPr marL="914400" lvl="1" indent="-317500">
               <a:lnSpc>
                 <a:spcPct val="115000"/>
               </a:lnSpc>
@@ -6666,7 +6995,7 @@
                 </a:solidFill>
               </a:defRPr>
             </a:lvl2pPr>
-            <a:lvl3pPr indent="-317500" lvl="2" marL="1371600">
+            <a:lvl3pPr marL="1371600" lvl="2" indent="-317500">
               <a:lnSpc>
                 <a:spcPct val="115000"/>
               </a:lnSpc>
@@ -6687,7 +7016,7 @@
                 </a:solidFill>
               </a:defRPr>
             </a:lvl3pPr>
-            <a:lvl4pPr indent="-317500" lvl="3" marL="1828800">
+            <a:lvl4pPr marL="1828800" lvl="3" indent="-317500">
               <a:lnSpc>
                 <a:spcPct val="115000"/>
               </a:lnSpc>
@@ -6708,7 +7037,7 @@
                 </a:solidFill>
               </a:defRPr>
             </a:lvl4pPr>
-            <a:lvl5pPr indent="-317500" lvl="4" marL="2286000">
+            <a:lvl5pPr marL="2286000" lvl="4" indent="-317500">
               <a:lnSpc>
                 <a:spcPct val="115000"/>
               </a:lnSpc>
@@ -6729,7 +7058,7 @@
                 </a:solidFill>
               </a:defRPr>
             </a:lvl5pPr>
-            <a:lvl6pPr indent="-317500" lvl="5" marL="2743200">
+            <a:lvl6pPr marL="2743200" lvl="5" indent="-317500">
               <a:lnSpc>
                 <a:spcPct val="115000"/>
               </a:lnSpc>
@@ -6750,7 +7079,7 @@
                 </a:solidFill>
               </a:defRPr>
             </a:lvl6pPr>
-            <a:lvl7pPr indent="-317500" lvl="6" marL="3200400">
+            <a:lvl7pPr marL="3200400" lvl="6" indent="-317500">
               <a:lnSpc>
                 <a:spcPct val="115000"/>
               </a:lnSpc>
@@ -6771,7 +7100,7 @@
                 </a:solidFill>
               </a:defRPr>
             </a:lvl7pPr>
-            <a:lvl8pPr indent="-317500" lvl="7" marL="3657600">
+            <a:lvl8pPr marL="3657600" lvl="7" indent="-317500">
               <a:lnSpc>
                 <a:spcPct val="115000"/>
               </a:lnSpc>
@@ -6792,7 +7121,7 @@
                 </a:solidFill>
               </a:defRPr>
             </a:lvl8pPr>
-            <a:lvl9pPr indent="-317500" lvl="8" marL="4114800">
+            <a:lvl9pPr marL="4114800" lvl="8" indent="-317500">
               <a:lnSpc>
                 <a:spcPct val="115000"/>
               </a:lnSpc>
@@ -6814,15 +7143,19 @@
               </a:defRPr>
             </a:lvl9pPr>
           </a:lstStyle>
-          <a:p/>
+          <a:p>
+            <a:endParaRPr/>
+          </a:p>
         </p:txBody>
       </p:sp>
       <p:sp>
         <p:nvSpPr>
           <p:cNvPr id="8" name="Google Shape;8;p1"/>
-          <p:cNvSpPr txBox="1"/>
+          <p:cNvSpPr txBox="1">
+            <a:spLocks noGrp="1"/>
+          </p:cNvSpPr>
           <p:nvPr>
-            <p:ph idx="12" type="sldNum"/>
+            <p:ph type="sldNum" idx="12"/>
           </p:nvPr>
         </p:nvSpPr>
         <p:spPr>
@@ -6839,7 +7172,7 @@
           </a:ln>
         </p:spPr>
         <p:txBody>
-          <a:bodyPr anchorCtr="0" anchor="ctr" bIns="91425" lIns="91425" spcFirstLastPara="1" rIns="91425" wrap="square" tIns="91425">
+          <a:bodyPr spcFirstLastPara="1" wrap="square" lIns="91425" tIns="91425" rIns="91425" bIns="91425" anchor="ctr" anchorCtr="0">
             <a:noAutofit/>
           </a:bodyPr>
           <a:lstStyle>
@@ -6917,7 +7250,7 @@
             </a:lvl9pPr>
           </a:lstStyle>
           <a:p>
-            <a:pPr indent="0" lvl="0" marL="0" rtl="0" algn="r">
+            <a:pPr marL="0" lvl="0" indent="0" algn="r" rtl="0">
               <a:spcBef>
                 <a:spcPts val="0"/>
               </a:spcBef>
@@ -6936,7 +7269,7 @@
       </p:sp>
     </p:spTree>
   </p:cSld>
-  <p:clrMap accent1="accent1" accent2="accent2" accent3="accent3" accent4="accent4" accent5="accent5" accent6="accent6" bg1="lt1" bg2="dk2" tx1="dk1" tx2="lt2" folHlink="folHlink" hlink="hlink"/>
+  <p:clrMap bg1="lt1" tx1="dk1" bg2="dk2" tx2="lt2" accent1="accent1" accent2="accent2" accent3="accent3" accent4="accent4" accent5="accent5" accent6="accent6" hlink="hlink" folHlink="folHlink"/>
   <p:sldLayoutIdLst>
     <p:sldLayoutId id="2147483648" r:id="rId1"/>
     <p:sldLayoutId id="2147483649" r:id="rId2"/>
@@ -6950,10 +7283,10 @@
     <p:sldLayoutId id="2147483657" r:id="rId10"/>
     <p:sldLayoutId id="2147483658" r:id="rId11"/>
   </p:sldLayoutIdLst>
-  <p:hf dt="0" ftr="0" hdr="0" sldNum="0"/>
+  <p:hf sldNum="0" hdr="0" ftr="0" dt="0"/>
   <p:txStyles>
     <p:titleStyle>
-      <a:defPPr lvl="0" marR="0" rtl="0" algn="l">
+      <a:defPPr marR="0" lvl="0" algn="l" rtl="0">
         <a:lnSpc>
           <a:spcPct val="100000"/>
         </a:lnSpc>
@@ -6964,7 +7297,7 @@
           <a:spcPts val="0"/>
         </a:spcAft>
       </a:defPPr>
-      <a:lvl1pPr lvl="0" marR="0" rtl="0" algn="l">
+      <a:lvl1pPr marR="0" lvl="0" algn="l" rtl="0">
         <a:lnSpc>
           <a:spcPct val="100000"/>
         </a:lnSpc>
@@ -6978,7 +7311,7 @@
           <a:srgbClr val="000000"/>
         </a:buClr>
         <a:buFont typeface="Arial"/>
-        <a:defRPr b="0" i="0" sz="1400" u="none" cap="none" strike="noStrike">
+        <a:defRPr sz="1400" b="0" i="0" u="none" strike="noStrike" cap="none">
           <a:solidFill>
             <a:srgbClr val="000000"/>
           </a:solidFill>
@@ -6988,7 +7321,7 @@
           <a:sym typeface="Arial"/>
         </a:defRPr>
       </a:lvl1pPr>
-      <a:lvl2pPr lvl="1" marR="0" rtl="0" algn="l">
+      <a:lvl2pPr marR="0" lvl="1" algn="l" rtl="0">
         <a:lnSpc>
           <a:spcPct val="100000"/>
         </a:lnSpc>
@@ -7002,7 +7335,7 @@
           <a:srgbClr val="000000"/>
         </a:buClr>
         <a:buFont typeface="Arial"/>
-        <a:defRPr b="0" i="0" sz="1400" u="none" cap="none" strike="noStrike">
+        <a:defRPr sz="1400" b="0" i="0" u="none" strike="noStrike" cap="none">
           <a:solidFill>
             <a:srgbClr val="000000"/>
           </a:solidFill>
@@ -7012,7 +7345,7 @@
           <a:sym typeface="Arial"/>
         </a:defRPr>
       </a:lvl2pPr>
-      <a:lvl3pPr lvl="2" marR="0" rtl="0" algn="l">
+      <a:lvl3pPr marR="0" lvl="2" algn="l" rtl="0">
         <a:lnSpc>
           <a:spcPct val="100000"/>
         </a:lnSpc>
@@ -7026,7 +7359,7 @@
           <a:srgbClr val="000000"/>
         </a:buClr>
         <a:buFont typeface="Arial"/>
-        <a:defRPr b="0" i="0" sz="1400" u="none" cap="none" strike="noStrike">
+        <a:defRPr sz="1400" b="0" i="0" u="none" strike="noStrike" cap="none">
           <a:solidFill>
             <a:srgbClr val="000000"/>
           </a:solidFill>
@@ -7036,7 +7369,7 @@
           <a:sym typeface="Arial"/>
         </a:defRPr>
       </a:lvl3pPr>
-      <a:lvl4pPr lvl="3" marR="0" rtl="0" algn="l">
+      <a:lvl4pPr marR="0" lvl="3" algn="l" rtl="0">
         <a:lnSpc>
           <a:spcPct val="100000"/>
         </a:lnSpc>
@@ -7050,7 +7383,7 @@
           <a:srgbClr val="000000"/>
         </a:buClr>
         <a:buFont typeface="Arial"/>
-        <a:defRPr b="0" i="0" sz="1400" u="none" cap="none" strike="noStrike">
+        <a:defRPr sz="1400" b="0" i="0" u="none" strike="noStrike" cap="none">
           <a:solidFill>
             <a:srgbClr val="000000"/>
           </a:solidFill>
@@ -7060,7 +7393,7 @@
           <a:sym typeface="Arial"/>
         </a:defRPr>
       </a:lvl4pPr>
-      <a:lvl5pPr lvl="4" marR="0" rtl="0" algn="l">
+      <a:lvl5pPr marR="0" lvl="4" algn="l" rtl="0">
         <a:lnSpc>
           <a:spcPct val="100000"/>
         </a:lnSpc>
@@ -7074,7 +7407,7 @@
           <a:srgbClr val="000000"/>
         </a:buClr>
         <a:buFont typeface="Arial"/>
-        <a:defRPr b="0" i="0" sz="1400" u="none" cap="none" strike="noStrike">
+        <a:defRPr sz="1400" b="0" i="0" u="none" strike="noStrike" cap="none">
           <a:solidFill>
             <a:srgbClr val="000000"/>
           </a:solidFill>
@@ -7084,7 +7417,7 @@
           <a:sym typeface="Arial"/>
         </a:defRPr>
       </a:lvl5pPr>
-      <a:lvl6pPr lvl="5" marR="0" rtl="0" algn="l">
+      <a:lvl6pPr marR="0" lvl="5" algn="l" rtl="0">
         <a:lnSpc>
           <a:spcPct val="100000"/>
         </a:lnSpc>
@@ -7098,7 +7431,7 @@
           <a:srgbClr val="000000"/>
         </a:buClr>
         <a:buFont typeface="Arial"/>
-        <a:defRPr b="0" i="0" sz="1400" u="none" cap="none" strike="noStrike">
+        <a:defRPr sz="1400" b="0" i="0" u="none" strike="noStrike" cap="none">
           <a:solidFill>
             <a:srgbClr val="000000"/>
           </a:solidFill>
@@ -7108,7 +7441,7 @@
           <a:sym typeface="Arial"/>
         </a:defRPr>
       </a:lvl6pPr>
-      <a:lvl7pPr lvl="6" marR="0" rtl="0" algn="l">
+      <a:lvl7pPr marR="0" lvl="6" algn="l" rtl="0">
         <a:lnSpc>
           <a:spcPct val="100000"/>
         </a:lnSpc>
@@ -7122,7 +7455,7 @@
           <a:srgbClr val="000000"/>
         </a:buClr>
         <a:buFont typeface="Arial"/>
-        <a:defRPr b="0" i="0" sz="1400" u="none" cap="none" strike="noStrike">
+        <a:defRPr sz="1400" b="0" i="0" u="none" strike="noStrike" cap="none">
           <a:solidFill>
             <a:srgbClr val="000000"/>
           </a:solidFill>
@@ -7132,7 +7465,7 @@
           <a:sym typeface="Arial"/>
         </a:defRPr>
       </a:lvl7pPr>
-      <a:lvl8pPr lvl="7" marR="0" rtl="0" algn="l">
+      <a:lvl8pPr marR="0" lvl="7" algn="l" rtl="0">
         <a:lnSpc>
           <a:spcPct val="100000"/>
         </a:lnSpc>
@@ -7146,7 +7479,7 @@
           <a:srgbClr val="000000"/>
         </a:buClr>
         <a:buFont typeface="Arial"/>
-        <a:defRPr b="0" i="0" sz="1400" u="none" cap="none" strike="noStrike">
+        <a:defRPr sz="1400" b="0" i="0" u="none" strike="noStrike" cap="none">
           <a:solidFill>
             <a:srgbClr val="000000"/>
           </a:solidFill>
@@ -7156,7 +7489,7 @@
           <a:sym typeface="Arial"/>
         </a:defRPr>
       </a:lvl8pPr>
-      <a:lvl9pPr lvl="8" marR="0" rtl="0" algn="l">
+      <a:lvl9pPr marR="0" lvl="8" algn="l" rtl="0">
         <a:lnSpc>
           <a:spcPct val="100000"/>
         </a:lnSpc>
@@ -7170,7 +7503,7 @@
           <a:srgbClr val="000000"/>
         </a:buClr>
         <a:buFont typeface="Arial"/>
-        <a:defRPr b="0" i="0" sz="1400" u="none" cap="none" strike="noStrike">
+        <a:defRPr sz="1400" b="0" i="0" u="none" strike="noStrike" cap="none">
           <a:solidFill>
             <a:srgbClr val="000000"/>
           </a:solidFill>
@@ -7182,7 +7515,7 @@
       </a:lvl9pPr>
     </p:titleStyle>
     <p:bodyStyle>
-      <a:defPPr lvl="0" marR="0" rtl="0" algn="l">
+      <a:defPPr marR="0" lvl="0" algn="l" rtl="0">
         <a:lnSpc>
           <a:spcPct val="100000"/>
         </a:lnSpc>
@@ -7193,7 +7526,7 @@
           <a:spcPts val="0"/>
         </a:spcAft>
       </a:defPPr>
-      <a:lvl1pPr lvl="0" marR="0" rtl="0" algn="l">
+      <a:lvl1pPr marR="0" lvl="0" algn="l" rtl="0">
         <a:lnSpc>
           <a:spcPct val="100000"/>
         </a:lnSpc>
@@ -7207,7 +7540,7 @@
           <a:srgbClr val="000000"/>
         </a:buClr>
         <a:buFont typeface="Arial"/>
-        <a:defRPr b="0" i="0" sz="1400" u="none" cap="none" strike="noStrike">
+        <a:defRPr sz="1400" b="0" i="0" u="none" strike="noStrike" cap="none">
           <a:solidFill>
             <a:srgbClr val="000000"/>
           </a:solidFill>
@@ -7217,7 +7550,7 @@
           <a:sym typeface="Arial"/>
         </a:defRPr>
       </a:lvl1pPr>
-      <a:lvl2pPr lvl="1" marR="0" rtl="0" algn="l">
+      <a:lvl2pPr marR="0" lvl="1" algn="l" rtl="0">
         <a:lnSpc>
           <a:spcPct val="100000"/>
         </a:lnSpc>
@@ -7231,7 +7564,7 @@
           <a:srgbClr val="000000"/>
         </a:buClr>
         <a:buFont typeface="Arial"/>
-        <a:defRPr b="0" i="0" sz="1400" u="none" cap="none" strike="noStrike">
+        <a:defRPr sz="1400" b="0" i="0" u="none" strike="noStrike" cap="none">
           <a:solidFill>
             <a:srgbClr val="000000"/>
           </a:solidFill>
@@ -7241,7 +7574,7 @@
           <a:sym typeface="Arial"/>
         </a:defRPr>
       </a:lvl2pPr>
-      <a:lvl3pPr lvl="2" marR="0" rtl="0" algn="l">
+      <a:lvl3pPr marR="0" lvl="2" algn="l" rtl="0">
         <a:lnSpc>
           <a:spcPct val="100000"/>
         </a:lnSpc>
@@ -7255,7 +7588,7 @@
           <a:srgbClr val="000000"/>
         </a:buClr>
         <a:buFont typeface="Arial"/>
-        <a:defRPr b="0" i="0" sz="1400" u="none" cap="none" strike="noStrike">
+        <a:defRPr sz="1400" b="0" i="0" u="none" strike="noStrike" cap="none">
           <a:solidFill>
             <a:srgbClr val="000000"/>
           </a:solidFill>
@@ -7265,7 +7598,7 @@
           <a:sym typeface="Arial"/>
         </a:defRPr>
       </a:lvl3pPr>
-      <a:lvl4pPr lvl="3" marR="0" rtl="0" algn="l">
+      <a:lvl4pPr marR="0" lvl="3" algn="l" rtl="0">
         <a:lnSpc>
           <a:spcPct val="100000"/>
         </a:lnSpc>
@@ -7279,7 +7612,7 @@
           <a:srgbClr val="000000"/>
         </a:buClr>
         <a:buFont typeface="Arial"/>
-        <a:defRPr b="0" i="0" sz="1400" u="none" cap="none" strike="noStrike">
+        <a:defRPr sz="1400" b="0" i="0" u="none" strike="noStrike" cap="none">
           <a:solidFill>
             <a:srgbClr val="000000"/>
           </a:solidFill>
@@ -7289,7 +7622,7 @@
           <a:sym typeface="Arial"/>
         </a:defRPr>
       </a:lvl4pPr>
-      <a:lvl5pPr lvl="4" marR="0" rtl="0" algn="l">
+      <a:lvl5pPr marR="0" lvl="4" algn="l" rtl="0">
         <a:lnSpc>
           <a:spcPct val="100000"/>
         </a:lnSpc>
@@ -7303,7 +7636,7 @@
           <a:srgbClr val="000000"/>
         </a:buClr>
         <a:buFont typeface="Arial"/>
-        <a:defRPr b="0" i="0" sz="1400" u="none" cap="none" strike="noStrike">
+        <a:defRPr sz="1400" b="0" i="0" u="none" strike="noStrike" cap="none">
           <a:solidFill>
             <a:srgbClr val="000000"/>
           </a:solidFill>
@@ -7313,7 +7646,7 @@
           <a:sym typeface="Arial"/>
         </a:defRPr>
       </a:lvl5pPr>
-      <a:lvl6pPr lvl="5" marR="0" rtl="0" algn="l">
+      <a:lvl6pPr marR="0" lvl="5" algn="l" rtl="0">
         <a:lnSpc>
           <a:spcPct val="100000"/>
         </a:lnSpc>
@@ -7327,7 +7660,7 @@
           <a:srgbClr val="000000"/>
         </a:buClr>
         <a:buFont typeface="Arial"/>
-        <a:defRPr b="0" i="0" sz="1400" u="none" cap="none" strike="noStrike">
+        <a:defRPr sz="1400" b="0" i="0" u="none" strike="noStrike" cap="none">
           <a:solidFill>
             <a:srgbClr val="000000"/>
           </a:solidFill>
@@ -7337,7 +7670,7 @@
           <a:sym typeface="Arial"/>
         </a:defRPr>
       </a:lvl6pPr>
-      <a:lvl7pPr lvl="6" marR="0" rtl="0" algn="l">
+      <a:lvl7pPr marR="0" lvl="6" algn="l" rtl="0">
         <a:lnSpc>
           <a:spcPct val="100000"/>
         </a:lnSpc>
@@ -7351,7 +7684,7 @@
           <a:srgbClr val="000000"/>
         </a:buClr>
         <a:buFont typeface="Arial"/>
-        <a:defRPr b="0" i="0" sz="1400" u="none" cap="none" strike="noStrike">
+        <a:defRPr sz="1400" b="0" i="0" u="none" strike="noStrike" cap="none">
           <a:solidFill>
             <a:srgbClr val="000000"/>
           </a:solidFill>
@@ -7361,7 +7694,7 @@
           <a:sym typeface="Arial"/>
         </a:defRPr>
       </a:lvl7pPr>
-      <a:lvl8pPr lvl="7" marR="0" rtl="0" algn="l">
+      <a:lvl8pPr marR="0" lvl="7" algn="l" rtl="0">
         <a:lnSpc>
           <a:spcPct val="100000"/>
         </a:lnSpc>
@@ -7375,7 +7708,7 @@
           <a:srgbClr val="000000"/>
         </a:buClr>
         <a:buFont typeface="Arial"/>
-        <a:defRPr b="0" i="0" sz="1400" u="none" cap="none" strike="noStrike">
+        <a:defRPr sz="1400" b="0" i="0" u="none" strike="noStrike" cap="none">
           <a:solidFill>
             <a:srgbClr val="000000"/>
           </a:solidFill>
@@ -7385,7 +7718,7 @@
           <a:sym typeface="Arial"/>
         </a:defRPr>
       </a:lvl8pPr>
-      <a:lvl9pPr lvl="8" marR="0" rtl="0" algn="l">
+      <a:lvl9pPr marR="0" lvl="8" algn="l" rtl="0">
         <a:lnSpc>
           <a:spcPct val="100000"/>
         </a:lnSpc>
@@ -7399,7 +7732,7 @@
           <a:srgbClr val="000000"/>
         </a:buClr>
         <a:buFont typeface="Arial"/>
-        <a:defRPr b="0" i="0" sz="1400" u="none" cap="none" strike="noStrike">
+        <a:defRPr sz="1400" b="0" i="0" u="none" strike="noStrike" cap="none">
           <a:solidFill>
             <a:srgbClr val="000000"/>
           </a:solidFill>
@@ -7411,7 +7744,7 @@
       </a:lvl9pPr>
     </p:bodyStyle>
     <p:otherStyle>
-      <a:defPPr lvl="0" marR="0" rtl="0" algn="l">
+      <a:defPPr marR="0" lvl="0" algn="l" rtl="0">
         <a:lnSpc>
           <a:spcPct val="100000"/>
         </a:lnSpc>
@@ -7422,7 +7755,7 @@
           <a:spcPts val="0"/>
         </a:spcAft>
       </a:defPPr>
-      <a:lvl1pPr lvl="0" marR="0" rtl="0" algn="l">
+      <a:lvl1pPr marR="0" lvl="0" algn="l" rtl="0">
         <a:lnSpc>
           <a:spcPct val="100000"/>
         </a:lnSpc>
@@ -7436,7 +7769,7 @@
           <a:srgbClr val="000000"/>
         </a:buClr>
         <a:buFont typeface="Arial"/>
-        <a:defRPr b="0" i="0" sz="1400" u="none" cap="none" strike="noStrike">
+        <a:defRPr sz="1400" b="0" i="0" u="none" strike="noStrike" cap="none">
           <a:solidFill>
             <a:srgbClr val="000000"/>
           </a:solidFill>
@@ -7446,7 +7779,7 @@
           <a:sym typeface="Arial"/>
         </a:defRPr>
       </a:lvl1pPr>
-      <a:lvl2pPr lvl="1" marR="0" rtl="0" algn="l">
+      <a:lvl2pPr marR="0" lvl="1" algn="l" rtl="0">
         <a:lnSpc>
           <a:spcPct val="100000"/>
         </a:lnSpc>
@@ -7460,7 +7793,7 @@
           <a:srgbClr val="000000"/>
         </a:buClr>
         <a:buFont typeface="Arial"/>
-        <a:defRPr b="0" i="0" sz="1400" u="none" cap="none" strike="noStrike">
+        <a:defRPr sz="1400" b="0" i="0" u="none" strike="noStrike" cap="none">
           <a:solidFill>
             <a:srgbClr val="000000"/>
           </a:solidFill>
@@ -7470,7 +7803,7 @@
           <a:sym typeface="Arial"/>
         </a:defRPr>
       </a:lvl2pPr>
-      <a:lvl3pPr lvl="2" marR="0" rtl="0" algn="l">
+      <a:lvl3pPr marR="0" lvl="2" algn="l" rtl="0">
         <a:lnSpc>
           <a:spcPct val="100000"/>
         </a:lnSpc>
@@ -7484,7 +7817,7 @@
           <a:srgbClr val="000000"/>
         </a:buClr>
         <a:buFont typeface="Arial"/>
-        <a:defRPr b="0" i="0" sz="1400" u="none" cap="none" strike="noStrike">
+        <a:defRPr sz="1400" b="0" i="0" u="none" strike="noStrike" cap="none">
           <a:solidFill>
             <a:srgbClr val="000000"/>
           </a:solidFill>
@@ -7494,7 +7827,7 @@
           <a:sym typeface="Arial"/>
         </a:defRPr>
       </a:lvl3pPr>
-      <a:lvl4pPr lvl="3" marR="0" rtl="0" algn="l">
+      <a:lvl4pPr marR="0" lvl="3" algn="l" rtl="0">
         <a:lnSpc>
           <a:spcPct val="100000"/>
         </a:lnSpc>
@@ -7508,7 +7841,7 @@
           <a:srgbClr val="000000"/>
         </a:buClr>
         <a:buFont typeface="Arial"/>
-        <a:defRPr b="0" i="0" sz="1400" u="none" cap="none" strike="noStrike">
+        <a:defRPr sz="1400" b="0" i="0" u="none" strike="noStrike" cap="none">
           <a:solidFill>
             <a:srgbClr val="000000"/>
           </a:solidFill>
@@ -7518,7 +7851,7 @@
           <a:sym typeface="Arial"/>
         </a:defRPr>
       </a:lvl4pPr>
-      <a:lvl5pPr lvl="4" marR="0" rtl="0" algn="l">
+      <a:lvl5pPr marR="0" lvl="4" algn="l" rtl="0">
         <a:lnSpc>
           <a:spcPct val="100000"/>
         </a:lnSpc>
@@ -7532,7 +7865,7 @@
           <a:srgbClr val="000000"/>
         </a:buClr>
         <a:buFont typeface="Arial"/>
-        <a:defRPr b="0" i="0" sz="1400" u="none" cap="none" strike="noStrike">
+        <a:defRPr sz="1400" b="0" i="0" u="none" strike="noStrike" cap="none">
           <a:solidFill>
             <a:srgbClr val="000000"/>
           </a:solidFill>
@@ -7542,7 +7875,7 @@
           <a:sym typeface="Arial"/>
         </a:defRPr>
       </a:lvl5pPr>
-      <a:lvl6pPr lvl="5" marR="0" rtl="0" algn="l">
+      <a:lvl6pPr marR="0" lvl="5" algn="l" rtl="0">
         <a:lnSpc>
           <a:spcPct val="100000"/>
         </a:lnSpc>
@@ -7556,7 +7889,7 @@
           <a:srgbClr val="000000"/>
         </a:buClr>
         <a:buFont typeface="Arial"/>
-        <a:defRPr b="0" i="0" sz="1400" u="none" cap="none" strike="noStrike">
+        <a:defRPr sz="1400" b="0" i="0" u="none" strike="noStrike" cap="none">
           <a:solidFill>
             <a:srgbClr val="000000"/>
           </a:solidFill>
@@ -7566,7 +7899,7 @@
           <a:sym typeface="Arial"/>
         </a:defRPr>
       </a:lvl6pPr>
-      <a:lvl7pPr lvl="6" marR="0" rtl="0" algn="l">
+      <a:lvl7pPr marR="0" lvl="6" algn="l" rtl="0">
         <a:lnSpc>
           <a:spcPct val="100000"/>
         </a:lnSpc>
@@ -7580,7 +7913,7 @@
           <a:srgbClr val="000000"/>
         </a:buClr>
         <a:buFont typeface="Arial"/>
-        <a:defRPr b="0" i="0" sz="1400" u="none" cap="none" strike="noStrike">
+        <a:defRPr sz="1400" b="0" i="0" u="none" strike="noStrike" cap="none">
           <a:solidFill>
             <a:srgbClr val="000000"/>
           </a:solidFill>
@@ -7590,7 +7923,7 @@
           <a:sym typeface="Arial"/>
         </a:defRPr>
       </a:lvl7pPr>
-      <a:lvl8pPr lvl="7" marR="0" rtl="0" algn="l">
+      <a:lvl8pPr marR="0" lvl="7" algn="l" rtl="0">
         <a:lnSpc>
           <a:spcPct val="100000"/>
         </a:lnSpc>
@@ -7604,7 +7937,7 @@
           <a:srgbClr val="000000"/>
         </a:buClr>
         <a:buFont typeface="Arial"/>
-        <a:defRPr b="0" i="0" sz="1400" u="none" cap="none" strike="noStrike">
+        <a:defRPr sz="1400" b="0" i="0" u="none" strike="noStrike" cap="none">
           <a:solidFill>
             <a:srgbClr val="000000"/>
           </a:solidFill>
@@ -7614,7 +7947,7 @@
           <a:sym typeface="Arial"/>
         </a:defRPr>
       </a:lvl8pPr>
-      <a:lvl9pPr lvl="8" marR="0" rtl="0" algn="l">
+      <a:lvl9pPr marR="0" lvl="8" algn="l" rtl="0">
         <a:lnSpc>
           <a:spcPct val="100000"/>
         </a:lnSpc>
@@ -7628,7 +7961,7 @@
           <a:srgbClr val="000000"/>
         </a:buClr>
         <a:buFont typeface="Arial"/>
-        <a:defRPr b="0" i="0" sz="1400" u="none" cap="none" strike="noStrike">
+        <a:defRPr sz="1400" b="0" i="0" u="none" strike="noStrike" cap="none">
           <a:solidFill>
             <a:srgbClr val="000000"/>
           </a:solidFill>
@@ -7644,11 +7977,11 @@
 </file>
 
 <file path=ppt/slides/slide1.xml><?xml version="1.0" encoding="utf-8"?>
-<p:sld xmlns:a="http://schemas.openxmlformats.org/drawingml/2006/main" xmlns:r="http://schemas.openxmlformats.org/officeDocument/2006/relationships" xmlns:mc="http://schemas.openxmlformats.org/markup-compatibility/2006" xmlns:mv="urn:schemas-microsoft-com:mac:vml" xmlns:p="http://schemas.openxmlformats.org/presentationml/2006/main" xmlns:c="http://schemas.openxmlformats.org/drawingml/2006/chart" xmlns:dgm="http://schemas.openxmlformats.org/drawingml/2006/diagram" xmlns:o="urn:schemas-microsoft-com:office:office" xmlns:v="urn:schemas-microsoft-com:vml" xmlns:pvml="urn:schemas-microsoft-com:office:powerpoint" xmlns:com="http://schemas.openxmlformats.org/drawingml/2006/compatibility" xmlns:p14="http://schemas.microsoft.com/office/powerpoint/2010/main" xmlns:p15="http://schemas.microsoft.com/office/powerpoint/2012/main">
+<p:sld xmlns:a="http://schemas.openxmlformats.org/drawingml/2006/main" xmlns:r="http://schemas.openxmlformats.org/officeDocument/2006/relationships" xmlns:p="http://schemas.openxmlformats.org/presentationml/2006/main">
   <p:cSld>
     <p:spTree>
       <p:nvGrpSpPr>
-        <p:cNvPr id="53" name="Shape 53"/>
+        <p:cNvPr id="1" name="Shape 53"/>
         <p:cNvGrpSpPr/>
         <p:nvPr/>
       </p:nvGrpSpPr>
@@ -7663,7 +7996,9 @@
       <p:sp>
         <p:nvSpPr>
           <p:cNvPr id="54" name="Google Shape;54;p13"/>
-          <p:cNvSpPr txBox="1"/>
+          <p:cNvSpPr txBox="1">
+            <a:spLocks noGrp="1"/>
+          </p:cNvSpPr>
           <p:nvPr>
             <p:ph type="ctrTitle"/>
           </p:nvPr>
@@ -7678,12 +8013,12 @@
           </a:prstGeom>
         </p:spPr>
         <p:txBody>
-          <a:bodyPr anchorCtr="0" anchor="b" bIns="91425" lIns="91425" spcFirstLastPara="1" rIns="91425" wrap="square" tIns="91425">
+          <a:bodyPr spcFirstLastPara="1" wrap="square" lIns="91425" tIns="91425" rIns="91425" bIns="91425" anchor="b" anchorCtr="0">
             <a:noAutofit/>
           </a:bodyPr>
           <a:lstStyle/>
           <a:p>
-            <a:pPr indent="0" lvl="0" marL="0" rtl="0" algn="ctr">
+            <a:pPr marL="0" lvl="0" indent="0" algn="ctr" rtl="0">
               <a:spcBef>
                 <a:spcPts val="0"/>
               </a:spcBef>
@@ -7703,9 +8038,11 @@
       <p:sp>
         <p:nvSpPr>
           <p:cNvPr id="55" name="Google Shape;55;p13"/>
-          <p:cNvSpPr txBox="1"/>
+          <p:cNvSpPr txBox="1">
+            <a:spLocks noGrp="1"/>
+          </p:cNvSpPr>
           <p:nvPr>
-            <p:ph idx="1" type="subTitle"/>
+            <p:ph type="subTitle" idx="1"/>
           </p:nvPr>
         </p:nvSpPr>
         <p:spPr>
@@ -7718,12 +8055,12 @@
           </a:prstGeom>
         </p:spPr>
         <p:txBody>
-          <a:bodyPr anchorCtr="0" anchor="t" bIns="91425" lIns="91425" spcFirstLastPara="1" rIns="91425" wrap="square" tIns="91425">
+          <a:bodyPr spcFirstLastPara="1" wrap="square" lIns="91425" tIns="91425" rIns="91425" bIns="91425" anchor="t" anchorCtr="0">
             <a:noAutofit/>
           </a:bodyPr>
           <a:lstStyle/>
           <a:p>
-            <a:pPr indent="457200" lvl="0" marL="2286000" rtl="0" algn="l">
+            <a:pPr marL="2286000" lvl="0" indent="457200" algn="l" rtl="0">
               <a:spcBef>
                 <a:spcPts val="0"/>
               </a:spcBef>
@@ -7739,7 +8076,7 @@
             <a:endParaRPr/>
           </a:p>
           <a:p>
-            <a:pPr indent="0" lvl="0" marL="0" rtl="0" algn="ctr">
+            <a:pPr marL="0" lvl="0" indent="0" algn="ctr" rtl="0">
               <a:spcBef>
                 <a:spcPts val="0"/>
               </a:spcBef>
@@ -7755,7 +8092,7 @@
             <a:endParaRPr/>
           </a:p>
           <a:p>
-            <a:pPr indent="0" lvl="0" marL="0" rtl="0" algn="ctr">
+            <a:pPr marL="0" lvl="0" indent="0" algn="ctr" rtl="0">
               <a:spcBef>
                 <a:spcPts val="0"/>
               </a:spcBef>
@@ -7771,7 +8108,7 @@
             <a:endParaRPr/>
           </a:p>
           <a:p>
-            <a:pPr indent="0" lvl="0" marL="0" rtl="0" algn="ctr">
+            <a:pPr marL="0" lvl="0" indent="0" algn="ctr" rtl="0">
               <a:spcBef>
                 <a:spcPts val="0"/>
               </a:spcBef>
@@ -7787,7 +8124,7 @@
             <a:endParaRPr/>
           </a:p>
           <a:p>
-            <a:pPr indent="0" lvl="0" marL="0" rtl="0" algn="ctr">
+            <a:pPr marL="0" lvl="0" indent="0" algn="ctr" rtl="0">
               <a:spcBef>
                 <a:spcPts val="0"/>
               </a:spcBef>
@@ -7813,11 +8150,11 @@
 </file>
 
 <file path=ppt/slides/slide10.xml><?xml version="1.0" encoding="utf-8"?>
-<p:sld xmlns:a="http://schemas.openxmlformats.org/drawingml/2006/main" xmlns:r="http://schemas.openxmlformats.org/officeDocument/2006/relationships" xmlns:mc="http://schemas.openxmlformats.org/markup-compatibility/2006" xmlns:mv="urn:schemas-microsoft-com:mac:vml" xmlns:p="http://schemas.openxmlformats.org/presentationml/2006/main" xmlns:c="http://schemas.openxmlformats.org/drawingml/2006/chart" xmlns:dgm="http://schemas.openxmlformats.org/drawingml/2006/diagram" xmlns:o="urn:schemas-microsoft-com:office:office" xmlns:v="urn:schemas-microsoft-com:vml" xmlns:pvml="urn:schemas-microsoft-com:office:powerpoint" xmlns:com="http://schemas.openxmlformats.org/drawingml/2006/compatibility" xmlns:p14="http://schemas.microsoft.com/office/powerpoint/2010/main" xmlns:p15="http://schemas.microsoft.com/office/powerpoint/2012/main">
+<p:sld xmlns:a="http://schemas.openxmlformats.org/drawingml/2006/main" xmlns:r="http://schemas.openxmlformats.org/officeDocument/2006/relationships" xmlns:p="http://schemas.openxmlformats.org/presentationml/2006/main">
   <p:cSld>
     <p:spTree>
       <p:nvGrpSpPr>
-        <p:cNvPr id="110" name="Shape 110"/>
+        <p:cNvPr id="1" name="Shape 110"/>
         <p:cNvGrpSpPr/>
         <p:nvPr/>
       </p:nvGrpSpPr>
@@ -7832,7 +8169,9 @@
       <p:sp>
         <p:nvSpPr>
           <p:cNvPr id="111" name="Google Shape;111;p22"/>
-          <p:cNvSpPr txBox="1"/>
+          <p:cNvSpPr txBox="1">
+            <a:spLocks noGrp="1"/>
+          </p:cNvSpPr>
           <p:nvPr>
             <p:ph type="title"/>
           </p:nvPr>
@@ -7847,12 +8186,12 @@
           </a:prstGeom>
         </p:spPr>
         <p:txBody>
-          <a:bodyPr anchorCtr="0" anchor="t" bIns="91425" lIns="91425" spcFirstLastPara="1" rIns="91425" wrap="square" tIns="91425">
+          <a:bodyPr spcFirstLastPara="1" wrap="square" lIns="91425" tIns="91425" rIns="91425" bIns="91425" anchor="t" anchorCtr="0">
             <a:noAutofit/>
           </a:bodyPr>
           <a:lstStyle/>
           <a:p>
-            <a:pPr indent="0" lvl="0" marL="0" rtl="0" algn="l">
+            <a:pPr marL="0" lvl="0" indent="0" algn="l" rtl="0">
               <a:spcBef>
                 <a:spcPts val="0"/>
               </a:spcBef>
@@ -7872,9 +8211,11 @@
       <p:sp>
         <p:nvSpPr>
           <p:cNvPr id="112" name="Google Shape;112;p22"/>
-          <p:cNvSpPr txBox="1"/>
+          <p:cNvSpPr txBox="1">
+            <a:spLocks noGrp="1"/>
+          </p:cNvSpPr>
           <p:nvPr>
-            <p:ph idx="1" type="body"/>
+            <p:ph type="body" idx="1"/>
           </p:nvPr>
         </p:nvSpPr>
         <p:spPr>
@@ -7887,12 +8228,12 @@
           </a:prstGeom>
         </p:spPr>
         <p:txBody>
-          <a:bodyPr anchorCtr="0" anchor="t" bIns="91425" lIns="91425" spcFirstLastPara="1" rIns="91425" wrap="square" tIns="91425">
+          <a:bodyPr spcFirstLastPara="1" wrap="square" lIns="91425" tIns="91425" rIns="91425" bIns="91425" anchor="t" anchorCtr="0">
             <a:noAutofit/>
           </a:bodyPr>
           <a:lstStyle/>
           <a:p>
-            <a:pPr indent="0" lvl="0" marL="0" rtl="0" algn="l">
+            <a:pPr marL="0" lvl="0" indent="0" algn="l" rtl="0">
               <a:spcBef>
                 <a:spcPts val="0"/>
               </a:spcBef>
@@ -7901,9 +8242,6 @@
               </a:spcAft>
               <a:buNone/>
             </a:pPr>
-            <a:r>
-              <a:t/>
-            </a:r>
             <a:endParaRPr/>
           </a:p>
         </p:txBody>
@@ -7945,11 +8283,11 @@
 </file>
 
 <file path=ppt/slides/slide11.xml><?xml version="1.0" encoding="utf-8"?>
-<p:sld xmlns:a="http://schemas.openxmlformats.org/drawingml/2006/main" xmlns:r="http://schemas.openxmlformats.org/officeDocument/2006/relationships" xmlns:mc="http://schemas.openxmlformats.org/markup-compatibility/2006" xmlns:mv="urn:schemas-microsoft-com:mac:vml" xmlns:p="http://schemas.openxmlformats.org/presentationml/2006/main" xmlns:c="http://schemas.openxmlformats.org/drawingml/2006/chart" xmlns:dgm="http://schemas.openxmlformats.org/drawingml/2006/diagram" xmlns:o="urn:schemas-microsoft-com:office:office" xmlns:v="urn:schemas-microsoft-com:vml" xmlns:pvml="urn:schemas-microsoft-com:office:powerpoint" xmlns:com="http://schemas.openxmlformats.org/drawingml/2006/compatibility" xmlns:p14="http://schemas.microsoft.com/office/powerpoint/2010/main" xmlns:p15="http://schemas.microsoft.com/office/powerpoint/2012/main">
+<p:sld xmlns:a="http://schemas.openxmlformats.org/drawingml/2006/main" xmlns:r="http://schemas.openxmlformats.org/officeDocument/2006/relationships" xmlns:p="http://schemas.openxmlformats.org/presentationml/2006/main">
   <p:cSld>
     <p:spTree>
       <p:nvGrpSpPr>
-        <p:cNvPr id="117" name="Shape 117"/>
+        <p:cNvPr id="1" name="Shape 117"/>
         <p:cNvGrpSpPr/>
         <p:nvPr/>
       </p:nvGrpSpPr>
@@ -7964,7 +8302,9 @@
       <p:sp>
         <p:nvSpPr>
           <p:cNvPr id="118" name="Google Shape;118;p23"/>
-          <p:cNvSpPr txBox="1"/>
+          <p:cNvSpPr txBox="1">
+            <a:spLocks noGrp="1"/>
+          </p:cNvSpPr>
           <p:nvPr>
             <p:ph type="title"/>
           </p:nvPr>
@@ -7979,12 +8319,12 @@
           </a:prstGeom>
         </p:spPr>
         <p:txBody>
-          <a:bodyPr anchorCtr="0" anchor="t" bIns="91425" lIns="91425" spcFirstLastPara="1" rIns="91425" wrap="square" tIns="91425">
+          <a:bodyPr spcFirstLastPara="1" wrap="square" lIns="91425" tIns="91425" rIns="91425" bIns="91425" anchor="t" anchorCtr="0">
             <a:noAutofit/>
           </a:bodyPr>
           <a:lstStyle/>
           <a:p>
-            <a:pPr indent="0" lvl="0" marL="0" rtl="0" algn="l">
+            <a:pPr marL="0" lvl="0" indent="0" algn="l" rtl="0">
               <a:spcBef>
                 <a:spcPts val="0"/>
               </a:spcBef>
@@ -7995,11 +8335,7 @@
             </a:pPr>
             <a:r>
               <a:rPr lang="en"/>
-              <a:t>Statistical </a:t>
-            </a:r>
-            <a:r>
-              <a:rPr lang="en"/>
-              <a:t>Data Analysis</a:t>
+              <a:t>Statistical Data Analysis</a:t>
             </a:r>
             <a:endParaRPr/>
           </a:p>
@@ -8014,11 +8350,11 @@
 </file>
 
 <file path=ppt/slides/slide12.xml><?xml version="1.0" encoding="utf-8"?>
-<p:sld xmlns:a="http://schemas.openxmlformats.org/drawingml/2006/main" xmlns:r="http://schemas.openxmlformats.org/officeDocument/2006/relationships" xmlns:mc="http://schemas.openxmlformats.org/markup-compatibility/2006" xmlns:mv="urn:schemas-microsoft-com:mac:vml" xmlns:p="http://schemas.openxmlformats.org/presentationml/2006/main" xmlns:c="http://schemas.openxmlformats.org/drawingml/2006/chart" xmlns:dgm="http://schemas.openxmlformats.org/drawingml/2006/diagram" xmlns:o="urn:schemas-microsoft-com:office:office" xmlns:v="urn:schemas-microsoft-com:vml" xmlns:pvml="urn:schemas-microsoft-com:office:powerpoint" xmlns:com="http://schemas.openxmlformats.org/drawingml/2006/compatibility" xmlns:p14="http://schemas.microsoft.com/office/powerpoint/2010/main" xmlns:p15="http://schemas.microsoft.com/office/powerpoint/2012/main">
+<p:sld xmlns:a="http://schemas.openxmlformats.org/drawingml/2006/main" xmlns:r="http://schemas.openxmlformats.org/officeDocument/2006/relationships" xmlns:p="http://schemas.openxmlformats.org/presentationml/2006/main">
   <p:cSld>
     <p:spTree>
       <p:nvGrpSpPr>
-        <p:cNvPr id="122" name="Shape 122"/>
+        <p:cNvPr id="1" name="Shape 122"/>
         <p:cNvGrpSpPr/>
         <p:nvPr/>
       </p:nvGrpSpPr>
@@ -8033,7 +8369,9 @@
       <p:sp>
         <p:nvSpPr>
           <p:cNvPr id="123" name="Google Shape;123;p24"/>
-          <p:cNvSpPr txBox="1"/>
+          <p:cNvSpPr txBox="1">
+            <a:spLocks noGrp="1"/>
+          </p:cNvSpPr>
           <p:nvPr>
             <p:ph type="title"/>
           </p:nvPr>
@@ -8048,12 +8386,12 @@
           </a:prstGeom>
         </p:spPr>
         <p:txBody>
-          <a:bodyPr anchorCtr="0" anchor="t" bIns="91425" lIns="91425" spcFirstLastPara="1" rIns="91425" wrap="square" tIns="91425">
+          <a:bodyPr spcFirstLastPara="1" wrap="square" lIns="91425" tIns="91425" rIns="91425" bIns="91425" anchor="t" anchorCtr="0">
             <a:noAutofit/>
           </a:bodyPr>
           <a:lstStyle/>
           <a:p>
-            <a:pPr indent="0" lvl="0" marL="0" marR="0" rtl="0" algn="l">
+            <a:pPr marL="0" marR="0" lvl="0" indent="0" algn="l" rtl="0">
               <a:lnSpc>
                 <a:spcPct val="100000"/>
               </a:lnSpc>
@@ -8067,11 +8405,7 @@
             </a:pPr>
             <a:r>
               <a:rPr lang="en"/>
-              <a:t>B</a:t>
-            </a:r>
-            <a:r>
-              <a:rPr lang="en"/>
-              <a:t>udget</a:t>
+              <a:t>Budget</a:t>
             </a:r>
             <a:r>
               <a:rPr lang="en">
@@ -8088,9 +8422,11 @@
       <p:sp>
         <p:nvSpPr>
           <p:cNvPr id="124" name="Google Shape;124;p24"/>
-          <p:cNvSpPr txBox="1"/>
+          <p:cNvSpPr txBox="1">
+            <a:spLocks noGrp="1"/>
+          </p:cNvSpPr>
           <p:nvPr>
-            <p:ph idx="1" type="body"/>
+            <p:ph type="body" idx="1"/>
           </p:nvPr>
         </p:nvSpPr>
         <p:spPr>
@@ -8103,12 +8439,12 @@
           </a:prstGeom>
         </p:spPr>
         <p:txBody>
-          <a:bodyPr anchorCtr="0" anchor="t" bIns="91425" lIns="91425" spcFirstLastPara="1" rIns="91425" wrap="square" tIns="91425">
+          <a:bodyPr spcFirstLastPara="1" wrap="square" lIns="91425" tIns="91425" rIns="91425" bIns="91425" anchor="t" anchorCtr="0">
             <a:noAutofit/>
           </a:bodyPr>
           <a:lstStyle/>
           <a:p>
-            <a:pPr indent="0" lvl="0" marL="0" rtl="0" algn="l">
+            <a:pPr marL="0" lvl="0" indent="0" algn="l" rtl="0">
               <a:spcBef>
                 <a:spcPts val="0"/>
               </a:spcBef>
@@ -8117,9 +8453,6 @@
               </a:spcAft>
               <a:buNone/>
             </a:pPr>
-            <a:r>
-              <a:t/>
-            </a:r>
             <a:endParaRPr/>
           </a:p>
         </p:txBody>
@@ -8216,32 +8549,32 @@
   <p:timing>
     <p:tnLst>
       <p:par>
-        <p:cTn dur="indefinite" nodeType="tmRoot" restart="never">
+        <p:cTn id="1" dur="indefinite" restart="never" nodeType="tmRoot">
           <p:childTnLst>
             <p:seq concurrent="1" nextAc="seek">
-              <p:cTn dur="indefinite" id="2" nodeType="mainSeq">
+              <p:cTn id="2" dur="indefinite" nodeType="mainSeq">
                 <p:childTnLst>
                   <p:par>
-                    <p:cTn fill="hold">
+                    <p:cTn id="3" fill="hold">
                       <p:stCondLst>
                         <p:cond delay="indefinite"/>
                       </p:stCondLst>
                       <p:childTnLst>
                         <p:par>
-                          <p:cTn fill="hold">
+                          <p:cTn id="4" fill="hold">
                             <p:stCondLst>
                               <p:cond delay="0"/>
                             </p:stCondLst>
                             <p:childTnLst>
                               <p:par>
-                                <p:cTn fill="hold" nodeType="clickEffect" presetClass="entr" presetID="1" presetSubtype="0">
+                                <p:cTn id="5" presetID="1" presetClass="entr" presetSubtype="0" fill="hold" nodeType="clickEffect">
                                   <p:stCondLst>
                                     <p:cond delay="0"/>
                                   </p:stCondLst>
                                   <p:childTnLst>
                                     <p:set>
                                       <p:cBhvr>
-                                        <p:cTn dur="1" fill="hold">
+                                        <p:cTn id="6" dur="1" fill="hold">
                                           <p:stCondLst>
                                             <p:cond delay="0"/>
                                           </p:stCondLst>
@@ -8267,26 +8600,26 @@
                     </p:cTn>
                   </p:par>
                   <p:par>
-                    <p:cTn fill="hold">
+                    <p:cTn id="7" fill="hold">
                       <p:stCondLst>
                         <p:cond delay="indefinite"/>
                       </p:stCondLst>
                       <p:childTnLst>
                         <p:par>
-                          <p:cTn fill="hold">
+                          <p:cTn id="8" fill="hold">
                             <p:stCondLst>
                               <p:cond delay="0"/>
                             </p:stCondLst>
                             <p:childTnLst>
                               <p:par>
-                                <p:cTn fill="hold" nodeType="clickEffect" presetClass="exit" presetID="1" presetSubtype="0">
+                                <p:cTn id="9" presetID="1" presetClass="exit" presetSubtype="0" fill="hold" nodeType="clickEffect">
                                   <p:stCondLst>
                                     <p:cond delay="0"/>
                                   </p:stCondLst>
                                   <p:childTnLst>
                                     <p:set>
                                       <p:cBhvr>
-                                        <p:cTn dur="1" fill="hold">
+                                        <p:cTn id="10" dur="1" fill="hold">
                                           <p:stCondLst>
                                             <p:cond delay="1000"/>
                                           </p:stCondLst>
@@ -8309,20 +8642,20 @@
                           </p:cTn>
                         </p:par>
                         <p:par>
-                          <p:cTn fill="hold">
+                          <p:cTn id="11" fill="hold">
                             <p:stCondLst>
                               <p:cond delay="1000"/>
                             </p:stCondLst>
                             <p:childTnLst>
                               <p:par>
-                                <p:cTn fill="hold" nodeType="afterEffect" presetClass="entr" presetID="1" presetSubtype="0">
+                                <p:cTn id="12" presetID="1" presetClass="entr" presetSubtype="0" fill="hold" nodeType="afterEffect">
                                   <p:stCondLst>
                                     <p:cond delay="0"/>
                                   </p:stCondLst>
                                   <p:childTnLst>
                                     <p:set>
                                       <p:cBhvr>
-                                        <p:cTn dur="1" fill="hold">
+                                        <p:cTn id="13" dur="1" fill="hold">
                                           <p:stCondLst>
                                             <p:cond delay="0"/>
                                           </p:stCondLst>
@@ -8348,26 +8681,26 @@
                     </p:cTn>
                   </p:par>
                   <p:par>
-                    <p:cTn fill="hold">
+                    <p:cTn id="14" fill="hold">
                       <p:stCondLst>
                         <p:cond delay="indefinite"/>
                       </p:stCondLst>
                       <p:childTnLst>
                         <p:par>
-                          <p:cTn fill="hold">
+                          <p:cTn id="15" fill="hold">
                             <p:stCondLst>
                               <p:cond delay="0"/>
                             </p:stCondLst>
                             <p:childTnLst>
                               <p:par>
-                                <p:cTn fill="hold" nodeType="clickEffect" presetClass="exit" presetID="1" presetSubtype="0">
+                                <p:cTn id="16" presetID="1" presetClass="exit" presetSubtype="0" fill="hold" nodeType="clickEffect">
                                   <p:stCondLst>
                                     <p:cond delay="0"/>
                                   </p:stCondLst>
                                   <p:childTnLst>
                                     <p:set>
                                       <p:cBhvr>
-                                        <p:cTn dur="1" fill="hold">
+                                        <p:cTn id="17" dur="1" fill="hold">
                                           <p:stCondLst>
                                             <p:cond delay="1000"/>
                                           </p:stCondLst>
@@ -8390,20 +8723,20 @@
                           </p:cTn>
                         </p:par>
                         <p:par>
-                          <p:cTn fill="hold">
+                          <p:cTn id="18" fill="hold">
                             <p:stCondLst>
                               <p:cond delay="1000"/>
                             </p:stCondLst>
                             <p:childTnLst>
                               <p:par>
-                                <p:cTn fill="hold" nodeType="afterEffect" presetClass="entr" presetID="1" presetSubtype="0">
+                                <p:cTn id="19" presetID="1" presetClass="entr" presetSubtype="0" fill="hold" nodeType="afterEffect">
                                   <p:stCondLst>
                                     <p:cond delay="0"/>
                                   </p:stCondLst>
                                   <p:childTnLst>
                                     <p:set>
                                       <p:cBhvr>
-                                        <p:cTn dur="1" fill="hold">
+                                        <p:cTn id="20" dur="1" fill="hold">
                                           <p:stCondLst>
                                             <p:cond delay="0"/>
                                           </p:stCondLst>
@@ -8431,14 +8764,14 @@
                 </p:childTnLst>
               </p:cTn>
               <p:prevCondLst>
-                <p:cond evt="onPrev">
+                <p:cond evt="onPrev" delay="0">
                   <p:tgtEl>
                     <p:sldTgt/>
                   </p:tgtEl>
                 </p:cond>
               </p:prevCondLst>
               <p:nextCondLst>
-                <p:cond evt="onNext">
+                <p:cond evt="onNext" delay="0">
                   <p:tgtEl>
                     <p:sldTgt/>
                   </p:tgtEl>
@@ -8454,11 +8787,11 @@
 </file>
 
 <file path=ppt/slides/slide13.xml><?xml version="1.0" encoding="utf-8"?>
-<p:sld xmlns:a="http://schemas.openxmlformats.org/drawingml/2006/main" xmlns:r="http://schemas.openxmlformats.org/officeDocument/2006/relationships" xmlns:mc="http://schemas.openxmlformats.org/markup-compatibility/2006" xmlns:mv="urn:schemas-microsoft-com:mac:vml" xmlns:p="http://schemas.openxmlformats.org/presentationml/2006/main" xmlns:c="http://schemas.openxmlformats.org/drawingml/2006/chart" xmlns:dgm="http://schemas.openxmlformats.org/drawingml/2006/diagram" xmlns:o="urn:schemas-microsoft-com:office:office" xmlns:v="urn:schemas-microsoft-com:vml" xmlns:pvml="urn:schemas-microsoft-com:office:powerpoint" xmlns:com="http://schemas.openxmlformats.org/drawingml/2006/compatibility" xmlns:p14="http://schemas.microsoft.com/office/powerpoint/2010/main" xmlns:p15="http://schemas.microsoft.com/office/powerpoint/2012/main">
+<p:sld xmlns:a="http://schemas.openxmlformats.org/drawingml/2006/main" xmlns:r="http://schemas.openxmlformats.org/officeDocument/2006/relationships" xmlns:p="http://schemas.openxmlformats.org/presentationml/2006/main">
   <p:cSld>
     <p:spTree>
       <p:nvGrpSpPr>
-        <p:cNvPr id="131" name="Shape 131"/>
+        <p:cNvPr id="1" name="Shape 131"/>
         <p:cNvGrpSpPr/>
         <p:nvPr/>
       </p:nvGrpSpPr>
@@ -8473,7 +8806,9 @@
       <p:sp>
         <p:nvSpPr>
           <p:cNvPr id="132" name="Google Shape;132;p25"/>
-          <p:cNvSpPr txBox="1"/>
+          <p:cNvSpPr txBox="1">
+            <a:spLocks noGrp="1"/>
+          </p:cNvSpPr>
           <p:nvPr>
             <p:ph type="title"/>
           </p:nvPr>
@@ -8488,12 +8823,12 @@
           </a:prstGeom>
         </p:spPr>
         <p:txBody>
-          <a:bodyPr anchorCtr="0" anchor="t" bIns="91425" lIns="91425" spcFirstLastPara="1" rIns="91425" wrap="square" tIns="91425">
+          <a:bodyPr spcFirstLastPara="1" wrap="square" lIns="91425" tIns="91425" rIns="91425" bIns="91425" anchor="t" anchorCtr="0">
             <a:noAutofit/>
           </a:bodyPr>
           <a:lstStyle/>
           <a:p>
-            <a:pPr indent="0" lvl="0" marL="0" marR="0" rtl="0" algn="l">
+            <a:pPr marL="0" marR="0" lvl="0" indent="0" algn="l" rtl="0">
               <a:lnSpc>
                 <a:spcPct val="100000"/>
               </a:lnSpc>
@@ -8516,9 +8851,11 @@
       <p:sp>
         <p:nvSpPr>
           <p:cNvPr id="133" name="Google Shape;133;p25"/>
-          <p:cNvSpPr txBox="1"/>
+          <p:cNvSpPr txBox="1">
+            <a:spLocks noGrp="1"/>
+          </p:cNvSpPr>
           <p:nvPr>
-            <p:ph idx="1" type="body"/>
+            <p:ph type="body" idx="1"/>
           </p:nvPr>
         </p:nvSpPr>
         <p:spPr>
@@ -8531,12 +8868,12 @@
           </a:prstGeom>
         </p:spPr>
         <p:txBody>
-          <a:bodyPr anchorCtr="0" anchor="t" bIns="91425" lIns="91425" spcFirstLastPara="1" rIns="91425" wrap="square" tIns="91425">
+          <a:bodyPr spcFirstLastPara="1" wrap="square" lIns="91425" tIns="91425" rIns="91425" bIns="91425" anchor="t" anchorCtr="0">
             <a:noAutofit/>
           </a:bodyPr>
           <a:lstStyle/>
           <a:p>
-            <a:pPr indent="0" lvl="0" marL="0" rtl="0" algn="l">
+            <a:pPr marL="0" lvl="0" indent="0" algn="l" rtl="0">
               <a:spcBef>
                 <a:spcPts val="0"/>
               </a:spcBef>
@@ -8545,9 +8882,6 @@
               </a:spcAft>
               <a:buNone/>
             </a:pPr>
-            <a:r>
-              <a:t/>
-            </a:r>
             <a:endParaRPr/>
           </a:p>
         </p:txBody>
@@ -8644,32 +8978,32 @@
   <p:timing>
     <p:tnLst>
       <p:par>
-        <p:cTn dur="indefinite" nodeType="tmRoot" restart="never">
+        <p:cTn id="1" dur="indefinite" restart="never" nodeType="tmRoot">
           <p:childTnLst>
             <p:seq concurrent="1" nextAc="seek">
-              <p:cTn dur="indefinite" id="2" nodeType="mainSeq">
+              <p:cTn id="2" dur="indefinite" nodeType="mainSeq">
                 <p:childTnLst>
                   <p:par>
-                    <p:cTn fill="hold">
+                    <p:cTn id="3" fill="hold">
                       <p:stCondLst>
                         <p:cond delay="indefinite"/>
                       </p:stCondLst>
                       <p:childTnLst>
                         <p:par>
-                          <p:cTn fill="hold">
+                          <p:cTn id="4" fill="hold">
                             <p:stCondLst>
                               <p:cond delay="0"/>
                             </p:stCondLst>
                             <p:childTnLst>
                               <p:par>
-                                <p:cTn fill="hold" nodeType="clickEffect" presetClass="entr" presetID="1" presetSubtype="0">
+                                <p:cTn id="5" presetID="1" presetClass="entr" presetSubtype="0" fill="hold" nodeType="clickEffect">
                                   <p:stCondLst>
                                     <p:cond delay="0"/>
                                   </p:stCondLst>
                                   <p:childTnLst>
                                     <p:set>
                                       <p:cBhvr>
-                                        <p:cTn dur="1" fill="hold">
+                                        <p:cTn id="6" dur="1" fill="hold">
                                           <p:stCondLst>
                                             <p:cond delay="0"/>
                                           </p:stCondLst>
@@ -8695,26 +9029,26 @@
                     </p:cTn>
                   </p:par>
                   <p:par>
-                    <p:cTn fill="hold">
+                    <p:cTn id="7" fill="hold">
                       <p:stCondLst>
                         <p:cond delay="indefinite"/>
                       </p:stCondLst>
                       <p:childTnLst>
                         <p:par>
-                          <p:cTn fill="hold">
+                          <p:cTn id="8" fill="hold">
                             <p:stCondLst>
                               <p:cond delay="0"/>
                             </p:stCondLst>
                             <p:childTnLst>
                               <p:par>
-                                <p:cTn fill="hold" nodeType="clickEffect" presetClass="exit" presetID="1" presetSubtype="0">
+                                <p:cTn id="9" presetID="1" presetClass="exit" presetSubtype="0" fill="hold" nodeType="clickEffect">
                                   <p:stCondLst>
                                     <p:cond delay="0"/>
                                   </p:stCondLst>
                                   <p:childTnLst>
                                     <p:set>
                                       <p:cBhvr>
-                                        <p:cTn dur="1" fill="hold">
+                                        <p:cTn id="10" dur="1" fill="hold">
                                           <p:stCondLst>
                                             <p:cond delay="1000"/>
                                           </p:stCondLst>
@@ -8737,20 +9071,20 @@
                           </p:cTn>
                         </p:par>
                         <p:par>
-                          <p:cTn fill="hold">
+                          <p:cTn id="11" fill="hold">
                             <p:stCondLst>
                               <p:cond delay="1000"/>
                             </p:stCondLst>
                             <p:childTnLst>
                               <p:par>
-                                <p:cTn fill="hold" nodeType="afterEffect" presetClass="entr" presetID="1" presetSubtype="0">
+                                <p:cTn id="12" presetID="1" presetClass="entr" presetSubtype="0" fill="hold" nodeType="afterEffect">
                                   <p:stCondLst>
                                     <p:cond delay="0"/>
                                   </p:stCondLst>
                                   <p:childTnLst>
                                     <p:set>
                                       <p:cBhvr>
-                                        <p:cTn dur="1" fill="hold">
+                                        <p:cTn id="13" dur="1" fill="hold">
                                           <p:stCondLst>
                                             <p:cond delay="0"/>
                                           </p:stCondLst>
@@ -8776,26 +9110,26 @@
                     </p:cTn>
                   </p:par>
                   <p:par>
-                    <p:cTn fill="hold">
+                    <p:cTn id="14" fill="hold">
                       <p:stCondLst>
                         <p:cond delay="indefinite"/>
                       </p:stCondLst>
                       <p:childTnLst>
                         <p:par>
-                          <p:cTn fill="hold">
+                          <p:cTn id="15" fill="hold">
                             <p:stCondLst>
                               <p:cond delay="0"/>
                             </p:stCondLst>
                             <p:childTnLst>
                               <p:par>
-                                <p:cTn fill="hold" nodeType="clickEffect" presetClass="exit" presetID="1" presetSubtype="0">
+                                <p:cTn id="16" presetID="1" presetClass="exit" presetSubtype="0" fill="hold" nodeType="clickEffect">
                                   <p:stCondLst>
                                     <p:cond delay="0"/>
                                   </p:stCondLst>
                                   <p:childTnLst>
                                     <p:set>
                                       <p:cBhvr>
-                                        <p:cTn dur="1" fill="hold">
+                                        <p:cTn id="17" dur="1" fill="hold">
                                           <p:stCondLst>
                                             <p:cond delay="1000"/>
                                           </p:stCondLst>
@@ -8818,20 +9152,20 @@
                           </p:cTn>
                         </p:par>
                         <p:par>
-                          <p:cTn fill="hold">
+                          <p:cTn id="18" fill="hold">
                             <p:stCondLst>
                               <p:cond delay="1000"/>
                             </p:stCondLst>
                             <p:childTnLst>
                               <p:par>
-                                <p:cTn fill="hold" nodeType="afterEffect" presetClass="entr" presetID="1" presetSubtype="0">
+                                <p:cTn id="19" presetID="1" presetClass="entr" presetSubtype="0" fill="hold" nodeType="afterEffect">
                                   <p:stCondLst>
                                     <p:cond delay="0"/>
                                   </p:stCondLst>
                                   <p:childTnLst>
                                     <p:set>
                                       <p:cBhvr>
-                                        <p:cTn dur="1" fill="hold">
+                                        <p:cTn id="20" dur="1" fill="hold">
                                           <p:stCondLst>
                                             <p:cond delay="0"/>
                                           </p:stCondLst>
@@ -8857,26 +9191,26 @@
                     </p:cTn>
                   </p:par>
                   <p:par>
-                    <p:cTn fill="hold">
+                    <p:cTn id="21" fill="hold">
                       <p:stCondLst>
                         <p:cond delay="indefinite"/>
                       </p:stCondLst>
                       <p:childTnLst>
                         <p:par>
-                          <p:cTn fill="hold">
+                          <p:cTn id="22" fill="hold">
                             <p:stCondLst>
                               <p:cond delay="0"/>
                             </p:stCondLst>
                             <p:childTnLst>
                               <p:par>
-                                <p:cTn fill="hold" nodeType="clickEffect" presetClass="exit" presetID="1" presetSubtype="0">
+                                <p:cTn id="23" presetID="1" presetClass="exit" presetSubtype="0" fill="hold" nodeType="clickEffect">
                                   <p:stCondLst>
                                     <p:cond delay="0"/>
                                   </p:stCondLst>
                                   <p:childTnLst>
                                     <p:set>
                                       <p:cBhvr>
-                                        <p:cTn dur="1" fill="hold">
+                                        <p:cTn id="24" dur="1" fill="hold">
                                           <p:stCondLst>
                                             <p:cond delay="1000"/>
                                           </p:stCondLst>
@@ -8904,14 +9238,14 @@
                 </p:childTnLst>
               </p:cTn>
               <p:prevCondLst>
-                <p:cond evt="onPrev">
+                <p:cond evt="onPrev" delay="0">
                   <p:tgtEl>
                     <p:sldTgt/>
                   </p:tgtEl>
                 </p:cond>
               </p:prevCondLst>
               <p:nextCondLst>
-                <p:cond evt="onNext">
+                <p:cond evt="onNext" delay="0">
                   <p:tgtEl>
                     <p:sldTgt/>
                   </p:tgtEl>
@@ -8927,11 +9261,11 @@
 </file>
 
 <file path=ppt/slides/slide14.xml><?xml version="1.0" encoding="utf-8"?>
-<p:sld xmlns:a="http://schemas.openxmlformats.org/drawingml/2006/main" xmlns:r="http://schemas.openxmlformats.org/officeDocument/2006/relationships" xmlns:mc="http://schemas.openxmlformats.org/markup-compatibility/2006" xmlns:mv="urn:schemas-microsoft-com:mac:vml" xmlns:p="http://schemas.openxmlformats.org/presentationml/2006/main" xmlns:c="http://schemas.openxmlformats.org/drawingml/2006/chart" xmlns:dgm="http://schemas.openxmlformats.org/drawingml/2006/diagram" xmlns:o="urn:schemas-microsoft-com:office:office" xmlns:v="urn:schemas-microsoft-com:vml" xmlns:pvml="urn:schemas-microsoft-com:office:powerpoint" xmlns:com="http://schemas.openxmlformats.org/drawingml/2006/compatibility" xmlns:p14="http://schemas.microsoft.com/office/powerpoint/2010/main" xmlns:p15="http://schemas.microsoft.com/office/powerpoint/2012/main">
+<p:sld xmlns:a="http://schemas.openxmlformats.org/drawingml/2006/main" xmlns:r="http://schemas.openxmlformats.org/officeDocument/2006/relationships" xmlns:p="http://schemas.openxmlformats.org/presentationml/2006/main">
   <p:cSld>
     <p:spTree>
       <p:nvGrpSpPr>
-        <p:cNvPr id="140" name="Shape 140"/>
+        <p:cNvPr id="1" name="Shape 140"/>
         <p:cNvGrpSpPr/>
         <p:nvPr/>
       </p:nvGrpSpPr>
@@ -8946,7 +9280,9 @@
       <p:sp>
         <p:nvSpPr>
           <p:cNvPr id="141" name="Google Shape;141;p26"/>
-          <p:cNvSpPr txBox="1"/>
+          <p:cNvSpPr txBox="1">
+            <a:spLocks noGrp="1"/>
+          </p:cNvSpPr>
           <p:nvPr>
             <p:ph type="title"/>
           </p:nvPr>
@@ -8961,12 +9297,12 @@
           </a:prstGeom>
         </p:spPr>
         <p:txBody>
-          <a:bodyPr anchorCtr="0" anchor="t" bIns="91425" lIns="91425" spcFirstLastPara="1" rIns="91425" wrap="square" tIns="91425">
+          <a:bodyPr spcFirstLastPara="1" wrap="square" lIns="91425" tIns="91425" rIns="91425" bIns="91425" anchor="t" anchorCtr="0">
             <a:noAutofit/>
           </a:bodyPr>
           <a:lstStyle/>
           <a:p>
-            <a:pPr indent="0" lvl="0" marL="0" rtl="0" algn="l">
+            <a:pPr marL="0" lvl="0" indent="0" algn="l" rtl="0">
               <a:spcBef>
                 <a:spcPts val="0"/>
               </a:spcBef>
@@ -8986,9 +9322,11 @@
       <p:sp>
         <p:nvSpPr>
           <p:cNvPr id="142" name="Google Shape;142;p26"/>
-          <p:cNvSpPr txBox="1"/>
+          <p:cNvSpPr txBox="1">
+            <a:spLocks noGrp="1"/>
+          </p:cNvSpPr>
           <p:nvPr>
-            <p:ph idx="1" type="body"/>
+            <p:ph type="body" idx="1"/>
           </p:nvPr>
         </p:nvSpPr>
         <p:spPr>
@@ -9001,12 +9339,12 @@
           </a:prstGeom>
         </p:spPr>
         <p:txBody>
-          <a:bodyPr anchorCtr="0" anchor="t" bIns="91425" lIns="91425" spcFirstLastPara="1" rIns="91425" wrap="square" tIns="91425">
+          <a:bodyPr spcFirstLastPara="1" wrap="square" lIns="91425" tIns="91425" rIns="91425" bIns="91425" anchor="t" anchorCtr="0">
             <a:noAutofit/>
           </a:bodyPr>
           <a:lstStyle/>
           <a:p>
-            <a:pPr indent="0" lvl="0" marL="0" rtl="0" algn="l">
+            <a:pPr marL="0" lvl="0" indent="0" algn="l" rtl="0">
               <a:spcBef>
                 <a:spcPts val="0"/>
               </a:spcBef>
@@ -9015,9 +9353,6 @@
               </a:spcAft>
               <a:buNone/>
             </a:pPr>
-            <a:r>
-              <a:t/>
-            </a:r>
             <a:endParaRPr/>
           </a:p>
         </p:txBody>
@@ -9059,11 +9394,11 @@
 </file>
 
 <file path=ppt/slides/slide15.xml><?xml version="1.0" encoding="utf-8"?>
-<p:sld xmlns:a="http://schemas.openxmlformats.org/drawingml/2006/main" xmlns:r="http://schemas.openxmlformats.org/officeDocument/2006/relationships" xmlns:mc="http://schemas.openxmlformats.org/markup-compatibility/2006" xmlns:mv="urn:schemas-microsoft-com:mac:vml" xmlns:p="http://schemas.openxmlformats.org/presentationml/2006/main" xmlns:c="http://schemas.openxmlformats.org/drawingml/2006/chart" xmlns:dgm="http://schemas.openxmlformats.org/drawingml/2006/diagram" xmlns:o="urn:schemas-microsoft-com:office:office" xmlns:v="urn:schemas-microsoft-com:vml" xmlns:pvml="urn:schemas-microsoft-com:office:powerpoint" xmlns:com="http://schemas.openxmlformats.org/drawingml/2006/compatibility" xmlns:p14="http://schemas.microsoft.com/office/powerpoint/2010/main" xmlns:p15="http://schemas.microsoft.com/office/powerpoint/2012/main">
+<p:sld xmlns:a="http://schemas.openxmlformats.org/drawingml/2006/main" xmlns:r="http://schemas.openxmlformats.org/officeDocument/2006/relationships" xmlns:p="http://schemas.openxmlformats.org/presentationml/2006/main">
   <p:cSld>
     <p:spTree>
       <p:nvGrpSpPr>
-        <p:cNvPr id="147" name="Shape 147"/>
+        <p:cNvPr id="1" name="Shape 147"/>
         <p:cNvGrpSpPr/>
         <p:nvPr/>
       </p:nvGrpSpPr>
@@ -9078,7 +9413,9 @@
       <p:sp>
         <p:nvSpPr>
           <p:cNvPr id="148" name="Google Shape;148;p27"/>
-          <p:cNvSpPr txBox="1"/>
+          <p:cNvSpPr txBox="1">
+            <a:spLocks noGrp="1"/>
+          </p:cNvSpPr>
           <p:nvPr>
             <p:ph type="title"/>
           </p:nvPr>
@@ -9093,12 +9430,12 @@
           </a:prstGeom>
         </p:spPr>
         <p:txBody>
-          <a:bodyPr anchorCtr="0" anchor="t" bIns="91425" lIns="91425" spcFirstLastPara="1" rIns="91425" wrap="square" tIns="91425">
+          <a:bodyPr spcFirstLastPara="1" wrap="square" lIns="91425" tIns="91425" rIns="91425" bIns="91425" anchor="t" anchorCtr="0">
             <a:noAutofit/>
           </a:bodyPr>
           <a:lstStyle/>
           <a:p>
-            <a:pPr indent="0" lvl="0" marL="0" rtl="0" algn="l">
+            <a:pPr marL="0" lvl="0" indent="0" algn="l" rtl="0">
               <a:spcBef>
                 <a:spcPts val="0"/>
               </a:spcBef>
@@ -9118,9 +9455,11 @@
       <p:sp>
         <p:nvSpPr>
           <p:cNvPr id="149" name="Google Shape;149;p27"/>
-          <p:cNvSpPr txBox="1"/>
+          <p:cNvSpPr txBox="1">
+            <a:spLocks noGrp="1"/>
+          </p:cNvSpPr>
           <p:nvPr>
-            <p:ph idx="1" type="body"/>
+            <p:ph type="body" idx="1"/>
           </p:nvPr>
         </p:nvSpPr>
         <p:spPr>
@@ -9133,12 +9472,12 @@
           </a:prstGeom>
         </p:spPr>
         <p:txBody>
-          <a:bodyPr anchorCtr="0" anchor="t" bIns="91425" lIns="91425" spcFirstLastPara="1" rIns="91425" wrap="square" tIns="91425">
+          <a:bodyPr spcFirstLastPara="1" wrap="square" lIns="91425" tIns="91425" rIns="91425" bIns="91425" anchor="t" anchorCtr="0">
             <a:noAutofit/>
           </a:bodyPr>
           <a:lstStyle/>
           <a:p>
-            <a:pPr indent="0" lvl="0" marL="0" rtl="0" algn="l">
+            <a:pPr marL="0" lvl="0" indent="0" algn="l" rtl="0">
               <a:spcBef>
                 <a:spcPts val="0"/>
               </a:spcBef>
@@ -9149,16 +9488,12 @@
             </a:pPr>
             <a:r>
               <a:rPr lang="en"/>
-              <a:t>ANOVA: F-Statistic=29.37, P-value=</a:t>
-            </a:r>
-            <a:r>
-              <a:rPr lang="en"/>
-              <a:t>4.42e-24</a:t>
+              <a:t>ANOVA: F-Statistic=29.37, P-value=4.42e-24</a:t>
             </a:r>
             <a:endParaRPr/>
           </a:p>
           <a:p>
-            <a:pPr indent="0" lvl="0" marL="0" rtl="0" algn="l">
+            <a:pPr marL="0" lvl="0" indent="0" algn="l" rtl="0">
               <a:spcBef>
                 <a:spcPts val="0"/>
               </a:spcBef>
@@ -9240,11 +9575,11 @@
 </file>
 
 <file path=ppt/slides/slide16.xml><?xml version="1.0" encoding="utf-8"?>
-<p:sld xmlns:a="http://schemas.openxmlformats.org/drawingml/2006/main" xmlns:r="http://schemas.openxmlformats.org/officeDocument/2006/relationships" xmlns:mc="http://schemas.openxmlformats.org/markup-compatibility/2006" xmlns:mv="urn:schemas-microsoft-com:mac:vml" xmlns:p="http://schemas.openxmlformats.org/presentationml/2006/main" xmlns:c="http://schemas.openxmlformats.org/drawingml/2006/chart" xmlns:dgm="http://schemas.openxmlformats.org/drawingml/2006/diagram" xmlns:o="urn:schemas-microsoft-com:office:office" xmlns:v="urn:schemas-microsoft-com:vml" xmlns:pvml="urn:schemas-microsoft-com:office:powerpoint" xmlns:com="http://schemas.openxmlformats.org/drawingml/2006/compatibility" xmlns:p14="http://schemas.microsoft.com/office/powerpoint/2010/main" xmlns:p15="http://schemas.microsoft.com/office/powerpoint/2012/main">
+<p:sld xmlns:a="http://schemas.openxmlformats.org/drawingml/2006/main" xmlns:r="http://schemas.openxmlformats.org/officeDocument/2006/relationships" xmlns:p="http://schemas.openxmlformats.org/presentationml/2006/main">
   <p:cSld>
     <p:spTree>
       <p:nvGrpSpPr>
-        <p:cNvPr id="155" name="Shape 155"/>
+        <p:cNvPr id="1" name="Shape 155"/>
         <p:cNvGrpSpPr/>
         <p:nvPr/>
       </p:nvGrpSpPr>
@@ -9259,7 +9594,9 @@
       <p:sp>
         <p:nvSpPr>
           <p:cNvPr id="156" name="Google Shape;156;p28"/>
-          <p:cNvSpPr txBox="1"/>
+          <p:cNvSpPr txBox="1">
+            <a:spLocks noGrp="1"/>
+          </p:cNvSpPr>
           <p:nvPr>
             <p:ph type="title"/>
           </p:nvPr>
@@ -9274,12 +9611,12 @@
           </a:prstGeom>
         </p:spPr>
         <p:txBody>
-          <a:bodyPr anchorCtr="0" anchor="t" bIns="91425" lIns="91425" spcFirstLastPara="1" rIns="91425" wrap="square" tIns="91425">
+          <a:bodyPr spcFirstLastPara="1" wrap="square" lIns="91425" tIns="91425" rIns="91425" bIns="91425" anchor="t" anchorCtr="0">
             <a:noAutofit/>
           </a:bodyPr>
           <a:lstStyle/>
           <a:p>
-            <a:pPr indent="0" lvl="0" marL="0" rtl="0" algn="l">
+            <a:pPr marL="0" lvl="0" indent="0" algn="l" rtl="0">
               <a:spcBef>
                 <a:spcPts val="0"/>
               </a:spcBef>
@@ -9299,9 +9636,11 @@
       <p:sp>
         <p:nvSpPr>
           <p:cNvPr id="157" name="Google Shape;157;p28"/>
-          <p:cNvSpPr txBox="1"/>
+          <p:cNvSpPr txBox="1">
+            <a:spLocks noGrp="1"/>
+          </p:cNvSpPr>
           <p:nvPr>
-            <p:ph idx="1" type="body"/>
+            <p:ph type="body" idx="1"/>
           </p:nvPr>
         </p:nvSpPr>
         <p:spPr>
@@ -9314,12 +9653,12 @@
           </a:prstGeom>
         </p:spPr>
         <p:txBody>
-          <a:bodyPr anchorCtr="0" anchor="t" bIns="91425" lIns="91425" spcFirstLastPara="1" rIns="91425" wrap="square" tIns="91425">
+          <a:bodyPr spcFirstLastPara="1" wrap="square" lIns="91425" tIns="91425" rIns="91425" bIns="91425" anchor="t" anchorCtr="0">
             <a:noAutofit/>
           </a:bodyPr>
           <a:lstStyle/>
           <a:p>
-            <a:pPr indent="0" lvl="0" marL="0" rtl="0" algn="l">
+            <a:pPr marL="0" lvl="0" indent="0" algn="l" rtl="0">
               <a:spcBef>
                 <a:spcPts val="0"/>
               </a:spcBef>
@@ -9335,7 +9674,7 @@
             <a:endParaRPr/>
           </a:p>
           <a:p>
-            <a:pPr indent="0" lvl="0" marL="0" rtl="0" algn="l">
+            <a:pPr marL="0" lvl="0" indent="0" algn="l" rtl="0">
               <a:spcBef>
                 <a:spcPts val="1600"/>
               </a:spcBef>
@@ -9346,16 +9685,12 @@
             </a:pPr>
             <a:r>
               <a:rPr lang="en"/>
-              <a:t>S</a:t>
-            </a:r>
-            <a:r>
-              <a:rPr lang="en"/>
-              <a:t>tatistic=-21.56</a:t>
+              <a:t>Statistic=-21.56</a:t>
             </a:r>
             <a:endParaRPr/>
           </a:p>
           <a:p>
-            <a:pPr indent="0" lvl="0" marL="0" rtl="0" algn="l">
+            <a:pPr marL="0" lvl="0" indent="0" algn="l" rtl="0">
               <a:spcBef>
                 <a:spcPts val="1600"/>
               </a:spcBef>
@@ -9371,7 +9706,7 @@
             <a:endParaRPr/>
           </a:p>
           <a:p>
-            <a:pPr indent="0" lvl="0" marL="0" rtl="0" algn="l">
+            <a:pPr marL="0" lvl="0" indent="0" algn="l" rtl="0">
               <a:spcBef>
                 <a:spcPts val="1600"/>
               </a:spcBef>
@@ -9387,7 +9722,7 @@
             <a:endParaRPr/>
           </a:p>
           <a:p>
-            <a:pPr indent="0" lvl="0" marL="0" rtl="0" algn="l">
+            <a:pPr marL="0" lvl="0" indent="0" algn="l" rtl="0">
               <a:spcBef>
                 <a:spcPts val="1600"/>
               </a:spcBef>
@@ -9446,11 +9781,11 @@
 </file>
 
 <file path=ppt/slides/slide17.xml><?xml version="1.0" encoding="utf-8"?>
-<p:sld xmlns:a="http://schemas.openxmlformats.org/drawingml/2006/main" xmlns:r="http://schemas.openxmlformats.org/officeDocument/2006/relationships" xmlns:mc="http://schemas.openxmlformats.org/markup-compatibility/2006" xmlns:mv="urn:schemas-microsoft-com:mac:vml" xmlns:p="http://schemas.openxmlformats.org/presentationml/2006/main" xmlns:c="http://schemas.openxmlformats.org/drawingml/2006/chart" xmlns:dgm="http://schemas.openxmlformats.org/drawingml/2006/diagram" xmlns:o="urn:schemas-microsoft-com:office:office" xmlns:v="urn:schemas-microsoft-com:vml" xmlns:pvml="urn:schemas-microsoft-com:office:powerpoint" xmlns:com="http://schemas.openxmlformats.org/drawingml/2006/compatibility" xmlns:p14="http://schemas.microsoft.com/office/powerpoint/2010/main" xmlns:p15="http://schemas.microsoft.com/office/powerpoint/2012/main">
+<p:sld xmlns:a="http://schemas.openxmlformats.org/drawingml/2006/main" xmlns:r="http://schemas.openxmlformats.org/officeDocument/2006/relationships" xmlns:p="http://schemas.openxmlformats.org/presentationml/2006/main">
   <p:cSld>
     <p:spTree>
       <p:nvGrpSpPr>
-        <p:cNvPr id="162" name="Shape 162"/>
+        <p:cNvPr id="1" name="Shape 162"/>
         <p:cNvGrpSpPr/>
         <p:nvPr/>
       </p:nvGrpSpPr>
@@ -9465,7 +9800,9 @@
       <p:sp>
         <p:nvSpPr>
           <p:cNvPr id="163" name="Google Shape;163;p29"/>
-          <p:cNvSpPr txBox="1"/>
+          <p:cNvSpPr txBox="1">
+            <a:spLocks noGrp="1"/>
+          </p:cNvSpPr>
           <p:nvPr>
             <p:ph type="title"/>
           </p:nvPr>
@@ -9480,12 +9817,12 @@
           </a:prstGeom>
         </p:spPr>
         <p:txBody>
-          <a:bodyPr anchorCtr="0" anchor="t" bIns="91425" lIns="91425" spcFirstLastPara="1" rIns="91425" wrap="square" tIns="91425">
+          <a:bodyPr spcFirstLastPara="1" wrap="square" lIns="91425" tIns="91425" rIns="91425" bIns="91425" anchor="t" anchorCtr="0">
             <a:noAutofit/>
           </a:bodyPr>
           <a:lstStyle/>
           <a:p>
-            <a:pPr indent="0" lvl="0" marL="0" rtl="0" algn="l">
+            <a:pPr marL="0" lvl="0" indent="0" algn="l" rtl="0">
               <a:spcBef>
                 <a:spcPts val="0"/>
               </a:spcBef>
@@ -9505,9 +9842,11 @@
       <p:sp>
         <p:nvSpPr>
           <p:cNvPr id="164" name="Google Shape;164;p29"/>
-          <p:cNvSpPr txBox="1"/>
+          <p:cNvSpPr txBox="1">
+            <a:spLocks noGrp="1"/>
+          </p:cNvSpPr>
           <p:nvPr>
-            <p:ph idx="1" type="body"/>
+            <p:ph type="body" idx="1"/>
           </p:nvPr>
         </p:nvSpPr>
         <p:spPr>
@@ -9520,12 +9859,12 @@
           </a:prstGeom>
         </p:spPr>
         <p:txBody>
-          <a:bodyPr anchorCtr="0" anchor="t" bIns="91425" lIns="91425" spcFirstLastPara="1" rIns="91425" wrap="square" tIns="91425">
+          <a:bodyPr spcFirstLastPara="1" wrap="square" lIns="91425" tIns="91425" rIns="91425" bIns="91425" anchor="t" anchorCtr="0">
             <a:noAutofit/>
           </a:bodyPr>
           <a:lstStyle/>
           <a:p>
-            <a:pPr indent="0" lvl="0" marL="0" rtl="0" algn="l">
+            <a:pPr marL="0" lvl="0" indent="0" algn="l" rtl="0">
               <a:spcBef>
                 <a:spcPts val="0"/>
               </a:spcBef>
@@ -9541,7 +9880,7 @@
             <a:endParaRPr/>
           </a:p>
           <a:p>
-            <a:pPr indent="0" lvl="0" marL="0" rtl="0" algn="l">
+            <a:pPr marL="0" lvl="0" indent="0" algn="l" rtl="0">
               <a:spcBef>
                 <a:spcPts val="0"/>
               </a:spcBef>
@@ -9557,7 +9896,7 @@
             <a:endParaRPr/>
           </a:p>
           <a:p>
-            <a:pPr indent="0" lvl="0" marL="0" rtl="0" algn="l">
+            <a:pPr marL="0" lvl="0" indent="0" algn="l" rtl="0">
               <a:spcBef>
                 <a:spcPts val="0"/>
               </a:spcBef>
@@ -9568,16 +9907,12 @@
             </a:pPr>
             <a:r>
               <a:rPr lang="en"/>
-              <a:t>P-value=</a:t>
-            </a:r>
-            <a:r>
-              <a:rPr lang="en"/>
-              <a:t>2.75e-15</a:t>
+              <a:t>P-value=2.75e-15</a:t>
             </a:r>
             <a:endParaRPr/>
           </a:p>
           <a:p>
-            <a:pPr indent="0" lvl="0" marL="0" rtl="0" algn="l">
+            <a:pPr marL="0" lvl="0" indent="0" algn="l" rtl="0">
               <a:spcBef>
                 <a:spcPts val="1600"/>
               </a:spcBef>
@@ -9586,9 +9921,6 @@
               </a:spcAft>
               <a:buNone/>
             </a:pPr>
-            <a:r>
-              <a:t/>
-            </a:r>
             <a:endParaRPr/>
           </a:p>
         </p:txBody>
@@ -9596,9 +9928,11 @@
       <p:sp>
         <p:nvSpPr>
           <p:cNvPr id="165" name="Google Shape;165;p29"/>
-          <p:cNvSpPr txBox="1"/>
+          <p:cNvSpPr txBox="1">
+            <a:spLocks noGrp="1"/>
+          </p:cNvSpPr>
           <p:nvPr>
-            <p:ph idx="1" type="body"/>
+            <p:ph type="body" idx="1"/>
           </p:nvPr>
         </p:nvSpPr>
         <p:spPr>
@@ -9611,12 +9945,12 @@
           </a:prstGeom>
         </p:spPr>
         <p:txBody>
-          <a:bodyPr anchorCtr="0" anchor="t" bIns="91425" lIns="91425" spcFirstLastPara="1" rIns="91425" wrap="square" tIns="91425">
+          <a:bodyPr spcFirstLastPara="1" wrap="square" lIns="91425" tIns="91425" rIns="91425" bIns="91425" anchor="t" anchorCtr="0">
             <a:noAutofit/>
           </a:bodyPr>
           <a:lstStyle/>
           <a:p>
-            <a:pPr indent="0" lvl="0" marL="0" rtl="0" algn="l">
+            <a:pPr marL="0" lvl="0" indent="0" algn="l" rtl="0">
               <a:spcBef>
                 <a:spcPts val="0"/>
               </a:spcBef>
@@ -9632,7 +9966,7 @@
             <a:endParaRPr/>
           </a:p>
           <a:p>
-            <a:pPr indent="0" lvl="0" marL="0" rtl="0" algn="l">
+            <a:pPr marL="0" lvl="0" indent="0" algn="l" rtl="0">
               <a:spcBef>
                 <a:spcPts val="0"/>
               </a:spcBef>
@@ -9648,7 +9982,7 @@
             <a:endParaRPr/>
           </a:p>
           <a:p>
-            <a:pPr indent="0" lvl="0" marL="0" rtl="0" algn="l">
+            <a:pPr marL="0" lvl="0" indent="0" algn="l" rtl="0">
               <a:spcBef>
                 <a:spcPts val="0"/>
               </a:spcBef>
@@ -9659,11 +9993,7 @@
             </a:pPr>
             <a:r>
               <a:rPr lang="en"/>
-              <a:t>P-value=</a:t>
-            </a:r>
-            <a:r>
-              <a:rPr lang="en"/>
-              <a:t>1.07e-14</a:t>
+              <a:t>P-value=1.07e-14</a:t>
             </a:r>
             <a:endParaRPr/>
           </a:p>
@@ -9734,11 +10064,11 @@
 </file>
 
 <file path=ppt/slides/slide18.xml><?xml version="1.0" encoding="utf-8"?>
-<p:sld xmlns:a="http://schemas.openxmlformats.org/drawingml/2006/main" xmlns:r="http://schemas.openxmlformats.org/officeDocument/2006/relationships" xmlns:mc="http://schemas.openxmlformats.org/markup-compatibility/2006" xmlns:mv="urn:schemas-microsoft-com:mac:vml" xmlns:p="http://schemas.openxmlformats.org/presentationml/2006/main" xmlns:c="http://schemas.openxmlformats.org/drawingml/2006/chart" xmlns:dgm="http://schemas.openxmlformats.org/drawingml/2006/diagram" xmlns:o="urn:schemas-microsoft-com:office:office" xmlns:v="urn:schemas-microsoft-com:vml" xmlns:pvml="urn:schemas-microsoft-com:office:powerpoint" xmlns:com="http://schemas.openxmlformats.org/drawingml/2006/compatibility" xmlns:p14="http://schemas.microsoft.com/office/powerpoint/2010/main" xmlns:p15="http://schemas.microsoft.com/office/powerpoint/2012/main">
+<p:sld xmlns:a="http://schemas.openxmlformats.org/drawingml/2006/main" xmlns:r="http://schemas.openxmlformats.org/officeDocument/2006/relationships" xmlns:p="http://schemas.openxmlformats.org/presentationml/2006/main">
   <p:cSld>
     <p:spTree>
       <p:nvGrpSpPr>
-        <p:cNvPr id="171" name="Shape 171"/>
+        <p:cNvPr id="1" name="Shape 171"/>
         <p:cNvGrpSpPr/>
         <p:nvPr/>
       </p:nvGrpSpPr>
@@ -9753,7 +10083,9 @@
       <p:sp>
         <p:nvSpPr>
           <p:cNvPr id="172" name="Google Shape;172;p30"/>
-          <p:cNvSpPr txBox="1"/>
+          <p:cNvSpPr txBox="1">
+            <a:spLocks noGrp="1"/>
+          </p:cNvSpPr>
           <p:nvPr>
             <p:ph type="title"/>
           </p:nvPr>
@@ -9768,12 +10100,12 @@
           </a:prstGeom>
         </p:spPr>
         <p:txBody>
-          <a:bodyPr anchorCtr="0" anchor="t" bIns="91425" lIns="91425" spcFirstLastPara="1" rIns="91425" wrap="square" tIns="91425">
+          <a:bodyPr spcFirstLastPara="1" wrap="square" lIns="91425" tIns="91425" rIns="91425" bIns="91425" anchor="t" anchorCtr="0">
             <a:noAutofit/>
           </a:bodyPr>
           <a:lstStyle/>
           <a:p>
-            <a:pPr indent="0" lvl="0" marL="0" rtl="0" algn="l">
+            <a:pPr marL="0" lvl="0" indent="0" algn="l" rtl="0">
               <a:spcBef>
                 <a:spcPts val="0"/>
               </a:spcBef>
@@ -9793,9 +10125,11 @@
       <p:sp>
         <p:nvSpPr>
           <p:cNvPr id="173" name="Google Shape;173;p30"/>
-          <p:cNvSpPr txBox="1"/>
+          <p:cNvSpPr txBox="1">
+            <a:spLocks noGrp="1"/>
+          </p:cNvSpPr>
           <p:nvPr>
-            <p:ph idx="1" type="body"/>
+            <p:ph type="body" idx="1"/>
           </p:nvPr>
         </p:nvSpPr>
         <p:spPr>
@@ -9808,12 +10142,12 @@
           </a:prstGeom>
         </p:spPr>
         <p:txBody>
-          <a:bodyPr anchorCtr="0" anchor="t" bIns="91425" lIns="91425" spcFirstLastPara="1" rIns="91425" wrap="square" tIns="91425">
+          <a:bodyPr spcFirstLastPara="1" wrap="square" lIns="91425" tIns="91425" rIns="91425" bIns="91425" anchor="t" anchorCtr="0">
             <a:noAutofit/>
           </a:bodyPr>
           <a:lstStyle/>
           <a:p>
-            <a:pPr indent="0" lvl="0" marL="0" rtl="0" algn="l">
+            <a:pPr marL="0" lvl="0" indent="0" algn="l" rtl="0">
               <a:spcBef>
                 <a:spcPts val="0"/>
               </a:spcBef>
@@ -9822,9 +10156,6 @@
               </a:spcAft>
               <a:buNone/>
             </a:pPr>
-            <a:r>
-              <a:t/>
-            </a:r>
             <a:endParaRPr/>
           </a:p>
         </p:txBody>
@@ -9921,32 +10252,32 @@
   <p:timing>
     <p:tnLst>
       <p:par>
-        <p:cTn dur="indefinite" nodeType="tmRoot" restart="never">
+        <p:cTn id="1" dur="indefinite" restart="never" nodeType="tmRoot">
           <p:childTnLst>
             <p:seq concurrent="1" nextAc="seek">
-              <p:cTn dur="indefinite" id="2" nodeType="mainSeq">
+              <p:cTn id="2" dur="indefinite" nodeType="mainSeq">
                 <p:childTnLst>
                   <p:par>
-                    <p:cTn fill="hold">
+                    <p:cTn id="3" fill="hold">
                       <p:stCondLst>
                         <p:cond delay="indefinite"/>
                       </p:stCondLst>
                       <p:childTnLst>
                         <p:par>
-                          <p:cTn fill="hold">
+                          <p:cTn id="4" fill="hold">
                             <p:stCondLst>
                               <p:cond delay="0"/>
                             </p:stCondLst>
                             <p:childTnLst>
                               <p:par>
-                                <p:cTn fill="hold" nodeType="clickEffect" presetClass="exit" presetID="1" presetSubtype="0">
+                                <p:cTn id="5" presetID="1" presetClass="exit" presetSubtype="0" fill="hold" nodeType="clickEffect">
                                   <p:stCondLst>
                                     <p:cond delay="0"/>
                                   </p:stCondLst>
                                   <p:childTnLst>
                                     <p:set>
                                       <p:cBhvr>
-                                        <p:cTn dur="1" fill="hold">
+                                        <p:cTn id="6" dur="1" fill="hold">
                                           <p:stCondLst>
                                             <p:cond delay="1000"/>
                                           </p:stCondLst>
@@ -9972,26 +10303,26 @@
                     </p:cTn>
                   </p:par>
                   <p:par>
-                    <p:cTn fill="hold">
+                    <p:cTn id="7" fill="hold">
                       <p:stCondLst>
                         <p:cond delay="indefinite"/>
                       </p:stCondLst>
                       <p:childTnLst>
                         <p:par>
-                          <p:cTn fill="hold">
+                          <p:cTn id="8" fill="hold">
                             <p:stCondLst>
                               <p:cond delay="0"/>
                             </p:stCondLst>
                             <p:childTnLst>
                               <p:par>
-                                <p:cTn fill="hold" nodeType="clickEffect" presetClass="exit" presetID="1" presetSubtype="0">
+                                <p:cTn id="9" presetID="1" presetClass="exit" presetSubtype="0" fill="hold" nodeType="clickEffect">
                                   <p:stCondLst>
                                     <p:cond delay="0"/>
                                   </p:stCondLst>
                                   <p:childTnLst>
                                     <p:set>
                                       <p:cBhvr>
-                                        <p:cTn dur="1" fill="hold">
+                                        <p:cTn id="10" dur="1" fill="hold">
                                           <p:stCondLst>
                                             <p:cond delay="1000"/>
                                           </p:stCondLst>
@@ -10017,26 +10348,26 @@
                     </p:cTn>
                   </p:par>
                   <p:par>
-                    <p:cTn fill="hold">
+                    <p:cTn id="11" fill="hold">
                       <p:stCondLst>
                         <p:cond delay="indefinite"/>
                       </p:stCondLst>
                       <p:childTnLst>
                         <p:par>
-                          <p:cTn fill="hold">
+                          <p:cTn id="12" fill="hold">
                             <p:stCondLst>
                               <p:cond delay="0"/>
                             </p:stCondLst>
                             <p:childTnLst>
                               <p:par>
-                                <p:cTn fill="hold" nodeType="clickEffect" presetClass="entr" presetID="1" presetSubtype="0">
+                                <p:cTn id="13" presetID="1" presetClass="entr" presetSubtype="0" fill="hold" nodeType="clickEffect">
                                   <p:stCondLst>
                                     <p:cond delay="0"/>
                                   </p:stCondLst>
                                   <p:childTnLst>
                                     <p:set>
                                       <p:cBhvr>
-                                        <p:cTn dur="1" fill="hold">
+                                        <p:cTn id="14" dur="1" fill="hold">
                                           <p:stCondLst>
                                             <p:cond delay="0"/>
                                           </p:stCondLst>
@@ -10064,14 +10395,14 @@
                 </p:childTnLst>
               </p:cTn>
               <p:prevCondLst>
-                <p:cond evt="onPrev">
+                <p:cond evt="onPrev" delay="0">
                   <p:tgtEl>
                     <p:sldTgt/>
                   </p:tgtEl>
                 </p:cond>
               </p:prevCondLst>
               <p:nextCondLst>
-                <p:cond evt="onNext">
+                <p:cond evt="onNext" delay="0">
                   <p:tgtEl>
                     <p:sldTgt/>
                   </p:tgtEl>
@@ -10087,11 +10418,11 @@
 </file>
 
 <file path=ppt/slides/slide19.xml><?xml version="1.0" encoding="utf-8"?>
-<p:sld xmlns:a="http://schemas.openxmlformats.org/drawingml/2006/main" xmlns:r="http://schemas.openxmlformats.org/officeDocument/2006/relationships" xmlns:mc="http://schemas.openxmlformats.org/markup-compatibility/2006" xmlns:mv="urn:schemas-microsoft-com:mac:vml" xmlns:p="http://schemas.openxmlformats.org/presentationml/2006/main" xmlns:c="http://schemas.openxmlformats.org/drawingml/2006/chart" xmlns:dgm="http://schemas.openxmlformats.org/drawingml/2006/diagram" xmlns:o="urn:schemas-microsoft-com:office:office" xmlns:v="urn:schemas-microsoft-com:vml" xmlns:pvml="urn:schemas-microsoft-com:office:powerpoint" xmlns:com="http://schemas.openxmlformats.org/drawingml/2006/compatibility" xmlns:p14="http://schemas.microsoft.com/office/powerpoint/2010/main" xmlns:p15="http://schemas.microsoft.com/office/powerpoint/2012/main">
+<p:sld xmlns:a="http://schemas.openxmlformats.org/drawingml/2006/main" xmlns:r="http://schemas.openxmlformats.org/officeDocument/2006/relationships" xmlns:p="http://schemas.openxmlformats.org/presentationml/2006/main">
   <p:cSld>
     <p:spTree>
       <p:nvGrpSpPr>
-        <p:cNvPr id="180" name="Shape 180"/>
+        <p:cNvPr id="1" name="Shape 180"/>
         <p:cNvGrpSpPr/>
         <p:nvPr/>
       </p:nvGrpSpPr>
@@ -10106,9 +10437,11 @@
       <p:sp>
         <p:nvSpPr>
           <p:cNvPr id="181" name="Google Shape;181;p31"/>
-          <p:cNvSpPr txBox="1"/>
+          <p:cNvSpPr txBox="1">
+            <a:spLocks noGrp="1"/>
+          </p:cNvSpPr>
           <p:nvPr>
-            <p:ph idx="1" type="body"/>
+            <p:ph type="body" idx="1"/>
           </p:nvPr>
         </p:nvSpPr>
         <p:spPr>
@@ -10121,12 +10454,12 @@
           </a:prstGeom>
         </p:spPr>
         <p:txBody>
-          <a:bodyPr anchorCtr="0" anchor="t" bIns="91425" lIns="91425" spcFirstLastPara="1" rIns="91425" wrap="square" tIns="91425">
+          <a:bodyPr spcFirstLastPara="1" wrap="square" lIns="91425" tIns="91425" rIns="91425" bIns="91425" anchor="t" anchorCtr="0">
             <a:noAutofit/>
           </a:bodyPr>
           <a:lstStyle/>
           <a:p>
-            <a:pPr indent="-342900" lvl="0" marL="457200" marR="0" rtl="0" algn="l">
+            <a:pPr marL="457200" marR="0" lvl="0" indent="-342900" algn="l" rtl="0">
               <a:lnSpc>
                 <a:spcPct val="115000"/>
               </a:lnSpc>
@@ -10154,7 +10487,7 @@
             </a:endParaRPr>
           </a:p>
           <a:p>
-            <a:pPr indent="-342900" lvl="0" marL="457200" marR="0" rtl="0" algn="l">
+            <a:pPr marL="457200" marR="0" lvl="0" indent="-342900" algn="l" rtl="0">
               <a:lnSpc>
                 <a:spcPct val="115000"/>
               </a:lnSpc>
@@ -10182,7 +10515,7 @@
             </a:endParaRPr>
           </a:p>
           <a:p>
-            <a:pPr indent="-342900" lvl="0" marL="457200" marR="0" rtl="0" algn="l">
+            <a:pPr marL="457200" marR="0" lvl="0" indent="-342900" algn="l" rtl="0">
               <a:lnSpc>
                 <a:spcPct val="115000"/>
               </a:lnSpc>
@@ -10210,7 +10543,7 @@
             </a:endParaRPr>
           </a:p>
           <a:p>
-            <a:pPr indent="-342900" lvl="0" marL="457200" marR="0" rtl="0" algn="l">
+            <a:pPr marL="457200" marR="0" lvl="0" indent="-342900" algn="l" rtl="0">
               <a:lnSpc>
                 <a:spcPct val="115000"/>
               </a:lnSpc>
@@ -10238,7 +10571,7 @@
             </a:endParaRPr>
           </a:p>
           <a:p>
-            <a:pPr indent="-342900" lvl="0" marL="457200" marR="0" rtl="0" algn="l">
+            <a:pPr marL="457200" marR="0" lvl="0" indent="-342900" algn="l" rtl="0">
               <a:lnSpc>
                 <a:spcPct val="115000"/>
               </a:lnSpc>
@@ -10270,7 +10603,9 @@
       <p:sp>
         <p:nvSpPr>
           <p:cNvPr id="182" name="Google Shape;182;p31"/>
-          <p:cNvSpPr txBox="1"/>
+          <p:cNvSpPr txBox="1">
+            <a:spLocks noGrp="1"/>
+          </p:cNvSpPr>
           <p:nvPr>
             <p:ph type="title"/>
           </p:nvPr>
@@ -10285,12 +10620,12 @@
           </a:prstGeom>
         </p:spPr>
         <p:txBody>
-          <a:bodyPr anchorCtr="0" anchor="t" bIns="91425" lIns="91425" spcFirstLastPara="1" rIns="91425" wrap="square" tIns="91425">
+          <a:bodyPr spcFirstLastPara="1" wrap="square" lIns="91425" tIns="91425" rIns="91425" bIns="91425" anchor="t" anchorCtr="0">
             <a:noAutofit/>
           </a:bodyPr>
           <a:lstStyle/>
           <a:p>
-            <a:pPr indent="0" lvl="0" marL="0" rtl="0" algn="l">
+            <a:pPr marL="0" lvl="0" indent="0" algn="l" rtl="0">
               <a:spcBef>
                 <a:spcPts val="0"/>
               </a:spcBef>
@@ -10316,11 +10651,11 @@
 </file>
 
 <file path=ppt/slides/slide2.xml><?xml version="1.0" encoding="utf-8"?>
-<p:sld xmlns:a="http://schemas.openxmlformats.org/drawingml/2006/main" xmlns:r="http://schemas.openxmlformats.org/officeDocument/2006/relationships" xmlns:mc="http://schemas.openxmlformats.org/markup-compatibility/2006" xmlns:mv="urn:schemas-microsoft-com:mac:vml" xmlns:p="http://schemas.openxmlformats.org/presentationml/2006/main" xmlns:c="http://schemas.openxmlformats.org/drawingml/2006/chart" xmlns:dgm="http://schemas.openxmlformats.org/drawingml/2006/diagram" xmlns:o="urn:schemas-microsoft-com:office:office" xmlns:v="urn:schemas-microsoft-com:vml" xmlns:pvml="urn:schemas-microsoft-com:office:powerpoint" xmlns:com="http://schemas.openxmlformats.org/drawingml/2006/compatibility" xmlns:p14="http://schemas.microsoft.com/office/powerpoint/2010/main" xmlns:p15="http://schemas.microsoft.com/office/powerpoint/2012/main">
+<p:sld xmlns:a="http://schemas.openxmlformats.org/drawingml/2006/main" xmlns:r="http://schemas.openxmlformats.org/officeDocument/2006/relationships" xmlns:p="http://schemas.openxmlformats.org/presentationml/2006/main">
   <p:cSld>
     <p:spTree>
       <p:nvGrpSpPr>
-        <p:cNvPr id="59" name="Shape 59"/>
+        <p:cNvPr id="1" name="Shape 59"/>
         <p:cNvGrpSpPr/>
         <p:nvPr/>
       </p:nvGrpSpPr>
@@ -10335,7 +10670,9 @@
       <p:sp>
         <p:nvSpPr>
           <p:cNvPr id="60" name="Google Shape;60;p14"/>
-          <p:cNvSpPr txBox="1"/>
+          <p:cNvSpPr txBox="1">
+            <a:spLocks noGrp="1"/>
+          </p:cNvSpPr>
           <p:nvPr>
             <p:ph type="title"/>
           </p:nvPr>
@@ -10350,12 +10687,12 @@
           </a:prstGeom>
         </p:spPr>
         <p:txBody>
-          <a:bodyPr anchorCtr="0" anchor="t" bIns="91425" lIns="91425" spcFirstLastPara="1" rIns="91425" wrap="square" tIns="91425">
+          <a:bodyPr spcFirstLastPara="1" wrap="square" lIns="91425" tIns="91425" rIns="91425" bIns="91425" anchor="t" anchorCtr="0">
             <a:noAutofit/>
           </a:bodyPr>
           <a:lstStyle/>
           <a:p>
-            <a:pPr indent="0" lvl="0" marL="0" rtl="0" algn="l">
+            <a:pPr marL="0" lvl="0" indent="0" algn="l" rtl="0">
               <a:spcBef>
                 <a:spcPts val="0"/>
               </a:spcBef>
@@ -10375,9 +10712,11 @@
       <p:sp>
         <p:nvSpPr>
           <p:cNvPr id="61" name="Google Shape;61;p14"/>
-          <p:cNvSpPr txBox="1"/>
+          <p:cNvSpPr txBox="1">
+            <a:spLocks noGrp="1"/>
+          </p:cNvSpPr>
           <p:nvPr>
-            <p:ph idx="1" type="body"/>
+            <p:ph type="body" idx="1"/>
           </p:nvPr>
         </p:nvSpPr>
         <p:spPr>
@@ -10390,12 +10729,12 @@
           </a:prstGeom>
         </p:spPr>
         <p:txBody>
-          <a:bodyPr anchorCtr="0" anchor="t" bIns="91425" lIns="91425" spcFirstLastPara="1" rIns="91425" wrap="square" tIns="91425">
+          <a:bodyPr spcFirstLastPara="1" wrap="square" lIns="91425" tIns="91425" rIns="91425" bIns="91425" anchor="t" anchorCtr="0">
             <a:noAutofit/>
           </a:bodyPr>
           <a:lstStyle/>
           <a:p>
-            <a:pPr indent="0" lvl="0" marL="0" rtl="0" algn="l">
+            <a:pPr marL="0" lvl="0" indent="0" algn="l" rtl="0">
               <a:spcBef>
                 <a:spcPts val="0"/>
               </a:spcBef>
@@ -10411,7 +10750,7 @@
             <a:endParaRPr/>
           </a:p>
           <a:p>
-            <a:pPr indent="0" lvl="0" marL="0" rtl="0" algn="l">
+            <a:pPr marL="0" lvl="0" indent="0" algn="l" rtl="0">
               <a:spcBef>
                 <a:spcPts val="1600"/>
               </a:spcBef>
@@ -10427,7 +10766,7 @@
             <a:endParaRPr/>
           </a:p>
           <a:p>
-            <a:pPr indent="0" lvl="0" marL="0" rtl="0" algn="l">
+            <a:pPr marL="0" lvl="0" indent="0" algn="l" rtl="0">
               <a:spcBef>
                 <a:spcPts val="1600"/>
               </a:spcBef>
@@ -10443,7 +10782,7 @@
             <a:endParaRPr/>
           </a:p>
           <a:p>
-            <a:pPr indent="0" lvl="0" marL="0" rtl="0" algn="l">
+            <a:pPr marL="0" lvl="0" indent="0" algn="l" rtl="0">
               <a:spcBef>
                 <a:spcPts val="1600"/>
               </a:spcBef>
@@ -10459,7 +10798,7 @@
             <a:endParaRPr/>
           </a:p>
           <a:p>
-            <a:pPr indent="0" lvl="0" marL="0" rtl="0" algn="l">
+            <a:pPr marL="0" lvl="0" indent="0" algn="l" rtl="0">
               <a:spcBef>
                 <a:spcPts val="1600"/>
               </a:spcBef>
@@ -10475,7 +10814,7 @@
             <a:endParaRPr/>
           </a:p>
           <a:p>
-            <a:pPr indent="0" lvl="0" marL="0" rtl="0" algn="l">
+            <a:pPr marL="0" lvl="0" indent="0" algn="l" rtl="0">
               <a:spcBef>
                 <a:spcPts val="1600"/>
               </a:spcBef>
@@ -10501,11 +10840,11 @@
 </file>
 
 <file path=ppt/slides/slide20.xml><?xml version="1.0" encoding="utf-8"?>
-<p:sld xmlns:a="http://schemas.openxmlformats.org/drawingml/2006/main" xmlns:r="http://schemas.openxmlformats.org/officeDocument/2006/relationships" xmlns:mc="http://schemas.openxmlformats.org/markup-compatibility/2006" xmlns:mv="urn:schemas-microsoft-com:mac:vml" xmlns:p="http://schemas.openxmlformats.org/presentationml/2006/main" xmlns:c="http://schemas.openxmlformats.org/drawingml/2006/chart" xmlns:dgm="http://schemas.openxmlformats.org/drawingml/2006/diagram" xmlns:o="urn:schemas-microsoft-com:office:office" xmlns:v="urn:schemas-microsoft-com:vml" xmlns:pvml="urn:schemas-microsoft-com:office:powerpoint" xmlns:com="http://schemas.openxmlformats.org/drawingml/2006/compatibility" xmlns:p14="http://schemas.microsoft.com/office/powerpoint/2010/main" xmlns:p15="http://schemas.microsoft.com/office/powerpoint/2012/main">
+<p:sld xmlns:a="http://schemas.openxmlformats.org/drawingml/2006/main" xmlns:r="http://schemas.openxmlformats.org/officeDocument/2006/relationships" xmlns:p="http://schemas.openxmlformats.org/presentationml/2006/main">
   <p:cSld>
     <p:spTree>
       <p:nvGrpSpPr>
-        <p:cNvPr id="186" name="Shape 186"/>
+        <p:cNvPr id="1" name="Shape 186"/>
         <p:cNvGrpSpPr/>
         <p:nvPr/>
       </p:nvGrpSpPr>
@@ -10520,9 +10859,11 @@
       <p:sp>
         <p:nvSpPr>
           <p:cNvPr id="187" name="Google Shape;187;p32"/>
-          <p:cNvSpPr txBox="1"/>
+          <p:cNvSpPr txBox="1">
+            <a:spLocks noGrp="1"/>
+          </p:cNvSpPr>
           <p:nvPr>
-            <p:ph idx="1" type="body"/>
+            <p:ph type="body" idx="1"/>
           </p:nvPr>
         </p:nvSpPr>
         <p:spPr>
@@ -10535,12 +10876,12 @@
           </a:prstGeom>
         </p:spPr>
         <p:txBody>
-          <a:bodyPr anchorCtr="0" anchor="t" bIns="91425" lIns="91425" spcFirstLastPara="1" rIns="91425" wrap="square" tIns="91425">
+          <a:bodyPr spcFirstLastPara="1" wrap="square" lIns="91425" tIns="91425" rIns="91425" bIns="91425" anchor="t" anchorCtr="0">
             <a:noAutofit/>
           </a:bodyPr>
           <a:lstStyle/>
           <a:p>
-            <a:pPr indent="-342900" lvl="0" marL="457200" rtl="0" algn="l">
+            <a:pPr marL="457200" lvl="0" indent="-342900" algn="l" rtl="0">
               <a:spcBef>
                 <a:spcPts val="0"/>
               </a:spcBef>
@@ -10561,7 +10902,7 @@
             <a:endParaRPr/>
           </a:p>
           <a:p>
-            <a:pPr indent="-342900" lvl="0" marL="457200" marR="0" rtl="0" algn="l">
+            <a:pPr marL="457200" marR="0" lvl="0" indent="-342900" algn="l" rtl="0">
               <a:lnSpc>
                 <a:spcPct val="115000"/>
               </a:lnSpc>
@@ -10589,7 +10930,9 @@
       <p:sp>
         <p:nvSpPr>
           <p:cNvPr id="188" name="Google Shape;188;p32"/>
-          <p:cNvSpPr txBox="1"/>
+          <p:cNvSpPr txBox="1">
+            <a:spLocks noGrp="1"/>
+          </p:cNvSpPr>
           <p:nvPr>
             <p:ph type="title"/>
           </p:nvPr>
@@ -10604,12 +10947,12 @@
           </a:prstGeom>
         </p:spPr>
         <p:txBody>
-          <a:bodyPr anchorCtr="0" anchor="t" bIns="91425" lIns="91425" spcFirstLastPara="1" rIns="91425" wrap="square" tIns="91425">
+          <a:bodyPr spcFirstLastPara="1" wrap="square" lIns="91425" tIns="91425" rIns="91425" bIns="91425" anchor="t" anchorCtr="0">
             <a:noAutofit/>
           </a:bodyPr>
           <a:lstStyle/>
           <a:p>
-            <a:pPr indent="0" lvl="0" marL="0" rtl="0" algn="l">
+            <a:pPr marL="0" lvl="0" indent="0" algn="l" rtl="0">
               <a:spcBef>
                 <a:spcPts val="0"/>
               </a:spcBef>
@@ -10635,11 +10978,11 @@
 </file>
 
 <file path=ppt/slides/slide21.xml><?xml version="1.0" encoding="utf-8"?>
-<p:sld xmlns:a="http://schemas.openxmlformats.org/drawingml/2006/main" xmlns:r="http://schemas.openxmlformats.org/officeDocument/2006/relationships" xmlns:mc="http://schemas.openxmlformats.org/markup-compatibility/2006" xmlns:mv="urn:schemas-microsoft-com:mac:vml" xmlns:p="http://schemas.openxmlformats.org/presentationml/2006/main" xmlns:c="http://schemas.openxmlformats.org/drawingml/2006/chart" xmlns:dgm="http://schemas.openxmlformats.org/drawingml/2006/diagram" xmlns:o="urn:schemas-microsoft-com:office:office" xmlns:v="urn:schemas-microsoft-com:vml" xmlns:pvml="urn:schemas-microsoft-com:office:powerpoint" xmlns:com="http://schemas.openxmlformats.org/drawingml/2006/compatibility" xmlns:p14="http://schemas.microsoft.com/office/powerpoint/2010/main" xmlns:p15="http://schemas.microsoft.com/office/powerpoint/2012/main">
+<p:sld xmlns:a="http://schemas.openxmlformats.org/drawingml/2006/main" xmlns:r="http://schemas.openxmlformats.org/officeDocument/2006/relationships" xmlns:p="http://schemas.openxmlformats.org/presentationml/2006/main">
   <p:cSld>
     <p:spTree>
       <p:nvGrpSpPr>
-        <p:cNvPr id="192" name="Shape 192"/>
+        <p:cNvPr id="1" name="Shape 192"/>
         <p:cNvGrpSpPr/>
         <p:nvPr/>
       </p:nvGrpSpPr>
@@ -10654,7 +10997,9 @@
       <p:sp>
         <p:nvSpPr>
           <p:cNvPr id="193" name="Google Shape;193;p33"/>
-          <p:cNvSpPr txBox="1"/>
+          <p:cNvSpPr txBox="1">
+            <a:spLocks noGrp="1"/>
+          </p:cNvSpPr>
           <p:nvPr>
             <p:ph type="title"/>
           </p:nvPr>
@@ -10669,12 +11014,12 @@
           </a:prstGeom>
         </p:spPr>
         <p:txBody>
-          <a:bodyPr anchorCtr="0" anchor="t" bIns="91425" lIns="91425" spcFirstLastPara="1" rIns="91425" wrap="square" tIns="91425">
+          <a:bodyPr spcFirstLastPara="1" wrap="square" lIns="91425" tIns="91425" rIns="91425" bIns="91425" anchor="t" anchorCtr="0">
             <a:noAutofit/>
           </a:bodyPr>
           <a:lstStyle/>
           <a:p>
-            <a:pPr indent="0" lvl="0" marL="0" rtl="0" algn="l">
+            <a:pPr marL="0" lvl="0" indent="0" algn="l" rtl="0">
               <a:spcBef>
                 <a:spcPts val="0"/>
               </a:spcBef>
@@ -10694,9 +11039,11 @@
       <p:sp>
         <p:nvSpPr>
           <p:cNvPr id="194" name="Google Shape;194;p33"/>
-          <p:cNvSpPr txBox="1"/>
+          <p:cNvSpPr txBox="1">
+            <a:spLocks noGrp="1"/>
+          </p:cNvSpPr>
           <p:nvPr>
-            <p:ph idx="1" type="body"/>
+            <p:ph type="body" idx="1"/>
           </p:nvPr>
         </p:nvSpPr>
         <p:spPr>
@@ -10709,12 +11056,12 @@
           </a:prstGeom>
         </p:spPr>
         <p:txBody>
-          <a:bodyPr anchorCtr="0" anchor="t" bIns="91425" lIns="91425" spcFirstLastPara="1" rIns="91425" wrap="square" tIns="91425">
+          <a:bodyPr spcFirstLastPara="1" wrap="square" lIns="91425" tIns="91425" rIns="91425" bIns="91425" anchor="t" anchorCtr="0">
             <a:noAutofit/>
           </a:bodyPr>
           <a:lstStyle/>
           <a:p>
-            <a:pPr indent="0" lvl="0" marL="0" rtl="0" algn="l">
+            <a:pPr marL="0" lvl="0" indent="0" algn="l" rtl="0">
               <a:lnSpc>
                 <a:spcPct val="100000"/>
               </a:lnSpc>
@@ -10738,7 +11085,7 @@
             <a:endParaRPr sz="1200"/>
           </a:p>
           <a:p>
-            <a:pPr indent="0" lvl="0" marL="0" rtl="0" algn="l">
+            <a:pPr marL="0" lvl="0" indent="0" algn="l" rtl="0">
               <a:lnSpc>
                 <a:spcPct val="100000"/>
               </a:lnSpc>
@@ -10762,7 +11109,7 @@
             <a:endParaRPr sz="1200"/>
           </a:p>
           <a:p>
-            <a:pPr indent="0" lvl="0" marL="0" rtl="0" algn="l">
+            <a:pPr marL="0" lvl="0" indent="0" algn="l" rtl="0">
               <a:lnSpc>
                 <a:spcPct val="100000"/>
               </a:lnSpc>
@@ -10786,7 +11133,7 @@
             <a:endParaRPr sz="1200"/>
           </a:p>
           <a:p>
-            <a:pPr indent="0" lvl="0" marL="0" rtl="0" algn="l">
+            <a:pPr marL="0" lvl="0" indent="0" algn="l" rtl="0">
               <a:lnSpc>
                 <a:spcPct val="100000"/>
               </a:lnSpc>
@@ -10810,7 +11157,7 @@
             <a:endParaRPr sz="1200"/>
           </a:p>
           <a:p>
-            <a:pPr indent="0" lvl="0" marL="0" rtl="0" algn="l">
+            <a:pPr marL="0" lvl="0" indent="0" algn="l" rtl="0">
               <a:lnSpc>
                 <a:spcPct val="100000"/>
               </a:lnSpc>
@@ -10834,7 +11181,7 @@
             <a:endParaRPr sz="1200"/>
           </a:p>
           <a:p>
-            <a:pPr indent="0" lvl="0" marL="0" rtl="0" algn="l">
+            <a:pPr marL="0" lvl="0" indent="0" algn="l" rtl="0">
               <a:spcBef>
                 <a:spcPts val="0"/>
               </a:spcBef>
@@ -10843,9 +11190,6 @@
               </a:spcAft>
               <a:buNone/>
             </a:pPr>
-            <a:r>
-              <a:t/>
-            </a:r>
             <a:endParaRPr/>
           </a:p>
         </p:txBody>
@@ -10859,11 +11203,11 @@
 </file>
 
 <file path=ppt/slides/slide3.xml><?xml version="1.0" encoding="utf-8"?>
-<p:sld xmlns:a="http://schemas.openxmlformats.org/drawingml/2006/main" xmlns:r="http://schemas.openxmlformats.org/officeDocument/2006/relationships" xmlns:mc="http://schemas.openxmlformats.org/markup-compatibility/2006" xmlns:mv="urn:schemas-microsoft-com:mac:vml" xmlns:p="http://schemas.openxmlformats.org/presentationml/2006/main" xmlns:c="http://schemas.openxmlformats.org/drawingml/2006/chart" xmlns:dgm="http://schemas.openxmlformats.org/drawingml/2006/diagram" xmlns:o="urn:schemas-microsoft-com:office:office" xmlns:v="urn:schemas-microsoft-com:vml" xmlns:pvml="urn:schemas-microsoft-com:office:powerpoint" xmlns:com="http://schemas.openxmlformats.org/drawingml/2006/compatibility" xmlns:p14="http://schemas.microsoft.com/office/powerpoint/2010/main" xmlns:p15="http://schemas.microsoft.com/office/powerpoint/2012/main">
+<p:sld xmlns:a="http://schemas.openxmlformats.org/drawingml/2006/main" xmlns:r="http://schemas.openxmlformats.org/officeDocument/2006/relationships" xmlns:p="http://schemas.openxmlformats.org/presentationml/2006/main">
   <p:cSld>
     <p:spTree>
       <p:nvGrpSpPr>
-        <p:cNvPr id="65" name="Shape 65"/>
+        <p:cNvPr id="1" name="Shape 65"/>
         <p:cNvGrpSpPr/>
         <p:nvPr/>
       </p:nvGrpSpPr>
@@ -10878,7 +11222,9 @@
       <p:sp>
         <p:nvSpPr>
           <p:cNvPr id="66" name="Google Shape;66;p15"/>
-          <p:cNvSpPr txBox="1"/>
+          <p:cNvSpPr txBox="1">
+            <a:spLocks noGrp="1"/>
+          </p:cNvSpPr>
           <p:nvPr>
             <p:ph type="title"/>
           </p:nvPr>
@@ -10893,12 +11239,12 @@
           </a:prstGeom>
         </p:spPr>
         <p:txBody>
-          <a:bodyPr anchorCtr="0" anchor="t" bIns="91425" lIns="91425" spcFirstLastPara="1" rIns="91425" wrap="square" tIns="91425">
+          <a:bodyPr spcFirstLastPara="1" wrap="square" lIns="91425" tIns="91425" rIns="91425" bIns="91425" anchor="t" anchorCtr="0">
             <a:noAutofit/>
           </a:bodyPr>
           <a:lstStyle/>
           <a:p>
-            <a:pPr indent="0" lvl="0" marL="0" rtl="0" algn="l">
+            <a:pPr marL="0" lvl="0" indent="0" algn="l" rtl="0">
               <a:spcBef>
                 <a:spcPts val="0"/>
               </a:spcBef>
@@ -10918,9 +11264,11 @@
       <p:sp>
         <p:nvSpPr>
           <p:cNvPr id="67" name="Google Shape;67;p15"/>
-          <p:cNvSpPr txBox="1"/>
+          <p:cNvSpPr txBox="1">
+            <a:spLocks noGrp="1"/>
+          </p:cNvSpPr>
           <p:nvPr>
-            <p:ph idx="1" type="body"/>
+            <p:ph type="body" idx="1"/>
           </p:nvPr>
         </p:nvSpPr>
         <p:spPr>
@@ -10933,12 +11281,12 @@
           </a:prstGeom>
         </p:spPr>
         <p:txBody>
-          <a:bodyPr anchorCtr="0" anchor="t" bIns="91425" lIns="91425" spcFirstLastPara="1" rIns="91425" wrap="square" tIns="91425">
+          <a:bodyPr spcFirstLastPara="1" wrap="square" lIns="91425" tIns="91425" rIns="91425" bIns="91425" anchor="t" anchorCtr="0">
             <a:noAutofit/>
           </a:bodyPr>
           <a:lstStyle/>
           <a:p>
-            <a:pPr indent="0" lvl="0" marL="0" rtl="0" algn="l">
+            <a:pPr marL="0" lvl="0" indent="0" algn="l" rtl="0">
               <a:spcBef>
                 <a:spcPts val="0"/>
               </a:spcBef>
@@ -10954,7 +11302,7 @@
             <a:endParaRPr/>
           </a:p>
           <a:p>
-            <a:pPr indent="457200" lvl="0" marL="0" rtl="0" algn="l">
+            <a:pPr marL="0" lvl="0" indent="457200" algn="l" rtl="0">
               <a:spcBef>
                 <a:spcPts val="1600"/>
               </a:spcBef>
@@ -10970,7 +11318,7 @@
             <a:endParaRPr/>
           </a:p>
           <a:p>
-            <a:pPr indent="457200" lvl="0" marL="0" rtl="0" algn="l">
+            <a:pPr marL="0" lvl="0" indent="457200" algn="l" rtl="0">
               <a:spcBef>
                 <a:spcPts val="1600"/>
               </a:spcBef>
@@ -10986,7 +11334,7 @@
             <a:endParaRPr/>
           </a:p>
           <a:p>
-            <a:pPr indent="457200" lvl="0" marL="0" rtl="0" algn="l">
+            <a:pPr marL="0" lvl="0" indent="457200" algn="l" rtl="0">
               <a:spcBef>
                 <a:spcPts val="1600"/>
               </a:spcBef>
@@ -11002,7 +11350,7 @@
             <a:endParaRPr/>
           </a:p>
           <a:p>
-            <a:pPr indent="0" lvl="0" marL="0" rtl="0" algn="l">
+            <a:pPr marL="0" lvl="0" indent="0" algn="l" rtl="0">
               <a:spcBef>
                 <a:spcPts val="1600"/>
               </a:spcBef>
@@ -11011,9 +11359,6 @@
               </a:spcAft>
               <a:buNone/>
             </a:pPr>
-            <a:r>
-              <a:t/>
-            </a:r>
             <a:endParaRPr/>
           </a:p>
         </p:txBody>
@@ -11027,11 +11372,11 @@
 </file>
 
 <file path=ppt/slides/slide4.xml><?xml version="1.0" encoding="utf-8"?>
-<p:sld xmlns:a="http://schemas.openxmlformats.org/drawingml/2006/main" xmlns:r="http://schemas.openxmlformats.org/officeDocument/2006/relationships" xmlns:mc="http://schemas.openxmlformats.org/markup-compatibility/2006" xmlns:mv="urn:schemas-microsoft-com:mac:vml" xmlns:p="http://schemas.openxmlformats.org/presentationml/2006/main" xmlns:c="http://schemas.openxmlformats.org/drawingml/2006/chart" xmlns:dgm="http://schemas.openxmlformats.org/drawingml/2006/diagram" xmlns:o="urn:schemas-microsoft-com:office:office" xmlns:v="urn:schemas-microsoft-com:vml" xmlns:pvml="urn:schemas-microsoft-com:office:powerpoint" xmlns:com="http://schemas.openxmlformats.org/drawingml/2006/compatibility" xmlns:p14="http://schemas.microsoft.com/office/powerpoint/2010/main" xmlns:p15="http://schemas.microsoft.com/office/powerpoint/2012/main">
+<p:sld xmlns:a="http://schemas.openxmlformats.org/drawingml/2006/main" xmlns:r="http://schemas.openxmlformats.org/officeDocument/2006/relationships" xmlns:p="http://schemas.openxmlformats.org/presentationml/2006/main">
   <p:cSld>
     <p:spTree>
       <p:nvGrpSpPr>
-        <p:cNvPr id="71" name="Shape 71"/>
+        <p:cNvPr id="1" name="Shape 71"/>
         <p:cNvGrpSpPr/>
         <p:nvPr/>
       </p:nvGrpSpPr>
@@ -11046,7 +11391,9 @@
       <p:sp>
         <p:nvSpPr>
           <p:cNvPr id="72" name="Google Shape;72;p16"/>
-          <p:cNvSpPr txBox="1"/>
+          <p:cNvSpPr txBox="1">
+            <a:spLocks noGrp="1"/>
+          </p:cNvSpPr>
           <p:nvPr>
             <p:ph type="title"/>
           </p:nvPr>
@@ -11061,12 +11408,12 @@
           </a:prstGeom>
         </p:spPr>
         <p:txBody>
-          <a:bodyPr anchorCtr="0" anchor="t" bIns="91425" lIns="91425" spcFirstLastPara="1" rIns="91425" wrap="square" tIns="91425">
+          <a:bodyPr spcFirstLastPara="1" wrap="square" lIns="91425" tIns="91425" rIns="91425" bIns="91425" anchor="t" anchorCtr="0">
             <a:noAutofit/>
           </a:bodyPr>
           <a:lstStyle/>
           <a:p>
-            <a:pPr indent="0" lvl="0" marL="0" rtl="0" algn="l">
+            <a:pPr marL="0" lvl="0" indent="0" algn="l" rtl="0">
               <a:spcBef>
                 <a:spcPts val="0"/>
               </a:spcBef>
@@ -11086,9 +11433,11 @@
       <p:sp>
         <p:nvSpPr>
           <p:cNvPr id="73" name="Google Shape;73;p16"/>
-          <p:cNvSpPr txBox="1"/>
+          <p:cNvSpPr txBox="1">
+            <a:spLocks noGrp="1"/>
+          </p:cNvSpPr>
           <p:nvPr>
-            <p:ph idx="1" type="body"/>
+            <p:ph type="body" idx="1"/>
           </p:nvPr>
         </p:nvSpPr>
         <p:spPr>
@@ -11101,12 +11450,12 @@
           </a:prstGeom>
         </p:spPr>
         <p:txBody>
-          <a:bodyPr anchorCtr="0" anchor="t" bIns="91425" lIns="91425" spcFirstLastPara="1" rIns="91425" wrap="square" tIns="91425">
+          <a:bodyPr spcFirstLastPara="1" wrap="square" lIns="91425" tIns="91425" rIns="91425" bIns="91425" anchor="t" anchorCtr="0">
             <a:noAutofit/>
           </a:bodyPr>
           <a:lstStyle/>
           <a:p>
-            <a:pPr indent="0" lvl="0" marL="0" rtl="0" algn="l">
+            <a:pPr marL="0" lvl="0" indent="0" algn="l" rtl="0">
               <a:spcBef>
                 <a:spcPts val="0"/>
               </a:spcBef>
@@ -11122,7 +11471,7 @@
             <a:endParaRPr/>
           </a:p>
           <a:p>
-            <a:pPr indent="-342900" lvl="0" marL="457200" rtl="0" algn="l">
+            <a:pPr marL="457200" lvl="0" indent="-342900" algn="l" rtl="0">
               <a:spcBef>
                 <a:spcPts val="1600"/>
               </a:spcBef>
@@ -11139,7 +11488,7 @@
             <a:endParaRPr/>
           </a:p>
           <a:p>
-            <a:pPr indent="-342900" lvl="0" marL="457200" rtl="0" algn="l">
+            <a:pPr marL="457200" lvl="0" indent="-342900" algn="l" rtl="0">
               <a:spcBef>
                 <a:spcPts val="0"/>
               </a:spcBef>
@@ -11156,7 +11505,7 @@
             <a:endParaRPr/>
           </a:p>
           <a:p>
-            <a:pPr indent="-342900" lvl="0" marL="457200" rtl="0" algn="l">
+            <a:pPr marL="457200" lvl="0" indent="-342900" algn="l" rtl="0">
               <a:spcBef>
                 <a:spcPts val="0"/>
               </a:spcBef>
@@ -11173,7 +11522,7 @@
             <a:endParaRPr b="1"/>
           </a:p>
           <a:p>
-            <a:pPr indent="-342900" lvl="0" marL="457200" rtl="0" algn="l">
+            <a:pPr marL="457200" lvl="0" indent="-342900" algn="l" rtl="0">
               <a:spcBef>
                 <a:spcPts val="0"/>
               </a:spcBef>
@@ -11190,7 +11539,7 @@
             <a:endParaRPr b="1"/>
           </a:p>
           <a:p>
-            <a:pPr indent="-342900" lvl="0" marL="457200" rtl="0" algn="l">
+            <a:pPr marL="457200" lvl="0" indent="-342900" algn="l" rtl="0">
               <a:spcBef>
                 <a:spcPts val="0"/>
               </a:spcBef>
@@ -11207,7 +11556,7 @@
             <a:endParaRPr b="1"/>
           </a:p>
           <a:p>
-            <a:pPr indent="-342900" lvl="0" marL="457200" rtl="0" algn="l">
+            <a:pPr marL="457200" lvl="0" indent="-342900" algn="l" rtl="0">
               <a:spcBef>
                 <a:spcPts val="0"/>
               </a:spcBef>
@@ -11224,7 +11573,7 @@
             <a:endParaRPr/>
           </a:p>
           <a:p>
-            <a:pPr indent="-342900" lvl="0" marL="457200" rtl="0" algn="l">
+            <a:pPr marL="457200" lvl="0" indent="-342900" algn="l" rtl="0">
               <a:spcBef>
                 <a:spcPts val="0"/>
               </a:spcBef>
@@ -11276,12 +11625,12 @@
           </a:ln>
         </p:spPr>
         <p:txBody>
-          <a:bodyPr anchorCtr="0" anchor="t" bIns="91425" lIns="91425" spcFirstLastPara="1" rIns="91425" wrap="square" tIns="91425">
+          <a:bodyPr spcFirstLastPara="1" wrap="square" lIns="91425" tIns="91425" rIns="91425" bIns="91425" anchor="t" anchorCtr="0">
             <a:noAutofit/>
           </a:bodyPr>
           <a:lstStyle/>
           <a:p>
-            <a:pPr indent="0" lvl="0" marL="0" rtl="0" algn="ctr">
+            <a:pPr marL="0" lvl="0" indent="0" algn="ctr" rtl="0">
               <a:spcBef>
                 <a:spcPts val="0"/>
               </a:spcBef>
@@ -11307,11 +11656,11 @@
 </file>
 
 <file path=ppt/slides/slide5.xml><?xml version="1.0" encoding="utf-8"?>
-<p:sld xmlns:a="http://schemas.openxmlformats.org/drawingml/2006/main" xmlns:r="http://schemas.openxmlformats.org/officeDocument/2006/relationships" xmlns:mc="http://schemas.openxmlformats.org/markup-compatibility/2006" xmlns:mv="urn:schemas-microsoft-com:mac:vml" xmlns:p="http://schemas.openxmlformats.org/presentationml/2006/main" xmlns:c="http://schemas.openxmlformats.org/drawingml/2006/chart" xmlns:dgm="http://schemas.openxmlformats.org/drawingml/2006/diagram" xmlns:o="urn:schemas-microsoft-com:office:office" xmlns:v="urn:schemas-microsoft-com:vml" xmlns:pvml="urn:schemas-microsoft-com:office:powerpoint" xmlns:com="http://schemas.openxmlformats.org/drawingml/2006/compatibility" xmlns:p14="http://schemas.microsoft.com/office/powerpoint/2010/main" xmlns:p15="http://schemas.microsoft.com/office/powerpoint/2012/main">
+<p:sld xmlns:a="http://schemas.openxmlformats.org/drawingml/2006/main" xmlns:r="http://schemas.openxmlformats.org/officeDocument/2006/relationships" xmlns:p="http://schemas.openxmlformats.org/presentationml/2006/main">
   <p:cSld>
     <p:spTree>
       <p:nvGrpSpPr>
-        <p:cNvPr id="78" name="Shape 78"/>
+        <p:cNvPr id="1" name="Shape 78"/>
         <p:cNvGrpSpPr/>
         <p:nvPr/>
       </p:nvGrpSpPr>
@@ -11326,7 +11675,9 @@
       <p:sp>
         <p:nvSpPr>
           <p:cNvPr id="79" name="Google Shape;79;p17"/>
-          <p:cNvSpPr txBox="1"/>
+          <p:cNvSpPr txBox="1">
+            <a:spLocks noGrp="1"/>
+          </p:cNvSpPr>
           <p:nvPr>
             <p:ph type="title"/>
           </p:nvPr>
@@ -11341,12 +11692,12 @@
           </a:prstGeom>
         </p:spPr>
         <p:txBody>
-          <a:bodyPr anchorCtr="0" anchor="t" bIns="91425" lIns="91425" spcFirstLastPara="1" rIns="91425" wrap="square" tIns="91425">
+          <a:bodyPr spcFirstLastPara="1" wrap="square" lIns="91425" tIns="91425" rIns="91425" bIns="91425" anchor="t" anchorCtr="0">
             <a:noAutofit/>
           </a:bodyPr>
           <a:lstStyle/>
           <a:p>
-            <a:pPr indent="0" lvl="0" marL="0" rtl="0" algn="l">
+            <a:pPr marL="0" lvl="0" indent="0" algn="l" rtl="0">
               <a:spcBef>
                 <a:spcPts val="0"/>
               </a:spcBef>
@@ -11371,9 +11722,11 @@
       <p:sp>
         <p:nvSpPr>
           <p:cNvPr id="80" name="Google Shape;80;p17"/>
-          <p:cNvSpPr txBox="1"/>
+          <p:cNvSpPr txBox="1">
+            <a:spLocks noGrp="1"/>
+          </p:cNvSpPr>
           <p:nvPr>
-            <p:ph idx="1" type="body"/>
+            <p:ph type="body" idx="1"/>
           </p:nvPr>
         </p:nvSpPr>
         <p:spPr>
@@ -11386,12 +11739,12 @@
           </a:prstGeom>
         </p:spPr>
         <p:txBody>
-          <a:bodyPr anchorCtr="0" anchor="t" bIns="91425" lIns="91425" spcFirstLastPara="1" rIns="91425" wrap="square" tIns="91425">
+          <a:bodyPr spcFirstLastPara="1" wrap="square" lIns="91425" tIns="91425" rIns="91425" bIns="91425" anchor="t" anchorCtr="0">
             <a:noAutofit/>
           </a:bodyPr>
           <a:lstStyle/>
           <a:p>
-            <a:pPr indent="-323850" lvl="0" marL="457200" marR="0" rtl="0" algn="l">
+            <a:pPr marL="457200" marR="0" lvl="0" indent="-323850" algn="l" rtl="0">
               <a:lnSpc>
                 <a:spcPct val="115000"/>
               </a:lnSpc>
@@ -11409,7 +11762,7 @@
               <a:t>H</a:t>
             </a:r>
             <a:r>
-              <a:rPr baseline="-25000" lang="en" sz="1500"/>
+              <a:rPr lang="en" sz="1500" baseline="-25000"/>
               <a:t>0</a:t>
             </a:r>
             <a:r>
@@ -11419,7 +11772,7 @@
             <a:endParaRPr sz="1500"/>
           </a:p>
           <a:p>
-            <a:pPr indent="457200" lvl="0" marL="0" marR="0" rtl="0" algn="l">
+            <a:pPr marL="0" marR="0" lvl="0" indent="457200" algn="l" rtl="0">
               <a:lnSpc>
                 <a:spcPct val="115000"/>
               </a:lnSpc>
@@ -11436,21 +11789,17 @@
               <a:t>H</a:t>
             </a:r>
             <a:r>
-              <a:rPr baseline="-25000" lang="en" sz="1500"/>
+              <a:rPr lang="en" sz="1500" baseline="-25000"/>
               <a:t>1</a:t>
             </a:r>
             <a:r>
               <a:rPr lang="en" sz="1500"/>
-              <a:t>: </a:t>
-            </a:r>
-            <a:r>
-              <a:rPr lang="en" sz="1500"/>
-              <a:t>There is an effect for duration and content rating on profit. </a:t>
+              <a:t>: There is an effect for duration and content rating on profit. </a:t>
             </a:r>
             <a:endParaRPr sz="1500"/>
           </a:p>
           <a:p>
-            <a:pPr indent="-323850" lvl="0" marL="457200" marR="0" rtl="0" algn="l">
+            <a:pPr marL="457200" marR="0" lvl="0" indent="-323850" algn="l" rtl="0">
               <a:lnSpc>
                 <a:spcPct val="115000"/>
               </a:lnSpc>
@@ -11468,7 +11817,7 @@
               <a:t>H</a:t>
             </a:r>
             <a:r>
-              <a:rPr baseline="-25000" lang="en" sz="1500"/>
+              <a:rPr lang="en" sz="1500" baseline="-25000"/>
               <a:t>0</a:t>
             </a:r>
             <a:r>
@@ -11478,7 +11827,7 @@
             <a:endParaRPr sz="1500"/>
           </a:p>
           <a:p>
-            <a:pPr indent="457200" lvl="0" marL="0" marR="0" rtl="0" algn="l">
+            <a:pPr marL="0" marR="0" lvl="0" indent="457200" algn="l" rtl="0">
               <a:lnSpc>
                 <a:spcPct val="115000"/>
               </a:lnSpc>
@@ -11495,7 +11844,7 @@
               <a:t>H</a:t>
             </a:r>
             <a:r>
-              <a:rPr baseline="-25000" lang="en" sz="1500"/>
+              <a:rPr lang="en" sz="1500" baseline="-25000"/>
               <a:t>1</a:t>
             </a:r>
             <a:r>
@@ -11505,7 +11854,7 @@
             <a:endParaRPr sz="1500"/>
           </a:p>
           <a:p>
-            <a:pPr indent="-323850" lvl="0" marL="457200" marR="0" rtl="0" algn="l">
+            <a:pPr marL="457200" marR="0" lvl="0" indent="-323850" algn="l" rtl="0">
               <a:lnSpc>
                 <a:spcPct val="115000"/>
               </a:lnSpc>
@@ -11523,7 +11872,7 @@
               <a:t>H</a:t>
             </a:r>
             <a:r>
-              <a:rPr baseline="-25000" lang="en" sz="1500"/>
+              <a:rPr lang="en" sz="1500" baseline="-25000"/>
               <a:t>0</a:t>
             </a:r>
             <a:r>
@@ -11533,7 +11882,7 @@
             <a:endParaRPr sz="1500"/>
           </a:p>
           <a:p>
-            <a:pPr indent="457200" lvl="0" marL="0" marR="0" rtl="0" algn="l">
+            <a:pPr marL="0" marR="0" lvl="0" indent="457200" algn="l" rtl="0">
               <a:lnSpc>
                 <a:spcPct val="115000"/>
               </a:lnSpc>
@@ -11550,7 +11899,7 @@
               <a:t>H</a:t>
             </a:r>
             <a:r>
-              <a:rPr baseline="-25000" lang="en" sz="1500"/>
+              <a:rPr lang="en" sz="1500" baseline="-25000"/>
               <a:t>1</a:t>
             </a:r>
             <a:r>
@@ -11560,7 +11909,7 @@
             <a:endParaRPr sz="1500"/>
           </a:p>
           <a:p>
-            <a:pPr indent="-323850" lvl="0" marL="457200" marR="0" rtl="0" algn="l">
+            <a:pPr marL="457200" marR="0" lvl="0" indent="-323850" algn="l" rtl="0">
               <a:lnSpc>
                 <a:spcPct val="115000"/>
               </a:lnSpc>
@@ -11578,7 +11927,7 @@
               <a:t>H</a:t>
             </a:r>
             <a:r>
-              <a:rPr baseline="-25000" lang="en" sz="1500"/>
+              <a:rPr lang="en" sz="1500" baseline="-25000"/>
               <a:t>0</a:t>
             </a:r>
             <a:r>
@@ -11588,7 +11937,7 @@
             <a:endParaRPr sz="1500"/>
           </a:p>
           <a:p>
-            <a:pPr indent="457200" lvl="0" marL="0" marR="0" rtl="0" algn="l">
+            <a:pPr marL="0" marR="0" lvl="0" indent="457200" algn="l" rtl="0">
               <a:lnSpc>
                 <a:spcPct val="115000"/>
               </a:lnSpc>
@@ -11605,7 +11954,7 @@
               <a:t>H</a:t>
             </a:r>
             <a:r>
-              <a:rPr baseline="-25000" lang="en" sz="1500"/>
+              <a:rPr lang="en" sz="1500" baseline="-25000"/>
               <a:t>1</a:t>
             </a:r>
             <a:r>
@@ -11625,11 +11974,11 @@
 </file>
 
 <file path=ppt/slides/slide6.xml><?xml version="1.0" encoding="utf-8"?>
-<p:sld xmlns:a="http://schemas.openxmlformats.org/drawingml/2006/main" xmlns:r="http://schemas.openxmlformats.org/officeDocument/2006/relationships" xmlns:mc="http://schemas.openxmlformats.org/markup-compatibility/2006" xmlns:mv="urn:schemas-microsoft-com:mac:vml" xmlns:p="http://schemas.openxmlformats.org/presentationml/2006/main" xmlns:c="http://schemas.openxmlformats.org/drawingml/2006/chart" xmlns:dgm="http://schemas.openxmlformats.org/drawingml/2006/diagram" xmlns:o="urn:schemas-microsoft-com:office:office" xmlns:v="urn:schemas-microsoft-com:vml" xmlns:pvml="urn:schemas-microsoft-com:office:powerpoint" xmlns:com="http://schemas.openxmlformats.org/drawingml/2006/compatibility" xmlns:p14="http://schemas.microsoft.com/office/powerpoint/2010/main" xmlns:p15="http://schemas.microsoft.com/office/powerpoint/2012/main">
+<p:sld xmlns:a="http://schemas.openxmlformats.org/drawingml/2006/main" xmlns:r="http://schemas.openxmlformats.org/officeDocument/2006/relationships" xmlns:p="http://schemas.openxmlformats.org/presentationml/2006/main">
   <p:cSld>
     <p:spTree>
       <p:nvGrpSpPr>
-        <p:cNvPr id="84" name="Shape 84"/>
+        <p:cNvPr id="1" name="Shape 84"/>
         <p:cNvGrpSpPr/>
         <p:nvPr/>
       </p:nvGrpSpPr>
@@ -11644,7 +11993,9 @@
       <p:sp>
         <p:nvSpPr>
           <p:cNvPr id="85" name="Google Shape;85;p18"/>
-          <p:cNvSpPr txBox="1"/>
+          <p:cNvSpPr txBox="1">
+            <a:spLocks noGrp="1"/>
+          </p:cNvSpPr>
           <p:nvPr>
             <p:ph type="title"/>
           </p:nvPr>
@@ -11659,12 +12010,12 @@
           </a:prstGeom>
         </p:spPr>
         <p:txBody>
-          <a:bodyPr anchorCtr="0" anchor="t" bIns="91425" lIns="91425" spcFirstLastPara="1" rIns="91425" wrap="square" tIns="91425">
+          <a:bodyPr spcFirstLastPara="1" wrap="square" lIns="91425" tIns="91425" rIns="91425" bIns="91425" anchor="t" anchorCtr="0">
             <a:noAutofit/>
           </a:bodyPr>
           <a:lstStyle/>
           <a:p>
-            <a:pPr indent="0" lvl="0" marL="0" rtl="0" algn="l">
+            <a:pPr marL="0" lvl="0" indent="0" algn="l" rtl="0">
               <a:spcBef>
                 <a:spcPts val="0"/>
               </a:spcBef>
@@ -11689,9 +12040,11 @@
       <p:sp>
         <p:nvSpPr>
           <p:cNvPr id="86" name="Google Shape;86;p18"/>
-          <p:cNvSpPr txBox="1"/>
+          <p:cNvSpPr txBox="1">
+            <a:spLocks noGrp="1"/>
+          </p:cNvSpPr>
           <p:nvPr>
-            <p:ph idx="1" type="body"/>
+            <p:ph type="body" idx="1"/>
           </p:nvPr>
         </p:nvSpPr>
         <p:spPr>
@@ -11704,12 +12057,12 @@
           </a:prstGeom>
         </p:spPr>
         <p:txBody>
-          <a:bodyPr anchorCtr="0" anchor="t" bIns="91425" lIns="91425" spcFirstLastPara="1" rIns="91425" wrap="square" tIns="91425">
+          <a:bodyPr spcFirstLastPara="1" wrap="square" lIns="91425" tIns="91425" rIns="91425" bIns="91425" anchor="t" anchorCtr="0">
             <a:noAutofit/>
           </a:bodyPr>
           <a:lstStyle/>
           <a:p>
-            <a:pPr indent="0" lvl="0" marL="0" marR="0" rtl="0" algn="l">
+            <a:pPr marL="0" marR="0" lvl="0" indent="0" algn="l" rtl="0">
               <a:lnSpc>
                 <a:spcPct val="115000"/>
               </a:lnSpc>
@@ -11722,25 +12075,25 @@
               <a:buNone/>
             </a:pPr>
             <a:r>
-              <a:rPr lang="en" sz="1500"/>
-              <a:t>5.	</a:t>
-            </a:r>
-            <a:r>
-              <a:rPr lang="en" sz="1500"/>
-              <a:t>H</a:t>
-            </a:r>
-            <a:r>
-              <a:rPr baseline="-25000" lang="en" sz="1500"/>
+              <a:rPr lang="en" sz="1500" dirty="0"/>
+              <a:t>5.	H</a:t>
+            </a:r>
+            <a:r>
+              <a:rPr lang="en" sz="1500" baseline="-25000" dirty="0"/>
               <a:t>0</a:t>
             </a:r>
             <a:r>
-              <a:rPr lang="en" sz="1500"/>
-              <a:t>: Hypothesis 5</a:t>
-            </a:r>
-            <a:endParaRPr sz="1500"/>
-          </a:p>
-          <a:p>
-            <a:pPr indent="457200" lvl="0" marL="0" rtl="0" algn="l">
+              <a:rPr lang="en" sz="1500" dirty="0"/>
+              <a:t>: </a:t>
+            </a:r>
+            <a:r>
+              <a:rPr lang="en" sz="1500" dirty="0" smtClean="0"/>
+              <a:t>The budget has no effect on movie success</a:t>
+            </a:r>
+            <a:endParaRPr sz="1500" dirty="0"/>
+          </a:p>
+          <a:p>
+            <a:pPr marL="0" lvl="0" indent="457200" algn="l" rtl="0">
               <a:spcBef>
                 <a:spcPts val="1600"/>
               </a:spcBef>
@@ -11755,21 +12108,25 @@
               <a:buNone/>
             </a:pPr>
             <a:r>
-              <a:rPr lang="en" sz="1500"/>
+              <a:rPr lang="en" sz="1500" dirty="0"/>
               <a:t>H</a:t>
             </a:r>
             <a:r>
-              <a:rPr baseline="-25000" lang="en" sz="1500"/>
+              <a:rPr lang="en" sz="1500" baseline="-25000" dirty="0"/>
               <a:t>1</a:t>
             </a:r>
             <a:r>
-              <a:rPr lang="en" sz="1500"/>
-              <a:t>: Null Hypothesis 5</a:t>
-            </a:r>
-            <a:endParaRPr sz="1500"/>
-          </a:p>
-          <a:p>
-            <a:pPr indent="0" lvl="0" marL="0" marR="0" rtl="0" algn="l">
+              <a:rPr lang="en" sz="1500" dirty="0"/>
+              <a:t>: </a:t>
+            </a:r>
+            <a:r>
+              <a:rPr lang="en" sz="1500" dirty="0" smtClean="0"/>
+              <a:t>the budget will effect the success of a movie</a:t>
+            </a:r>
+            <a:endParaRPr sz="1500" dirty="0" smtClean="0"/>
+          </a:p>
+          <a:p>
+            <a:pPr marL="0" marR="0" lvl="0" indent="0" algn="l" rtl="0">
               <a:lnSpc>
                 <a:spcPct val="115000"/>
               </a:lnSpc>
@@ -11782,25 +12139,21 @@
               <a:buNone/>
             </a:pPr>
             <a:r>
-              <a:rPr lang="en" sz="1500"/>
-              <a:t>6.	</a:t>
-            </a:r>
-            <a:r>
-              <a:rPr lang="en" sz="1500"/>
-              <a:t>H</a:t>
-            </a:r>
-            <a:r>
-              <a:rPr baseline="-25000" lang="en" sz="1500"/>
+              <a:rPr lang="en" sz="1500" dirty="0" smtClean="0"/>
+              <a:t>6.	H</a:t>
+            </a:r>
+            <a:r>
+              <a:rPr lang="en" sz="1500" baseline="-25000" dirty="0" smtClean="0"/>
               <a:t>0</a:t>
             </a:r>
             <a:r>
-              <a:rPr lang="en" sz="1500"/>
+              <a:rPr lang="en" sz="1500" dirty="0" smtClean="0"/>
               <a:t>: The mean IMDB score will increase with the quantity of movies made per director.</a:t>
             </a:r>
-            <a:endParaRPr sz="1500"/>
-          </a:p>
-          <a:p>
-            <a:pPr indent="457200" lvl="0" marL="0" marR="0" rtl="0" algn="l">
+            <a:endParaRPr sz="1500" dirty="0" smtClean="0"/>
+          </a:p>
+          <a:p>
+            <a:pPr marL="0" marR="0" lvl="0" indent="457200" algn="l" rtl="0">
               <a:lnSpc>
                 <a:spcPct val="115000"/>
               </a:lnSpc>
@@ -11813,21 +12166,21 @@
               <a:buNone/>
             </a:pPr>
             <a:r>
-              <a:rPr lang="en" sz="1500"/>
+              <a:rPr lang="en" sz="1500" dirty="0" smtClean="0"/>
               <a:t>H</a:t>
             </a:r>
             <a:r>
-              <a:rPr baseline="-25000" lang="en" sz="1500"/>
+              <a:rPr lang="en" sz="1500" baseline="-25000" dirty="0" smtClean="0"/>
               <a:t>1</a:t>
             </a:r>
             <a:r>
-              <a:rPr lang="en" sz="1500"/>
+              <a:rPr lang="en" sz="1500" dirty="0"/>
               <a:t>: The mean IMDB score will not increase with the quantity of movies made per director.</a:t>
             </a:r>
-            <a:endParaRPr sz="1500"/>
-          </a:p>
-          <a:p>
-            <a:pPr indent="0" lvl="0" marL="0" marR="0" rtl="0" algn="l">
+            <a:endParaRPr sz="1500" dirty="0"/>
+          </a:p>
+          <a:p>
+            <a:pPr marL="0" marR="0" lvl="0" indent="0" algn="l" rtl="0">
               <a:lnSpc>
                 <a:spcPct val="115000"/>
               </a:lnSpc>
@@ -11840,21 +12193,21 @@
               <a:buNone/>
             </a:pPr>
             <a:r>
-              <a:rPr lang="en" sz="1500"/>
+              <a:rPr lang="en" sz="1500" dirty="0"/>
               <a:t>7. 	H</a:t>
             </a:r>
             <a:r>
-              <a:rPr baseline="-25000" lang="en" sz="1500"/>
+              <a:rPr lang="en" sz="1500" baseline="-25000" dirty="0"/>
               <a:t>0</a:t>
             </a:r>
             <a:r>
-              <a:rPr lang="en" sz="1500"/>
+              <a:rPr lang="en" sz="1500" dirty="0"/>
               <a:t>: The mean IMDB score will increase with the quantity of appearances by top actors.</a:t>
             </a:r>
-            <a:endParaRPr sz="1500"/>
-          </a:p>
-          <a:p>
-            <a:pPr indent="457200" lvl="0" marL="0" rtl="0" algn="l">
+            <a:endParaRPr sz="1500" dirty="0"/>
+          </a:p>
+          <a:p>
+            <a:pPr marL="0" lvl="0" indent="457200" algn="l" rtl="0">
               <a:spcBef>
                 <a:spcPts val="1600"/>
               </a:spcBef>
@@ -11869,18 +12222,119 @@
               <a:buNone/>
             </a:pPr>
             <a:r>
-              <a:rPr lang="en" sz="1500"/>
+              <a:rPr lang="en" sz="1500" dirty="0"/>
               <a:t>H</a:t>
             </a:r>
             <a:r>
-              <a:rPr baseline="-25000" lang="en" sz="1500"/>
+              <a:rPr lang="en" sz="1500" baseline="-25000" dirty="0"/>
               <a:t>1</a:t>
             </a:r>
             <a:r>
-              <a:rPr lang="en" sz="1500"/>
-              <a:t>: The mean IMDB score will not increase with the quantity of appearances by top actors.</a:t>
-            </a:r>
-            <a:endParaRPr sz="1500"/>
+              <a:rPr lang="en" sz="1500" dirty="0"/>
+              <a:t>: The mean IMDB score will not increase with the quantity of appearances by top </a:t>
+            </a:r>
+            <a:r>
+              <a:rPr lang="en" sz="1500" dirty="0" smtClean="0"/>
+              <a:t>actors.</a:t>
+            </a:r>
+          </a:p>
+          <a:p>
+            <a:pPr marL="0" lvl="0" indent="0">
+              <a:spcBef>
+                <a:spcPts val="1600"/>
+              </a:spcBef>
+              <a:buNone/>
+            </a:pPr>
+            <a:r>
+              <a:rPr lang="en" sz="1500" dirty="0" smtClean="0"/>
+              <a:t>8. </a:t>
+            </a:r>
+            <a:r>
+              <a:rPr lang="en-US" sz="1500" dirty="0"/>
+              <a:t>H</a:t>
+            </a:r>
+            <a:r>
+              <a:rPr lang="en-US" sz="1500" baseline="-25000" dirty="0"/>
+              <a:t>0</a:t>
+            </a:r>
+            <a:r>
+              <a:rPr lang="en-US" sz="1500" dirty="0"/>
+              <a:t>: T</a:t>
+            </a:r>
+            <a:r>
+              <a:rPr lang="en-US" sz="1500" dirty="0" smtClean="0"/>
+              <a:t>he aspect ratio of a movie will not effect the profit of a movie</a:t>
+            </a:r>
+            <a:endParaRPr lang="en-US" sz="1500" dirty="0"/>
+          </a:p>
+          <a:p>
+            <a:pPr marL="0" indent="457200">
+              <a:spcBef>
+                <a:spcPts val="1600"/>
+              </a:spcBef>
+              <a:spcAft>
+                <a:spcPts val="1600"/>
+              </a:spcAft>
+              <a:buClr>
+                <a:schemeClr val="dk1"/>
+              </a:buClr>
+              <a:buSzPts val="1100"/>
+              <a:buNone/>
+            </a:pPr>
+            <a:r>
+              <a:rPr lang="en-US" sz="1500" dirty="0"/>
+              <a:t>H</a:t>
+            </a:r>
+            <a:r>
+              <a:rPr lang="en-US" sz="1500" baseline="-25000" dirty="0"/>
+              <a:t>1</a:t>
+            </a:r>
+            <a:r>
+              <a:rPr lang="en-US" sz="1500" dirty="0"/>
+              <a:t>: </a:t>
+            </a:r>
+            <a:r>
+              <a:rPr lang="en-US" sz="1500" dirty="0" smtClean="0"/>
+              <a:t>The </a:t>
+            </a:r>
+            <a:r>
+              <a:rPr lang="en-US" sz="1500" dirty="0"/>
+              <a:t>aspect ratio of a movie </a:t>
+            </a:r>
+            <a:r>
+              <a:rPr lang="en-US" sz="1500"/>
+              <a:t>will </a:t>
+            </a:r>
+            <a:r>
+              <a:rPr lang="en-US" sz="1500" smtClean="0"/>
+              <a:t>effect </a:t>
+            </a:r>
+            <a:r>
+              <a:rPr lang="en-US" sz="1500" dirty="0"/>
+              <a:t>the profit of a </a:t>
+            </a:r>
+            <a:r>
+              <a:rPr lang="en-US" sz="1500" dirty="0" smtClean="0"/>
+              <a:t>movie</a:t>
+            </a:r>
+            <a:endParaRPr lang="en-US" sz="1500" dirty="0"/>
+          </a:p>
+          <a:p>
+            <a:pPr marL="0" lvl="0" indent="457200" algn="l" rtl="0">
+              <a:spcBef>
+                <a:spcPts val="1600"/>
+              </a:spcBef>
+              <a:spcAft>
+                <a:spcPts val="1600"/>
+              </a:spcAft>
+              <a:buClr>
+                <a:schemeClr val="dk1"/>
+              </a:buClr>
+              <a:buSzPts val="1100"/>
+              <a:buFont typeface="Arial"/>
+              <a:buNone/>
+            </a:pPr>
+            <a:endParaRPr sz="1500" dirty="0"/>
           </a:p>
         </p:txBody>
       </p:sp>
@@ -11893,11 +12347,11 @@
 </file>
 
 <file path=ppt/slides/slide7.xml><?xml version="1.0" encoding="utf-8"?>
-<p:sld xmlns:a="http://schemas.openxmlformats.org/drawingml/2006/main" xmlns:r="http://schemas.openxmlformats.org/officeDocument/2006/relationships" xmlns:mc="http://schemas.openxmlformats.org/markup-compatibility/2006" xmlns:mv="urn:schemas-microsoft-com:mac:vml" xmlns:p="http://schemas.openxmlformats.org/presentationml/2006/main" xmlns:c="http://schemas.openxmlformats.org/drawingml/2006/chart" xmlns:dgm="http://schemas.openxmlformats.org/drawingml/2006/diagram" xmlns:o="urn:schemas-microsoft-com:office:office" xmlns:v="urn:schemas-microsoft-com:vml" xmlns:pvml="urn:schemas-microsoft-com:office:powerpoint" xmlns:com="http://schemas.openxmlformats.org/drawingml/2006/compatibility" xmlns:p14="http://schemas.microsoft.com/office/powerpoint/2010/main" xmlns:p15="http://schemas.microsoft.com/office/powerpoint/2012/main">
+<p:sld xmlns:a="http://schemas.openxmlformats.org/drawingml/2006/main" xmlns:r="http://schemas.openxmlformats.org/officeDocument/2006/relationships" xmlns:p="http://schemas.openxmlformats.org/presentationml/2006/main">
   <p:cSld>
     <p:spTree>
       <p:nvGrpSpPr>
-        <p:cNvPr id="90" name="Shape 90"/>
+        <p:cNvPr id="1" name="Shape 90"/>
         <p:cNvGrpSpPr/>
         <p:nvPr/>
       </p:nvGrpSpPr>
@@ -11912,7 +12366,9 @@
       <p:sp>
         <p:nvSpPr>
           <p:cNvPr id="91" name="Google Shape;91;p19"/>
-          <p:cNvSpPr txBox="1"/>
+          <p:cNvSpPr txBox="1">
+            <a:spLocks noGrp="1"/>
+          </p:cNvSpPr>
           <p:nvPr>
             <p:ph type="title"/>
           </p:nvPr>
@@ -11927,12 +12383,12 @@
           </a:prstGeom>
         </p:spPr>
         <p:txBody>
-          <a:bodyPr anchorCtr="0" anchor="t" bIns="91425" lIns="91425" spcFirstLastPara="1" rIns="91425" wrap="square" tIns="91425">
+          <a:bodyPr spcFirstLastPara="1" wrap="square" lIns="91425" tIns="91425" rIns="91425" bIns="91425" anchor="t" anchorCtr="0">
             <a:noAutofit/>
           </a:bodyPr>
           <a:lstStyle/>
           <a:p>
-            <a:pPr indent="0" lvl="0" marL="0" rtl="0" algn="l">
+            <a:pPr marL="0" lvl="0" indent="0" algn="l" rtl="0">
               <a:spcBef>
                 <a:spcPts val="0"/>
               </a:spcBef>
@@ -11958,11 +12414,11 @@
 </file>
 
 <file path=ppt/slides/slide8.xml><?xml version="1.0" encoding="utf-8"?>
-<p:sld xmlns:a="http://schemas.openxmlformats.org/drawingml/2006/main" xmlns:r="http://schemas.openxmlformats.org/officeDocument/2006/relationships" xmlns:mc="http://schemas.openxmlformats.org/markup-compatibility/2006" xmlns:mv="urn:schemas-microsoft-com:mac:vml" xmlns:p="http://schemas.openxmlformats.org/presentationml/2006/main" xmlns:c="http://schemas.openxmlformats.org/drawingml/2006/chart" xmlns:dgm="http://schemas.openxmlformats.org/drawingml/2006/diagram" xmlns:o="urn:schemas-microsoft-com:office:office" xmlns:v="urn:schemas-microsoft-com:vml" xmlns:pvml="urn:schemas-microsoft-com:office:powerpoint" xmlns:com="http://schemas.openxmlformats.org/drawingml/2006/compatibility" xmlns:p14="http://schemas.microsoft.com/office/powerpoint/2010/main" xmlns:p15="http://schemas.microsoft.com/office/powerpoint/2012/main">
+<p:sld xmlns:a="http://schemas.openxmlformats.org/drawingml/2006/main" xmlns:r="http://schemas.openxmlformats.org/officeDocument/2006/relationships" xmlns:p="http://schemas.openxmlformats.org/presentationml/2006/main">
   <p:cSld>
     <p:spTree>
       <p:nvGrpSpPr>
-        <p:cNvPr id="95" name="Shape 95"/>
+        <p:cNvPr id="1" name="Shape 95"/>
         <p:cNvGrpSpPr/>
         <p:nvPr/>
       </p:nvGrpSpPr>
@@ -11977,7 +12433,9 @@
       <p:sp>
         <p:nvSpPr>
           <p:cNvPr id="96" name="Google Shape;96;p20"/>
-          <p:cNvSpPr txBox="1"/>
+          <p:cNvSpPr txBox="1">
+            <a:spLocks noGrp="1"/>
+          </p:cNvSpPr>
           <p:nvPr>
             <p:ph type="title"/>
           </p:nvPr>
@@ -11992,12 +12450,12 @@
           </a:prstGeom>
         </p:spPr>
         <p:txBody>
-          <a:bodyPr anchorCtr="0" anchor="t" bIns="91425" lIns="91425" spcFirstLastPara="1" rIns="91425" wrap="square" tIns="91425">
+          <a:bodyPr spcFirstLastPara="1" wrap="square" lIns="91425" tIns="91425" rIns="91425" bIns="91425" anchor="t" anchorCtr="0">
             <a:noAutofit/>
           </a:bodyPr>
           <a:lstStyle/>
           <a:p>
-            <a:pPr indent="0" lvl="0" marL="0" rtl="0" algn="l">
+            <a:pPr marL="0" lvl="0" indent="0" algn="l" rtl="0">
               <a:spcBef>
                 <a:spcPts val="0"/>
               </a:spcBef>
@@ -12017,9 +12475,11 @@
       <p:sp>
         <p:nvSpPr>
           <p:cNvPr id="97" name="Google Shape;97;p20"/>
-          <p:cNvSpPr txBox="1"/>
+          <p:cNvSpPr txBox="1">
+            <a:spLocks noGrp="1"/>
+          </p:cNvSpPr>
           <p:nvPr>
-            <p:ph idx="1" type="body"/>
+            <p:ph type="body" idx="1"/>
           </p:nvPr>
         </p:nvSpPr>
         <p:spPr>
@@ -12032,12 +12492,12 @@
           </a:prstGeom>
         </p:spPr>
         <p:txBody>
-          <a:bodyPr anchorCtr="0" anchor="t" bIns="91425" lIns="91425" spcFirstLastPara="1" rIns="91425" wrap="square" tIns="91425">
+          <a:bodyPr spcFirstLastPara="1" wrap="square" lIns="91425" tIns="91425" rIns="91425" bIns="91425" anchor="t" anchorCtr="0">
             <a:noAutofit/>
           </a:bodyPr>
           <a:lstStyle/>
           <a:p>
-            <a:pPr indent="0" lvl="0" marL="0" rtl="0" algn="l">
+            <a:pPr marL="0" lvl="0" indent="0" algn="l" rtl="0">
               <a:spcBef>
                 <a:spcPts val="0"/>
               </a:spcBef>
@@ -12119,11 +12579,11 @@
 </file>
 
 <file path=ppt/slides/slide9.xml><?xml version="1.0" encoding="utf-8"?>
-<p:sld xmlns:a="http://schemas.openxmlformats.org/drawingml/2006/main" xmlns:r="http://schemas.openxmlformats.org/officeDocument/2006/relationships" xmlns:mc="http://schemas.openxmlformats.org/markup-compatibility/2006" xmlns:mv="urn:schemas-microsoft-com:mac:vml" xmlns:p="http://schemas.openxmlformats.org/presentationml/2006/main" xmlns:c="http://schemas.openxmlformats.org/drawingml/2006/chart" xmlns:dgm="http://schemas.openxmlformats.org/drawingml/2006/diagram" xmlns:o="urn:schemas-microsoft-com:office:office" xmlns:v="urn:schemas-microsoft-com:vml" xmlns:pvml="urn:schemas-microsoft-com:office:powerpoint" xmlns:com="http://schemas.openxmlformats.org/drawingml/2006/compatibility" xmlns:p14="http://schemas.microsoft.com/office/powerpoint/2010/main" xmlns:p15="http://schemas.microsoft.com/office/powerpoint/2012/main">
+<p:sld xmlns:a="http://schemas.openxmlformats.org/drawingml/2006/main" xmlns:r="http://schemas.openxmlformats.org/officeDocument/2006/relationships" xmlns:p="http://schemas.openxmlformats.org/presentationml/2006/main">
   <p:cSld>
     <p:spTree>
       <p:nvGrpSpPr>
-        <p:cNvPr id="103" name="Shape 103"/>
+        <p:cNvPr id="1" name="Shape 103"/>
         <p:cNvGrpSpPr/>
         <p:nvPr/>
       </p:nvGrpSpPr>
@@ -12138,7 +12598,9 @@
       <p:sp>
         <p:nvSpPr>
           <p:cNvPr id="104" name="Google Shape;104;p21"/>
-          <p:cNvSpPr txBox="1"/>
+          <p:cNvSpPr txBox="1">
+            <a:spLocks noGrp="1"/>
+          </p:cNvSpPr>
           <p:nvPr>
             <p:ph type="title"/>
           </p:nvPr>
@@ -12153,12 +12615,12 @@
           </a:prstGeom>
         </p:spPr>
         <p:txBody>
-          <a:bodyPr anchorCtr="0" anchor="t" bIns="91425" lIns="91425" spcFirstLastPara="1" rIns="91425" wrap="square" tIns="91425">
+          <a:bodyPr spcFirstLastPara="1" wrap="square" lIns="91425" tIns="91425" rIns="91425" bIns="91425" anchor="t" anchorCtr="0">
             <a:noAutofit/>
           </a:bodyPr>
           <a:lstStyle/>
           <a:p>
-            <a:pPr indent="0" lvl="0" marL="0" rtl="0" algn="l">
+            <a:pPr marL="0" lvl="0" indent="0" algn="l" rtl="0">
               <a:spcBef>
                 <a:spcPts val="0"/>
               </a:spcBef>
@@ -12240,7 +12702,7 @@
 </file>
 
 <file path=ppt/theme/theme1.xml><?xml version="1.0" encoding="utf-8"?>
-<a:theme xmlns:a="http://schemas.openxmlformats.org/drawingml/2006/main" xmlns:r="http://schemas.openxmlformats.org/officeDocument/2006/relationships" name="Simple Light">
+<a:theme xmlns:a="http://schemas.openxmlformats.org/drawingml/2006/main" name="Simple Light">
   <a:themeElements>
     <a:clrScheme name="Simple Light">
       <a:dk1>
@@ -12515,11 +12977,13 @@
       </a:bgFillStyleLst>
     </a:fmtScheme>
   </a:themeElements>
+  <a:objectDefaults/>
+  <a:extraClrSchemeLst/>
 </a:theme>
 </file>
 
 <file path=ppt/theme/theme2.xml><?xml version="1.0" encoding="utf-8"?>
-<a:theme xmlns:a="http://schemas.openxmlformats.org/drawingml/2006/main" xmlns:r="http://schemas.openxmlformats.org/officeDocument/2006/relationships">
+<a:theme xmlns:a="http://schemas.openxmlformats.org/drawingml/2006/main">
   <a:themeElements>
     <a:clrScheme name="Default">
       <a:dk1>
@@ -12794,5 +13258,7 @@
       </a:bgFillStyleLst>
     </a:fmtScheme>
   </a:themeElements>
+  <a:objectDefaults/>
+  <a:extraClrSchemeLst/>
 </a:theme>
 </file>